--- a/documentation/Presentation2.pptx
+++ b/documentation/Presentation2.pptx
@@ -12,13 +12,10 @@
     <p:sldId id="260" r:id="rId6"/>
     <p:sldId id="261" r:id="rId7"/>
     <p:sldId id="262" r:id="rId8"/>
-    <p:sldId id="263" r:id="rId9"/>
-    <p:sldId id="264" r:id="rId10"/>
-    <p:sldId id="265" r:id="rId11"/>
-    <p:sldId id="269" r:id="rId12"/>
-    <p:sldId id="266" r:id="rId13"/>
-    <p:sldId id="267" r:id="rId14"/>
-    <p:sldId id="268" r:id="rId15"/>
+    <p:sldId id="269" r:id="rId9"/>
+    <p:sldId id="266" r:id="rId10"/>
+    <p:sldId id="267" r:id="rId11"/>
+    <p:sldId id="268" r:id="rId12"/>
   </p:sldIdLst>
   <p:sldSz cx="12192000" cy="6858000"/>
   <p:notesSz cx="6858000" cy="9144000"/>
@@ -129,9 +126,6 @@
             <p14:sldId id="260"/>
             <p14:sldId id="261"/>
             <p14:sldId id="262"/>
-            <p14:sldId id="263"/>
-            <p14:sldId id="264"/>
-            <p14:sldId id="265"/>
             <p14:sldId id="269"/>
             <p14:sldId id="266"/>
             <p14:sldId id="267"/>
@@ -930,755 +924,6 @@
 </file>
 
 <file path=ppt/diagrams/colors2.xml><?xml version="1.0" encoding="utf-8"?>
-<dgm:colorsDef xmlns:dgm="http://schemas.openxmlformats.org/drawingml/2006/diagram" xmlns:a="http://schemas.openxmlformats.org/drawingml/2006/main" uniqueId="urn:microsoft.com/office/officeart/2018/5/colors/Iconchunking_neutralbg_accent1_2">
-  <dgm:title val=""/>
-  <dgm:desc val=""/>
-  <dgm:catLst>
-    <dgm:cat type="accent1" pri="11200"/>
-  </dgm:catLst>
-  <dgm:styleLbl name="node0">
-    <dgm:fillClrLst meth="repeat">
-      <a:schemeClr val="accent1"/>
-    </dgm:fillClrLst>
-    <dgm:linClrLst meth="repeat">
-      <a:schemeClr val="lt1"/>
-    </dgm:linClrLst>
-    <dgm:effectClrLst/>
-    <dgm:txLinClrLst/>
-    <dgm:txFillClrLst/>
-    <dgm:txEffectClrLst/>
-  </dgm:styleLbl>
-  <dgm:styleLbl name="alignNode1">
-    <dgm:fillClrLst meth="repeat">
-      <a:schemeClr val="accent1"/>
-    </dgm:fillClrLst>
-    <dgm:linClrLst meth="repeat">
-      <a:schemeClr val="accent1"/>
-    </dgm:linClrLst>
-    <dgm:effectClrLst/>
-    <dgm:txLinClrLst/>
-    <dgm:txFillClrLst/>
-    <dgm:txEffectClrLst/>
-  </dgm:styleLbl>
-  <dgm:styleLbl name="node1">
-    <dgm:fillClrLst meth="repeat">
-      <a:schemeClr val="accent1"/>
-    </dgm:fillClrLst>
-    <dgm:linClrLst meth="repeat">
-      <a:schemeClr val="lt1">
-        <a:alpha val="0"/>
-      </a:schemeClr>
-    </dgm:linClrLst>
-    <dgm:effectClrLst/>
-    <dgm:txLinClrLst/>
-    <dgm:txFillClrLst/>
-    <dgm:txEffectClrLst/>
-  </dgm:styleLbl>
-  <dgm:styleLbl name="lnNode1">
-    <dgm:fillClrLst meth="repeat">
-      <a:schemeClr val="accent1"/>
-    </dgm:fillClrLst>
-    <dgm:linClrLst meth="repeat">
-      <a:schemeClr val="lt1"/>
-    </dgm:linClrLst>
-    <dgm:effectClrLst/>
-    <dgm:txLinClrLst/>
-    <dgm:txFillClrLst/>
-    <dgm:txEffectClrLst/>
-  </dgm:styleLbl>
-  <dgm:styleLbl name="vennNode1">
-    <dgm:fillClrLst meth="repeat">
-      <a:schemeClr val="accent1">
-        <a:alpha val="50000"/>
-      </a:schemeClr>
-    </dgm:fillClrLst>
-    <dgm:linClrLst meth="repeat">
-      <a:schemeClr val="lt1"/>
-    </dgm:linClrLst>
-    <dgm:effectClrLst/>
-    <dgm:txLinClrLst/>
-    <dgm:txFillClrLst/>
-    <dgm:txEffectClrLst/>
-  </dgm:styleLbl>
-  <dgm:styleLbl name="node2">
-    <dgm:fillClrLst meth="repeat">
-      <a:schemeClr val="accent1"/>
-    </dgm:fillClrLst>
-    <dgm:linClrLst meth="repeat">
-      <a:schemeClr val="lt1"/>
-    </dgm:linClrLst>
-    <dgm:effectClrLst/>
-    <dgm:txLinClrLst/>
-    <dgm:txFillClrLst/>
-    <dgm:txEffectClrLst/>
-  </dgm:styleLbl>
-  <dgm:styleLbl name="node3">
-    <dgm:fillClrLst meth="repeat">
-      <a:schemeClr val="accent1"/>
-    </dgm:fillClrLst>
-    <dgm:linClrLst meth="repeat">
-      <a:schemeClr val="lt1"/>
-    </dgm:linClrLst>
-    <dgm:effectClrLst/>
-    <dgm:txLinClrLst/>
-    <dgm:txFillClrLst/>
-    <dgm:txEffectClrLst/>
-  </dgm:styleLbl>
-  <dgm:styleLbl name="node4">
-    <dgm:fillClrLst meth="repeat">
-      <a:schemeClr val="accent1"/>
-    </dgm:fillClrLst>
-    <dgm:linClrLst meth="repeat">
-      <a:schemeClr val="lt1"/>
-    </dgm:linClrLst>
-    <dgm:effectClrLst/>
-    <dgm:txLinClrLst/>
-    <dgm:txFillClrLst/>
-    <dgm:txEffectClrLst/>
-  </dgm:styleLbl>
-  <dgm:styleLbl name="fgImgPlace1">
-    <dgm:fillClrLst meth="repeat">
-      <a:schemeClr val="accent1">
-        <a:tint val="50000"/>
-      </a:schemeClr>
-    </dgm:fillClrLst>
-    <dgm:linClrLst meth="repeat">
-      <a:schemeClr val="lt1"/>
-    </dgm:linClrLst>
-    <dgm:effectClrLst/>
-    <dgm:txLinClrLst/>
-    <dgm:txFillClrLst meth="repeat">
-      <a:schemeClr val="lt1"/>
-    </dgm:txFillClrLst>
-    <dgm:txEffectClrLst/>
-  </dgm:styleLbl>
-  <dgm:styleLbl name="alignImgPlace1">
-    <dgm:fillClrLst meth="repeat">
-      <a:schemeClr val="accent1">
-        <a:tint val="50000"/>
-      </a:schemeClr>
-    </dgm:fillClrLst>
-    <dgm:linClrLst meth="repeat">
-      <a:schemeClr val="lt1"/>
-    </dgm:linClrLst>
-    <dgm:effectClrLst/>
-    <dgm:txLinClrLst/>
-    <dgm:txFillClrLst meth="repeat">
-      <a:schemeClr val="lt1"/>
-    </dgm:txFillClrLst>
-    <dgm:txEffectClrLst/>
-  </dgm:styleLbl>
-  <dgm:styleLbl name="bgImgPlace1">
-    <dgm:fillClrLst meth="repeat">
-      <a:schemeClr val="accent1">
-        <a:tint val="50000"/>
-      </a:schemeClr>
-    </dgm:fillClrLst>
-    <dgm:linClrLst meth="repeat">
-      <a:schemeClr val="lt1"/>
-    </dgm:linClrLst>
-    <dgm:effectClrLst/>
-    <dgm:txLinClrLst/>
-    <dgm:txFillClrLst meth="repeat">
-      <a:schemeClr val="lt1"/>
-    </dgm:txFillClrLst>
-    <dgm:txEffectClrLst/>
-  </dgm:styleLbl>
-  <dgm:styleLbl name="sibTrans2D1">
-    <dgm:fillClrLst meth="repeat">
-      <a:schemeClr val="accent1">
-        <a:tint val="60000"/>
-      </a:schemeClr>
-    </dgm:fillClrLst>
-    <dgm:linClrLst meth="repeat">
-      <a:schemeClr val="accent1">
-        <a:tint val="60000"/>
-      </a:schemeClr>
-    </dgm:linClrLst>
-    <dgm:effectClrLst/>
-    <dgm:txLinClrLst/>
-    <dgm:txFillClrLst/>
-    <dgm:txEffectClrLst/>
-  </dgm:styleLbl>
-  <dgm:styleLbl name="fgSibTrans2D1">
-    <dgm:fillClrLst meth="repeat">
-      <a:schemeClr val="accent1">
-        <a:tint val="60000"/>
-      </a:schemeClr>
-    </dgm:fillClrLst>
-    <dgm:linClrLst meth="repeat">
-      <a:schemeClr val="accent1">
-        <a:tint val="60000"/>
-      </a:schemeClr>
-    </dgm:linClrLst>
-    <dgm:effectClrLst/>
-    <dgm:txLinClrLst/>
-    <dgm:txFillClrLst/>
-    <dgm:txEffectClrLst/>
-  </dgm:styleLbl>
-  <dgm:styleLbl name="bgSibTrans2D1">
-    <dgm:fillClrLst meth="repeat">
-      <a:schemeClr val="accent1">
-        <a:tint val="60000"/>
-      </a:schemeClr>
-    </dgm:fillClrLst>
-    <dgm:linClrLst meth="repeat">
-      <a:schemeClr val="accent1">
-        <a:tint val="60000"/>
-      </a:schemeClr>
-    </dgm:linClrLst>
-    <dgm:effectClrLst/>
-    <dgm:txLinClrLst/>
-    <dgm:txFillClrLst/>
-    <dgm:txEffectClrLst/>
-  </dgm:styleLbl>
-  <dgm:styleLbl name="sibTrans1D1">
-    <dgm:fillClrLst meth="repeat">
-      <a:schemeClr val="accent1"/>
-    </dgm:fillClrLst>
-    <dgm:linClrLst meth="repeat">
-      <a:schemeClr val="accent1"/>
-    </dgm:linClrLst>
-    <dgm:effectClrLst/>
-    <dgm:txLinClrLst/>
-    <dgm:txFillClrLst meth="repeat">
-      <a:schemeClr val="tx1"/>
-    </dgm:txFillClrLst>
-    <dgm:txEffectClrLst/>
-  </dgm:styleLbl>
-  <dgm:styleLbl name="callout">
-    <dgm:fillClrLst meth="repeat">
-      <a:schemeClr val="accent1"/>
-    </dgm:fillClrLst>
-    <dgm:linClrLst meth="repeat">
-      <a:schemeClr val="accent1">
-        <a:tint val="50000"/>
-      </a:schemeClr>
-    </dgm:linClrLst>
-    <dgm:effectClrLst/>
-    <dgm:txLinClrLst/>
-    <dgm:txFillClrLst meth="repeat">
-      <a:schemeClr val="tx1"/>
-    </dgm:txFillClrLst>
-    <dgm:txEffectClrLst/>
-  </dgm:styleLbl>
-  <dgm:styleLbl name="asst0">
-    <dgm:fillClrLst meth="repeat">
-      <a:schemeClr val="accent1"/>
-    </dgm:fillClrLst>
-    <dgm:linClrLst meth="repeat">
-      <a:schemeClr val="lt1"/>
-    </dgm:linClrLst>
-    <dgm:effectClrLst/>
-    <dgm:txLinClrLst/>
-    <dgm:txFillClrLst/>
-    <dgm:txEffectClrLst/>
-  </dgm:styleLbl>
-  <dgm:styleLbl name="asst1">
-    <dgm:fillClrLst meth="repeat">
-      <a:schemeClr val="accent1"/>
-    </dgm:fillClrLst>
-    <dgm:linClrLst meth="repeat">
-      <a:schemeClr val="lt1"/>
-    </dgm:linClrLst>
-    <dgm:effectClrLst/>
-    <dgm:txLinClrLst/>
-    <dgm:txFillClrLst/>
-    <dgm:txEffectClrLst/>
-  </dgm:styleLbl>
-  <dgm:styleLbl name="asst2">
-    <dgm:fillClrLst meth="repeat">
-      <a:schemeClr val="accent1"/>
-    </dgm:fillClrLst>
-    <dgm:linClrLst meth="repeat">
-      <a:schemeClr val="lt1"/>
-    </dgm:linClrLst>
-    <dgm:effectClrLst/>
-    <dgm:txLinClrLst/>
-    <dgm:txFillClrLst/>
-    <dgm:txEffectClrLst/>
-  </dgm:styleLbl>
-  <dgm:styleLbl name="asst3">
-    <dgm:fillClrLst meth="repeat">
-      <a:schemeClr val="accent1"/>
-    </dgm:fillClrLst>
-    <dgm:linClrLst meth="repeat">
-      <a:schemeClr val="lt1"/>
-    </dgm:linClrLst>
-    <dgm:effectClrLst/>
-    <dgm:txLinClrLst/>
-    <dgm:txFillClrLst/>
-    <dgm:txEffectClrLst/>
-  </dgm:styleLbl>
-  <dgm:styleLbl name="asst4">
-    <dgm:fillClrLst meth="repeat">
-      <a:schemeClr val="accent1"/>
-    </dgm:fillClrLst>
-    <dgm:linClrLst meth="repeat">
-      <a:schemeClr val="lt1"/>
-    </dgm:linClrLst>
-    <dgm:effectClrLst/>
-    <dgm:txLinClrLst/>
-    <dgm:txFillClrLst/>
-    <dgm:txEffectClrLst/>
-  </dgm:styleLbl>
-  <dgm:styleLbl name="parChTrans2D1">
-    <dgm:fillClrLst meth="repeat">
-      <a:schemeClr val="accent1">
-        <a:tint val="60000"/>
-      </a:schemeClr>
-    </dgm:fillClrLst>
-    <dgm:linClrLst meth="repeat">
-      <a:schemeClr val="accent1">
-        <a:tint val="60000"/>
-      </a:schemeClr>
-    </dgm:linClrLst>
-    <dgm:effectClrLst/>
-    <dgm:txLinClrLst/>
-    <dgm:txFillClrLst meth="repeat">
-      <a:schemeClr val="lt1"/>
-    </dgm:txFillClrLst>
-    <dgm:txEffectClrLst/>
-  </dgm:styleLbl>
-  <dgm:styleLbl name="parChTrans2D2">
-    <dgm:fillClrLst meth="repeat">
-      <a:schemeClr val="accent1"/>
-    </dgm:fillClrLst>
-    <dgm:linClrLst meth="repeat">
-      <a:schemeClr val="accent1"/>
-    </dgm:linClrLst>
-    <dgm:effectClrLst/>
-    <dgm:txLinClrLst/>
-    <dgm:txFillClrLst meth="repeat">
-      <a:schemeClr val="lt1"/>
-    </dgm:txFillClrLst>
-    <dgm:txEffectClrLst/>
-  </dgm:styleLbl>
-  <dgm:styleLbl name="parChTrans2D3">
-    <dgm:fillClrLst meth="repeat">
-      <a:schemeClr val="accent1"/>
-    </dgm:fillClrLst>
-    <dgm:linClrLst meth="repeat">
-      <a:schemeClr val="accent1"/>
-    </dgm:linClrLst>
-    <dgm:effectClrLst/>
-    <dgm:txLinClrLst/>
-    <dgm:txFillClrLst meth="repeat">
-      <a:schemeClr val="lt1"/>
-    </dgm:txFillClrLst>
-    <dgm:txEffectClrLst/>
-  </dgm:styleLbl>
-  <dgm:styleLbl name="parChTrans2D4">
-    <dgm:fillClrLst meth="repeat">
-      <a:schemeClr val="accent1"/>
-    </dgm:fillClrLst>
-    <dgm:linClrLst meth="repeat">
-      <a:schemeClr val="accent1"/>
-    </dgm:linClrLst>
-    <dgm:effectClrLst/>
-    <dgm:txLinClrLst/>
-    <dgm:txFillClrLst meth="repeat">
-      <a:schemeClr val="lt1"/>
-    </dgm:txFillClrLst>
-    <dgm:txEffectClrLst/>
-  </dgm:styleLbl>
-  <dgm:styleLbl name="parChTrans1D1">
-    <dgm:fillClrLst meth="repeat">
-      <a:schemeClr val="accent1"/>
-    </dgm:fillClrLst>
-    <dgm:linClrLst meth="repeat">
-      <a:schemeClr val="accent1">
-        <a:shade val="60000"/>
-      </a:schemeClr>
-    </dgm:linClrLst>
-    <dgm:effectClrLst/>
-    <dgm:txLinClrLst/>
-    <dgm:txFillClrLst meth="repeat">
-      <a:schemeClr val="tx1"/>
-    </dgm:txFillClrLst>
-    <dgm:txEffectClrLst/>
-  </dgm:styleLbl>
-  <dgm:styleLbl name="parChTrans1D2">
-    <dgm:fillClrLst meth="repeat">
-      <a:schemeClr val="accent1"/>
-    </dgm:fillClrLst>
-    <dgm:linClrLst meth="repeat">
-      <a:schemeClr val="accent1">
-        <a:shade val="60000"/>
-      </a:schemeClr>
-    </dgm:linClrLst>
-    <dgm:effectClrLst/>
-    <dgm:txLinClrLst/>
-    <dgm:txFillClrLst meth="repeat">
-      <a:schemeClr val="tx1"/>
-    </dgm:txFillClrLst>
-    <dgm:txEffectClrLst/>
-  </dgm:styleLbl>
-  <dgm:styleLbl name="parChTrans1D3">
-    <dgm:fillClrLst meth="repeat">
-      <a:schemeClr val="accent1"/>
-    </dgm:fillClrLst>
-    <dgm:linClrLst meth="repeat">
-      <a:schemeClr val="accent1">
-        <a:shade val="80000"/>
-      </a:schemeClr>
-    </dgm:linClrLst>
-    <dgm:effectClrLst/>
-    <dgm:txLinClrLst/>
-    <dgm:txFillClrLst meth="repeat">
-      <a:schemeClr val="tx1"/>
-    </dgm:txFillClrLst>
-    <dgm:txEffectClrLst/>
-  </dgm:styleLbl>
-  <dgm:styleLbl name="parChTrans1D4">
-    <dgm:fillClrLst meth="repeat">
-      <a:schemeClr val="accent1"/>
-    </dgm:fillClrLst>
-    <dgm:linClrLst meth="repeat">
-      <a:schemeClr val="accent1">
-        <a:shade val="80000"/>
-      </a:schemeClr>
-    </dgm:linClrLst>
-    <dgm:effectClrLst/>
-    <dgm:txLinClrLst/>
-    <dgm:txFillClrLst meth="repeat">
-      <a:schemeClr val="tx1"/>
-    </dgm:txFillClrLst>
-    <dgm:txEffectClrLst/>
-  </dgm:styleLbl>
-  <dgm:styleLbl name="fgAcc1">
-    <dgm:fillClrLst meth="repeat">
-      <a:schemeClr val="lt1">
-        <a:alpha val="90000"/>
-      </a:schemeClr>
-    </dgm:fillClrLst>
-    <dgm:linClrLst meth="repeat">
-      <a:schemeClr val="accent1"/>
-    </dgm:linClrLst>
-    <dgm:effectClrLst/>
-    <dgm:txLinClrLst/>
-    <dgm:txFillClrLst meth="repeat">
-      <a:schemeClr val="dk1"/>
-    </dgm:txFillClrLst>
-    <dgm:txEffectClrLst/>
-  </dgm:styleLbl>
-  <dgm:styleLbl name="conFgAcc1">
-    <dgm:fillClrLst meth="repeat">
-      <a:schemeClr val="lt1">
-        <a:alpha val="90000"/>
-      </a:schemeClr>
-    </dgm:fillClrLst>
-    <dgm:linClrLst meth="repeat">
-      <a:schemeClr val="accent1"/>
-    </dgm:linClrLst>
-    <dgm:effectClrLst/>
-    <dgm:txLinClrLst/>
-    <dgm:txFillClrLst meth="repeat">
-      <a:schemeClr val="dk1"/>
-    </dgm:txFillClrLst>
-    <dgm:txEffectClrLst/>
-  </dgm:styleLbl>
-  <dgm:styleLbl name="alignAcc1">
-    <dgm:fillClrLst meth="repeat">
-      <a:schemeClr val="lt1">
-        <a:alpha val="90000"/>
-      </a:schemeClr>
-    </dgm:fillClrLst>
-    <dgm:linClrLst meth="repeat">
-      <a:schemeClr val="accent1"/>
-    </dgm:linClrLst>
-    <dgm:effectClrLst/>
-    <dgm:txLinClrLst/>
-    <dgm:txFillClrLst meth="repeat">
-      <a:schemeClr val="dk1"/>
-    </dgm:txFillClrLst>
-    <dgm:txEffectClrLst/>
-  </dgm:styleLbl>
-  <dgm:styleLbl name="trAlignAcc1">
-    <dgm:fillClrLst meth="repeat">
-      <a:schemeClr val="lt1">
-        <a:alpha val="40000"/>
-      </a:schemeClr>
-    </dgm:fillClrLst>
-    <dgm:linClrLst meth="repeat">
-      <a:schemeClr val="accent1"/>
-    </dgm:linClrLst>
-    <dgm:effectClrLst/>
-    <dgm:txLinClrLst/>
-    <dgm:txFillClrLst meth="repeat">
-      <a:schemeClr val="dk1"/>
-    </dgm:txFillClrLst>
-    <dgm:txEffectClrLst/>
-  </dgm:styleLbl>
-  <dgm:styleLbl name="bgAcc1">
-    <dgm:fillClrLst meth="repeat">
-      <a:schemeClr val="lt1">
-        <a:alpha val="90000"/>
-      </a:schemeClr>
-    </dgm:fillClrLst>
-    <dgm:linClrLst meth="repeat">
-      <a:schemeClr val="accent1"/>
-    </dgm:linClrLst>
-    <dgm:effectClrLst/>
-    <dgm:txLinClrLst/>
-    <dgm:txFillClrLst meth="repeat">
-      <a:schemeClr val="dk1"/>
-    </dgm:txFillClrLst>
-    <dgm:txEffectClrLst/>
-  </dgm:styleLbl>
-  <dgm:styleLbl name="solidFgAcc1">
-    <dgm:fillClrLst meth="repeat">
-      <a:schemeClr val="lt1"/>
-    </dgm:fillClrLst>
-    <dgm:linClrLst meth="repeat">
-      <a:schemeClr val="accent1"/>
-    </dgm:linClrLst>
-    <dgm:effectClrLst/>
-    <dgm:txLinClrLst/>
-    <dgm:txFillClrLst meth="repeat">
-      <a:schemeClr val="dk1"/>
-    </dgm:txFillClrLst>
-    <dgm:txEffectClrLst/>
-  </dgm:styleLbl>
-  <dgm:styleLbl name="solidAlignAcc1">
-    <dgm:fillClrLst meth="repeat">
-      <a:schemeClr val="lt1"/>
-    </dgm:fillClrLst>
-    <dgm:linClrLst meth="repeat">
-      <a:schemeClr val="accent1"/>
-    </dgm:linClrLst>
-    <dgm:effectClrLst/>
-    <dgm:txLinClrLst/>
-    <dgm:txFillClrLst meth="repeat">
-      <a:schemeClr val="dk1"/>
-    </dgm:txFillClrLst>
-    <dgm:txEffectClrLst/>
-  </dgm:styleLbl>
-  <dgm:styleLbl name="solidBgAcc1">
-    <dgm:fillClrLst meth="repeat">
-      <a:schemeClr val="lt1"/>
-    </dgm:fillClrLst>
-    <dgm:linClrLst meth="repeat">
-      <a:schemeClr val="accent1"/>
-    </dgm:linClrLst>
-    <dgm:effectClrLst/>
-    <dgm:txLinClrLst/>
-    <dgm:txFillClrLst meth="repeat">
-      <a:schemeClr val="dk1"/>
-    </dgm:txFillClrLst>
-    <dgm:txEffectClrLst/>
-  </dgm:styleLbl>
-  <dgm:styleLbl name="fgAccFollowNode1">
-    <dgm:fillClrLst meth="repeat">
-      <a:schemeClr val="accent1">
-        <a:alpha val="90000"/>
-        <a:tint val="40000"/>
-      </a:schemeClr>
-    </dgm:fillClrLst>
-    <dgm:linClrLst meth="repeat">
-      <a:schemeClr val="accent1">
-        <a:alpha val="90000"/>
-        <a:tint val="40000"/>
-      </a:schemeClr>
-    </dgm:linClrLst>
-    <dgm:effectClrLst/>
-    <dgm:txLinClrLst/>
-    <dgm:txFillClrLst meth="repeat">
-      <a:schemeClr val="dk1"/>
-    </dgm:txFillClrLst>
-    <dgm:txEffectClrLst/>
-  </dgm:styleLbl>
-  <dgm:styleLbl name="alignAccFollowNode1">
-    <dgm:fillClrLst meth="repeat">
-      <a:schemeClr val="accent1">
-        <a:alpha val="90000"/>
-        <a:tint val="40000"/>
-      </a:schemeClr>
-    </dgm:fillClrLst>
-    <dgm:linClrLst meth="repeat">
-      <a:schemeClr val="accent1">
-        <a:alpha val="90000"/>
-        <a:tint val="40000"/>
-      </a:schemeClr>
-    </dgm:linClrLst>
-    <dgm:effectClrLst/>
-    <dgm:txLinClrLst/>
-    <dgm:txFillClrLst meth="repeat">
-      <a:schemeClr val="dk1"/>
-    </dgm:txFillClrLst>
-    <dgm:txEffectClrLst/>
-  </dgm:styleLbl>
-  <dgm:styleLbl name="bgAccFollowNode1">
-    <dgm:fillClrLst meth="repeat">
-      <a:schemeClr val="accent1">
-        <a:alpha val="90000"/>
-        <a:tint val="40000"/>
-      </a:schemeClr>
-    </dgm:fillClrLst>
-    <dgm:linClrLst meth="repeat">
-      <a:schemeClr val="accent1">
-        <a:alpha val="90000"/>
-        <a:tint val="40000"/>
-      </a:schemeClr>
-    </dgm:linClrLst>
-    <dgm:effectClrLst/>
-    <dgm:txLinClrLst/>
-    <dgm:txFillClrLst meth="repeat">
-      <a:schemeClr val="dk1"/>
-    </dgm:txFillClrLst>
-    <dgm:txEffectClrLst/>
-  </dgm:styleLbl>
-  <dgm:styleLbl name="fgAcc0">
-    <dgm:fillClrLst meth="repeat">
-      <a:schemeClr val="lt1">
-        <a:alpha val="90000"/>
-      </a:schemeClr>
-    </dgm:fillClrLst>
-    <dgm:linClrLst meth="repeat">
-      <a:schemeClr val="accent1"/>
-    </dgm:linClrLst>
-    <dgm:effectClrLst/>
-    <dgm:txLinClrLst/>
-    <dgm:txFillClrLst meth="repeat">
-      <a:schemeClr val="dk1"/>
-    </dgm:txFillClrLst>
-    <dgm:txEffectClrLst/>
-  </dgm:styleLbl>
-  <dgm:styleLbl name="fgAcc2">
-    <dgm:fillClrLst meth="repeat">
-      <a:schemeClr val="lt1">
-        <a:alpha val="90000"/>
-      </a:schemeClr>
-    </dgm:fillClrLst>
-    <dgm:linClrLst meth="repeat">
-      <a:schemeClr val="accent1"/>
-    </dgm:linClrLst>
-    <dgm:effectClrLst/>
-    <dgm:txLinClrLst/>
-    <dgm:txFillClrLst meth="repeat">
-      <a:schemeClr val="dk1"/>
-    </dgm:txFillClrLst>
-    <dgm:txEffectClrLst/>
-  </dgm:styleLbl>
-  <dgm:styleLbl name="fgAcc3">
-    <dgm:fillClrLst meth="repeat">
-      <a:schemeClr val="lt1">
-        <a:alpha val="90000"/>
-      </a:schemeClr>
-    </dgm:fillClrLst>
-    <dgm:linClrLst meth="repeat">
-      <a:schemeClr val="accent1"/>
-    </dgm:linClrLst>
-    <dgm:effectClrLst/>
-    <dgm:txLinClrLst/>
-    <dgm:txFillClrLst meth="repeat">
-      <a:schemeClr val="dk1"/>
-    </dgm:txFillClrLst>
-    <dgm:txEffectClrLst/>
-  </dgm:styleLbl>
-  <dgm:styleLbl name="fgAcc4">
-    <dgm:fillClrLst meth="repeat">
-      <a:schemeClr val="lt1">
-        <a:alpha val="90000"/>
-      </a:schemeClr>
-    </dgm:fillClrLst>
-    <dgm:linClrLst meth="repeat">
-      <a:schemeClr val="accent1"/>
-    </dgm:linClrLst>
-    <dgm:effectClrLst/>
-    <dgm:txLinClrLst/>
-    <dgm:txFillClrLst meth="repeat">
-      <a:schemeClr val="dk1"/>
-    </dgm:txFillClrLst>
-    <dgm:txEffectClrLst/>
-  </dgm:styleLbl>
-  <dgm:styleLbl name="bgShp">
-    <dgm:fillClrLst meth="repeat">
-      <a:schemeClr val="bg1">
-        <a:lumMod val="95000"/>
-      </a:schemeClr>
-    </dgm:fillClrLst>
-    <dgm:linClrLst meth="repeat">
-      <a:schemeClr val="accent1"/>
-    </dgm:linClrLst>
-    <dgm:effectClrLst/>
-    <dgm:txLinClrLst/>
-    <dgm:txFillClrLst meth="repeat">
-      <a:schemeClr val="dk1"/>
-    </dgm:txFillClrLst>
-    <dgm:txEffectClrLst/>
-  </dgm:styleLbl>
-  <dgm:styleLbl name="dkBgShp">
-    <dgm:fillClrLst meth="repeat">
-      <a:schemeClr val="accent1">
-        <a:shade val="80000"/>
-      </a:schemeClr>
-    </dgm:fillClrLst>
-    <dgm:linClrLst meth="repeat">
-      <a:schemeClr val="accent1"/>
-    </dgm:linClrLst>
-    <dgm:effectClrLst/>
-    <dgm:txLinClrLst/>
-    <dgm:txFillClrLst meth="repeat">
-      <a:schemeClr val="lt1"/>
-    </dgm:txFillClrLst>
-    <dgm:txEffectClrLst/>
-  </dgm:styleLbl>
-  <dgm:styleLbl name="trBgShp">
-    <dgm:fillClrLst meth="repeat">
-      <a:schemeClr val="accent1">
-        <a:tint val="50000"/>
-        <a:alpha val="40000"/>
-      </a:schemeClr>
-    </dgm:fillClrLst>
-    <dgm:linClrLst meth="repeat">
-      <a:schemeClr val="accent1"/>
-    </dgm:linClrLst>
-    <dgm:effectClrLst/>
-    <dgm:txLinClrLst/>
-    <dgm:txFillClrLst meth="repeat">
-      <a:schemeClr val="lt1"/>
-    </dgm:txFillClrLst>
-    <dgm:txEffectClrLst/>
-  </dgm:styleLbl>
-  <dgm:styleLbl name="fgShp">
-    <dgm:fillClrLst meth="repeat">
-      <a:schemeClr val="accent1">
-        <a:tint val="60000"/>
-      </a:schemeClr>
-    </dgm:fillClrLst>
-    <dgm:linClrLst meth="repeat">
-      <a:schemeClr val="lt1"/>
-    </dgm:linClrLst>
-    <dgm:effectClrLst/>
-    <dgm:txLinClrLst/>
-    <dgm:txFillClrLst meth="repeat">
-      <a:schemeClr val="dk1"/>
-    </dgm:txFillClrLst>
-    <dgm:txEffectClrLst/>
-  </dgm:styleLbl>
-  <dgm:styleLbl name="revTx">
-    <dgm:fillClrLst meth="repeat">
-      <a:schemeClr val="lt1">
-        <a:alpha val="0"/>
-      </a:schemeClr>
-    </dgm:fillClrLst>
-    <dgm:linClrLst meth="repeat">
-      <a:schemeClr val="dk1">
-        <a:alpha val="0"/>
-      </a:schemeClr>
-    </dgm:linClrLst>
-    <dgm:effectClrLst/>
-    <dgm:txLinClrLst/>
-    <dgm:txFillClrLst meth="repeat">
-      <a:schemeClr val="tx1"/>
-    </dgm:txFillClrLst>
-    <dgm:txEffectClrLst/>
-  </dgm:styleLbl>
-</dgm:colorsDef>
-</file>
-
-<file path=ppt/diagrams/colors3.xml><?xml version="1.0" encoding="utf-8"?>
 <dgm:colorsDef xmlns:dgm="http://schemas.openxmlformats.org/drawingml/2006/diagram" xmlns:a="http://schemas.openxmlformats.org/drawingml/2006/main" uniqueId="urn:microsoft.com/office/officeart/2005/8/colors/colorful2">
   <dgm:title val=""/>
   <dgm:desc val=""/>
@@ -2464,7 +1709,7 @@
 <dgm:dataModel xmlns:dgm="http://schemas.openxmlformats.org/drawingml/2006/diagram" xmlns:a="http://schemas.openxmlformats.org/drawingml/2006/main">
   <dgm:ptLst>
     <dgm:pt modelId="{912BDB77-1720-40FD-8374-9D3A1B5106F3}" type="doc">
-      <dgm:prSet loTypeId="urn:microsoft.com/office/officeart/2008/layout/LinedList" loCatId="list" qsTypeId="urn:microsoft.com/office/officeart/2005/8/quickstyle/simple1" qsCatId="simple" csTypeId="urn:microsoft.com/office/officeart/2005/8/colors/colorful2" csCatId="colorful"/>
+      <dgm:prSet loTypeId="urn:microsoft.com/office/officeart/2008/layout/LinedList" loCatId="list" qsTypeId="urn:microsoft.com/office/officeart/2005/8/quickstyle/simple1" qsCatId="simple" csTypeId="urn:microsoft.com/office/officeart/2005/8/colors/colorful2" csCatId="colorful" phldr="1"/>
       <dgm:spPr/>
       <dgm:t>
         <a:bodyPr/>
@@ -2482,10 +1727,16 @@
         <a:lstStyle/>
         <a:p>
           <a:r>
-            <a:rPr lang="en-GB" u="sng"/>
+            <a:rPr lang="en-GB" u="sng" dirty="0"/>
             <a:t>What technologies have you learned for this project?</a:t>
           </a:r>
-          <a:endParaRPr lang="en-US"/>
+        </a:p>
+        <a:p>
+          <a:r>
+            <a:rPr lang="en-GB" dirty="0"/>
+            <a:t>This project enabled me to develop my understanding of coding in general. It enabled me to utilise what I had learned in class and previous projects and further that knowledge by putting it into practice to create my API. </a:t>
+          </a:r>
+          <a:endParaRPr lang="en-US" dirty="0"/>
         </a:p>
       </dgm:t>
     </dgm:pt>
@@ -2511,80 +1762,6 @@
         </a:p>
       </dgm:t>
     </dgm:pt>
-    <dgm:pt modelId="{5F2ACA67-A9CE-4D3C-8134-48610A2DBC2E}">
-      <dgm:prSet/>
-      <dgm:spPr/>
-      <dgm:t>
-        <a:bodyPr/>
-        <a:lstStyle/>
-        <a:p>
-          <a:r>
-            <a:rPr lang="en-GB"/>
-            <a:t>This project enabled me to develop my understanding of coding in general. It enabled me to utilise what I had learned in class and further that knowledge by putting it into practice, for loops, while loops, if statements and that’s just java. </a:t>
-          </a:r>
-          <a:endParaRPr lang="en-US"/>
-        </a:p>
-      </dgm:t>
-    </dgm:pt>
-    <dgm:pt modelId="{91F803EC-40D7-48CD-91B8-11BF29BF19E0}" type="parTrans" cxnId="{EFAF77AE-B106-4B32-BC02-9365FE7AA0F7}">
-      <dgm:prSet/>
-      <dgm:spPr/>
-      <dgm:t>
-        <a:bodyPr/>
-        <a:lstStyle/>
-        <a:p>
-          <a:endParaRPr lang="en-US"/>
-        </a:p>
-      </dgm:t>
-    </dgm:pt>
-    <dgm:pt modelId="{6A324D35-C48D-4030-B57B-6CF175F0BD55}" type="sibTrans" cxnId="{EFAF77AE-B106-4B32-BC02-9365FE7AA0F7}">
-      <dgm:prSet/>
-      <dgm:spPr/>
-      <dgm:t>
-        <a:bodyPr/>
-        <a:lstStyle/>
-        <a:p>
-          <a:endParaRPr lang="en-US"/>
-        </a:p>
-      </dgm:t>
-    </dgm:pt>
-    <dgm:pt modelId="{D3FB00FE-C561-45FC-916B-DE61ADF662AA}">
-      <dgm:prSet/>
-      <dgm:spPr/>
-      <dgm:t>
-        <a:bodyPr/>
-        <a:lstStyle/>
-        <a:p>
-          <a:r>
-            <a:rPr lang="en-GB"/>
-            <a:t>I have got a better understanding and grips with Github, and with draw.io. However what I am taking from the project is the holes in my ‘game’ the awareness that certain things I thought was less complex or easier to do tripped me up and also shown me just how important that planning and preparation is.</a:t>
-          </a:r>
-          <a:endParaRPr lang="en-US"/>
-        </a:p>
-      </dgm:t>
-    </dgm:pt>
-    <dgm:pt modelId="{B692D14F-1260-4589-9624-AE8507E720FE}" type="parTrans" cxnId="{5A65008D-B6EF-419C-AA57-7E6DA78F5B06}">
-      <dgm:prSet/>
-      <dgm:spPr/>
-      <dgm:t>
-        <a:bodyPr/>
-        <a:lstStyle/>
-        <a:p>
-          <a:endParaRPr lang="en-US"/>
-        </a:p>
-      </dgm:t>
-    </dgm:pt>
-    <dgm:pt modelId="{330AF3B8-F5CA-4FDD-A567-A2FC956AE4B7}" type="sibTrans" cxnId="{5A65008D-B6EF-419C-AA57-7E6DA78F5B06}">
-      <dgm:prSet/>
-      <dgm:spPr/>
-      <dgm:t>
-        <a:bodyPr/>
-        <a:lstStyle/>
-        <a:p>
-          <a:endParaRPr lang="en-US"/>
-        </a:p>
-      </dgm:t>
-    </dgm:pt>
     <dgm:pt modelId="{82416810-20F5-468F-8EF6-6A806BC5EAD7}">
       <dgm:prSet/>
       <dgm:spPr/>
@@ -2593,10 +1770,10 @@
         <a:lstStyle/>
         <a:p>
           <a:r>
-            <a:rPr lang="en-GB"/>
-            <a:t>I also learned testing and Jira, although I know these are things I want to focus on developing further.</a:t>
+            <a:rPr lang="en-GB" dirty="0"/>
+            <a:t>I also developed my knowledge on testing and was able to get a 90% coverage.</a:t>
           </a:r>
-          <a:endParaRPr lang="en-US"/>
+          <a:endParaRPr lang="en-US" dirty="0"/>
         </a:p>
       </dgm:t>
     </dgm:pt>
@@ -2633,7 +1810,7 @@
       <dgm:spPr/>
     </dgm:pt>
     <dgm:pt modelId="{86F6F091-3C3A-46CA-A6A4-3D05E0D2CC22}" type="pres">
-      <dgm:prSet presAssocID="{7FCEA689-8F20-48C5-970E-51ADF0268652}" presName="thickLine" presStyleLbl="alignNode1" presStyleIdx="0" presStyleCnt="4"/>
+      <dgm:prSet presAssocID="{7FCEA689-8F20-48C5-970E-51ADF0268652}" presName="thickLine" presStyleLbl="alignNode1" presStyleIdx="0" presStyleCnt="2"/>
       <dgm:spPr/>
     </dgm:pt>
     <dgm:pt modelId="{CFC1867F-A65C-4CDD-95A9-9A4E4C0646A8}" type="pres">
@@ -2641,47 +1818,15 @@
       <dgm:spPr/>
     </dgm:pt>
     <dgm:pt modelId="{BD54F98E-42DB-43B8-B421-E248D61373BA}" type="pres">
-      <dgm:prSet presAssocID="{7FCEA689-8F20-48C5-970E-51ADF0268652}" presName="tx1" presStyleLbl="revTx" presStyleIdx="0" presStyleCnt="4"/>
+      <dgm:prSet presAssocID="{7FCEA689-8F20-48C5-970E-51ADF0268652}" presName="tx1" presStyleLbl="revTx" presStyleIdx="0" presStyleCnt="2"/>
       <dgm:spPr/>
     </dgm:pt>
     <dgm:pt modelId="{7DC55EB9-2F79-4A43-BB8D-2BDE36B2E029}" type="pres">
       <dgm:prSet presAssocID="{7FCEA689-8F20-48C5-970E-51ADF0268652}" presName="vert1" presStyleCnt="0"/>
       <dgm:spPr/>
     </dgm:pt>
-    <dgm:pt modelId="{94E440DC-3DF6-4359-B360-CE9AD56E75D5}" type="pres">
-      <dgm:prSet presAssocID="{5F2ACA67-A9CE-4D3C-8134-48610A2DBC2E}" presName="thickLine" presStyleLbl="alignNode1" presStyleIdx="1" presStyleCnt="4"/>
-      <dgm:spPr/>
-    </dgm:pt>
-    <dgm:pt modelId="{25E7C54C-EE75-430B-B73C-44FFA47DCDE5}" type="pres">
-      <dgm:prSet presAssocID="{5F2ACA67-A9CE-4D3C-8134-48610A2DBC2E}" presName="horz1" presStyleCnt="0"/>
-      <dgm:spPr/>
-    </dgm:pt>
-    <dgm:pt modelId="{25E3FF9F-FEB9-4A57-8D85-DAC00F1EEC3C}" type="pres">
-      <dgm:prSet presAssocID="{5F2ACA67-A9CE-4D3C-8134-48610A2DBC2E}" presName="tx1" presStyleLbl="revTx" presStyleIdx="1" presStyleCnt="4"/>
-      <dgm:spPr/>
-    </dgm:pt>
-    <dgm:pt modelId="{129B19D3-2B1B-4521-8051-F7E8DFD3259C}" type="pres">
-      <dgm:prSet presAssocID="{5F2ACA67-A9CE-4D3C-8134-48610A2DBC2E}" presName="vert1" presStyleCnt="0"/>
-      <dgm:spPr/>
-    </dgm:pt>
-    <dgm:pt modelId="{A0C7592C-F3D1-4A63-9815-F7FF8ADD7A2E}" type="pres">
-      <dgm:prSet presAssocID="{D3FB00FE-C561-45FC-916B-DE61ADF662AA}" presName="thickLine" presStyleLbl="alignNode1" presStyleIdx="2" presStyleCnt="4"/>
-      <dgm:spPr/>
-    </dgm:pt>
-    <dgm:pt modelId="{EDDE1F98-A68F-4D89-B9D0-367EECC6EF23}" type="pres">
-      <dgm:prSet presAssocID="{D3FB00FE-C561-45FC-916B-DE61ADF662AA}" presName="horz1" presStyleCnt="0"/>
-      <dgm:spPr/>
-    </dgm:pt>
-    <dgm:pt modelId="{0B504CEA-CA82-4CC5-8B88-7A4830D5F8AC}" type="pres">
-      <dgm:prSet presAssocID="{D3FB00FE-C561-45FC-916B-DE61ADF662AA}" presName="tx1" presStyleLbl="revTx" presStyleIdx="2" presStyleCnt="4"/>
-      <dgm:spPr/>
-    </dgm:pt>
-    <dgm:pt modelId="{B02281C7-42A4-4E2B-8D92-D8D024161B18}" type="pres">
-      <dgm:prSet presAssocID="{D3FB00FE-C561-45FC-916B-DE61ADF662AA}" presName="vert1" presStyleCnt="0"/>
-      <dgm:spPr/>
-    </dgm:pt>
     <dgm:pt modelId="{07738051-626C-461E-A398-7367256EB2C7}" type="pres">
-      <dgm:prSet presAssocID="{82416810-20F5-468F-8EF6-6A806BC5EAD7}" presName="thickLine" presStyleLbl="alignNode1" presStyleIdx="3" presStyleCnt="4"/>
+      <dgm:prSet presAssocID="{82416810-20F5-468F-8EF6-6A806BC5EAD7}" presName="thickLine" presStyleLbl="alignNode1" presStyleIdx="1" presStyleCnt="2"/>
       <dgm:spPr/>
     </dgm:pt>
     <dgm:pt modelId="{7F0DF4FF-B228-45FA-B67F-1E86EBCF4AB9}" type="pres">
@@ -2689,7 +1834,7 @@
       <dgm:spPr/>
     </dgm:pt>
     <dgm:pt modelId="{41F6FAE0-41A6-4602-9EF7-A20EE689C430}" type="pres">
-      <dgm:prSet presAssocID="{82416810-20F5-468F-8EF6-6A806BC5EAD7}" presName="tx1" presStyleLbl="revTx" presStyleIdx="3" presStyleCnt="4"/>
+      <dgm:prSet presAssocID="{82416810-20F5-468F-8EF6-6A806BC5EAD7}" presName="tx1" presStyleLbl="revTx" presStyleIdx="1" presStyleCnt="2"/>
       <dgm:spPr/>
     </dgm:pt>
     <dgm:pt modelId="{63F22B5B-521A-4382-B072-DC88C305F5A1}" type="pres">
@@ -2698,29 +1843,17 @@
     </dgm:pt>
   </dgm:ptLst>
   <dgm:cxnLst>
-    <dgm:cxn modelId="{2A386605-CA01-4425-AD78-DAD2B00D425D}" type="presOf" srcId="{D3FB00FE-C561-45FC-916B-DE61ADF662AA}" destId="{0B504CEA-CA82-4CC5-8B88-7A4830D5F8AC}" srcOrd="0" destOrd="0" presId="urn:microsoft.com/office/officeart/2008/layout/LinedList"/>
     <dgm:cxn modelId="{B0AD9920-849E-4650-A5D5-A964F507965B}" type="presOf" srcId="{82416810-20F5-468F-8EF6-6A806BC5EAD7}" destId="{41F6FAE0-41A6-4602-9EF7-A20EE689C430}" srcOrd="0" destOrd="0" presId="urn:microsoft.com/office/officeart/2008/layout/LinedList"/>
-    <dgm:cxn modelId="{E25A6A21-A547-46D2-AAA5-67581ACBB5DA}" srcId="{912BDB77-1720-40FD-8374-9D3A1B5106F3}" destId="{82416810-20F5-468F-8EF6-6A806BC5EAD7}" srcOrd="3" destOrd="0" parTransId="{1A049AAC-F359-43DA-B278-FE61B1B25893}" sibTransId="{4499176F-CC5A-4803-8A55-449DD44CC41A}"/>
-    <dgm:cxn modelId="{16C62E4E-33BB-45AC-B6D1-C443C8D5E247}" type="presOf" srcId="{5F2ACA67-A9CE-4D3C-8134-48610A2DBC2E}" destId="{25E3FF9F-FEB9-4A57-8D85-DAC00F1EEC3C}" srcOrd="0" destOrd="0" presId="urn:microsoft.com/office/officeart/2008/layout/LinedList"/>
+    <dgm:cxn modelId="{E25A6A21-A547-46D2-AAA5-67581ACBB5DA}" srcId="{912BDB77-1720-40FD-8374-9D3A1B5106F3}" destId="{82416810-20F5-468F-8EF6-6A806BC5EAD7}" srcOrd="1" destOrd="0" parTransId="{1A049AAC-F359-43DA-B278-FE61B1B25893}" sibTransId="{4499176F-CC5A-4803-8A55-449DD44CC41A}"/>
     <dgm:cxn modelId="{E71DE087-8FDF-47C5-851A-556E59C87744}" type="presOf" srcId="{7FCEA689-8F20-48C5-970E-51ADF0268652}" destId="{BD54F98E-42DB-43B8-B421-E248D61373BA}" srcOrd="0" destOrd="0" presId="urn:microsoft.com/office/officeart/2008/layout/LinedList"/>
-    <dgm:cxn modelId="{5A65008D-B6EF-419C-AA57-7E6DA78F5B06}" srcId="{912BDB77-1720-40FD-8374-9D3A1B5106F3}" destId="{D3FB00FE-C561-45FC-916B-DE61ADF662AA}" srcOrd="2" destOrd="0" parTransId="{B692D14F-1260-4589-9624-AE8507E720FE}" sibTransId="{330AF3B8-F5CA-4FDD-A567-A2FC956AE4B7}"/>
-    <dgm:cxn modelId="{EFAF77AE-B106-4B32-BC02-9365FE7AA0F7}" srcId="{912BDB77-1720-40FD-8374-9D3A1B5106F3}" destId="{5F2ACA67-A9CE-4D3C-8134-48610A2DBC2E}" srcOrd="1" destOrd="0" parTransId="{91F803EC-40D7-48CD-91B8-11BF29BF19E0}" sibTransId="{6A324D35-C48D-4030-B57B-6CF175F0BD55}"/>
     <dgm:cxn modelId="{82A22CCA-61E3-4B25-9197-E99572F3817C}" srcId="{912BDB77-1720-40FD-8374-9D3A1B5106F3}" destId="{7FCEA689-8F20-48C5-970E-51ADF0268652}" srcOrd="0" destOrd="0" parTransId="{6BAF0149-4489-4C3D-B4C5-2797510862E0}" sibTransId="{8FCF2897-6DAF-4435-8682-54F3B9787045}"/>
     <dgm:cxn modelId="{7477BCD7-577D-48D5-AD5B-A93D04472DEA}" type="presOf" srcId="{912BDB77-1720-40FD-8374-9D3A1B5106F3}" destId="{8A945713-88C9-457C-B146-86D4BA635436}" srcOrd="0" destOrd="0" presId="urn:microsoft.com/office/officeart/2008/layout/LinedList"/>
     <dgm:cxn modelId="{AABC6C0E-DC18-4C86-9C5F-4D92A0568FA0}" type="presParOf" srcId="{8A945713-88C9-457C-B146-86D4BA635436}" destId="{86F6F091-3C3A-46CA-A6A4-3D05E0D2CC22}" srcOrd="0" destOrd="0" presId="urn:microsoft.com/office/officeart/2008/layout/LinedList"/>
     <dgm:cxn modelId="{80512763-7BFB-4960-B259-3F714D6327E8}" type="presParOf" srcId="{8A945713-88C9-457C-B146-86D4BA635436}" destId="{CFC1867F-A65C-4CDD-95A9-9A4E4C0646A8}" srcOrd="1" destOrd="0" presId="urn:microsoft.com/office/officeart/2008/layout/LinedList"/>
     <dgm:cxn modelId="{B1A8795C-4A9D-421F-8299-9A0A76B12341}" type="presParOf" srcId="{CFC1867F-A65C-4CDD-95A9-9A4E4C0646A8}" destId="{BD54F98E-42DB-43B8-B421-E248D61373BA}" srcOrd="0" destOrd="0" presId="urn:microsoft.com/office/officeart/2008/layout/LinedList"/>
     <dgm:cxn modelId="{3E645A4C-0459-4E04-9BEB-7F4D1360C4C7}" type="presParOf" srcId="{CFC1867F-A65C-4CDD-95A9-9A4E4C0646A8}" destId="{7DC55EB9-2F79-4A43-BB8D-2BDE36B2E029}" srcOrd="1" destOrd="0" presId="urn:microsoft.com/office/officeart/2008/layout/LinedList"/>
-    <dgm:cxn modelId="{4FE00741-E34D-4FBF-8F97-7AD19B33B34E}" type="presParOf" srcId="{8A945713-88C9-457C-B146-86D4BA635436}" destId="{94E440DC-3DF6-4359-B360-CE9AD56E75D5}" srcOrd="2" destOrd="0" presId="urn:microsoft.com/office/officeart/2008/layout/LinedList"/>
-    <dgm:cxn modelId="{573BE4AC-90A9-46E2-8E1B-F434655F3F4B}" type="presParOf" srcId="{8A945713-88C9-457C-B146-86D4BA635436}" destId="{25E7C54C-EE75-430B-B73C-44FFA47DCDE5}" srcOrd="3" destOrd="0" presId="urn:microsoft.com/office/officeart/2008/layout/LinedList"/>
-    <dgm:cxn modelId="{3688EADD-A3E0-4EC7-B485-6CC8F44044BC}" type="presParOf" srcId="{25E7C54C-EE75-430B-B73C-44FFA47DCDE5}" destId="{25E3FF9F-FEB9-4A57-8D85-DAC00F1EEC3C}" srcOrd="0" destOrd="0" presId="urn:microsoft.com/office/officeart/2008/layout/LinedList"/>
-    <dgm:cxn modelId="{F7E48719-C625-4966-8A69-A55430BF5910}" type="presParOf" srcId="{25E7C54C-EE75-430B-B73C-44FFA47DCDE5}" destId="{129B19D3-2B1B-4521-8051-F7E8DFD3259C}" srcOrd="1" destOrd="0" presId="urn:microsoft.com/office/officeart/2008/layout/LinedList"/>
-    <dgm:cxn modelId="{0B62B00B-61B2-4B8A-88B7-ABD1F8AD3C3F}" type="presParOf" srcId="{8A945713-88C9-457C-B146-86D4BA635436}" destId="{A0C7592C-F3D1-4A63-9815-F7FF8ADD7A2E}" srcOrd="4" destOrd="0" presId="urn:microsoft.com/office/officeart/2008/layout/LinedList"/>
-    <dgm:cxn modelId="{58E3E86B-52B9-4805-8E26-D9ED7E58BEBD}" type="presParOf" srcId="{8A945713-88C9-457C-B146-86D4BA635436}" destId="{EDDE1F98-A68F-4D89-B9D0-367EECC6EF23}" srcOrd="5" destOrd="0" presId="urn:microsoft.com/office/officeart/2008/layout/LinedList"/>
-    <dgm:cxn modelId="{90D131B2-ED3F-40F4-B423-ADB475FAB31B}" type="presParOf" srcId="{EDDE1F98-A68F-4D89-B9D0-367EECC6EF23}" destId="{0B504CEA-CA82-4CC5-8B88-7A4830D5F8AC}" srcOrd="0" destOrd="0" presId="urn:microsoft.com/office/officeart/2008/layout/LinedList"/>
-    <dgm:cxn modelId="{F131AD9B-7691-4D9E-AA18-6CBE80475EDD}" type="presParOf" srcId="{EDDE1F98-A68F-4D89-B9D0-367EECC6EF23}" destId="{B02281C7-42A4-4E2B-8D92-D8D024161B18}" srcOrd="1" destOrd="0" presId="urn:microsoft.com/office/officeart/2008/layout/LinedList"/>
-    <dgm:cxn modelId="{7446EBC9-6BA8-4081-958E-5D7C42456E32}" type="presParOf" srcId="{8A945713-88C9-457C-B146-86D4BA635436}" destId="{07738051-626C-461E-A398-7367256EB2C7}" srcOrd="6" destOrd="0" presId="urn:microsoft.com/office/officeart/2008/layout/LinedList"/>
-    <dgm:cxn modelId="{C99415EF-1FD6-42F4-AD1D-D42CF5021A69}" type="presParOf" srcId="{8A945713-88C9-457C-B146-86D4BA635436}" destId="{7F0DF4FF-B228-45FA-B67F-1E86EBCF4AB9}" srcOrd="7" destOrd="0" presId="urn:microsoft.com/office/officeart/2008/layout/LinedList"/>
+    <dgm:cxn modelId="{7446EBC9-6BA8-4081-958E-5D7C42456E32}" type="presParOf" srcId="{8A945713-88C9-457C-B146-86D4BA635436}" destId="{07738051-626C-461E-A398-7367256EB2C7}" srcOrd="2" destOrd="0" presId="urn:microsoft.com/office/officeart/2008/layout/LinedList"/>
+    <dgm:cxn modelId="{C99415EF-1FD6-42F4-AD1D-D42CF5021A69}" type="presParOf" srcId="{8A945713-88C9-457C-B146-86D4BA635436}" destId="{7F0DF4FF-B228-45FA-B67F-1E86EBCF4AB9}" srcOrd="3" destOrd="0" presId="urn:microsoft.com/office/officeart/2008/layout/LinedList"/>
     <dgm:cxn modelId="{080D21AE-33BB-4C05-B578-9226EE8B2887}" type="presParOf" srcId="{7F0DF4FF-B228-45FA-B67F-1E86EBCF4AB9}" destId="{41F6FAE0-41A6-4602-9EF7-A20EE689C430}" srcOrd="0" destOrd="0" presId="urn:microsoft.com/office/officeart/2008/layout/LinedList"/>
     <dgm:cxn modelId="{1A33E9BA-4FF9-470A-85F5-AB9A625B920E}" type="presParOf" srcId="{7F0DF4FF-B228-45FA-B67F-1E86EBCF4AB9}" destId="{63F22B5B-521A-4382-B072-DC88C305F5A1}" srcOrd="1" destOrd="0" presId="urn:microsoft.com/office/officeart/2008/layout/LinedList"/>
   </dgm:cxnLst>
@@ -2737,8 +1870,8 @@
 <file path=ppt/diagrams/data2.xml><?xml version="1.0" encoding="utf-8"?>
 <dgm:dataModel xmlns:dgm="http://schemas.openxmlformats.org/drawingml/2006/diagram" xmlns:a="http://schemas.openxmlformats.org/drawingml/2006/main">
   <dgm:ptLst>
-    <dgm:pt modelId="{B36DD738-8B20-4341-AA15-B7DDA6266E0E}" type="doc">
-      <dgm:prSet loTypeId="urn:microsoft.com/office/officeart/2018/2/layout/IconLabelList" loCatId="icon" qsTypeId="urn:microsoft.com/office/officeart/2005/8/quickstyle/simple1" qsCatId="simple" csTypeId="urn:microsoft.com/office/officeart/2018/5/colors/Iconchunking_neutralbg_accent1_2" csCatId="accent1" phldr="1"/>
+    <dgm:pt modelId="{C9B3666A-575B-4FFB-ABD7-75D8B6F91C76}" type="doc">
+      <dgm:prSet loTypeId="urn:microsoft.com/office/officeart/2008/layout/LinedList" loCatId="list" qsTypeId="urn:microsoft.com/office/officeart/2005/8/quickstyle/simple1" qsCatId="simple" csTypeId="urn:microsoft.com/office/officeart/2005/8/colors/colorful2" csCatId="colorful" phldr="1"/>
       <dgm:spPr/>
       <dgm:t>
         <a:bodyPr/>
@@ -2748,7 +1881,7 @@
         </a:p>
       </dgm:t>
     </dgm:pt>
-    <dgm:pt modelId="{EB7EDD2E-6DB5-4400-A275-95C7EF02A21F}">
+    <dgm:pt modelId="{352BBD2C-E8EC-4D9D-9E88-EFC36C968970}">
       <dgm:prSet/>
       <dgm:spPr/>
       <dgm:t>
@@ -2756,14 +1889,20 @@
         <a:lstStyle/>
         <a:p>
           <a:r>
-            <a:rPr lang="en-GB" u="sng"/>
-            <a:t>What was tested? </a:t>
+            <a:rPr lang="en-GB" u="sng" dirty="0"/>
+            <a:t>What went well? </a:t>
           </a:r>
-          <a:endParaRPr lang="en-US"/>
+        </a:p>
+        <a:p>
+          <a:r>
+            <a:rPr lang="en-GB" dirty="0"/>
+            <a:t>I feel that overall the project went well and I was able to complete the coding and tougher part of the project within reasonable time. O feel this project was more achievable for me to complete.</a:t>
+          </a:r>
+          <a:endParaRPr lang="en-US" dirty="0"/>
         </a:p>
       </dgm:t>
     </dgm:pt>
-    <dgm:pt modelId="{FFA94885-BE99-4591-A2CF-227B627F864D}" type="parTrans" cxnId="{DD0FF9B0-4E69-4C8A-B360-C182ACE74125}">
+    <dgm:pt modelId="{5649D364-4B3E-435E-9BE4-9756D5C5191F}" type="parTrans" cxnId="{3285EC31-C86A-43AC-95E5-12D1DC9409D0}">
       <dgm:prSet/>
       <dgm:spPr/>
       <dgm:t>
@@ -2774,7 +1913,7 @@
         </a:p>
       </dgm:t>
     </dgm:pt>
-    <dgm:pt modelId="{B7867F43-2AD1-4C4A-BB0D-17B3588FB1CA}" type="sibTrans" cxnId="{DD0FF9B0-4E69-4C8A-B360-C182ACE74125}">
+    <dgm:pt modelId="{F1D931E2-22A0-483E-8CD3-313D58692CFF}" type="sibTrans" cxnId="{3285EC31-C86A-43AC-95E5-12D1DC9409D0}">
       <dgm:prSet/>
       <dgm:spPr/>
       <dgm:t>
@@ -2785,7 +1924,7 @@
         </a:p>
       </dgm:t>
     </dgm:pt>
-    <dgm:pt modelId="{688E1761-E6F4-4B88-977C-91AF9DEE14CD}">
+    <dgm:pt modelId="{82281158-9040-4733-8645-A3839D96D9AB}">
       <dgm:prSet/>
       <dgm:spPr/>
       <dgm:t>
@@ -2794,13 +1933,13 @@
         <a:p>
           <a:r>
             <a:rPr lang="en-GB"/>
-            <a:t>The testing process for me was a challenge and I strived to reach the industry standard of 80% and again when it comes to experience and knowledge I know overtime that I will be able to reach industry standard however unfortunately I was only managed to get a coverage of 70.2%.</a:t>
+            <a:t>I feel I need to develop my confidence and ensure that I am able to put my learning into practice, I am aware I need to brush up on Git so I don’t run into the problems I faced and that I need to take more screenshots of my progress.</a:t>
           </a:r>
           <a:endParaRPr lang="en-US"/>
         </a:p>
       </dgm:t>
     </dgm:pt>
-    <dgm:pt modelId="{47DFD7F2-11C2-4C0F-A262-A41D5CC11AFA}" type="parTrans" cxnId="{E69AFA33-F599-4AE8-BDA9-69285B5B08C7}">
+    <dgm:pt modelId="{029E3FFB-6112-415C-ADD3-91CC76562DFB}" type="parTrans" cxnId="{2158A3ED-041A-48FE-BEC2-921C40C9D208}">
       <dgm:prSet/>
       <dgm:spPr/>
       <dgm:t>
@@ -2811,7 +1950,7 @@
         </a:p>
       </dgm:t>
     </dgm:pt>
-    <dgm:pt modelId="{BAA69F7D-EACC-4C13-8489-70482D137464}" type="sibTrans" cxnId="{E69AFA33-F599-4AE8-BDA9-69285B5B08C7}">
+    <dgm:pt modelId="{1361E9CE-9154-47B4-8E0F-CCFFE0A7E92F}" type="sibTrans" cxnId="{2158A3ED-041A-48FE-BEC2-921C40C9D208}">
       <dgm:prSet/>
       <dgm:spPr/>
       <dgm:t>
@@ -2822,615 +1961,8 @@
         </a:p>
       </dgm:t>
     </dgm:pt>
-    <dgm:pt modelId="{66D2430C-DA27-46BA-8788-B7A987953CF6}">
-      <dgm:prSet/>
-      <dgm:spPr/>
-      <dgm:t>
-        <a:bodyPr/>
-        <a:lstStyle/>
-        <a:p>
-          <a:r>
-            <a:rPr lang="en-GB"/>
-            <a:t>now that was some error codes that I would get that I was getting that I've just never experienced before hadn't no amount of research was helping me. I tested all of the Java test file and then I started to test all of the customer side of things so the customer controller the customerDAO on the customer.Java. The issue I had a some of them weren‘t passing the tests however I got the customer controller and the customerDAO to pass so I moved onto items I then tested the items controller and also the items DAO and then finally the items .Java which again for me didn't pass. the last ones to be tested were the more difficult ones which were the ordercontroller orderDAO and order.Java. these definitely give me the most challenge but I researched until I was able to get a percentage which what's the best I could get.</a:t>
-          </a:r>
-          <a:endParaRPr lang="en-US"/>
-        </a:p>
-      </dgm:t>
-    </dgm:pt>
-    <dgm:pt modelId="{81D20571-61DD-4E04-8989-11539F0EA6FB}" type="parTrans" cxnId="{A2AE9FEC-CBEC-446C-82C4-E24B31A84F5D}">
-      <dgm:prSet/>
-      <dgm:spPr/>
-      <dgm:t>
-        <a:bodyPr/>
-        <a:lstStyle/>
-        <a:p>
-          <a:endParaRPr lang="en-US"/>
-        </a:p>
-      </dgm:t>
-    </dgm:pt>
-    <dgm:pt modelId="{BA146EFD-F138-4EE7-8ECF-FE63122E289D}" type="sibTrans" cxnId="{A2AE9FEC-CBEC-446C-82C4-E24B31A84F5D}">
-      <dgm:prSet/>
-      <dgm:spPr/>
-      <dgm:t>
-        <a:bodyPr/>
-        <a:lstStyle/>
-        <a:p>
-          <a:endParaRPr lang="en-US"/>
-        </a:p>
-      </dgm:t>
-    </dgm:pt>
-    <dgm:pt modelId="{33D21FCB-CA88-41B2-BFD4-04BF81F9A146}" type="pres">
-      <dgm:prSet presAssocID="{B36DD738-8B20-4341-AA15-B7DDA6266E0E}" presName="root" presStyleCnt="0">
-        <dgm:presLayoutVars>
-          <dgm:dir/>
-          <dgm:resizeHandles val="exact"/>
-        </dgm:presLayoutVars>
-      </dgm:prSet>
-      <dgm:spPr/>
-    </dgm:pt>
-    <dgm:pt modelId="{CE62253D-1C22-4D2D-ABC1-FC9814ED6BD5}" type="pres">
-      <dgm:prSet presAssocID="{EB7EDD2E-6DB5-4400-A275-95C7EF02A21F}" presName="compNode" presStyleCnt="0"/>
-      <dgm:spPr/>
-    </dgm:pt>
-    <dgm:pt modelId="{97F62577-1782-4C3C-B9CB-13C62508885A}" type="pres">
-      <dgm:prSet presAssocID="{EB7EDD2E-6DB5-4400-A275-95C7EF02A21F}" presName="iconRect" presStyleLbl="node1" presStyleIdx="0" presStyleCnt="3"/>
-      <dgm:spPr>
-        <a:blipFill>
-          <a:blip xmlns:r="http://schemas.openxmlformats.org/officeDocument/2006/relationships" r:embed="rId1">
-            <a:extLst>
-              <a:ext uri="{28A0092B-C50C-407E-A947-70E740481C1C}">
-                <a14:useLocalDpi xmlns:a14="http://schemas.microsoft.com/office/drawing/2010/main" val="0"/>
-              </a:ext>
-              <a:ext uri="{96DAC541-7B7A-43D3-8B79-37D633B846F1}">
-                <asvg:svgBlip xmlns:asvg="http://schemas.microsoft.com/office/drawing/2016/SVG/main" r:embed="rId2"/>
-              </a:ext>
-            </a:extLst>
-          </a:blip>
-          <a:stretch>
-            <a:fillRect/>
-          </a:stretch>
-        </a:blipFill>
-        <a:ln>
-          <a:noFill/>
-        </a:ln>
-      </dgm:spPr>
-      <dgm:extLst>
-        <a:ext uri="{E40237B7-FDA0-4F09-8148-C483321AD2D9}">
-          <dgm14:cNvPr xmlns:dgm14="http://schemas.microsoft.com/office/drawing/2010/diagram" id="0" name="" descr="Microscope"/>
-        </a:ext>
-      </dgm:extLst>
-    </dgm:pt>
-    <dgm:pt modelId="{B37B14EC-D7EB-409D-ADF2-939C6952DC36}" type="pres">
-      <dgm:prSet presAssocID="{EB7EDD2E-6DB5-4400-A275-95C7EF02A21F}" presName="spaceRect" presStyleCnt="0"/>
-      <dgm:spPr/>
-    </dgm:pt>
-    <dgm:pt modelId="{DCC949CC-2EC6-4DEB-B545-4B3FFE4D70EC}" type="pres">
-      <dgm:prSet presAssocID="{EB7EDD2E-6DB5-4400-A275-95C7EF02A21F}" presName="textRect" presStyleLbl="revTx" presStyleIdx="0" presStyleCnt="3">
-        <dgm:presLayoutVars>
-          <dgm:chMax val="1"/>
-          <dgm:chPref val="1"/>
-        </dgm:presLayoutVars>
-      </dgm:prSet>
-      <dgm:spPr/>
-    </dgm:pt>
-    <dgm:pt modelId="{BECA7F10-F872-49EA-A0B8-25B52388BE57}" type="pres">
-      <dgm:prSet presAssocID="{B7867F43-2AD1-4C4A-BB0D-17B3588FB1CA}" presName="sibTrans" presStyleCnt="0"/>
-      <dgm:spPr/>
-    </dgm:pt>
-    <dgm:pt modelId="{61C400A6-7046-405A-B900-FD4054F3315D}" type="pres">
-      <dgm:prSet presAssocID="{688E1761-E6F4-4B88-977C-91AF9DEE14CD}" presName="compNode" presStyleCnt="0"/>
-      <dgm:spPr/>
-    </dgm:pt>
-    <dgm:pt modelId="{75A7CE00-76E3-495F-9BCB-8C933AAB9240}" type="pres">
-      <dgm:prSet presAssocID="{688E1761-E6F4-4B88-977C-91AF9DEE14CD}" presName="iconRect" presStyleLbl="node1" presStyleIdx="1" presStyleCnt="3"/>
-      <dgm:spPr>
-        <a:blipFill>
-          <a:blip xmlns:r="http://schemas.openxmlformats.org/officeDocument/2006/relationships" r:embed="rId3">
-            <a:extLst>
-              <a:ext uri="{28A0092B-C50C-407E-A947-70E740481C1C}">
-                <a14:useLocalDpi xmlns:a14="http://schemas.microsoft.com/office/drawing/2010/main" val="0"/>
-              </a:ext>
-              <a:ext uri="{96DAC541-7B7A-43D3-8B79-37D633B846F1}">
-                <asvg:svgBlip xmlns:asvg="http://schemas.microsoft.com/office/drawing/2016/SVG/main" r:embed="rId4"/>
-              </a:ext>
-            </a:extLst>
-          </a:blip>
-          <a:stretch>
-            <a:fillRect/>
-          </a:stretch>
-        </a:blipFill>
-        <a:ln>
-          <a:noFill/>
-        </a:ln>
-      </dgm:spPr>
-      <dgm:extLst>
-        <a:ext uri="{E40237B7-FDA0-4F09-8148-C483321AD2D9}">
-          <dgm14:cNvPr xmlns:dgm14="http://schemas.microsoft.com/office/drawing/2010/diagram" id="0" name="" descr="Light Bulb and Gear"/>
-        </a:ext>
-      </dgm:extLst>
-    </dgm:pt>
-    <dgm:pt modelId="{F2FB564F-72D4-40F7-A678-A8EE6F1F6493}" type="pres">
-      <dgm:prSet presAssocID="{688E1761-E6F4-4B88-977C-91AF9DEE14CD}" presName="spaceRect" presStyleCnt="0"/>
-      <dgm:spPr/>
-    </dgm:pt>
-    <dgm:pt modelId="{6AFB8980-5757-468D-8C40-2B8CB3887577}" type="pres">
-      <dgm:prSet presAssocID="{688E1761-E6F4-4B88-977C-91AF9DEE14CD}" presName="textRect" presStyleLbl="revTx" presStyleIdx="1" presStyleCnt="3">
-        <dgm:presLayoutVars>
-          <dgm:chMax val="1"/>
-          <dgm:chPref val="1"/>
-        </dgm:presLayoutVars>
-      </dgm:prSet>
-      <dgm:spPr/>
-    </dgm:pt>
-    <dgm:pt modelId="{5C4AD00C-9FD9-4AE3-925C-8234E7D8ADC4}" type="pres">
-      <dgm:prSet presAssocID="{BAA69F7D-EACC-4C13-8489-70482D137464}" presName="sibTrans" presStyleCnt="0"/>
-      <dgm:spPr/>
-    </dgm:pt>
-    <dgm:pt modelId="{EFD53A04-FDCC-4CE8-9360-EF60CF111DF1}" type="pres">
-      <dgm:prSet presAssocID="{66D2430C-DA27-46BA-8788-B7A987953CF6}" presName="compNode" presStyleCnt="0"/>
-      <dgm:spPr/>
-    </dgm:pt>
-    <dgm:pt modelId="{D1C11E60-872E-4B9D-924C-7BF810337345}" type="pres">
-      <dgm:prSet presAssocID="{66D2430C-DA27-46BA-8788-B7A987953CF6}" presName="iconRect" presStyleLbl="node1" presStyleIdx="2" presStyleCnt="3"/>
-      <dgm:spPr>
-        <a:blipFill>
-          <a:blip xmlns:r="http://schemas.openxmlformats.org/officeDocument/2006/relationships" r:embed="rId5">
-            <a:extLst>
-              <a:ext uri="{28A0092B-C50C-407E-A947-70E740481C1C}">
-                <a14:useLocalDpi xmlns:a14="http://schemas.microsoft.com/office/drawing/2010/main" val="0"/>
-              </a:ext>
-              <a:ext uri="{96DAC541-7B7A-43D3-8B79-37D633B846F1}">
-                <asvg:svgBlip xmlns:asvg="http://schemas.microsoft.com/office/drawing/2016/SVG/main" r:embed="rId6"/>
-              </a:ext>
-            </a:extLst>
-          </a:blip>
-          <a:stretch>
-            <a:fillRect/>
-          </a:stretch>
-        </a:blipFill>
-        <a:ln>
-          <a:noFill/>
-        </a:ln>
-      </dgm:spPr>
-      <dgm:extLst>
-        <a:ext uri="{E40237B7-FDA0-4F09-8148-C483321AD2D9}">
-          <dgm14:cNvPr xmlns:dgm14="http://schemas.microsoft.com/office/drawing/2010/diagram" id="0" name="" descr="Classroom"/>
-        </a:ext>
-      </dgm:extLst>
-    </dgm:pt>
-    <dgm:pt modelId="{6671BBDF-52FF-454F-9815-356356A18DA5}" type="pres">
-      <dgm:prSet presAssocID="{66D2430C-DA27-46BA-8788-B7A987953CF6}" presName="spaceRect" presStyleCnt="0"/>
-      <dgm:spPr/>
-    </dgm:pt>
-    <dgm:pt modelId="{62ADF597-00D5-4AD1-B7F9-E038828782ED}" type="pres">
-      <dgm:prSet presAssocID="{66D2430C-DA27-46BA-8788-B7A987953CF6}" presName="textRect" presStyleLbl="revTx" presStyleIdx="2" presStyleCnt="3">
-        <dgm:presLayoutVars>
-          <dgm:chMax val="1"/>
-          <dgm:chPref val="1"/>
-        </dgm:presLayoutVars>
-      </dgm:prSet>
-      <dgm:spPr/>
-    </dgm:pt>
-  </dgm:ptLst>
-  <dgm:cxnLst>
-    <dgm:cxn modelId="{E69AFA33-F599-4AE8-BDA9-69285B5B08C7}" srcId="{B36DD738-8B20-4341-AA15-B7DDA6266E0E}" destId="{688E1761-E6F4-4B88-977C-91AF9DEE14CD}" srcOrd="1" destOrd="0" parTransId="{47DFD7F2-11C2-4C0F-A262-A41D5CC11AFA}" sibTransId="{BAA69F7D-EACC-4C13-8489-70482D137464}"/>
-    <dgm:cxn modelId="{AACEC273-246F-44FD-A756-B7A7BD5EA231}" type="presOf" srcId="{B36DD738-8B20-4341-AA15-B7DDA6266E0E}" destId="{33D21FCB-CA88-41B2-BFD4-04BF81F9A146}" srcOrd="0" destOrd="0" presId="urn:microsoft.com/office/officeart/2018/2/layout/IconLabelList"/>
-    <dgm:cxn modelId="{DD0FF9B0-4E69-4C8A-B360-C182ACE74125}" srcId="{B36DD738-8B20-4341-AA15-B7DDA6266E0E}" destId="{EB7EDD2E-6DB5-4400-A275-95C7EF02A21F}" srcOrd="0" destOrd="0" parTransId="{FFA94885-BE99-4591-A2CF-227B627F864D}" sibTransId="{B7867F43-2AD1-4C4A-BB0D-17B3588FB1CA}"/>
-    <dgm:cxn modelId="{749715B3-5471-4544-8F99-DB81B1898890}" type="presOf" srcId="{66D2430C-DA27-46BA-8788-B7A987953CF6}" destId="{62ADF597-00D5-4AD1-B7F9-E038828782ED}" srcOrd="0" destOrd="0" presId="urn:microsoft.com/office/officeart/2018/2/layout/IconLabelList"/>
-    <dgm:cxn modelId="{288BA7D7-6A30-4A29-BA1C-7CCB84302A01}" type="presOf" srcId="{688E1761-E6F4-4B88-977C-91AF9DEE14CD}" destId="{6AFB8980-5757-468D-8C40-2B8CB3887577}" srcOrd="0" destOrd="0" presId="urn:microsoft.com/office/officeart/2018/2/layout/IconLabelList"/>
-    <dgm:cxn modelId="{A2AE9FEC-CBEC-446C-82C4-E24B31A84F5D}" srcId="{B36DD738-8B20-4341-AA15-B7DDA6266E0E}" destId="{66D2430C-DA27-46BA-8788-B7A987953CF6}" srcOrd="2" destOrd="0" parTransId="{81D20571-61DD-4E04-8989-11539F0EA6FB}" sibTransId="{BA146EFD-F138-4EE7-8ECF-FE63122E289D}"/>
-    <dgm:cxn modelId="{C97A53F1-07B3-4114-BE2E-672EA700BD3A}" type="presOf" srcId="{EB7EDD2E-6DB5-4400-A275-95C7EF02A21F}" destId="{DCC949CC-2EC6-4DEB-B545-4B3FFE4D70EC}" srcOrd="0" destOrd="0" presId="urn:microsoft.com/office/officeart/2018/2/layout/IconLabelList"/>
-    <dgm:cxn modelId="{46450F9C-A6AF-4E22-85A0-B550E5C598AF}" type="presParOf" srcId="{33D21FCB-CA88-41B2-BFD4-04BF81F9A146}" destId="{CE62253D-1C22-4D2D-ABC1-FC9814ED6BD5}" srcOrd="0" destOrd="0" presId="urn:microsoft.com/office/officeart/2018/2/layout/IconLabelList"/>
-    <dgm:cxn modelId="{EF729784-4DE7-4290-A811-B4C3ECCAC230}" type="presParOf" srcId="{CE62253D-1C22-4D2D-ABC1-FC9814ED6BD5}" destId="{97F62577-1782-4C3C-B9CB-13C62508885A}" srcOrd="0" destOrd="0" presId="urn:microsoft.com/office/officeart/2018/2/layout/IconLabelList"/>
-    <dgm:cxn modelId="{E4DA32A1-7F66-4B3B-8EF9-224239C34696}" type="presParOf" srcId="{CE62253D-1C22-4D2D-ABC1-FC9814ED6BD5}" destId="{B37B14EC-D7EB-409D-ADF2-939C6952DC36}" srcOrd="1" destOrd="0" presId="urn:microsoft.com/office/officeart/2018/2/layout/IconLabelList"/>
-    <dgm:cxn modelId="{27996F6B-8FB5-40AB-B21A-3C61AEB307C5}" type="presParOf" srcId="{CE62253D-1C22-4D2D-ABC1-FC9814ED6BD5}" destId="{DCC949CC-2EC6-4DEB-B545-4B3FFE4D70EC}" srcOrd="2" destOrd="0" presId="urn:microsoft.com/office/officeart/2018/2/layout/IconLabelList"/>
-    <dgm:cxn modelId="{137DA8C5-1425-4820-847E-CDDE56E183D8}" type="presParOf" srcId="{33D21FCB-CA88-41B2-BFD4-04BF81F9A146}" destId="{BECA7F10-F872-49EA-A0B8-25B52388BE57}" srcOrd="1" destOrd="0" presId="urn:microsoft.com/office/officeart/2018/2/layout/IconLabelList"/>
-    <dgm:cxn modelId="{8D645EDB-7E09-4640-8941-3613774AFF2B}" type="presParOf" srcId="{33D21FCB-CA88-41B2-BFD4-04BF81F9A146}" destId="{61C400A6-7046-405A-B900-FD4054F3315D}" srcOrd="2" destOrd="0" presId="urn:microsoft.com/office/officeart/2018/2/layout/IconLabelList"/>
-    <dgm:cxn modelId="{51724DE0-2214-4ED7-B3D4-1C95453145C1}" type="presParOf" srcId="{61C400A6-7046-405A-B900-FD4054F3315D}" destId="{75A7CE00-76E3-495F-9BCB-8C933AAB9240}" srcOrd="0" destOrd="0" presId="urn:microsoft.com/office/officeart/2018/2/layout/IconLabelList"/>
-    <dgm:cxn modelId="{5089314A-FD5A-4F02-BC50-5A1720990DEC}" type="presParOf" srcId="{61C400A6-7046-405A-B900-FD4054F3315D}" destId="{F2FB564F-72D4-40F7-A678-A8EE6F1F6493}" srcOrd="1" destOrd="0" presId="urn:microsoft.com/office/officeart/2018/2/layout/IconLabelList"/>
-    <dgm:cxn modelId="{0DEF48AC-65C4-4F31-BF84-706B21B1C98E}" type="presParOf" srcId="{61C400A6-7046-405A-B900-FD4054F3315D}" destId="{6AFB8980-5757-468D-8C40-2B8CB3887577}" srcOrd="2" destOrd="0" presId="urn:microsoft.com/office/officeart/2018/2/layout/IconLabelList"/>
-    <dgm:cxn modelId="{300A9245-1DAA-4DC2-ABBA-8563DE7C105D}" type="presParOf" srcId="{33D21FCB-CA88-41B2-BFD4-04BF81F9A146}" destId="{5C4AD00C-9FD9-4AE3-925C-8234E7D8ADC4}" srcOrd="3" destOrd="0" presId="urn:microsoft.com/office/officeart/2018/2/layout/IconLabelList"/>
-    <dgm:cxn modelId="{A536827D-7413-4BC2-BC1C-14B51AD6A9B2}" type="presParOf" srcId="{33D21FCB-CA88-41B2-BFD4-04BF81F9A146}" destId="{EFD53A04-FDCC-4CE8-9360-EF60CF111DF1}" srcOrd="4" destOrd="0" presId="urn:microsoft.com/office/officeart/2018/2/layout/IconLabelList"/>
-    <dgm:cxn modelId="{80683F90-A36A-4B71-A6EA-AEC91817EEF3}" type="presParOf" srcId="{EFD53A04-FDCC-4CE8-9360-EF60CF111DF1}" destId="{D1C11E60-872E-4B9D-924C-7BF810337345}" srcOrd="0" destOrd="0" presId="urn:microsoft.com/office/officeart/2018/2/layout/IconLabelList"/>
-    <dgm:cxn modelId="{517DCEC4-8DED-45B4-A7CC-E4864E603B4D}" type="presParOf" srcId="{EFD53A04-FDCC-4CE8-9360-EF60CF111DF1}" destId="{6671BBDF-52FF-454F-9815-356356A18DA5}" srcOrd="1" destOrd="0" presId="urn:microsoft.com/office/officeart/2018/2/layout/IconLabelList"/>
-    <dgm:cxn modelId="{A08A3382-79C1-460C-974D-E7C8C6836CAB}" type="presParOf" srcId="{EFD53A04-FDCC-4CE8-9360-EF60CF111DF1}" destId="{62ADF597-00D5-4AD1-B7F9-E038828782ED}" srcOrd="2" destOrd="0" presId="urn:microsoft.com/office/officeart/2018/2/layout/IconLabelList"/>
-  </dgm:cxnLst>
-  <dgm:bg/>
-  <dgm:whole/>
-  <dgm:extLst>
-    <a:ext uri="http://schemas.microsoft.com/office/drawing/2008/diagram">
-      <dsp:dataModelExt xmlns:dsp="http://schemas.microsoft.com/office/drawing/2008/diagram" relId="rId6" minVer="http://schemas.openxmlformats.org/drawingml/2006/diagram"/>
-    </a:ext>
-  </dgm:extLst>
-</dgm:dataModel>
-</file>
-
-<file path=ppt/diagrams/data3.xml><?xml version="1.0" encoding="utf-8"?>
-<dgm:dataModel xmlns:dgm="http://schemas.openxmlformats.org/drawingml/2006/diagram" xmlns:a="http://schemas.openxmlformats.org/drawingml/2006/main">
-  <dgm:ptLst>
-    <dgm:pt modelId="{56D518BF-82D7-4590-9526-B5AB24DC89F8}" type="doc">
-      <dgm:prSet loTypeId="urn:microsoft.com/office/officeart/2008/layout/LinedList" loCatId="list" qsTypeId="urn:microsoft.com/office/officeart/2005/8/quickstyle/simple1" qsCatId="simple" csTypeId="urn:microsoft.com/office/officeart/2005/8/colors/colorful2" csCatId="colorful"/>
-      <dgm:spPr/>
-      <dgm:t>
-        <a:bodyPr/>
-        <a:lstStyle/>
-        <a:p>
-          <a:endParaRPr lang="en-US"/>
-        </a:p>
-      </dgm:t>
-    </dgm:pt>
-    <dgm:pt modelId="{9EDE6F4F-FA7D-4A3C-ABF2-9D2B830C88D5}">
-      <dgm:prSet/>
-      <dgm:spPr/>
-      <dgm:t>
-        <a:bodyPr/>
-        <a:lstStyle/>
-        <a:p>
-          <a:r>
-            <a:rPr lang="en-GB"/>
-            <a:t>What did you complete?</a:t>
-          </a:r>
-          <a:endParaRPr lang="en-US"/>
-        </a:p>
-      </dgm:t>
-    </dgm:pt>
-    <dgm:pt modelId="{32BB47E4-ED81-4C87-97FC-57AA1631C4FF}" type="parTrans" cxnId="{2586F693-218B-41B8-AC99-95461B3AEDD8}">
-      <dgm:prSet/>
-      <dgm:spPr/>
-      <dgm:t>
-        <a:bodyPr/>
-        <a:lstStyle/>
-        <a:p>
-          <a:endParaRPr lang="en-US"/>
-        </a:p>
-      </dgm:t>
-    </dgm:pt>
-    <dgm:pt modelId="{4C27C46F-3B4B-4E66-96F2-D418538E1745}" type="sibTrans" cxnId="{2586F693-218B-41B8-AC99-95461B3AEDD8}">
-      <dgm:prSet/>
-      <dgm:spPr/>
-      <dgm:t>
-        <a:bodyPr/>
-        <a:lstStyle/>
-        <a:p>
-          <a:endParaRPr lang="en-US"/>
-        </a:p>
-      </dgm:t>
-    </dgm:pt>
-    <dgm:pt modelId="{D0A2087E-3AF6-4804-8133-0223B2878428}">
-      <dgm:prSet/>
-      <dgm:spPr/>
-      <dgm:t>
-        <a:bodyPr/>
-        <a:lstStyle/>
-        <a:p>
-          <a:r>
-            <a:rPr lang="en-GB"/>
-            <a:t>As of now I have currently completed the complete code for the application which was working fully last night. which means that:</a:t>
-          </a:r>
-          <a:endParaRPr lang="en-US"/>
-        </a:p>
-      </dgm:t>
-    </dgm:pt>
-    <dgm:pt modelId="{80B39D65-34CD-4F48-9D73-B5F7BF0EBC54}" type="parTrans" cxnId="{FB7ED8C2-55E5-40AC-8D13-02FA4B173EE6}">
-      <dgm:prSet/>
-      <dgm:spPr/>
-      <dgm:t>
-        <a:bodyPr/>
-        <a:lstStyle/>
-        <a:p>
-          <a:endParaRPr lang="en-US"/>
-        </a:p>
-      </dgm:t>
-    </dgm:pt>
-    <dgm:pt modelId="{59576D35-7E1E-4A31-93D7-05D3BCBC81FE}" type="sibTrans" cxnId="{FB7ED8C2-55E5-40AC-8D13-02FA4B173EE6}">
-      <dgm:prSet/>
-      <dgm:spPr/>
-      <dgm:t>
-        <a:bodyPr/>
-        <a:lstStyle/>
-        <a:p>
-          <a:endParaRPr lang="en-US"/>
-        </a:p>
-      </dgm:t>
-    </dgm:pt>
-    <dgm:pt modelId="{F27B7781-013A-430E-91C6-3DA545ECDF65}">
-      <dgm:prSet/>
-      <dgm:spPr/>
-      <dgm:t>
-        <a:bodyPr/>
-        <a:lstStyle/>
-        <a:p>
-          <a:r>
-            <a:rPr lang="en-GB"/>
-            <a:t>I could add view update and delete a customer .</a:t>
-          </a:r>
-          <a:endParaRPr lang="en-US"/>
-        </a:p>
-      </dgm:t>
-    </dgm:pt>
-    <dgm:pt modelId="{A9BF7AE0-30FA-473A-9569-50D145392004}" type="parTrans" cxnId="{2EB4E844-D4DC-44AE-A4EB-7135F6128610}">
-      <dgm:prSet/>
-      <dgm:spPr/>
-      <dgm:t>
-        <a:bodyPr/>
-        <a:lstStyle/>
-        <a:p>
-          <a:endParaRPr lang="en-US"/>
-        </a:p>
-      </dgm:t>
-    </dgm:pt>
-    <dgm:pt modelId="{AC9B3384-06BF-4897-B12B-61BBA9D9891A}" type="sibTrans" cxnId="{2EB4E844-D4DC-44AE-A4EB-7135F6128610}">
-      <dgm:prSet/>
-      <dgm:spPr/>
-      <dgm:t>
-        <a:bodyPr/>
-        <a:lstStyle/>
-        <a:p>
-          <a:endParaRPr lang="en-US"/>
-        </a:p>
-      </dgm:t>
-    </dgm:pt>
-    <dgm:pt modelId="{D074CEA2-52A7-4896-BEAC-C986AA4814E9}">
-      <dgm:prSet/>
-      <dgm:spPr/>
-      <dgm:t>
-        <a:bodyPr/>
-        <a:lstStyle/>
-        <a:p>
-          <a:r>
-            <a:rPr lang="en-GB"/>
-            <a:t>Add view update and delete an item .</a:t>
-          </a:r>
-          <a:endParaRPr lang="en-US"/>
-        </a:p>
-      </dgm:t>
-    </dgm:pt>
-    <dgm:pt modelId="{63B0F5F0-AC88-442A-8933-88E6068AD080}" type="parTrans" cxnId="{29F58DF0-C9E8-49F7-A8DA-8E4DCA29A1F2}">
-      <dgm:prSet/>
-      <dgm:spPr/>
-      <dgm:t>
-        <a:bodyPr/>
-        <a:lstStyle/>
-        <a:p>
-          <a:endParaRPr lang="en-US"/>
-        </a:p>
-      </dgm:t>
-    </dgm:pt>
-    <dgm:pt modelId="{EF041A71-B896-43C9-B8B3-B65909269FBC}" type="sibTrans" cxnId="{29F58DF0-C9E8-49F7-A8DA-8E4DCA29A1F2}">
-      <dgm:prSet/>
-      <dgm:spPr/>
-      <dgm:t>
-        <a:bodyPr/>
-        <a:lstStyle/>
-        <a:p>
-          <a:endParaRPr lang="en-US"/>
-        </a:p>
-      </dgm:t>
-    </dgm:pt>
-    <dgm:pt modelId="{D06183FB-0D24-4D2A-BF1F-411BFA12B692}">
-      <dgm:prSet/>
-      <dgm:spPr/>
-      <dgm:t>
-        <a:bodyPr/>
-        <a:lstStyle/>
-        <a:p>
-          <a:r>
-            <a:rPr lang="en-GB"/>
-            <a:t>Create an order view the order and delete an order. </a:t>
-          </a:r>
-          <a:endParaRPr lang="en-US"/>
-        </a:p>
-      </dgm:t>
-    </dgm:pt>
-    <dgm:pt modelId="{C26A0213-72A5-4618-B33F-41F04BBAF9F1}" type="parTrans" cxnId="{FDE33B62-B167-4EA4-9242-258041A45012}">
-      <dgm:prSet/>
-      <dgm:spPr/>
-      <dgm:t>
-        <a:bodyPr/>
-        <a:lstStyle/>
-        <a:p>
-          <a:endParaRPr lang="en-US"/>
-        </a:p>
-      </dgm:t>
-    </dgm:pt>
-    <dgm:pt modelId="{1A5DB315-E94B-4580-BE55-31B995138F2F}" type="sibTrans" cxnId="{FDE33B62-B167-4EA4-9242-258041A45012}">
-      <dgm:prSet/>
-      <dgm:spPr/>
-      <dgm:t>
-        <a:bodyPr/>
-        <a:lstStyle/>
-        <a:p>
-          <a:endParaRPr lang="en-US"/>
-        </a:p>
-      </dgm:t>
-    </dgm:pt>
-    <dgm:pt modelId="{46531F35-F68C-4F27-93F9-BE585C8FF142}">
-      <dgm:prSet/>
-      <dgm:spPr/>
-      <dgm:t>
-        <a:bodyPr/>
-        <a:lstStyle/>
-        <a:p>
-          <a:r>
-            <a:rPr lang="en-GB"/>
-            <a:t>Add an item to my order, calculate the cost for an order and then delete an item in an order. </a:t>
-          </a:r>
-          <a:endParaRPr lang="en-US"/>
-        </a:p>
-      </dgm:t>
-    </dgm:pt>
-    <dgm:pt modelId="{D18718D7-AFE4-4424-869A-59CDB6BC6CAB}" type="parTrans" cxnId="{1437DDDC-0910-45FD-862E-0D576857A4A0}">
-      <dgm:prSet/>
-      <dgm:spPr/>
-      <dgm:t>
-        <a:bodyPr/>
-        <a:lstStyle/>
-        <a:p>
-          <a:endParaRPr lang="en-US"/>
-        </a:p>
-      </dgm:t>
-    </dgm:pt>
-    <dgm:pt modelId="{484D55C8-B95D-4595-94A2-A4E8A9F8963B}" type="sibTrans" cxnId="{1437DDDC-0910-45FD-862E-0D576857A4A0}">
-      <dgm:prSet/>
-      <dgm:spPr/>
-      <dgm:t>
-        <a:bodyPr/>
-        <a:lstStyle/>
-        <a:p>
-          <a:endParaRPr lang="en-US"/>
-        </a:p>
-      </dgm:t>
-    </dgm:pt>
-    <dgm:pt modelId="{7901ADF6-A3A6-478E-9BE5-8218ADE165F8}">
-      <dgm:prSet/>
-      <dgm:spPr/>
-      <dgm:t>
-        <a:bodyPr/>
-        <a:lstStyle/>
-        <a:p>
-          <a:r>
-            <a:rPr lang="en-GB"/>
-            <a:t>I was able to create my MySQL database and link it with my Java.</a:t>
-          </a:r>
-          <a:endParaRPr lang="en-US"/>
-        </a:p>
-      </dgm:t>
-    </dgm:pt>
-    <dgm:pt modelId="{E4FE3219-CCD6-4B83-9C86-9AC1EDF08294}" type="parTrans" cxnId="{DF7AA75E-C9AF-41A0-AC4D-38FC953335CA}">
-      <dgm:prSet/>
-      <dgm:spPr/>
-      <dgm:t>
-        <a:bodyPr/>
-        <a:lstStyle/>
-        <a:p>
-          <a:endParaRPr lang="en-US"/>
-        </a:p>
-      </dgm:t>
-    </dgm:pt>
-    <dgm:pt modelId="{E239438D-E5B0-4AE5-ABCE-276C8E20FB9C}" type="sibTrans" cxnId="{DF7AA75E-C9AF-41A0-AC4D-38FC953335CA}">
-      <dgm:prSet/>
-      <dgm:spPr/>
-      <dgm:t>
-        <a:bodyPr/>
-        <a:lstStyle/>
-        <a:p>
-          <a:endParaRPr lang="en-US"/>
-        </a:p>
-      </dgm:t>
-    </dgm:pt>
-    <dgm:pt modelId="{E22813BC-E774-4DBD-8013-5199AE82DD2B}">
-      <dgm:prSet/>
-      <dgm:spPr/>
-      <dgm:t>
-        <a:bodyPr/>
-        <a:lstStyle/>
-        <a:p>
-          <a:r>
-            <a:rPr lang="en-GB"/>
-            <a:t>I was able to integrate my version onto GitHub using main dev and multiple branches.</a:t>
-          </a:r>
-          <a:endParaRPr lang="en-US"/>
-        </a:p>
-      </dgm:t>
-    </dgm:pt>
-    <dgm:pt modelId="{5FBEB91D-CD6D-4BCD-9D22-B365CA9B3D25}" type="parTrans" cxnId="{A70283DA-8103-409D-BF77-022D4DBDE796}">
-      <dgm:prSet/>
-      <dgm:spPr/>
-      <dgm:t>
-        <a:bodyPr/>
-        <a:lstStyle/>
-        <a:p>
-          <a:endParaRPr lang="en-US"/>
-        </a:p>
-      </dgm:t>
-    </dgm:pt>
-    <dgm:pt modelId="{9848CE82-A42E-4723-8961-D96D7F7D5D26}" type="sibTrans" cxnId="{A70283DA-8103-409D-BF77-022D4DBDE796}">
-      <dgm:prSet/>
-      <dgm:spPr/>
-      <dgm:t>
-        <a:bodyPr/>
-        <a:lstStyle/>
-        <a:p>
-          <a:endParaRPr lang="en-US"/>
-        </a:p>
-      </dgm:t>
-    </dgm:pt>
-    <dgm:pt modelId="{AE5A8016-C7CC-4CBC-8FC9-CC1C2553C5A5}">
-      <dgm:prSet/>
-      <dgm:spPr/>
-      <dgm:t>
-        <a:bodyPr/>
-        <a:lstStyle/>
-        <a:p>
-          <a:r>
-            <a:rPr lang="en-GB"/>
-            <a:t>I was able to make a basic Kanban board with user stories </a:t>
-          </a:r>
-          <a:endParaRPr lang="en-US"/>
-        </a:p>
-      </dgm:t>
-    </dgm:pt>
-    <dgm:pt modelId="{74117425-1818-476C-B73C-0B1CBD6C05B6}" type="parTrans" cxnId="{66AA42BD-1975-4F95-AFCD-7149EB1E0D4D}">
-      <dgm:prSet/>
-      <dgm:spPr/>
-      <dgm:t>
-        <a:bodyPr/>
-        <a:lstStyle/>
-        <a:p>
-          <a:endParaRPr lang="en-US"/>
-        </a:p>
-      </dgm:t>
-    </dgm:pt>
-    <dgm:pt modelId="{45875D81-2E71-4407-ADB3-748A6F5249EA}" type="sibTrans" cxnId="{66AA42BD-1975-4F95-AFCD-7149EB1E0D4D}">
-      <dgm:prSet/>
-      <dgm:spPr/>
-      <dgm:t>
-        <a:bodyPr/>
-        <a:lstStyle/>
-        <a:p>
-          <a:endParaRPr lang="en-US"/>
-        </a:p>
-      </dgm:t>
-    </dgm:pt>
-    <dgm:pt modelId="{4D7B7C6C-FC25-45FE-8702-F602D9F92439}">
-      <dgm:prSet/>
-      <dgm:spPr/>
-      <dgm:t>
-        <a:bodyPr/>
-        <a:lstStyle/>
-        <a:p>
-          <a:r>
-            <a:rPr lang="en-GB"/>
-            <a:t>I was able to create a risk assessment.</a:t>
-          </a:r>
-          <a:endParaRPr lang="en-US"/>
-        </a:p>
-      </dgm:t>
-    </dgm:pt>
-    <dgm:pt modelId="{8C762735-BDE9-4529-8150-1409F16B75A5}" type="parTrans" cxnId="{99CC7B94-AD49-4271-88DA-E6F7231706DC}">
-      <dgm:prSet/>
-      <dgm:spPr/>
-      <dgm:t>
-        <a:bodyPr/>
-        <a:lstStyle/>
-        <a:p>
-          <a:endParaRPr lang="en-US"/>
-        </a:p>
-      </dgm:t>
-    </dgm:pt>
-    <dgm:pt modelId="{0AE7966C-1168-4C94-A82A-F636DFA2805E}" type="sibTrans" cxnId="{99CC7B94-AD49-4271-88DA-E6F7231706DC}">
-      <dgm:prSet/>
-      <dgm:spPr/>
-      <dgm:t>
-        <a:bodyPr/>
-        <a:lstStyle/>
-        <a:p>
-          <a:endParaRPr lang="en-US"/>
-        </a:p>
-      </dgm:t>
-    </dgm:pt>
-    <dgm:pt modelId="{61E35AE7-706A-4B57-8AE9-E1D94B02196C}" type="pres">
-      <dgm:prSet presAssocID="{56D518BF-82D7-4590-9526-B5AB24DC89F8}" presName="vert0" presStyleCnt="0">
+    <dgm:pt modelId="{0C002A91-DE66-4529-9722-D11E2F75C1E4}" type="pres">
+      <dgm:prSet presAssocID="{C9B3666A-575B-4FFB-ABD7-75D8B6F91C76}" presName="vert0" presStyleCnt="0">
         <dgm:presLayoutVars>
           <dgm:dir/>
           <dgm:animOne val="branch"/>
@@ -3439,314 +1971,53 @@
       </dgm:prSet>
       <dgm:spPr/>
     </dgm:pt>
-    <dgm:pt modelId="{45DC7C0E-01B1-4323-AD8A-E258FB08F234}" type="pres">
-      <dgm:prSet presAssocID="{9EDE6F4F-FA7D-4A3C-ABF2-9D2B830C88D5}" presName="thickLine" presStyleLbl="alignNode1" presStyleIdx="0" presStyleCnt="2"/>
+    <dgm:pt modelId="{0E5EAF65-F2BD-475F-8EB7-377686D79AB6}" type="pres">
+      <dgm:prSet presAssocID="{352BBD2C-E8EC-4D9D-9E88-EFC36C968970}" presName="thickLine" presStyleLbl="alignNode1" presStyleIdx="0" presStyleCnt="2"/>
       <dgm:spPr/>
     </dgm:pt>
-    <dgm:pt modelId="{0E27C3C6-872A-4E37-9208-5084D2BF6764}" type="pres">
-      <dgm:prSet presAssocID="{9EDE6F4F-FA7D-4A3C-ABF2-9D2B830C88D5}" presName="horz1" presStyleCnt="0"/>
+    <dgm:pt modelId="{DACE0F61-5D85-4585-B909-9588F580A06F}" type="pres">
+      <dgm:prSet presAssocID="{352BBD2C-E8EC-4D9D-9E88-EFC36C968970}" presName="horz1" presStyleCnt="0"/>
       <dgm:spPr/>
     </dgm:pt>
-    <dgm:pt modelId="{774C9CA5-4D9B-40D0-86DE-25AE4BC51356}" type="pres">
-      <dgm:prSet presAssocID="{9EDE6F4F-FA7D-4A3C-ABF2-9D2B830C88D5}" presName="tx1" presStyleLbl="revTx" presStyleIdx="0" presStyleCnt="10"/>
+    <dgm:pt modelId="{D75AEC79-B172-43EE-B2AE-16CBC69D3172}" type="pres">
+      <dgm:prSet presAssocID="{352BBD2C-E8EC-4D9D-9E88-EFC36C968970}" presName="tx1" presStyleLbl="revTx" presStyleIdx="0" presStyleCnt="2"/>
       <dgm:spPr/>
     </dgm:pt>
-    <dgm:pt modelId="{A89A5526-3C1D-4829-9F14-E658CBBFEEFD}" type="pres">
-      <dgm:prSet presAssocID="{9EDE6F4F-FA7D-4A3C-ABF2-9D2B830C88D5}" presName="vert1" presStyleCnt="0"/>
+    <dgm:pt modelId="{2EAF02F6-DD6B-4F33-9233-9F0363B9C080}" type="pres">
+      <dgm:prSet presAssocID="{352BBD2C-E8EC-4D9D-9E88-EFC36C968970}" presName="vert1" presStyleCnt="0"/>
       <dgm:spPr/>
     </dgm:pt>
-    <dgm:pt modelId="{B33C2393-507E-4563-8937-BD01CD4E1E29}" type="pres">
-      <dgm:prSet presAssocID="{D0A2087E-3AF6-4804-8133-0223B2878428}" presName="thickLine" presStyleLbl="alignNode1" presStyleIdx="1" presStyleCnt="2"/>
+    <dgm:pt modelId="{9333ECAE-B77D-4F98-94DC-6D20FD3C62F5}" type="pres">
+      <dgm:prSet presAssocID="{82281158-9040-4733-8645-A3839D96D9AB}" presName="thickLine" presStyleLbl="alignNode1" presStyleIdx="1" presStyleCnt="2"/>
       <dgm:spPr/>
     </dgm:pt>
-    <dgm:pt modelId="{5DDE28AE-5762-41C8-B0A7-9C55F990A3E3}" type="pres">
-      <dgm:prSet presAssocID="{D0A2087E-3AF6-4804-8133-0223B2878428}" presName="horz1" presStyleCnt="0"/>
+    <dgm:pt modelId="{710D440A-682F-41E3-AAEB-39600762FC33}" type="pres">
+      <dgm:prSet presAssocID="{82281158-9040-4733-8645-A3839D96D9AB}" presName="horz1" presStyleCnt="0"/>
       <dgm:spPr/>
     </dgm:pt>
-    <dgm:pt modelId="{EAFB7F23-BB6F-40E2-ACDF-3122D437BE87}" type="pres">
-      <dgm:prSet presAssocID="{D0A2087E-3AF6-4804-8133-0223B2878428}" presName="tx1" presStyleLbl="revTx" presStyleIdx="1" presStyleCnt="10"/>
+    <dgm:pt modelId="{E814533D-4C71-40D4-913A-782EEAA70085}" type="pres">
+      <dgm:prSet presAssocID="{82281158-9040-4733-8645-A3839D96D9AB}" presName="tx1" presStyleLbl="revTx" presStyleIdx="1" presStyleCnt="2"/>
       <dgm:spPr/>
     </dgm:pt>
-    <dgm:pt modelId="{B4E43F14-7A10-4B4F-9646-F8E433796380}" type="pres">
-      <dgm:prSet presAssocID="{D0A2087E-3AF6-4804-8133-0223B2878428}" presName="vert1" presStyleCnt="0"/>
-      <dgm:spPr/>
-    </dgm:pt>
-    <dgm:pt modelId="{133F39B9-7A64-463E-A396-E8C52DCFAD3D}" type="pres">
-      <dgm:prSet presAssocID="{F27B7781-013A-430E-91C6-3DA545ECDF65}" presName="vertSpace2a" presStyleCnt="0"/>
-      <dgm:spPr/>
-    </dgm:pt>
-    <dgm:pt modelId="{6D232D4A-9F47-4F86-A789-328EA6E5A671}" type="pres">
-      <dgm:prSet presAssocID="{F27B7781-013A-430E-91C6-3DA545ECDF65}" presName="horz2" presStyleCnt="0"/>
-      <dgm:spPr/>
-    </dgm:pt>
-    <dgm:pt modelId="{184C8DF8-6A27-4F62-A371-505F9ECE857B}" type="pres">
-      <dgm:prSet presAssocID="{F27B7781-013A-430E-91C6-3DA545ECDF65}" presName="horzSpace2" presStyleCnt="0"/>
-      <dgm:spPr/>
-    </dgm:pt>
-    <dgm:pt modelId="{F15E77A6-288B-4455-8CBA-3FD7B0C33A6E}" type="pres">
-      <dgm:prSet presAssocID="{F27B7781-013A-430E-91C6-3DA545ECDF65}" presName="tx2" presStyleLbl="revTx" presStyleIdx="2" presStyleCnt="10"/>
-      <dgm:spPr/>
-    </dgm:pt>
-    <dgm:pt modelId="{23D62A7D-C568-4BD5-B044-1A67012E691B}" type="pres">
-      <dgm:prSet presAssocID="{F27B7781-013A-430E-91C6-3DA545ECDF65}" presName="vert2" presStyleCnt="0"/>
-      <dgm:spPr/>
-    </dgm:pt>
-    <dgm:pt modelId="{C5739325-0301-412C-91A6-17D040422EE2}" type="pres">
-      <dgm:prSet presAssocID="{F27B7781-013A-430E-91C6-3DA545ECDF65}" presName="thinLine2b" presStyleLbl="callout" presStyleIdx="0" presStyleCnt="8"/>
-      <dgm:spPr/>
-    </dgm:pt>
-    <dgm:pt modelId="{86498863-E9D9-4BF2-BB67-219D9471EA57}" type="pres">
-      <dgm:prSet presAssocID="{F27B7781-013A-430E-91C6-3DA545ECDF65}" presName="vertSpace2b" presStyleCnt="0"/>
-      <dgm:spPr/>
-    </dgm:pt>
-    <dgm:pt modelId="{CCB0806F-7068-4943-AA82-FB3BD270431F}" type="pres">
-      <dgm:prSet presAssocID="{D074CEA2-52A7-4896-BEAC-C986AA4814E9}" presName="horz2" presStyleCnt="0"/>
-      <dgm:spPr/>
-    </dgm:pt>
-    <dgm:pt modelId="{572CDFD3-1D08-4DB7-9F0C-9FB5A24CFFE9}" type="pres">
-      <dgm:prSet presAssocID="{D074CEA2-52A7-4896-BEAC-C986AA4814E9}" presName="horzSpace2" presStyleCnt="0"/>
-      <dgm:spPr/>
-    </dgm:pt>
-    <dgm:pt modelId="{A468839C-2B53-45CD-A353-54BF38C33C36}" type="pres">
-      <dgm:prSet presAssocID="{D074CEA2-52A7-4896-BEAC-C986AA4814E9}" presName="tx2" presStyleLbl="revTx" presStyleIdx="3" presStyleCnt="10"/>
-      <dgm:spPr/>
-    </dgm:pt>
-    <dgm:pt modelId="{A9731A53-A57E-41A8-92B6-36F66814EE27}" type="pres">
-      <dgm:prSet presAssocID="{D074CEA2-52A7-4896-BEAC-C986AA4814E9}" presName="vert2" presStyleCnt="0"/>
-      <dgm:spPr/>
-    </dgm:pt>
-    <dgm:pt modelId="{3EA10BEA-1A70-4D4B-B769-985DB94ED6E0}" type="pres">
-      <dgm:prSet presAssocID="{D074CEA2-52A7-4896-BEAC-C986AA4814E9}" presName="thinLine2b" presStyleLbl="callout" presStyleIdx="1" presStyleCnt="8"/>
-      <dgm:spPr/>
-    </dgm:pt>
-    <dgm:pt modelId="{4F38FE34-6392-4654-9158-D2A7B052AB83}" type="pres">
-      <dgm:prSet presAssocID="{D074CEA2-52A7-4896-BEAC-C986AA4814E9}" presName="vertSpace2b" presStyleCnt="0"/>
-      <dgm:spPr/>
-    </dgm:pt>
-    <dgm:pt modelId="{B2FF45E9-E302-4D00-8DA2-9B8B2C3476F3}" type="pres">
-      <dgm:prSet presAssocID="{D06183FB-0D24-4D2A-BF1F-411BFA12B692}" presName="horz2" presStyleCnt="0"/>
-      <dgm:spPr/>
-    </dgm:pt>
-    <dgm:pt modelId="{E2CDEB47-3D0C-43E7-98E8-33AF118B7852}" type="pres">
-      <dgm:prSet presAssocID="{D06183FB-0D24-4D2A-BF1F-411BFA12B692}" presName="horzSpace2" presStyleCnt="0"/>
-      <dgm:spPr/>
-    </dgm:pt>
-    <dgm:pt modelId="{CB07DA44-5A31-4E79-BED2-D6C1D8BDED47}" type="pres">
-      <dgm:prSet presAssocID="{D06183FB-0D24-4D2A-BF1F-411BFA12B692}" presName="tx2" presStyleLbl="revTx" presStyleIdx="4" presStyleCnt="10"/>
-      <dgm:spPr/>
-    </dgm:pt>
-    <dgm:pt modelId="{FB4188B9-806C-4D7D-972D-9910F91173E3}" type="pres">
-      <dgm:prSet presAssocID="{D06183FB-0D24-4D2A-BF1F-411BFA12B692}" presName="vert2" presStyleCnt="0"/>
-      <dgm:spPr/>
-    </dgm:pt>
-    <dgm:pt modelId="{B83505E3-0168-4E65-8F72-C20B48DD0C85}" type="pres">
-      <dgm:prSet presAssocID="{D06183FB-0D24-4D2A-BF1F-411BFA12B692}" presName="thinLine2b" presStyleLbl="callout" presStyleIdx="2" presStyleCnt="8"/>
-      <dgm:spPr/>
-    </dgm:pt>
-    <dgm:pt modelId="{B1BA2C6E-8CF5-4BF6-9641-A122C0D5DD84}" type="pres">
-      <dgm:prSet presAssocID="{D06183FB-0D24-4D2A-BF1F-411BFA12B692}" presName="vertSpace2b" presStyleCnt="0"/>
-      <dgm:spPr/>
-    </dgm:pt>
-    <dgm:pt modelId="{A7A5C677-EB2D-4F6B-8E48-2F5625BABDA7}" type="pres">
-      <dgm:prSet presAssocID="{46531F35-F68C-4F27-93F9-BE585C8FF142}" presName="horz2" presStyleCnt="0"/>
-      <dgm:spPr/>
-    </dgm:pt>
-    <dgm:pt modelId="{A266A3F7-BB19-41C3-8BF4-8101846ED0B7}" type="pres">
-      <dgm:prSet presAssocID="{46531F35-F68C-4F27-93F9-BE585C8FF142}" presName="horzSpace2" presStyleCnt="0"/>
-      <dgm:spPr/>
-    </dgm:pt>
-    <dgm:pt modelId="{B2544EC8-8B1D-48C4-A8C8-C89EBA7CB243}" type="pres">
-      <dgm:prSet presAssocID="{46531F35-F68C-4F27-93F9-BE585C8FF142}" presName="tx2" presStyleLbl="revTx" presStyleIdx="5" presStyleCnt="10"/>
-      <dgm:spPr/>
-    </dgm:pt>
-    <dgm:pt modelId="{DDADE0FB-E8EA-4CAA-A541-0D2FF0342A64}" type="pres">
-      <dgm:prSet presAssocID="{46531F35-F68C-4F27-93F9-BE585C8FF142}" presName="vert2" presStyleCnt="0"/>
-      <dgm:spPr/>
-    </dgm:pt>
-    <dgm:pt modelId="{96B9D75D-E83F-4BE5-A469-B3E25D4023D9}" type="pres">
-      <dgm:prSet presAssocID="{46531F35-F68C-4F27-93F9-BE585C8FF142}" presName="thinLine2b" presStyleLbl="callout" presStyleIdx="3" presStyleCnt="8"/>
-      <dgm:spPr/>
-    </dgm:pt>
-    <dgm:pt modelId="{C5DBEE4C-0E21-42EF-A8B8-C9F3EADA71CB}" type="pres">
-      <dgm:prSet presAssocID="{46531F35-F68C-4F27-93F9-BE585C8FF142}" presName="vertSpace2b" presStyleCnt="0"/>
-      <dgm:spPr/>
-    </dgm:pt>
-    <dgm:pt modelId="{C95DD22F-C00F-422A-ACC3-D9496385EA29}" type="pres">
-      <dgm:prSet presAssocID="{7901ADF6-A3A6-478E-9BE5-8218ADE165F8}" presName="horz2" presStyleCnt="0"/>
-      <dgm:spPr/>
-    </dgm:pt>
-    <dgm:pt modelId="{E18B519C-5894-43FD-A0F3-092DAF63B436}" type="pres">
-      <dgm:prSet presAssocID="{7901ADF6-A3A6-478E-9BE5-8218ADE165F8}" presName="horzSpace2" presStyleCnt="0"/>
-      <dgm:spPr/>
-    </dgm:pt>
-    <dgm:pt modelId="{AF08347A-727C-486E-BA5B-6C1AE0F9352E}" type="pres">
-      <dgm:prSet presAssocID="{7901ADF6-A3A6-478E-9BE5-8218ADE165F8}" presName="tx2" presStyleLbl="revTx" presStyleIdx="6" presStyleCnt="10"/>
-      <dgm:spPr/>
-    </dgm:pt>
-    <dgm:pt modelId="{A49B211B-30A5-41B1-8E24-F5CAFA87783B}" type="pres">
-      <dgm:prSet presAssocID="{7901ADF6-A3A6-478E-9BE5-8218ADE165F8}" presName="vert2" presStyleCnt="0"/>
-      <dgm:spPr/>
-    </dgm:pt>
-    <dgm:pt modelId="{4BB64DF8-A0E5-4A58-A9E7-0D673D9001FA}" type="pres">
-      <dgm:prSet presAssocID="{7901ADF6-A3A6-478E-9BE5-8218ADE165F8}" presName="thinLine2b" presStyleLbl="callout" presStyleIdx="4" presStyleCnt="8"/>
-      <dgm:spPr/>
-    </dgm:pt>
-    <dgm:pt modelId="{74A919DA-72D8-44CF-AB45-AB502506541B}" type="pres">
-      <dgm:prSet presAssocID="{7901ADF6-A3A6-478E-9BE5-8218ADE165F8}" presName="vertSpace2b" presStyleCnt="0"/>
-      <dgm:spPr/>
-    </dgm:pt>
-    <dgm:pt modelId="{1F654032-972E-4600-9C26-EDFA3EC102DF}" type="pres">
-      <dgm:prSet presAssocID="{E22813BC-E774-4DBD-8013-5199AE82DD2B}" presName="horz2" presStyleCnt="0"/>
-      <dgm:spPr/>
-    </dgm:pt>
-    <dgm:pt modelId="{74FFD357-E2FC-444C-AA78-70F99F75D1CD}" type="pres">
-      <dgm:prSet presAssocID="{E22813BC-E774-4DBD-8013-5199AE82DD2B}" presName="horzSpace2" presStyleCnt="0"/>
-      <dgm:spPr/>
-    </dgm:pt>
-    <dgm:pt modelId="{A01CA2B4-6DBF-46D0-868B-87E9F72CDBFA}" type="pres">
-      <dgm:prSet presAssocID="{E22813BC-E774-4DBD-8013-5199AE82DD2B}" presName="tx2" presStyleLbl="revTx" presStyleIdx="7" presStyleCnt="10"/>
-      <dgm:spPr/>
-    </dgm:pt>
-    <dgm:pt modelId="{A612E82D-092D-4344-80C1-BA6A414B0984}" type="pres">
-      <dgm:prSet presAssocID="{E22813BC-E774-4DBD-8013-5199AE82DD2B}" presName="vert2" presStyleCnt="0"/>
-      <dgm:spPr/>
-    </dgm:pt>
-    <dgm:pt modelId="{7653BA37-5B89-4B02-927B-C669BBA9FD46}" type="pres">
-      <dgm:prSet presAssocID="{E22813BC-E774-4DBD-8013-5199AE82DD2B}" presName="thinLine2b" presStyleLbl="callout" presStyleIdx="5" presStyleCnt="8"/>
-      <dgm:spPr/>
-    </dgm:pt>
-    <dgm:pt modelId="{9E60A1ED-2099-4F9F-8619-653F58B32E08}" type="pres">
-      <dgm:prSet presAssocID="{E22813BC-E774-4DBD-8013-5199AE82DD2B}" presName="vertSpace2b" presStyleCnt="0"/>
-      <dgm:spPr/>
-    </dgm:pt>
-    <dgm:pt modelId="{066D7E2E-5CE9-47F3-93F0-BE5D5F04F10B}" type="pres">
-      <dgm:prSet presAssocID="{AE5A8016-C7CC-4CBC-8FC9-CC1C2553C5A5}" presName="horz2" presStyleCnt="0"/>
-      <dgm:spPr/>
-    </dgm:pt>
-    <dgm:pt modelId="{904131B6-34A5-45D8-A76F-064DA81A95CA}" type="pres">
-      <dgm:prSet presAssocID="{AE5A8016-C7CC-4CBC-8FC9-CC1C2553C5A5}" presName="horzSpace2" presStyleCnt="0"/>
-      <dgm:spPr/>
-    </dgm:pt>
-    <dgm:pt modelId="{3E8BD474-6F2B-4B61-A4F7-4A2B383D4A0D}" type="pres">
-      <dgm:prSet presAssocID="{AE5A8016-C7CC-4CBC-8FC9-CC1C2553C5A5}" presName="tx2" presStyleLbl="revTx" presStyleIdx="8" presStyleCnt="10"/>
-      <dgm:spPr/>
-    </dgm:pt>
-    <dgm:pt modelId="{17DEC84F-24A0-438A-A282-2F8FA1756731}" type="pres">
-      <dgm:prSet presAssocID="{AE5A8016-C7CC-4CBC-8FC9-CC1C2553C5A5}" presName="vert2" presStyleCnt="0"/>
-      <dgm:spPr/>
-    </dgm:pt>
-    <dgm:pt modelId="{6163D17B-29CB-44E2-B9AC-308031240ABE}" type="pres">
-      <dgm:prSet presAssocID="{AE5A8016-C7CC-4CBC-8FC9-CC1C2553C5A5}" presName="thinLine2b" presStyleLbl="callout" presStyleIdx="6" presStyleCnt="8"/>
-      <dgm:spPr/>
-    </dgm:pt>
-    <dgm:pt modelId="{D7AD5244-69FA-4BA6-91F1-33AF61DD9290}" type="pres">
-      <dgm:prSet presAssocID="{AE5A8016-C7CC-4CBC-8FC9-CC1C2553C5A5}" presName="vertSpace2b" presStyleCnt="0"/>
-      <dgm:spPr/>
-    </dgm:pt>
-    <dgm:pt modelId="{A160A8A0-AE65-4820-9776-106F54EE0143}" type="pres">
-      <dgm:prSet presAssocID="{4D7B7C6C-FC25-45FE-8702-F602D9F92439}" presName="horz2" presStyleCnt="0"/>
-      <dgm:spPr/>
-    </dgm:pt>
-    <dgm:pt modelId="{B542FFF6-AB0C-411A-9147-40DD25BBB286}" type="pres">
-      <dgm:prSet presAssocID="{4D7B7C6C-FC25-45FE-8702-F602D9F92439}" presName="horzSpace2" presStyleCnt="0"/>
-      <dgm:spPr/>
-    </dgm:pt>
-    <dgm:pt modelId="{3F982B5F-98C6-41D8-86E7-C2EE8DD0E501}" type="pres">
-      <dgm:prSet presAssocID="{4D7B7C6C-FC25-45FE-8702-F602D9F92439}" presName="tx2" presStyleLbl="revTx" presStyleIdx="9" presStyleCnt="10"/>
-      <dgm:spPr/>
-    </dgm:pt>
-    <dgm:pt modelId="{33450D32-1E53-4BB5-8396-5E38AE5A58BD}" type="pres">
-      <dgm:prSet presAssocID="{4D7B7C6C-FC25-45FE-8702-F602D9F92439}" presName="vert2" presStyleCnt="0"/>
-      <dgm:spPr/>
-    </dgm:pt>
-    <dgm:pt modelId="{2A6BDAE5-E902-49C0-8F8E-924074771BDB}" type="pres">
-      <dgm:prSet presAssocID="{4D7B7C6C-FC25-45FE-8702-F602D9F92439}" presName="thinLine2b" presStyleLbl="callout" presStyleIdx="7" presStyleCnt="8"/>
-      <dgm:spPr/>
-    </dgm:pt>
-    <dgm:pt modelId="{54FFA032-C673-41AE-8964-5884DDC0CB2B}" type="pres">
-      <dgm:prSet presAssocID="{4D7B7C6C-FC25-45FE-8702-F602D9F92439}" presName="vertSpace2b" presStyleCnt="0"/>
+    <dgm:pt modelId="{7B0A9C44-C732-4715-85C5-371AA41D0E38}" type="pres">
+      <dgm:prSet presAssocID="{82281158-9040-4733-8645-A3839D96D9AB}" presName="vert1" presStyleCnt="0"/>
       <dgm:spPr/>
     </dgm:pt>
   </dgm:ptLst>
   <dgm:cxnLst>
-    <dgm:cxn modelId="{51D6EC1F-626C-4492-8371-08FA3205519F}" type="presOf" srcId="{D0A2087E-3AF6-4804-8133-0223B2878428}" destId="{EAFB7F23-BB6F-40E2-ACDF-3122D437BE87}" srcOrd="0" destOrd="0" presId="urn:microsoft.com/office/officeart/2008/layout/LinedList"/>
-    <dgm:cxn modelId="{9856052E-39A1-4A0A-8DC6-E489361EDF3B}" type="presOf" srcId="{AE5A8016-C7CC-4CBC-8FC9-CC1C2553C5A5}" destId="{3E8BD474-6F2B-4B61-A4F7-4A2B383D4A0D}" srcOrd="0" destOrd="0" presId="urn:microsoft.com/office/officeart/2008/layout/LinedList"/>
-    <dgm:cxn modelId="{21F7FB3E-834C-4FB5-8161-4C5C3A098BC4}" type="presOf" srcId="{F27B7781-013A-430E-91C6-3DA545ECDF65}" destId="{F15E77A6-288B-4455-8CBA-3FD7B0C33A6E}" srcOrd="0" destOrd="0" presId="urn:microsoft.com/office/officeart/2008/layout/LinedList"/>
-    <dgm:cxn modelId="{DF7AA75E-C9AF-41A0-AC4D-38FC953335CA}" srcId="{D0A2087E-3AF6-4804-8133-0223B2878428}" destId="{7901ADF6-A3A6-478E-9BE5-8218ADE165F8}" srcOrd="4" destOrd="0" parTransId="{E4FE3219-CCD6-4B83-9C86-9AC1EDF08294}" sibTransId="{E239438D-E5B0-4AE5-ABCE-276C8E20FB9C}"/>
-    <dgm:cxn modelId="{FDE33B62-B167-4EA4-9242-258041A45012}" srcId="{D0A2087E-3AF6-4804-8133-0223B2878428}" destId="{D06183FB-0D24-4D2A-BF1F-411BFA12B692}" srcOrd="2" destOrd="0" parTransId="{C26A0213-72A5-4618-B33F-41F04BBAF9F1}" sibTransId="{1A5DB315-E94B-4580-BE55-31B995138F2F}"/>
-    <dgm:cxn modelId="{B0743A44-4358-4B59-89E8-64ED863EBF75}" type="presOf" srcId="{4D7B7C6C-FC25-45FE-8702-F602D9F92439}" destId="{3F982B5F-98C6-41D8-86E7-C2EE8DD0E501}" srcOrd="0" destOrd="0" presId="urn:microsoft.com/office/officeart/2008/layout/LinedList"/>
-    <dgm:cxn modelId="{2EB4E844-D4DC-44AE-A4EB-7135F6128610}" srcId="{D0A2087E-3AF6-4804-8133-0223B2878428}" destId="{F27B7781-013A-430E-91C6-3DA545ECDF65}" srcOrd="0" destOrd="0" parTransId="{A9BF7AE0-30FA-473A-9569-50D145392004}" sibTransId="{AC9B3384-06BF-4897-B12B-61BBA9D9891A}"/>
-    <dgm:cxn modelId="{8CB6F46B-33C3-439B-AA3A-9E072EA0606D}" type="presOf" srcId="{56D518BF-82D7-4590-9526-B5AB24DC89F8}" destId="{61E35AE7-706A-4B57-8AE9-E1D94B02196C}" srcOrd="0" destOrd="0" presId="urn:microsoft.com/office/officeart/2008/layout/LinedList"/>
-    <dgm:cxn modelId="{FD02584C-ADDC-49BC-9C70-15A0F14B674A}" type="presOf" srcId="{D06183FB-0D24-4D2A-BF1F-411BFA12B692}" destId="{CB07DA44-5A31-4E79-BED2-D6C1D8BDED47}" srcOrd="0" destOrd="0" presId="urn:microsoft.com/office/officeart/2008/layout/LinedList"/>
-    <dgm:cxn modelId="{9CB55C80-74AF-4582-9071-512CCC4CDEAF}" type="presOf" srcId="{D074CEA2-52A7-4896-BEAC-C986AA4814E9}" destId="{A468839C-2B53-45CD-A353-54BF38C33C36}" srcOrd="0" destOrd="0" presId="urn:microsoft.com/office/officeart/2008/layout/LinedList"/>
-    <dgm:cxn modelId="{2586F693-218B-41B8-AC99-95461B3AEDD8}" srcId="{56D518BF-82D7-4590-9526-B5AB24DC89F8}" destId="{9EDE6F4F-FA7D-4A3C-ABF2-9D2B830C88D5}" srcOrd="0" destOrd="0" parTransId="{32BB47E4-ED81-4C87-97FC-57AA1631C4FF}" sibTransId="{4C27C46F-3B4B-4E66-96F2-D418538E1745}"/>
-    <dgm:cxn modelId="{99CC7B94-AD49-4271-88DA-E6F7231706DC}" srcId="{D0A2087E-3AF6-4804-8133-0223B2878428}" destId="{4D7B7C6C-FC25-45FE-8702-F602D9F92439}" srcOrd="7" destOrd="0" parTransId="{8C762735-BDE9-4529-8150-1409F16B75A5}" sibTransId="{0AE7966C-1168-4C94-A82A-F636DFA2805E}"/>
-    <dgm:cxn modelId="{8ACF5D99-6C83-42CE-89DE-555563FC687E}" type="presOf" srcId="{9EDE6F4F-FA7D-4A3C-ABF2-9D2B830C88D5}" destId="{774C9CA5-4D9B-40D0-86DE-25AE4BC51356}" srcOrd="0" destOrd="0" presId="urn:microsoft.com/office/officeart/2008/layout/LinedList"/>
-    <dgm:cxn modelId="{66AA42BD-1975-4F95-AFCD-7149EB1E0D4D}" srcId="{D0A2087E-3AF6-4804-8133-0223B2878428}" destId="{AE5A8016-C7CC-4CBC-8FC9-CC1C2553C5A5}" srcOrd="6" destOrd="0" parTransId="{74117425-1818-476C-B73C-0B1CBD6C05B6}" sibTransId="{45875D81-2E71-4407-ADB3-748A6F5249EA}"/>
-    <dgm:cxn modelId="{FB7ED8C2-55E5-40AC-8D13-02FA4B173EE6}" srcId="{56D518BF-82D7-4590-9526-B5AB24DC89F8}" destId="{D0A2087E-3AF6-4804-8133-0223B2878428}" srcOrd="1" destOrd="0" parTransId="{80B39D65-34CD-4F48-9D73-B5F7BF0EBC54}" sibTransId="{59576D35-7E1E-4A31-93D7-05D3BCBC81FE}"/>
-    <dgm:cxn modelId="{0F4368CD-6195-474C-86A4-EBE846053BB7}" type="presOf" srcId="{E22813BC-E774-4DBD-8013-5199AE82DD2B}" destId="{A01CA2B4-6DBF-46D0-868B-87E9F72CDBFA}" srcOrd="0" destOrd="0" presId="urn:microsoft.com/office/officeart/2008/layout/LinedList"/>
-    <dgm:cxn modelId="{A70283DA-8103-409D-BF77-022D4DBDE796}" srcId="{D0A2087E-3AF6-4804-8133-0223B2878428}" destId="{E22813BC-E774-4DBD-8013-5199AE82DD2B}" srcOrd="5" destOrd="0" parTransId="{5FBEB91D-CD6D-4BCD-9D22-B365CA9B3D25}" sibTransId="{9848CE82-A42E-4723-8961-D96D7F7D5D26}"/>
-    <dgm:cxn modelId="{B4C4E0DA-46F0-4817-91C6-2ED7260144E0}" type="presOf" srcId="{7901ADF6-A3A6-478E-9BE5-8218ADE165F8}" destId="{AF08347A-727C-486E-BA5B-6C1AE0F9352E}" srcOrd="0" destOrd="0" presId="urn:microsoft.com/office/officeart/2008/layout/LinedList"/>
-    <dgm:cxn modelId="{1437DDDC-0910-45FD-862E-0D576857A4A0}" srcId="{D0A2087E-3AF6-4804-8133-0223B2878428}" destId="{46531F35-F68C-4F27-93F9-BE585C8FF142}" srcOrd="3" destOrd="0" parTransId="{D18718D7-AFE4-4424-869A-59CDB6BC6CAB}" sibTransId="{484D55C8-B95D-4595-94A2-A4E8A9F8963B}"/>
-    <dgm:cxn modelId="{0D4CC0EE-5ACB-4C40-9222-22B8E06C8EA2}" type="presOf" srcId="{46531F35-F68C-4F27-93F9-BE585C8FF142}" destId="{B2544EC8-8B1D-48C4-A8C8-C89EBA7CB243}" srcOrd="0" destOrd="0" presId="urn:microsoft.com/office/officeart/2008/layout/LinedList"/>
-    <dgm:cxn modelId="{29F58DF0-C9E8-49F7-A8DA-8E4DCA29A1F2}" srcId="{D0A2087E-3AF6-4804-8133-0223B2878428}" destId="{D074CEA2-52A7-4896-BEAC-C986AA4814E9}" srcOrd="1" destOrd="0" parTransId="{63B0F5F0-AC88-442A-8933-88E6068AD080}" sibTransId="{EF041A71-B896-43C9-B8B3-B65909269FBC}"/>
-    <dgm:cxn modelId="{71EACC21-E472-422B-812F-2F0A01C6B098}" type="presParOf" srcId="{61E35AE7-706A-4B57-8AE9-E1D94B02196C}" destId="{45DC7C0E-01B1-4323-AD8A-E258FB08F234}" srcOrd="0" destOrd="0" presId="urn:microsoft.com/office/officeart/2008/layout/LinedList"/>
-    <dgm:cxn modelId="{97DD3EE1-AF36-4D1D-B6AE-42A3A9DAA52B}" type="presParOf" srcId="{61E35AE7-706A-4B57-8AE9-E1D94B02196C}" destId="{0E27C3C6-872A-4E37-9208-5084D2BF6764}" srcOrd="1" destOrd="0" presId="urn:microsoft.com/office/officeart/2008/layout/LinedList"/>
-    <dgm:cxn modelId="{D0B2C9AE-7EEB-4EE5-9E46-98F8CEC797DF}" type="presParOf" srcId="{0E27C3C6-872A-4E37-9208-5084D2BF6764}" destId="{774C9CA5-4D9B-40D0-86DE-25AE4BC51356}" srcOrd="0" destOrd="0" presId="urn:microsoft.com/office/officeart/2008/layout/LinedList"/>
-    <dgm:cxn modelId="{B3D69BC6-5F49-406A-A4D7-FB51F7E29610}" type="presParOf" srcId="{0E27C3C6-872A-4E37-9208-5084D2BF6764}" destId="{A89A5526-3C1D-4829-9F14-E658CBBFEEFD}" srcOrd="1" destOrd="0" presId="urn:microsoft.com/office/officeart/2008/layout/LinedList"/>
-    <dgm:cxn modelId="{C9CAC6C3-4F88-486E-866A-8EEB3C179CC7}" type="presParOf" srcId="{61E35AE7-706A-4B57-8AE9-E1D94B02196C}" destId="{B33C2393-507E-4563-8937-BD01CD4E1E29}" srcOrd="2" destOrd="0" presId="urn:microsoft.com/office/officeart/2008/layout/LinedList"/>
-    <dgm:cxn modelId="{80E18C89-3654-4014-98BC-D38670752D8D}" type="presParOf" srcId="{61E35AE7-706A-4B57-8AE9-E1D94B02196C}" destId="{5DDE28AE-5762-41C8-B0A7-9C55F990A3E3}" srcOrd="3" destOrd="0" presId="urn:microsoft.com/office/officeart/2008/layout/LinedList"/>
-    <dgm:cxn modelId="{4B95E6B2-91FA-46EF-B302-8DE71A0C6E0F}" type="presParOf" srcId="{5DDE28AE-5762-41C8-B0A7-9C55F990A3E3}" destId="{EAFB7F23-BB6F-40E2-ACDF-3122D437BE87}" srcOrd="0" destOrd="0" presId="urn:microsoft.com/office/officeart/2008/layout/LinedList"/>
-    <dgm:cxn modelId="{A5FA946D-E429-446C-BD5C-DD8AA25EFBE5}" type="presParOf" srcId="{5DDE28AE-5762-41C8-B0A7-9C55F990A3E3}" destId="{B4E43F14-7A10-4B4F-9646-F8E433796380}" srcOrd="1" destOrd="0" presId="urn:microsoft.com/office/officeart/2008/layout/LinedList"/>
-    <dgm:cxn modelId="{8CF72E01-B812-4AC4-8CC0-9F1484F85157}" type="presParOf" srcId="{B4E43F14-7A10-4B4F-9646-F8E433796380}" destId="{133F39B9-7A64-463E-A396-E8C52DCFAD3D}" srcOrd="0" destOrd="0" presId="urn:microsoft.com/office/officeart/2008/layout/LinedList"/>
-    <dgm:cxn modelId="{BA7F5497-9030-4B97-9AD0-958576F0E48E}" type="presParOf" srcId="{B4E43F14-7A10-4B4F-9646-F8E433796380}" destId="{6D232D4A-9F47-4F86-A789-328EA6E5A671}" srcOrd="1" destOrd="0" presId="urn:microsoft.com/office/officeart/2008/layout/LinedList"/>
-    <dgm:cxn modelId="{655EA7D9-9C34-4CB1-B1F2-20D739BFCBF2}" type="presParOf" srcId="{6D232D4A-9F47-4F86-A789-328EA6E5A671}" destId="{184C8DF8-6A27-4F62-A371-505F9ECE857B}" srcOrd="0" destOrd="0" presId="urn:microsoft.com/office/officeart/2008/layout/LinedList"/>
-    <dgm:cxn modelId="{85D711C1-538F-4D79-B334-B169C3EED614}" type="presParOf" srcId="{6D232D4A-9F47-4F86-A789-328EA6E5A671}" destId="{F15E77A6-288B-4455-8CBA-3FD7B0C33A6E}" srcOrd="1" destOrd="0" presId="urn:microsoft.com/office/officeart/2008/layout/LinedList"/>
-    <dgm:cxn modelId="{F13B0F5A-037E-4ED5-BE5E-D395FD24FED4}" type="presParOf" srcId="{6D232D4A-9F47-4F86-A789-328EA6E5A671}" destId="{23D62A7D-C568-4BD5-B044-1A67012E691B}" srcOrd="2" destOrd="0" presId="urn:microsoft.com/office/officeart/2008/layout/LinedList"/>
-    <dgm:cxn modelId="{E2B19F81-1BDF-4685-9C1C-1AF25FD0D961}" type="presParOf" srcId="{B4E43F14-7A10-4B4F-9646-F8E433796380}" destId="{C5739325-0301-412C-91A6-17D040422EE2}" srcOrd="2" destOrd="0" presId="urn:microsoft.com/office/officeart/2008/layout/LinedList"/>
-    <dgm:cxn modelId="{B8C45257-CADA-4304-AA77-6C5C83192ED3}" type="presParOf" srcId="{B4E43F14-7A10-4B4F-9646-F8E433796380}" destId="{86498863-E9D9-4BF2-BB67-219D9471EA57}" srcOrd="3" destOrd="0" presId="urn:microsoft.com/office/officeart/2008/layout/LinedList"/>
-    <dgm:cxn modelId="{F35311DF-0ABC-4454-B192-1B337F0AF4AC}" type="presParOf" srcId="{B4E43F14-7A10-4B4F-9646-F8E433796380}" destId="{CCB0806F-7068-4943-AA82-FB3BD270431F}" srcOrd="4" destOrd="0" presId="urn:microsoft.com/office/officeart/2008/layout/LinedList"/>
-    <dgm:cxn modelId="{BDA8E878-0121-4A9D-AF43-B000639845F4}" type="presParOf" srcId="{CCB0806F-7068-4943-AA82-FB3BD270431F}" destId="{572CDFD3-1D08-4DB7-9F0C-9FB5A24CFFE9}" srcOrd="0" destOrd="0" presId="urn:microsoft.com/office/officeart/2008/layout/LinedList"/>
-    <dgm:cxn modelId="{6EEC2D92-A8B4-43F5-954C-777FDA75D690}" type="presParOf" srcId="{CCB0806F-7068-4943-AA82-FB3BD270431F}" destId="{A468839C-2B53-45CD-A353-54BF38C33C36}" srcOrd="1" destOrd="0" presId="urn:microsoft.com/office/officeart/2008/layout/LinedList"/>
-    <dgm:cxn modelId="{45254ADF-93BE-4967-9CF4-8ED91D236277}" type="presParOf" srcId="{CCB0806F-7068-4943-AA82-FB3BD270431F}" destId="{A9731A53-A57E-41A8-92B6-36F66814EE27}" srcOrd="2" destOrd="0" presId="urn:microsoft.com/office/officeart/2008/layout/LinedList"/>
-    <dgm:cxn modelId="{EC7462CA-2BBE-4B4D-B914-5FDAD03949E9}" type="presParOf" srcId="{B4E43F14-7A10-4B4F-9646-F8E433796380}" destId="{3EA10BEA-1A70-4D4B-B769-985DB94ED6E0}" srcOrd="5" destOrd="0" presId="urn:microsoft.com/office/officeart/2008/layout/LinedList"/>
-    <dgm:cxn modelId="{F9CA87AB-B271-46FB-A588-1BF792BE990E}" type="presParOf" srcId="{B4E43F14-7A10-4B4F-9646-F8E433796380}" destId="{4F38FE34-6392-4654-9158-D2A7B052AB83}" srcOrd="6" destOrd="0" presId="urn:microsoft.com/office/officeart/2008/layout/LinedList"/>
-    <dgm:cxn modelId="{1DA0B0B5-C495-40CD-86D4-B8F21FFFF32D}" type="presParOf" srcId="{B4E43F14-7A10-4B4F-9646-F8E433796380}" destId="{B2FF45E9-E302-4D00-8DA2-9B8B2C3476F3}" srcOrd="7" destOrd="0" presId="urn:microsoft.com/office/officeart/2008/layout/LinedList"/>
-    <dgm:cxn modelId="{E06BAD33-ADE6-42EF-A823-EDC5C0221794}" type="presParOf" srcId="{B2FF45E9-E302-4D00-8DA2-9B8B2C3476F3}" destId="{E2CDEB47-3D0C-43E7-98E8-33AF118B7852}" srcOrd="0" destOrd="0" presId="urn:microsoft.com/office/officeart/2008/layout/LinedList"/>
-    <dgm:cxn modelId="{F45D5C57-991C-4923-A6E9-C880F881209E}" type="presParOf" srcId="{B2FF45E9-E302-4D00-8DA2-9B8B2C3476F3}" destId="{CB07DA44-5A31-4E79-BED2-D6C1D8BDED47}" srcOrd="1" destOrd="0" presId="urn:microsoft.com/office/officeart/2008/layout/LinedList"/>
-    <dgm:cxn modelId="{CB633BF7-87CB-42C1-ADE5-58317D5C1E18}" type="presParOf" srcId="{B2FF45E9-E302-4D00-8DA2-9B8B2C3476F3}" destId="{FB4188B9-806C-4D7D-972D-9910F91173E3}" srcOrd="2" destOrd="0" presId="urn:microsoft.com/office/officeart/2008/layout/LinedList"/>
-    <dgm:cxn modelId="{9BB13856-376F-4124-968A-D8F08BE528C4}" type="presParOf" srcId="{B4E43F14-7A10-4B4F-9646-F8E433796380}" destId="{B83505E3-0168-4E65-8F72-C20B48DD0C85}" srcOrd="8" destOrd="0" presId="urn:microsoft.com/office/officeart/2008/layout/LinedList"/>
-    <dgm:cxn modelId="{C5D239E0-FBB2-48EA-BD65-CDF052DDBD1A}" type="presParOf" srcId="{B4E43F14-7A10-4B4F-9646-F8E433796380}" destId="{B1BA2C6E-8CF5-4BF6-9641-A122C0D5DD84}" srcOrd="9" destOrd="0" presId="urn:microsoft.com/office/officeart/2008/layout/LinedList"/>
-    <dgm:cxn modelId="{8702F9E3-4170-4538-B295-D78936E62A23}" type="presParOf" srcId="{B4E43F14-7A10-4B4F-9646-F8E433796380}" destId="{A7A5C677-EB2D-4F6B-8E48-2F5625BABDA7}" srcOrd="10" destOrd="0" presId="urn:microsoft.com/office/officeart/2008/layout/LinedList"/>
-    <dgm:cxn modelId="{ECD8124A-CD06-4B65-BAFE-F9DFAE3D31D4}" type="presParOf" srcId="{A7A5C677-EB2D-4F6B-8E48-2F5625BABDA7}" destId="{A266A3F7-BB19-41C3-8BF4-8101846ED0B7}" srcOrd="0" destOrd="0" presId="urn:microsoft.com/office/officeart/2008/layout/LinedList"/>
-    <dgm:cxn modelId="{5CE6DA37-258F-4F38-9779-1BDCB754230A}" type="presParOf" srcId="{A7A5C677-EB2D-4F6B-8E48-2F5625BABDA7}" destId="{B2544EC8-8B1D-48C4-A8C8-C89EBA7CB243}" srcOrd="1" destOrd="0" presId="urn:microsoft.com/office/officeart/2008/layout/LinedList"/>
-    <dgm:cxn modelId="{09447B61-9510-4BD9-B7CF-81F8A2A912C1}" type="presParOf" srcId="{A7A5C677-EB2D-4F6B-8E48-2F5625BABDA7}" destId="{DDADE0FB-E8EA-4CAA-A541-0D2FF0342A64}" srcOrd="2" destOrd="0" presId="urn:microsoft.com/office/officeart/2008/layout/LinedList"/>
-    <dgm:cxn modelId="{97A3BA7B-ECF2-43F7-93CE-882D8CB3A3B3}" type="presParOf" srcId="{B4E43F14-7A10-4B4F-9646-F8E433796380}" destId="{96B9D75D-E83F-4BE5-A469-B3E25D4023D9}" srcOrd="11" destOrd="0" presId="urn:microsoft.com/office/officeart/2008/layout/LinedList"/>
-    <dgm:cxn modelId="{F62BCA1C-AB46-498E-B654-54D21E410A88}" type="presParOf" srcId="{B4E43F14-7A10-4B4F-9646-F8E433796380}" destId="{C5DBEE4C-0E21-42EF-A8B8-C9F3EADA71CB}" srcOrd="12" destOrd="0" presId="urn:microsoft.com/office/officeart/2008/layout/LinedList"/>
-    <dgm:cxn modelId="{E3C559A5-1F6B-4590-8D0A-13FD1ADC0A08}" type="presParOf" srcId="{B4E43F14-7A10-4B4F-9646-F8E433796380}" destId="{C95DD22F-C00F-422A-ACC3-D9496385EA29}" srcOrd="13" destOrd="0" presId="urn:microsoft.com/office/officeart/2008/layout/LinedList"/>
-    <dgm:cxn modelId="{156E18A0-ECE0-4467-96C1-0C2E732210E7}" type="presParOf" srcId="{C95DD22F-C00F-422A-ACC3-D9496385EA29}" destId="{E18B519C-5894-43FD-A0F3-092DAF63B436}" srcOrd="0" destOrd="0" presId="urn:microsoft.com/office/officeart/2008/layout/LinedList"/>
-    <dgm:cxn modelId="{D8109E59-3ADF-480E-A351-6FF2D3A80D30}" type="presParOf" srcId="{C95DD22F-C00F-422A-ACC3-D9496385EA29}" destId="{AF08347A-727C-486E-BA5B-6C1AE0F9352E}" srcOrd="1" destOrd="0" presId="urn:microsoft.com/office/officeart/2008/layout/LinedList"/>
-    <dgm:cxn modelId="{077CE783-414C-45C3-8A5D-689370885471}" type="presParOf" srcId="{C95DD22F-C00F-422A-ACC3-D9496385EA29}" destId="{A49B211B-30A5-41B1-8E24-F5CAFA87783B}" srcOrd="2" destOrd="0" presId="urn:microsoft.com/office/officeart/2008/layout/LinedList"/>
-    <dgm:cxn modelId="{ACE5FF28-2DFD-47FD-83D5-28D2FAAC0F73}" type="presParOf" srcId="{B4E43F14-7A10-4B4F-9646-F8E433796380}" destId="{4BB64DF8-A0E5-4A58-A9E7-0D673D9001FA}" srcOrd="14" destOrd="0" presId="urn:microsoft.com/office/officeart/2008/layout/LinedList"/>
-    <dgm:cxn modelId="{E7FEFF6A-D1D1-4522-84F7-F869BAC7B3FA}" type="presParOf" srcId="{B4E43F14-7A10-4B4F-9646-F8E433796380}" destId="{74A919DA-72D8-44CF-AB45-AB502506541B}" srcOrd="15" destOrd="0" presId="urn:microsoft.com/office/officeart/2008/layout/LinedList"/>
-    <dgm:cxn modelId="{A6711FB7-EC8A-4CC5-BACE-446CCA633CA9}" type="presParOf" srcId="{B4E43F14-7A10-4B4F-9646-F8E433796380}" destId="{1F654032-972E-4600-9C26-EDFA3EC102DF}" srcOrd="16" destOrd="0" presId="urn:microsoft.com/office/officeart/2008/layout/LinedList"/>
-    <dgm:cxn modelId="{115C089B-48E2-41AA-AA04-4D9E03D11FFA}" type="presParOf" srcId="{1F654032-972E-4600-9C26-EDFA3EC102DF}" destId="{74FFD357-E2FC-444C-AA78-70F99F75D1CD}" srcOrd="0" destOrd="0" presId="urn:microsoft.com/office/officeart/2008/layout/LinedList"/>
-    <dgm:cxn modelId="{836D2DBB-7CE5-469E-A6DF-709B3F4A5961}" type="presParOf" srcId="{1F654032-972E-4600-9C26-EDFA3EC102DF}" destId="{A01CA2B4-6DBF-46D0-868B-87E9F72CDBFA}" srcOrd="1" destOrd="0" presId="urn:microsoft.com/office/officeart/2008/layout/LinedList"/>
-    <dgm:cxn modelId="{98280C0E-E542-4863-9DEF-6479F085C58A}" type="presParOf" srcId="{1F654032-972E-4600-9C26-EDFA3EC102DF}" destId="{A612E82D-092D-4344-80C1-BA6A414B0984}" srcOrd="2" destOrd="0" presId="urn:microsoft.com/office/officeart/2008/layout/LinedList"/>
-    <dgm:cxn modelId="{281F941D-BEA6-476D-B85B-45F22D2E49F1}" type="presParOf" srcId="{B4E43F14-7A10-4B4F-9646-F8E433796380}" destId="{7653BA37-5B89-4B02-927B-C669BBA9FD46}" srcOrd="17" destOrd="0" presId="urn:microsoft.com/office/officeart/2008/layout/LinedList"/>
-    <dgm:cxn modelId="{E257E367-545A-4A91-B7F8-4BFCC9C14E98}" type="presParOf" srcId="{B4E43F14-7A10-4B4F-9646-F8E433796380}" destId="{9E60A1ED-2099-4F9F-8619-653F58B32E08}" srcOrd="18" destOrd="0" presId="urn:microsoft.com/office/officeart/2008/layout/LinedList"/>
-    <dgm:cxn modelId="{20444463-A264-4B31-95E1-85B3BC844DE8}" type="presParOf" srcId="{B4E43F14-7A10-4B4F-9646-F8E433796380}" destId="{066D7E2E-5CE9-47F3-93F0-BE5D5F04F10B}" srcOrd="19" destOrd="0" presId="urn:microsoft.com/office/officeart/2008/layout/LinedList"/>
-    <dgm:cxn modelId="{9D480B77-6236-47A1-AD76-E3FD6883F6D0}" type="presParOf" srcId="{066D7E2E-5CE9-47F3-93F0-BE5D5F04F10B}" destId="{904131B6-34A5-45D8-A76F-064DA81A95CA}" srcOrd="0" destOrd="0" presId="urn:microsoft.com/office/officeart/2008/layout/LinedList"/>
-    <dgm:cxn modelId="{4F59AF9F-9D01-4645-9817-522A2362B214}" type="presParOf" srcId="{066D7E2E-5CE9-47F3-93F0-BE5D5F04F10B}" destId="{3E8BD474-6F2B-4B61-A4F7-4A2B383D4A0D}" srcOrd="1" destOrd="0" presId="urn:microsoft.com/office/officeart/2008/layout/LinedList"/>
-    <dgm:cxn modelId="{990B1261-8872-4CDC-AC9C-D320C113DD66}" type="presParOf" srcId="{066D7E2E-5CE9-47F3-93F0-BE5D5F04F10B}" destId="{17DEC84F-24A0-438A-A282-2F8FA1756731}" srcOrd="2" destOrd="0" presId="urn:microsoft.com/office/officeart/2008/layout/LinedList"/>
-    <dgm:cxn modelId="{4F217635-1664-4838-BC4D-CCA8B409AFDF}" type="presParOf" srcId="{B4E43F14-7A10-4B4F-9646-F8E433796380}" destId="{6163D17B-29CB-44E2-B9AC-308031240ABE}" srcOrd="20" destOrd="0" presId="urn:microsoft.com/office/officeart/2008/layout/LinedList"/>
-    <dgm:cxn modelId="{BBC197B5-1034-4F09-B78C-7CAD3CE04255}" type="presParOf" srcId="{B4E43F14-7A10-4B4F-9646-F8E433796380}" destId="{D7AD5244-69FA-4BA6-91F1-33AF61DD9290}" srcOrd="21" destOrd="0" presId="urn:microsoft.com/office/officeart/2008/layout/LinedList"/>
-    <dgm:cxn modelId="{D935D5B5-9C44-4D0B-8E22-0B20ADE60B68}" type="presParOf" srcId="{B4E43F14-7A10-4B4F-9646-F8E433796380}" destId="{A160A8A0-AE65-4820-9776-106F54EE0143}" srcOrd="22" destOrd="0" presId="urn:microsoft.com/office/officeart/2008/layout/LinedList"/>
-    <dgm:cxn modelId="{549DFC93-A18B-4CD6-AF41-8F38CA08C734}" type="presParOf" srcId="{A160A8A0-AE65-4820-9776-106F54EE0143}" destId="{B542FFF6-AB0C-411A-9147-40DD25BBB286}" srcOrd="0" destOrd="0" presId="urn:microsoft.com/office/officeart/2008/layout/LinedList"/>
-    <dgm:cxn modelId="{DA81D503-ED51-49DD-93B6-58F29C298767}" type="presParOf" srcId="{A160A8A0-AE65-4820-9776-106F54EE0143}" destId="{3F982B5F-98C6-41D8-86E7-C2EE8DD0E501}" srcOrd="1" destOrd="0" presId="urn:microsoft.com/office/officeart/2008/layout/LinedList"/>
-    <dgm:cxn modelId="{6FBDA6AF-756B-4DCD-B15A-FD11FDE98E70}" type="presParOf" srcId="{A160A8A0-AE65-4820-9776-106F54EE0143}" destId="{33450D32-1E53-4BB5-8396-5E38AE5A58BD}" srcOrd="2" destOrd="0" presId="urn:microsoft.com/office/officeart/2008/layout/LinedList"/>
-    <dgm:cxn modelId="{B09A025A-F31C-4F88-9195-05B0F2521814}" type="presParOf" srcId="{B4E43F14-7A10-4B4F-9646-F8E433796380}" destId="{2A6BDAE5-E902-49C0-8F8E-924074771BDB}" srcOrd="23" destOrd="0" presId="urn:microsoft.com/office/officeart/2008/layout/LinedList"/>
-    <dgm:cxn modelId="{84234400-198D-4A27-B49F-87C06F69F520}" type="presParOf" srcId="{B4E43F14-7A10-4B4F-9646-F8E433796380}" destId="{54FFA032-C673-41AE-8964-5884DDC0CB2B}" srcOrd="24" destOrd="0" presId="urn:microsoft.com/office/officeart/2008/layout/LinedList"/>
+    <dgm:cxn modelId="{3285EC31-C86A-43AC-95E5-12D1DC9409D0}" srcId="{C9B3666A-575B-4FFB-ABD7-75D8B6F91C76}" destId="{352BBD2C-E8EC-4D9D-9E88-EFC36C968970}" srcOrd="0" destOrd="0" parTransId="{5649D364-4B3E-435E-9BE4-9756D5C5191F}" sibTransId="{F1D931E2-22A0-483E-8CD3-313D58692CFF}"/>
+    <dgm:cxn modelId="{25A06079-0091-4CC9-A411-E296F5481CBA}" type="presOf" srcId="{C9B3666A-575B-4FFB-ABD7-75D8B6F91C76}" destId="{0C002A91-DE66-4529-9722-D11E2F75C1E4}" srcOrd="0" destOrd="0" presId="urn:microsoft.com/office/officeart/2008/layout/LinedList"/>
+    <dgm:cxn modelId="{5F212DC9-DB6F-411E-964E-8725738DF167}" type="presOf" srcId="{352BBD2C-E8EC-4D9D-9E88-EFC36C968970}" destId="{D75AEC79-B172-43EE-B2AE-16CBC69D3172}" srcOrd="0" destOrd="0" presId="urn:microsoft.com/office/officeart/2008/layout/LinedList"/>
+    <dgm:cxn modelId="{6593FCE4-02A4-4054-BE51-96E292C0A423}" type="presOf" srcId="{82281158-9040-4733-8645-A3839D96D9AB}" destId="{E814533D-4C71-40D4-913A-782EEAA70085}" srcOrd="0" destOrd="0" presId="urn:microsoft.com/office/officeart/2008/layout/LinedList"/>
+    <dgm:cxn modelId="{2158A3ED-041A-48FE-BEC2-921C40C9D208}" srcId="{C9B3666A-575B-4FFB-ABD7-75D8B6F91C76}" destId="{82281158-9040-4733-8645-A3839D96D9AB}" srcOrd="1" destOrd="0" parTransId="{029E3FFB-6112-415C-ADD3-91CC76562DFB}" sibTransId="{1361E9CE-9154-47B4-8E0F-CCFFE0A7E92F}"/>
+    <dgm:cxn modelId="{8AF86FDC-DBA8-48B7-AC35-149ADA46ADAD}" type="presParOf" srcId="{0C002A91-DE66-4529-9722-D11E2F75C1E4}" destId="{0E5EAF65-F2BD-475F-8EB7-377686D79AB6}" srcOrd="0" destOrd="0" presId="urn:microsoft.com/office/officeart/2008/layout/LinedList"/>
+    <dgm:cxn modelId="{CD3A4179-28E0-4202-8E1C-422D43A9D15D}" type="presParOf" srcId="{0C002A91-DE66-4529-9722-D11E2F75C1E4}" destId="{DACE0F61-5D85-4585-B909-9588F580A06F}" srcOrd="1" destOrd="0" presId="urn:microsoft.com/office/officeart/2008/layout/LinedList"/>
+    <dgm:cxn modelId="{843A6032-EDE2-4915-AC73-886EBBC1E540}" type="presParOf" srcId="{DACE0F61-5D85-4585-B909-9588F580A06F}" destId="{D75AEC79-B172-43EE-B2AE-16CBC69D3172}" srcOrd="0" destOrd="0" presId="urn:microsoft.com/office/officeart/2008/layout/LinedList"/>
+    <dgm:cxn modelId="{61AB56F9-0BF3-4255-9BFC-81A6D2957587}" type="presParOf" srcId="{DACE0F61-5D85-4585-B909-9588F580A06F}" destId="{2EAF02F6-DD6B-4F33-9233-9F0363B9C080}" srcOrd="1" destOrd="0" presId="urn:microsoft.com/office/officeart/2008/layout/LinedList"/>
+    <dgm:cxn modelId="{0FFBBA16-586C-4AA3-AE46-4C6D120B0971}" type="presParOf" srcId="{0C002A91-DE66-4529-9722-D11E2F75C1E4}" destId="{9333ECAE-B77D-4F98-94DC-6D20FD3C62F5}" srcOrd="2" destOrd="0" presId="urn:microsoft.com/office/officeart/2008/layout/LinedList"/>
+    <dgm:cxn modelId="{3EC94AAF-FBC6-4CE2-81EA-C16AD0BBDFD6}" type="presParOf" srcId="{0C002A91-DE66-4529-9722-D11E2F75C1E4}" destId="{710D440A-682F-41E3-AAEB-39600762FC33}" srcOrd="3" destOrd="0" presId="urn:microsoft.com/office/officeart/2008/layout/LinedList"/>
+    <dgm:cxn modelId="{001F5662-2210-4BD4-9250-9086A2882146}" type="presParOf" srcId="{710D440A-682F-41E3-AAEB-39600762FC33}" destId="{E814533D-4C71-40D4-913A-782EEAA70085}" srcOrd="0" destOrd="0" presId="urn:microsoft.com/office/officeart/2008/layout/LinedList"/>
+    <dgm:cxn modelId="{27C6EBBC-F0D4-4A3F-90DB-A11F6929B388}" type="presParOf" srcId="{710D440A-682F-41E3-AAEB-39600762FC33}" destId="{7B0A9C44-C732-4715-85C5-371AA41D0E38}" srcOrd="1" destOrd="0" presId="urn:microsoft.com/office/officeart/2008/layout/LinedList"/>
   </dgm:cxnLst>
   <dgm:bg/>
   <dgm:whole/>
@@ -3823,7 +2094,7 @@
       <dsp:spPr>
         <a:xfrm>
           <a:off x="0" y="0"/>
-          <a:ext cx="6492875" cy="1276350"/>
+          <a:ext cx="6492875" cy="2552700"/>
         </a:xfrm>
         <a:prstGeom prst="rect">
           <a:avLst/>
@@ -3847,12 +2118,12 @@
         <a:fontRef idx="minor"/>
       </dsp:style>
       <dsp:txBody>
-        <a:bodyPr spcFirstLastPara="0" vert="horz" wrap="square" lIns="60960" tIns="60960" rIns="60960" bIns="60960" numCol="1" spcCol="1270" anchor="t" anchorCtr="0">
+        <a:bodyPr spcFirstLastPara="0" vert="horz" wrap="square" lIns="87630" tIns="87630" rIns="87630" bIns="87630" numCol="1" spcCol="1270" anchor="t" anchorCtr="0">
           <a:noAutofit/>
         </a:bodyPr>
         <a:lstStyle/>
         <a:p>
-          <a:pPr marL="0" lvl="0" indent="0" algn="l" defTabSz="711200">
+          <a:pPr marL="0" lvl="0" indent="0" algn="l" defTabSz="1022350">
             <a:lnSpc>
               <a:spcPct val="90000"/>
             </a:lnSpc>
@@ -3865,104 +2136,12 @@
             <a:buNone/>
           </a:pPr>
           <a:r>
-            <a:rPr lang="en-GB" sz="1600" u="sng" kern="1200"/>
+            <a:rPr lang="en-GB" sz="2300" u="sng" kern="1200" dirty="0"/>
             <a:t>What technologies have you learned for this project?</a:t>
           </a:r>
-          <a:endParaRPr lang="en-US" sz="1600" kern="1200"/>
         </a:p>
-      </dsp:txBody>
-      <dsp:txXfrm>
-        <a:off x="0" y="0"/>
-        <a:ext cx="6492875" cy="1276350"/>
-      </dsp:txXfrm>
-    </dsp:sp>
-    <dsp:sp modelId="{94E440DC-3DF6-4359-B360-CE9AD56E75D5}">
-      <dsp:nvSpPr>
-        <dsp:cNvPr id="0" name=""/>
-        <dsp:cNvSpPr/>
-      </dsp:nvSpPr>
-      <dsp:spPr>
-        <a:xfrm>
-          <a:off x="0" y="1276350"/>
-          <a:ext cx="6492875" cy="0"/>
-        </a:xfrm>
-        <a:prstGeom prst="line">
-          <a:avLst/>
-        </a:prstGeom>
-        <a:solidFill>
-          <a:schemeClr val="accent2">
-            <a:hueOff val="-1197987"/>
-            <a:satOff val="8241"/>
-            <a:lumOff val="915"/>
-            <a:alphaOff val="0"/>
-          </a:schemeClr>
-        </a:solidFill>
-        <a:ln w="15875" cap="rnd" cmpd="sng" algn="ctr">
-          <a:solidFill>
-            <a:schemeClr val="accent2">
-              <a:hueOff val="-1197987"/>
-              <a:satOff val="8241"/>
-              <a:lumOff val="915"/>
-              <a:alphaOff val="0"/>
-            </a:schemeClr>
-          </a:solidFill>
-          <a:prstDash val="solid"/>
-        </a:ln>
-        <a:effectLst/>
-      </dsp:spPr>
-      <dsp:style>
-        <a:lnRef idx="2">
-          <a:scrgbClr r="0" g="0" b="0"/>
-        </a:lnRef>
-        <a:fillRef idx="1">
-          <a:scrgbClr r="0" g="0" b="0"/>
-        </a:fillRef>
-        <a:effectRef idx="0">
-          <a:scrgbClr r="0" g="0" b="0"/>
-        </a:effectRef>
-        <a:fontRef idx="minor">
-          <a:schemeClr val="lt1"/>
-        </a:fontRef>
-      </dsp:style>
-    </dsp:sp>
-    <dsp:sp modelId="{25E3FF9F-FEB9-4A57-8D85-DAC00F1EEC3C}">
-      <dsp:nvSpPr>
-        <dsp:cNvPr id="0" name=""/>
-        <dsp:cNvSpPr/>
-      </dsp:nvSpPr>
-      <dsp:spPr>
-        <a:xfrm>
-          <a:off x="0" y="1276350"/>
-          <a:ext cx="6492875" cy="1276350"/>
-        </a:xfrm>
-        <a:prstGeom prst="rect">
-          <a:avLst/>
-        </a:prstGeom>
-        <a:noFill/>
-        <a:ln>
-          <a:noFill/>
-        </a:ln>
-        <a:effectLst/>
-      </dsp:spPr>
-      <dsp:style>
-        <a:lnRef idx="0">
-          <a:scrgbClr r="0" g="0" b="0"/>
-        </a:lnRef>
-        <a:fillRef idx="0">
-          <a:scrgbClr r="0" g="0" b="0"/>
-        </a:fillRef>
-        <a:effectRef idx="0">
-          <a:scrgbClr r="0" g="0" b="0"/>
-        </a:effectRef>
-        <a:fontRef idx="minor"/>
-      </dsp:style>
-      <dsp:txBody>
-        <a:bodyPr spcFirstLastPara="0" vert="horz" wrap="square" lIns="60960" tIns="60960" rIns="60960" bIns="60960" numCol="1" spcCol="1270" anchor="t" anchorCtr="0">
-          <a:noAutofit/>
-        </a:bodyPr>
-        <a:lstStyle/>
         <a:p>
-          <a:pPr marL="0" lvl="0" indent="0" algn="l" defTabSz="711200">
+          <a:pPr marL="0" lvl="0" indent="0" algn="l" defTabSz="1022350">
             <a:lnSpc>
               <a:spcPct val="90000"/>
             </a:lnSpc>
@@ -3975,125 +2154,15 @@
             <a:buNone/>
           </a:pPr>
           <a:r>
-            <a:rPr lang="en-GB" sz="1600" kern="1200"/>
-            <a:t>This project enabled me to develop my understanding of coding in general. It enabled me to utilise what I had learned in class and further that knowledge by putting it into practice, for loops, while loops, if statements and that’s just java. </a:t>
+            <a:rPr lang="en-GB" sz="2300" kern="1200" dirty="0"/>
+            <a:t>This project enabled me to develop my understanding of coding in general. It enabled me to utilise what I had learned in class and previous projects and further that knowledge by putting it into practice to create my API. </a:t>
           </a:r>
-          <a:endParaRPr lang="en-US" sz="1600" kern="1200"/>
+          <a:endParaRPr lang="en-US" sz="2300" kern="1200" dirty="0"/>
         </a:p>
       </dsp:txBody>
       <dsp:txXfrm>
-        <a:off x="0" y="1276350"/>
-        <a:ext cx="6492875" cy="1276350"/>
-      </dsp:txXfrm>
-    </dsp:sp>
-    <dsp:sp modelId="{A0C7592C-F3D1-4A63-9815-F7FF8ADD7A2E}">
-      <dsp:nvSpPr>
-        <dsp:cNvPr id="0" name=""/>
-        <dsp:cNvSpPr/>
-      </dsp:nvSpPr>
-      <dsp:spPr>
-        <a:xfrm>
-          <a:off x="0" y="2552700"/>
-          <a:ext cx="6492875" cy="0"/>
-        </a:xfrm>
-        <a:prstGeom prst="line">
-          <a:avLst/>
-        </a:prstGeom>
-        <a:solidFill>
-          <a:schemeClr val="accent2">
-            <a:hueOff val="-2395974"/>
-            <a:satOff val="16481"/>
-            <a:lumOff val="1829"/>
-            <a:alphaOff val="0"/>
-          </a:schemeClr>
-        </a:solidFill>
-        <a:ln w="15875" cap="rnd" cmpd="sng" algn="ctr">
-          <a:solidFill>
-            <a:schemeClr val="accent2">
-              <a:hueOff val="-2395974"/>
-              <a:satOff val="16481"/>
-              <a:lumOff val="1829"/>
-              <a:alphaOff val="0"/>
-            </a:schemeClr>
-          </a:solidFill>
-          <a:prstDash val="solid"/>
-        </a:ln>
-        <a:effectLst/>
-      </dsp:spPr>
-      <dsp:style>
-        <a:lnRef idx="2">
-          <a:scrgbClr r="0" g="0" b="0"/>
-        </a:lnRef>
-        <a:fillRef idx="1">
-          <a:scrgbClr r="0" g="0" b="0"/>
-        </a:fillRef>
-        <a:effectRef idx="0">
-          <a:scrgbClr r="0" g="0" b="0"/>
-        </a:effectRef>
-        <a:fontRef idx="minor">
-          <a:schemeClr val="lt1"/>
-        </a:fontRef>
-      </dsp:style>
-    </dsp:sp>
-    <dsp:sp modelId="{0B504CEA-CA82-4CC5-8B88-7A4830D5F8AC}">
-      <dsp:nvSpPr>
-        <dsp:cNvPr id="0" name=""/>
-        <dsp:cNvSpPr/>
-      </dsp:nvSpPr>
-      <dsp:spPr>
-        <a:xfrm>
-          <a:off x="0" y="2552700"/>
-          <a:ext cx="6492875" cy="1276350"/>
-        </a:xfrm>
-        <a:prstGeom prst="rect">
-          <a:avLst/>
-        </a:prstGeom>
-        <a:noFill/>
-        <a:ln>
-          <a:noFill/>
-        </a:ln>
-        <a:effectLst/>
-      </dsp:spPr>
-      <dsp:style>
-        <a:lnRef idx="0">
-          <a:scrgbClr r="0" g="0" b="0"/>
-        </a:lnRef>
-        <a:fillRef idx="0">
-          <a:scrgbClr r="0" g="0" b="0"/>
-        </a:fillRef>
-        <a:effectRef idx="0">
-          <a:scrgbClr r="0" g="0" b="0"/>
-        </a:effectRef>
-        <a:fontRef idx="minor"/>
-      </dsp:style>
-      <dsp:txBody>
-        <a:bodyPr spcFirstLastPara="0" vert="horz" wrap="square" lIns="60960" tIns="60960" rIns="60960" bIns="60960" numCol="1" spcCol="1270" anchor="t" anchorCtr="0">
-          <a:noAutofit/>
-        </a:bodyPr>
-        <a:lstStyle/>
-        <a:p>
-          <a:pPr marL="0" lvl="0" indent="0" algn="l" defTabSz="711200">
-            <a:lnSpc>
-              <a:spcPct val="90000"/>
-            </a:lnSpc>
-            <a:spcBef>
-              <a:spcPct val="0"/>
-            </a:spcBef>
-            <a:spcAft>
-              <a:spcPct val="35000"/>
-            </a:spcAft>
-            <a:buNone/>
-          </a:pPr>
-          <a:r>
-            <a:rPr lang="en-GB" sz="1600" kern="1200"/>
-            <a:t>I have got a better understanding and grips with Github, and with draw.io. However what I am taking from the project is the holes in my ‘game’ the awareness that certain things I thought was less complex or easier to do tripped me up and also shown me just how important that planning and preparation is.</a:t>
-          </a:r>
-          <a:endParaRPr lang="en-US" sz="1600" kern="1200"/>
-        </a:p>
-      </dsp:txBody>
-      <dsp:txXfrm>
-        <a:off x="0" y="2552700"/>
-        <a:ext cx="6492875" cy="1276350"/>
+        <a:off x="0" y="0"/>
+        <a:ext cx="6492875" cy="2552700"/>
       </dsp:txXfrm>
     </dsp:sp>
     <dsp:sp modelId="{07738051-626C-461E-A398-7367256EB2C7}">
@@ -4103,7 +2172,7 @@
       </dsp:nvSpPr>
       <dsp:spPr>
         <a:xfrm>
-          <a:off x="0" y="3829050"/>
+          <a:off x="0" y="2552700"/>
           <a:ext cx="6492875" cy="0"/>
         </a:xfrm>
         <a:prstGeom prst="line">
@@ -4152,8 +2221,8 @@
       </dsp:nvSpPr>
       <dsp:spPr>
         <a:xfrm>
-          <a:off x="0" y="3829050"/>
-          <a:ext cx="6492875" cy="1276350"/>
+          <a:off x="0" y="2552700"/>
+          <a:ext cx="6492875" cy="2552700"/>
         </a:xfrm>
         <a:prstGeom prst="rect">
           <a:avLst/>
@@ -4177,12 +2246,12 @@
         <a:fontRef idx="minor"/>
       </dsp:style>
       <dsp:txBody>
-        <a:bodyPr spcFirstLastPara="0" vert="horz" wrap="square" lIns="60960" tIns="60960" rIns="60960" bIns="60960" numCol="1" spcCol="1270" anchor="t" anchorCtr="0">
+        <a:bodyPr spcFirstLastPara="0" vert="horz" wrap="square" lIns="87630" tIns="87630" rIns="87630" bIns="87630" numCol="1" spcCol="1270" anchor="t" anchorCtr="0">
           <a:noAutofit/>
         </a:bodyPr>
         <a:lstStyle/>
         <a:p>
-          <a:pPr marL="0" lvl="0" indent="0" algn="l" defTabSz="711200">
+          <a:pPr marL="0" lvl="0" indent="0" algn="l" defTabSz="1022350">
             <a:lnSpc>
               <a:spcPct val="90000"/>
             </a:lnSpc>
@@ -4195,15 +2264,15 @@
             <a:buNone/>
           </a:pPr>
           <a:r>
-            <a:rPr lang="en-GB" sz="1600" kern="1200"/>
-            <a:t>I also learned testing and Jira, although I know these are things I want to focus on developing further.</a:t>
+            <a:rPr lang="en-GB" sz="2300" kern="1200" dirty="0"/>
+            <a:t>I also developed my knowledge on testing and was able to get a 90% coverage.</a:t>
           </a:r>
-          <a:endParaRPr lang="en-US" sz="1600" kern="1200"/>
+          <a:endParaRPr lang="en-US" sz="2300" kern="1200" dirty="0"/>
         </a:p>
       </dsp:txBody>
       <dsp:txXfrm>
-        <a:off x="0" y="3829050"/>
-        <a:ext cx="6492875" cy="1276350"/>
+        <a:off x="0" y="2552700"/>
+        <a:ext cx="6492875" cy="2552700"/>
       </dsp:txXfrm>
     </dsp:sp>
   </dsp:spTree>
@@ -4218,349 +2287,7 @@
       <dsp:cNvGrpSpPr/>
     </dsp:nvGrpSpPr>
     <dsp:grpSpPr/>
-    <dsp:sp modelId="{97F62577-1782-4C3C-B9CB-13C62508885A}">
-      <dsp:nvSpPr>
-        <dsp:cNvPr id="0" name=""/>
-        <dsp:cNvSpPr/>
-      </dsp:nvSpPr>
-      <dsp:spPr>
-        <a:xfrm>
-          <a:off x="1240773" y="828"/>
-          <a:ext cx="644677" cy="644677"/>
-        </a:xfrm>
-        <a:prstGeom prst="rect">
-          <a:avLst/>
-        </a:prstGeom>
-        <a:blipFill>
-          <a:blip xmlns:r="http://schemas.openxmlformats.org/officeDocument/2006/relationships" r:embed="rId1">
-            <a:extLst>
-              <a:ext uri="{28A0092B-C50C-407E-A947-70E740481C1C}">
-                <a14:useLocalDpi xmlns:a14="http://schemas.microsoft.com/office/drawing/2010/main" val="0"/>
-              </a:ext>
-              <a:ext uri="{96DAC541-7B7A-43D3-8B79-37D633B846F1}">
-                <asvg:svgBlip xmlns:asvg="http://schemas.microsoft.com/office/drawing/2016/SVG/main" r:embed="rId2"/>
-              </a:ext>
-            </a:extLst>
-          </a:blip>
-          <a:stretch>
-            <a:fillRect/>
-          </a:stretch>
-        </a:blipFill>
-        <a:ln w="15875" cap="rnd" cmpd="sng" algn="ctr">
-          <a:noFill/>
-          <a:prstDash val="solid"/>
-        </a:ln>
-        <a:effectLst/>
-      </dsp:spPr>
-      <dsp:style>
-        <a:lnRef idx="2">
-          <a:scrgbClr r="0" g="0" b="0"/>
-        </a:lnRef>
-        <a:fillRef idx="1">
-          <a:scrgbClr r="0" g="0" b="0"/>
-        </a:fillRef>
-        <a:effectRef idx="0">
-          <a:scrgbClr r="0" g="0" b="0"/>
-        </a:effectRef>
-        <a:fontRef idx="minor">
-          <a:schemeClr val="lt1"/>
-        </a:fontRef>
-      </dsp:style>
-    </dsp:sp>
-    <dsp:sp modelId="{DCC949CC-2EC6-4DEB-B545-4B3FFE4D70EC}">
-      <dsp:nvSpPr>
-        <dsp:cNvPr id="0" name=""/>
-        <dsp:cNvSpPr/>
-      </dsp:nvSpPr>
-      <dsp:spPr>
-        <a:xfrm>
-          <a:off x="846803" y="1411105"/>
-          <a:ext cx="1432617" cy="3693466"/>
-        </a:xfrm>
-        <a:prstGeom prst="rect">
-          <a:avLst/>
-        </a:prstGeom>
-        <a:noFill/>
-        <a:ln>
-          <a:noFill/>
-        </a:ln>
-        <a:effectLst/>
-      </dsp:spPr>
-      <dsp:style>
-        <a:lnRef idx="0">
-          <a:scrgbClr r="0" g="0" b="0"/>
-        </a:lnRef>
-        <a:fillRef idx="0">
-          <a:scrgbClr r="0" g="0" b="0"/>
-        </a:fillRef>
-        <a:effectRef idx="0">
-          <a:scrgbClr r="0" g="0" b="0"/>
-        </a:effectRef>
-        <a:fontRef idx="minor"/>
-      </dsp:style>
-      <dsp:txBody>
-        <a:bodyPr spcFirstLastPara="0" vert="horz" wrap="square" lIns="0" tIns="0" rIns="0" bIns="0" numCol="1" spcCol="1270" anchor="t" anchorCtr="0">
-          <a:noAutofit/>
-        </a:bodyPr>
-        <a:lstStyle/>
-        <a:p>
-          <a:pPr marL="0" lvl="0" indent="0" algn="ctr" defTabSz="488950">
-            <a:lnSpc>
-              <a:spcPct val="90000"/>
-            </a:lnSpc>
-            <a:spcBef>
-              <a:spcPct val="0"/>
-            </a:spcBef>
-            <a:spcAft>
-              <a:spcPct val="35000"/>
-            </a:spcAft>
-            <a:buNone/>
-          </a:pPr>
-          <a:r>
-            <a:rPr lang="en-GB" sz="1100" u="sng" kern="1200"/>
-            <a:t>What was tested? </a:t>
-          </a:r>
-          <a:endParaRPr lang="en-US" sz="1100" kern="1200"/>
-        </a:p>
-      </dsp:txBody>
-      <dsp:txXfrm>
-        <a:off x="846803" y="1411105"/>
-        <a:ext cx="1432617" cy="3693466"/>
-      </dsp:txXfrm>
-    </dsp:sp>
-    <dsp:sp modelId="{75A7CE00-76E3-495F-9BCB-8C933AAB9240}">
-      <dsp:nvSpPr>
-        <dsp:cNvPr id="0" name=""/>
-        <dsp:cNvSpPr/>
-      </dsp:nvSpPr>
-      <dsp:spPr>
-        <a:xfrm>
-          <a:off x="2924098" y="828"/>
-          <a:ext cx="644677" cy="644677"/>
-        </a:xfrm>
-        <a:prstGeom prst="rect">
-          <a:avLst/>
-        </a:prstGeom>
-        <a:blipFill>
-          <a:blip xmlns:r="http://schemas.openxmlformats.org/officeDocument/2006/relationships" r:embed="rId3">
-            <a:extLst>
-              <a:ext uri="{28A0092B-C50C-407E-A947-70E740481C1C}">
-                <a14:useLocalDpi xmlns:a14="http://schemas.microsoft.com/office/drawing/2010/main" val="0"/>
-              </a:ext>
-              <a:ext uri="{96DAC541-7B7A-43D3-8B79-37D633B846F1}">
-                <asvg:svgBlip xmlns:asvg="http://schemas.microsoft.com/office/drawing/2016/SVG/main" r:embed="rId4"/>
-              </a:ext>
-            </a:extLst>
-          </a:blip>
-          <a:stretch>
-            <a:fillRect/>
-          </a:stretch>
-        </a:blipFill>
-        <a:ln w="15875" cap="rnd" cmpd="sng" algn="ctr">
-          <a:noFill/>
-          <a:prstDash val="solid"/>
-        </a:ln>
-        <a:effectLst/>
-      </dsp:spPr>
-      <dsp:style>
-        <a:lnRef idx="2">
-          <a:scrgbClr r="0" g="0" b="0"/>
-        </a:lnRef>
-        <a:fillRef idx="1">
-          <a:scrgbClr r="0" g="0" b="0"/>
-        </a:fillRef>
-        <a:effectRef idx="0">
-          <a:scrgbClr r="0" g="0" b="0"/>
-        </a:effectRef>
-        <a:fontRef idx="minor">
-          <a:schemeClr val="lt1"/>
-        </a:fontRef>
-      </dsp:style>
-    </dsp:sp>
-    <dsp:sp modelId="{6AFB8980-5757-468D-8C40-2B8CB3887577}">
-      <dsp:nvSpPr>
-        <dsp:cNvPr id="0" name=""/>
-        <dsp:cNvSpPr/>
-      </dsp:nvSpPr>
-      <dsp:spPr>
-        <a:xfrm>
-          <a:off x="2530128" y="1411105"/>
-          <a:ext cx="1432617" cy="3693466"/>
-        </a:xfrm>
-        <a:prstGeom prst="rect">
-          <a:avLst/>
-        </a:prstGeom>
-        <a:noFill/>
-        <a:ln>
-          <a:noFill/>
-        </a:ln>
-        <a:effectLst/>
-      </dsp:spPr>
-      <dsp:style>
-        <a:lnRef idx="0">
-          <a:scrgbClr r="0" g="0" b="0"/>
-        </a:lnRef>
-        <a:fillRef idx="0">
-          <a:scrgbClr r="0" g="0" b="0"/>
-        </a:fillRef>
-        <a:effectRef idx="0">
-          <a:scrgbClr r="0" g="0" b="0"/>
-        </a:effectRef>
-        <a:fontRef idx="minor"/>
-      </dsp:style>
-      <dsp:txBody>
-        <a:bodyPr spcFirstLastPara="0" vert="horz" wrap="square" lIns="0" tIns="0" rIns="0" bIns="0" numCol="1" spcCol="1270" anchor="t" anchorCtr="0">
-          <a:noAutofit/>
-        </a:bodyPr>
-        <a:lstStyle/>
-        <a:p>
-          <a:pPr marL="0" lvl="0" indent="0" algn="ctr" defTabSz="488950">
-            <a:lnSpc>
-              <a:spcPct val="90000"/>
-            </a:lnSpc>
-            <a:spcBef>
-              <a:spcPct val="0"/>
-            </a:spcBef>
-            <a:spcAft>
-              <a:spcPct val="35000"/>
-            </a:spcAft>
-            <a:buNone/>
-          </a:pPr>
-          <a:r>
-            <a:rPr lang="en-GB" sz="1100" kern="1200"/>
-            <a:t>The testing process for me was a challenge and I strived to reach the industry standard of 80% and again when it comes to experience and knowledge I know overtime that I will be able to reach industry standard however unfortunately I was only managed to get a coverage of 70.2%.</a:t>
-          </a:r>
-          <a:endParaRPr lang="en-US" sz="1100" kern="1200"/>
-        </a:p>
-      </dsp:txBody>
-      <dsp:txXfrm>
-        <a:off x="2530128" y="1411105"/>
-        <a:ext cx="1432617" cy="3693466"/>
-      </dsp:txXfrm>
-    </dsp:sp>
-    <dsp:sp modelId="{D1C11E60-872E-4B9D-924C-7BF810337345}">
-      <dsp:nvSpPr>
-        <dsp:cNvPr id="0" name=""/>
-        <dsp:cNvSpPr/>
-      </dsp:nvSpPr>
-      <dsp:spPr>
-        <a:xfrm>
-          <a:off x="4607423" y="828"/>
-          <a:ext cx="644677" cy="644677"/>
-        </a:xfrm>
-        <a:prstGeom prst="rect">
-          <a:avLst/>
-        </a:prstGeom>
-        <a:blipFill>
-          <a:blip xmlns:r="http://schemas.openxmlformats.org/officeDocument/2006/relationships" r:embed="rId5">
-            <a:extLst>
-              <a:ext uri="{28A0092B-C50C-407E-A947-70E740481C1C}">
-                <a14:useLocalDpi xmlns:a14="http://schemas.microsoft.com/office/drawing/2010/main" val="0"/>
-              </a:ext>
-              <a:ext uri="{96DAC541-7B7A-43D3-8B79-37D633B846F1}">
-                <asvg:svgBlip xmlns:asvg="http://schemas.microsoft.com/office/drawing/2016/SVG/main" r:embed="rId6"/>
-              </a:ext>
-            </a:extLst>
-          </a:blip>
-          <a:stretch>
-            <a:fillRect/>
-          </a:stretch>
-        </a:blipFill>
-        <a:ln w="15875" cap="rnd" cmpd="sng" algn="ctr">
-          <a:noFill/>
-          <a:prstDash val="solid"/>
-        </a:ln>
-        <a:effectLst/>
-      </dsp:spPr>
-      <dsp:style>
-        <a:lnRef idx="2">
-          <a:scrgbClr r="0" g="0" b="0"/>
-        </a:lnRef>
-        <a:fillRef idx="1">
-          <a:scrgbClr r="0" g="0" b="0"/>
-        </a:fillRef>
-        <a:effectRef idx="0">
-          <a:scrgbClr r="0" g="0" b="0"/>
-        </a:effectRef>
-        <a:fontRef idx="minor">
-          <a:schemeClr val="lt1"/>
-        </a:fontRef>
-      </dsp:style>
-    </dsp:sp>
-    <dsp:sp modelId="{62ADF597-00D5-4AD1-B7F9-E038828782ED}">
-      <dsp:nvSpPr>
-        <dsp:cNvPr id="0" name=""/>
-        <dsp:cNvSpPr/>
-      </dsp:nvSpPr>
-      <dsp:spPr>
-        <a:xfrm>
-          <a:off x="4213454" y="1411105"/>
-          <a:ext cx="1432617" cy="3693466"/>
-        </a:xfrm>
-        <a:prstGeom prst="rect">
-          <a:avLst/>
-        </a:prstGeom>
-        <a:noFill/>
-        <a:ln>
-          <a:noFill/>
-        </a:ln>
-        <a:effectLst/>
-      </dsp:spPr>
-      <dsp:style>
-        <a:lnRef idx="0">
-          <a:scrgbClr r="0" g="0" b="0"/>
-        </a:lnRef>
-        <a:fillRef idx="0">
-          <a:scrgbClr r="0" g="0" b="0"/>
-        </a:fillRef>
-        <a:effectRef idx="0">
-          <a:scrgbClr r="0" g="0" b="0"/>
-        </a:effectRef>
-        <a:fontRef idx="minor"/>
-      </dsp:style>
-      <dsp:txBody>
-        <a:bodyPr spcFirstLastPara="0" vert="horz" wrap="square" lIns="0" tIns="0" rIns="0" bIns="0" numCol="1" spcCol="1270" anchor="t" anchorCtr="0">
-          <a:noAutofit/>
-        </a:bodyPr>
-        <a:lstStyle/>
-        <a:p>
-          <a:pPr marL="0" lvl="0" indent="0" algn="ctr" defTabSz="488950">
-            <a:lnSpc>
-              <a:spcPct val="90000"/>
-            </a:lnSpc>
-            <a:spcBef>
-              <a:spcPct val="0"/>
-            </a:spcBef>
-            <a:spcAft>
-              <a:spcPct val="35000"/>
-            </a:spcAft>
-            <a:buNone/>
-          </a:pPr>
-          <a:r>
-            <a:rPr lang="en-GB" sz="1100" kern="1200"/>
-            <a:t>now that was some error codes that I would get that I was getting that I've just never experienced before hadn't no amount of research was helping me. I tested all of the Java test file and then I started to test all of the customer side of things so the customer controller the customerDAO on the customer.Java. The issue I had a some of them weren‘t passing the tests however I got the customer controller and the customerDAO to pass so I moved onto items I then tested the items controller and also the items DAO and then finally the items .Java which again for me didn't pass. the last ones to be tested were the more difficult ones which were the ordercontroller orderDAO and order.Java. these definitely give me the most challenge but I researched until I was able to get a percentage which what's the best I could get.</a:t>
-          </a:r>
-          <a:endParaRPr lang="en-US" sz="1100" kern="1200"/>
-        </a:p>
-      </dsp:txBody>
-      <dsp:txXfrm>
-        <a:off x="4213454" y="1411105"/>
-        <a:ext cx="1432617" cy="3693466"/>
-      </dsp:txXfrm>
-    </dsp:sp>
-  </dsp:spTree>
-</dsp:drawing>
-</file>
-
-<file path=ppt/diagrams/drawing3.xml><?xml version="1.0" encoding="utf-8"?>
-<dsp:drawing xmlns:dgm="http://schemas.openxmlformats.org/drawingml/2006/diagram" xmlns:dsp="http://schemas.microsoft.com/office/drawing/2008/diagram" xmlns:a="http://schemas.openxmlformats.org/drawingml/2006/main">
-  <dsp:spTree>
-    <dsp:nvGrpSpPr>
-      <dsp:cNvPr id="0" name=""/>
-      <dsp:cNvGrpSpPr/>
-    </dsp:nvGrpSpPr>
-    <dsp:grpSpPr/>
-    <dsp:sp modelId="{45DC7C0E-01B1-4323-AD8A-E258FB08F234}">
+    <dsp:sp modelId="{0E5EAF65-F2BD-475F-8EB7-377686D79AB6}">
       <dsp:nvSpPr>
         <dsp:cNvPr id="0" name=""/>
         <dsp:cNvSpPr/>
@@ -4609,7 +2336,7 @@
         </a:fontRef>
       </dsp:style>
     </dsp:sp>
-    <dsp:sp modelId="{774C9CA5-4D9B-40D0-86DE-25AE4BC51356}">
+    <dsp:sp modelId="{D75AEC79-B172-43EE-B2AE-16CBC69D3172}">
       <dsp:nvSpPr>
         <dsp:cNvPr id="0" name=""/>
         <dsp:cNvSpPr/>
@@ -4617,7 +2344,7 @@
       <dsp:spPr>
         <a:xfrm>
           <a:off x="0" y="0"/>
-          <a:ext cx="1298575" cy="2552700"/>
+          <a:ext cx="6492875" cy="2552700"/>
         </a:xfrm>
         <a:prstGeom prst="rect">
           <a:avLst/>
@@ -4641,12 +2368,12 @@
         <a:fontRef idx="minor"/>
       </dsp:style>
       <dsp:txBody>
-        <a:bodyPr spcFirstLastPara="0" vert="horz" wrap="square" lIns="57150" tIns="57150" rIns="57150" bIns="57150" numCol="1" spcCol="1270" anchor="t" anchorCtr="0">
+        <a:bodyPr spcFirstLastPara="0" vert="horz" wrap="square" lIns="99060" tIns="99060" rIns="99060" bIns="99060" numCol="1" spcCol="1270" anchor="t" anchorCtr="0">
           <a:noAutofit/>
         </a:bodyPr>
         <a:lstStyle/>
         <a:p>
-          <a:pPr marL="0" lvl="0" indent="0" algn="l" defTabSz="666750">
+          <a:pPr marL="0" lvl="0" indent="0" algn="l" defTabSz="1155700">
             <a:lnSpc>
               <a:spcPct val="90000"/>
             </a:lnSpc>
@@ -4659,18 +2386,36 @@
             <a:buNone/>
           </a:pPr>
           <a:r>
-            <a:rPr lang="en-GB" sz="1500" kern="1200"/>
-            <a:t>What did you complete?</a:t>
+            <a:rPr lang="en-GB" sz="2600" u="sng" kern="1200" dirty="0"/>
+            <a:t>What went well? </a:t>
           </a:r>
-          <a:endParaRPr lang="en-US" sz="1500" kern="1200"/>
+        </a:p>
+        <a:p>
+          <a:pPr marL="0" lvl="0" indent="0" algn="l" defTabSz="1155700">
+            <a:lnSpc>
+              <a:spcPct val="90000"/>
+            </a:lnSpc>
+            <a:spcBef>
+              <a:spcPct val="0"/>
+            </a:spcBef>
+            <a:spcAft>
+              <a:spcPct val="35000"/>
+            </a:spcAft>
+            <a:buNone/>
+          </a:pPr>
+          <a:r>
+            <a:rPr lang="en-GB" sz="2600" kern="1200" dirty="0"/>
+            <a:t>I feel that overall the project went well and I was able to complete the coding and tougher part of the project within reasonable time. O feel this project was more achievable for me to complete.</a:t>
+          </a:r>
+          <a:endParaRPr lang="en-US" sz="2600" kern="1200" dirty="0"/>
         </a:p>
       </dsp:txBody>
       <dsp:txXfrm>
         <a:off x="0" y="0"/>
-        <a:ext cx="1298575" cy="2552700"/>
+        <a:ext cx="6492875" cy="2552700"/>
       </dsp:txXfrm>
     </dsp:sp>
-    <dsp:sp modelId="{B33C2393-507E-4563-8937-BD01CD4E1E29}">
+    <dsp:sp modelId="{9333ECAE-B77D-4F98-94DC-6D20FD3C62F5}">
       <dsp:nvSpPr>
         <dsp:cNvPr id="0" name=""/>
         <dsp:cNvSpPr/>
@@ -4719,7 +2464,7 @@
         </a:fontRef>
       </dsp:style>
     </dsp:sp>
-    <dsp:sp modelId="{EAFB7F23-BB6F-40E2-ACDF-3122D437BE87}">
+    <dsp:sp modelId="{E814533D-4C71-40D4-913A-782EEAA70085}">
       <dsp:nvSpPr>
         <dsp:cNvPr id="0" name=""/>
         <dsp:cNvSpPr/>
@@ -4727,7 +2472,7 @@
       <dsp:spPr>
         <a:xfrm>
           <a:off x="0" y="2552700"/>
-          <a:ext cx="1298575" cy="2552700"/>
+          <a:ext cx="6492875" cy="2552700"/>
         </a:xfrm>
         <a:prstGeom prst="rect">
           <a:avLst/>
@@ -4751,12 +2496,12 @@
         <a:fontRef idx="minor"/>
       </dsp:style>
       <dsp:txBody>
-        <a:bodyPr spcFirstLastPara="0" vert="horz" wrap="square" lIns="57150" tIns="57150" rIns="57150" bIns="57150" numCol="1" spcCol="1270" anchor="t" anchorCtr="0">
+        <a:bodyPr spcFirstLastPara="0" vert="horz" wrap="square" lIns="99060" tIns="99060" rIns="99060" bIns="99060" numCol="1" spcCol="1270" anchor="t" anchorCtr="0">
           <a:noAutofit/>
         </a:bodyPr>
         <a:lstStyle/>
         <a:p>
-          <a:pPr marL="0" lvl="0" indent="0" algn="l" defTabSz="666750">
+          <a:pPr marL="0" lvl="0" indent="0" algn="l" defTabSz="1155700">
             <a:lnSpc>
               <a:spcPct val="90000"/>
             </a:lnSpc>
@@ -4769,888 +2514,16 @@
             <a:buNone/>
           </a:pPr>
           <a:r>
-            <a:rPr lang="en-GB" sz="1500" kern="1200"/>
-            <a:t>As of now I have currently completed the complete code for the application which was working fully last night. which means that:</a:t>
+            <a:rPr lang="en-GB" sz="2600" kern="1200"/>
+            <a:t>I feel I need to develop my confidence and ensure that I am able to put my learning into practice, I am aware I need to brush up on Git so I don’t run into the problems I faced and that I need to take more screenshots of my progress.</a:t>
           </a:r>
-          <a:endParaRPr lang="en-US" sz="1500" kern="1200"/>
+          <a:endParaRPr lang="en-US" sz="2600" kern="1200"/>
         </a:p>
       </dsp:txBody>
       <dsp:txXfrm>
         <a:off x="0" y="2552700"/>
-        <a:ext cx="1298575" cy="2552700"/>
+        <a:ext cx="6492875" cy="2552700"/>
       </dsp:txXfrm>
-    </dsp:sp>
-    <dsp:sp modelId="{F15E77A6-288B-4455-8CBA-3FD7B0C33A6E}">
-      <dsp:nvSpPr>
-        <dsp:cNvPr id="0" name=""/>
-        <dsp:cNvSpPr/>
-      </dsp:nvSpPr>
-      <dsp:spPr>
-        <a:xfrm>
-          <a:off x="1395968" y="2567797"/>
-          <a:ext cx="5096906" cy="301949"/>
-        </a:xfrm>
-        <a:prstGeom prst="rect">
-          <a:avLst/>
-        </a:prstGeom>
-        <a:noFill/>
-        <a:ln>
-          <a:noFill/>
-        </a:ln>
-        <a:effectLst/>
-      </dsp:spPr>
-      <dsp:style>
-        <a:lnRef idx="0">
-          <a:scrgbClr r="0" g="0" b="0"/>
-        </a:lnRef>
-        <a:fillRef idx="0">
-          <a:scrgbClr r="0" g="0" b="0"/>
-        </a:fillRef>
-        <a:effectRef idx="0">
-          <a:scrgbClr r="0" g="0" b="0"/>
-        </a:effectRef>
-        <a:fontRef idx="minor"/>
-      </dsp:style>
-      <dsp:txBody>
-        <a:bodyPr spcFirstLastPara="0" vert="horz" wrap="square" lIns="38100" tIns="38100" rIns="38100" bIns="38100" numCol="1" spcCol="1270" anchor="t" anchorCtr="0">
-          <a:noAutofit/>
-        </a:bodyPr>
-        <a:lstStyle/>
-        <a:p>
-          <a:pPr marL="0" lvl="0" indent="0" algn="l" defTabSz="444500">
-            <a:lnSpc>
-              <a:spcPct val="90000"/>
-            </a:lnSpc>
-            <a:spcBef>
-              <a:spcPct val="0"/>
-            </a:spcBef>
-            <a:spcAft>
-              <a:spcPct val="35000"/>
-            </a:spcAft>
-            <a:buNone/>
-          </a:pPr>
-          <a:r>
-            <a:rPr lang="en-GB" sz="1000" kern="1200"/>
-            <a:t>I could add view update and delete a customer .</a:t>
-          </a:r>
-          <a:endParaRPr lang="en-US" sz="1000" kern="1200"/>
-        </a:p>
-      </dsp:txBody>
-      <dsp:txXfrm>
-        <a:off x="1395968" y="2567797"/>
-        <a:ext cx="5096906" cy="301949"/>
-      </dsp:txXfrm>
-    </dsp:sp>
-    <dsp:sp modelId="{C5739325-0301-412C-91A6-17D040422EE2}">
-      <dsp:nvSpPr>
-        <dsp:cNvPr id="0" name=""/>
-        <dsp:cNvSpPr/>
-      </dsp:nvSpPr>
-      <dsp:spPr>
-        <a:xfrm>
-          <a:off x="1298574" y="2869746"/>
-          <a:ext cx="5194300" cy="0"/>
-        </a:xfrm>
-        <a:prstGeom prst="line">
-          <a:avLst/>
-        </a:prstGeom>
-        <a:solidFill>
-          <a:schemeClr val="accent2">
-            <a:hueOff val="0"/>
-            <a:satOff val="0"/>
-            <a:lumOff val="0"/>
-            <a:alphaOff val="0"/>
-          </a:schemeClr>
-        </a:solidFill>
-        <a:ln w="15875" cap="rnd" cmpd="sng" algn="ctr">
-          <a:solidFill>
-            <a:schemeClr val="accent2">
-              <a:tint val="50000"/>
-              <a:hueOff val="0"/>
-              <a:satOff val="0"/>
-              <a:lumOff val="0"/>
-              <a:alphaOff val="0"/>
-            </a:schemeClr>
-          </a:solidFill>
-          <a:prstDash val="solid"/>
-        </a:ln>
-        <a:effectLst/>
-      </dsp:spPr>
-      <dsp:style>
-        <a:lnRef idx="2">
-          <a:scrgbClr r="0" g="0" b="0"/>
-        </a:lnRef>
-        <a:fillRef idx="1">
-          <a:scrgbClr r="0" g="0" b="0"/>
-        </a:fillRef>
-        <a:effectRef idx="0">
-          <a:scrgbClr r="0" g="0" b="0"/>
-        </a:effectRef>
-        <a:fontRef idx="minor"/>
-      </dsp:style>
-    </dsp:sp>
-    <dsp:sp modelId="{A468839C-2B53-45CD-A353-54BF38C33C36}">
-      <dsp:nvSpPr>
-        <dsp:cNvPr id="0" name=""/>
-        <dsp:cNvSpPr/>
-      </dsp:nvSpPr>
-      <dsp:spPr>
-        <a:xfrm>
-          <a:off x="1395968" y="2884843"/>
-          <a:ext cx="5096906" cy="301949"/>
-        </a:xfrm>
-        <a:prstGeom prst="rect">
-          <a:avLst/>
-        </a:prstGeom>
-        <a:noFill/>
-        <a:ln>
-          <a:noFill/>
-        </a:ln>
-        <a:effectLst/>
-      </dsp:spPr>
-      <dsp:style>
-        <a:lnRef idx="0">
-          <a:scrgbClr r="0" g="0" b="0"/>
-        </a:lnRef>
-        <a:fillRef idx="0">
-          <a:scrgbClr r="0" g="0" b="0"/>
-        </a:fillRef>
-        <a:effectRef idx="0">
-          <a:scrgbClr r="0" g="0" b="0"/>
-        </a:effectRef>
-        <a:fontRef idx="minor"/>
-      </dsp:style>
-      <dsp:txBody>
-        <a:bodyPr spcFirstLastPara="0" vert="horz" wrap="square" lIns="38100" tIns="38100" rIns="38100" bIns="38100" numCol="1" spcCol="1270" anchor="t" anchorCtr="0">
-          <a:noAutofit/>
-        </a:bodyPr>
-        <a:lstStyle/>
-        <a:p>
-          <a:pPr marL="0" lvl="0" indent="0" algn="l" defTabSz="444500">
-            <a:lnSpc>
-              <a:spcPct val="90000"/>
-            </a:lnSpc>
-            <a:spcBef>
-              <a:spcPct val="0"/>
-            </a:spcBef>
-            <a:spcAft>
-              <a:spcPct val="35000"/>
-            </a:spcAft>
-            <a:buNone/>
-          </a:pPr>
-          <a:r>
-            <a:rPr lang="en-GB" sz="1000" kern="1200"/>
-            <a:t>Add view update and delete an item .</a:t>
-          </a:r>
-          <a:endParaRPr lang="en-US" sz="1000" kern="1200"/>
-        </a:p>
-      </dsp:txBody>
-      <dsp:txXfrm>
-        <a:off x="1395968" y="2884843"/>
-        <a:ext cx="5096906" cy="301949"/>
-      </dsp:txXfrm>
-    </dsp:sp>
-    <dsp:sp modelId="{3EA10BEA-1A70-4D4B-B769-985DB94ED6E0}">
-      <dsp:nvSpPr>
-        <dsp:cNvPr id="0" name=""/>
-        <dsp:cNvSpPr/>
-      </dsp:nvSpPr>
-      <dsp:spPr>
-        <a:xfrm>
-          <a:off x="1298574" y="3186792"/>
-          <a:ext cx="5194300" cy="0"/>
-        </a:xfrm>
-        <a:prstGeom prst="line">
-          <a:avLst/>
-        </a:prstGeom>
-        <a:solidFill>
-          <a:schemeClr val="accent2">
-            <a:hueOff val="0"/>
-            <a:satOff val="0"/>
-            <a:lumOff val="0"/>
-            <a:alphaOff val="0"/>
-          </a:schemeClr>
-        </a:solidFill>
-        <a:ln w="15875" cap="rnd" cmpd="sng" algn="ctr">
-          <a:solidFill>
-            <a:schemeClr val="accent2">
-              <a:tint val="50000"/>
-              <a:hueOff val="0"/>
-              <a:satOff val="0"/>
-              <a:lumOff val="0"/>
-              <a:alphaOff val="0"/>
-            </a:schemeClr>
-          </a:solidFill>
-          <a:prstDash val="solid"/>
-        </a:ln>
-        <a:effectLst/>
-      </dsp:spPr>
-      <dsp:style>
-        <a:lnRef idx="2">
-          <a:scrgbClr r="0" g="0" b="0"/>
-        </a:lnRef>
-        <a:fillRef idx="1">
-          <a:scrgbClr r="0" g="0" b="0"/>
-        </a:fillRef>
-        <a:effectRef idx="0">
-          <a:scrgbClr r="0" g="0" b="0"/>
-        </a:effectRef>
-        <a:fontRef idx="minor"/>
-      </dsp:style>
-    </dsp:sp>
-    <dsp:sp modelId="{CB07DA44-5A31-4E79-BED2-D6C1D8BDED47}">
-      <dsp:nvSpPr>
-        <dsp:cNvPr id="0" name=""/>
-        <dsp:cNvSpPr/>
-      </dsp:nvSpPr>
-      <dsp:spPr>
-        <a:xfrm>
-          <a:off x="1395968" y="3201890"/>
-          <a:ext cx="5096906" cy="301949"/>
-        </a:xfrm>
-        <a:prstGeom prst="rect">
-          <a:avLst/>
-        </a:prstGeom>
-        <a:noFill/>
-        <a:ln>
-          <a:noFill/>
-        </a:ln>
-        <a:effectLst/>
-      </dsp:spPr>
-      <dsp:style>
-        <a:lnRef idx="0">
-          <a:scrgbClr r="0" g="0" b="0"/>
-        </a:lnRef>
-        <a:fillRef idx="0">
-          <a:scrgbClr r="0" g="0" b="0"/>
-        </a:fillRef>
-        <a:effectRef idx="0">
-          <a:scrgbClr r="0" g="0" b="0"/>
-        </a:effectRef>
-        <a:fontRef idx="minor"/>
-      </dsp:style>
-      <dsp:txBody>
-        <a:bodyPr spcFirstLastPara="0" vert="horz" wrap="square" lIns="38100" tIns="38100" rIns="38100" bIns="38100" numCol="1" spcCol="1270" anchor="t" anchorCtr="0">
-          <a:noAutofit/>
-        </a:bodyPr>
-        <a:lstStyle/>
-        <a:p>
-          <a:pPr marL="0" lvl="0" indent="0" algn="l" defTabSz="444500">
-            <a:lnSpc>
-              <a:spcPct val="90000"/>
-            </a:lnSpc>
-            <a:spcBef>
-              <a:spcPct val="0"/>
-            </a:spcBef>
-            <a:spcAft>
-              <a:spcPct val="35000"/>
-            </a:spcAft>
-            <a:buNone/>
-          </a:pPr>
-          <a:r>
-            <a:rPr lang="en-GB" sz="1000" kern="1200"/>
-            <a:t>Create an order view the order and delete an order. </a:t>
-          </a:r>
-          <a:endParaRPr lang="en-US" sz="1000" kern="1200"/>
-        </a:p>
-      </dsp:txBody>
-      <dsp:txXfrm>
-        <a:off x="1395968" y="3201890"/>
-        <a:ext cx="5096906" cy="301949"/>
-      </dsp:txXfrm>
-    </dsp:sp>
-    <dsp:sp modelId="{B83505E3-0168-4E65-8F72-C20B48DD0C85}">
-      <dsp:nvSpPr>
-        <dsp:cNvPr id="0" name=""/>
-        <dsp:cNvSpPr/>
-      </dsp:nvSpPr>
-      <dsp:spPr>
-        <a:xfrm>
-          <a:off x="1298574" y="3503839"/>
-          <a:ext cx="5194300" cy="0"/>
-        </a:xfrm>
-        <a:prstGeom prst="line">
-          <a:avLst/>
-        </a:prstGeom>
-        <a:solidFill>
-          <a:schemeClr val="accent2">
-            <a:hueOff val="0"/>
-            <a:satOff val="0"/>
-            <a:lumOff val="0"/>
-            <a:alphaOff val="0"/>
-          </a:schemeClr>
-        </a:solidFill>
-        <a:ln w="15875" cap="rnd" cmpd="sng" algn="ctr">
-          <a:solidFill>
-            <a:schemeClr val="accent2">
-              <a:tint val="50000"/>
-              <a:hueOff val="0"/>
-              <a:satOff val="0"/>
-              <a:lumOff val="0"/>
-              <a:alphaOff val="0"/>
-            </a:schemeClr>
-          </a:solidFill>
-          <a:prstDash val="solid"/>
-        </a:ln>
-        <a:effectLst/>
-      </dsp:spPr>
-      <dsp:style>
-        <a:lnRef idx="2">
-          <a:scrgbClr r="0" g="0" b="0"/>
-        </a:lnRef>
-        <a:fillRef idx="1">
-          <a:scrgbClr r="0" g="0" b="0"/>
-        </a:fillRef>
-        <a:effectRef idx="0">
-          <a:scrgbClr r="0" g="0" b="0"/>
-        </a:effectRef>
-        <a:fontRef idx="minor"/>
-      </dsp:style>
-    </dsp:sp>
-    <dsp:sp modelId="{B2544EC8-8B1D-48C4-A8C8-C89EBA7CB243}">
-      <dsp:nvSpPr>
-        <dsp:cNvPr id="0" name=""/>
-        <dsp:cNvSpPr/>
-      </dsp:nvSpPr>
-      <dsp:spPr>
-        <a:xfrm>
-          <a:off x="1395968" y="3518936"/>
-          <a:ext cx="5096906" cy="301949"/>
-        </a:xfrm>
-        <a:prstGeom prst="rect">
-          <a:avLst/>
-        </a:prstGeom>
-        <a:noFill/>
-        <a:ln>
-          <a:noFill/>
-        </a:ln>
-        <a:effectLst/>
-      </dsp:spPr>
-      <dsp:style>
-        <a:lnRef idx="0">
-          <a:scrgbClr r="0" g="0" b="0"/>
-        </a:lnRef>
-        <a:fillRef idx="0">
-          <a:scrgbClr r="0" g="0" b="0"/>
-        </a:fillRef>
-        <a:effectRef idx="0">
-          <a:scrgbClr r="0" g="0" b="0"/>
-        </a:effectRef>
-        <a:fontRef idx="minor"/>
-      </dsp:style>
-      <dsp:txBody>
-        <a:bodyPr spcFirstLastPara="0" vert="horz" wrap="square" lIns="38100" tIns="38100" rIns="38100" bIns="38100" numCol="1" spcCol="1270" anchor="t" anchorCtr="0">
-          <a:noAutofit/>
-        </a:bodyPr>
-        <a:lstStyle/>
-        <a:p>
-          <a:pPr marL="0" lvl="0" indent="0" algn="l" defTabSz="444500">
-            <a:lnSpc>
-              <a:spcPct val="90000"/>
-            </a:lnSpc>
-            <a:spcBef>
-              <a:spcPct val="0"/>
-            </a:spcBef>
-            <a:spcAft>
-              <a:spcPct val="35000"/>
-            </a:spcAft>
-            <a:buNone/>
-          </a:pPr>
-          <a:r>
-            <a:rPr lang="en-GB" sz="1000" kern="1200"/>
-            <a:t>Add an item to my order, calculate the cost for an order and then delete an item in an order. </a:t>
-          </a:r>
-          <a:endParaRPr lang="en-US" sz="1000" kern="1200"/>
-        </a:p>
-      </dsp:txBody>
-      <dsp:txXfrm>
-        <a:off x="1395968" y="3518936"/>
-        <a:ext cx="5096906" cy="301949"/>
-      </dsp:txXfrm>
-    </dsp:sp>
-    <dsp:sp modelId="{96B9D75D-E83F-4BE5-A469-B3E25D4023D9}">
-      <dsp:nvSpPr>
-        <dsp:cNvPr id="0" name=""/>
-        <dsp:cNvSpPr/>
-      </dsp:nvSpPr>
-      <dsp:spPr>
-        <a:xfrm>
-          <a:off x="1298574" y="3820885"/>
-          <a:ext cx="5194300" cy="0"/>
-        </a:xfrm>
-        <a:prstGeom prst="line">
-          <a:avLst/>
-        </a:prstGeom>
-        <a:solidFill>
-          <a:schemeClr val="accent2">
-            <a:hueOff val="0"/>
-            <a:satOff val="0"/>
-            <a:lumOff val="0"/>
-            <a:alphaOff val="0"/>
-          </a:schemeClr>
-        </a:solidFill>
-        <a:ln w="15875" cap="rnd" cmpd="sng" algn="ctr">
-          <a:solidFill>
-            <a:schemeClr val="accent2">
-              <a:tint val="50000"/>
-              <a:hueOff val="0"/>
-              <a:satOff val="0"/>
-              <a:lumOff val="0"/>
-              <a:alphaOff val="0"/>
-            </a:schemeClr>
-          </a:solidFill>
-          <a:prstDash val="solid"/>
-        </a:ln>
-        <a:effectLst/>
-      </dsp:spPr>
-      <dsp:style>
-        <a:lnRef idx="2">
-          <a:scrgbClr r="0" g="0" b="0"/>
-        </a:lnRef>
-        <a:fillRef idx="1">
-          <a:scrgbClr r="0" g="0" b="0"/>
-        </a:fillRef>
-        <a:effectRef idx="0">
-          <a:scrgbClr r="0" g="0" b="0"/>
-        </a:effectRef>
-        <a:fontRef idx="minor"/>
-      </dsp:style>
-    </dsp:sp>
-    <dsp:sp modelId="{AF08347A-727C-486E-BA5B-6C1AE0F9352E}">
-      <dsp:nvSpPr>
-        <dsp:cNvPr id="0" name=""/>
-        <dsp:cNvSpPr/>
-      </dsp:nvSpPr>
-      <dsp:spPr>
-        <a:xfrm>
-          <a:off x="1395968" y="3835983"/>
-          <a:ext cx="5096906" cy="301949"/>
-        </a:xfrm>
-        <a:prstGeom prst="rect">
-          <a:avLst/>
-        </a:prstGeom>
-        <a:noFill/>
-        <a:ln>
-          <a:noFill/>
-        </a:ln>
-        <a:effectLst/>
-      </dsp:spPr>
-      <dsp:style>
-        <a:lnRef idx="0">
-          <a:scrgbClr r="0" g="0" b="0"/>
-        </a:lnRef>
-        <a:fillRef idx="0">
-          <a:scrgbClr r="0" g="0" b="0"/>
-        </a:fillRef>
-        <a:effectRef idx="0">
-          <a:scrgbClr r="0" g="0" b="0"/>
-        </a:effectRef>
-        <a:fontRef idx="minor"/>
-      </dsp:style>
-      <dsp:txBody>
-        <a:bodyPr spcFirstLastPara="0" vert="horz" wrap="square" lIns="38100" tIns="38100" rIns="38100" bIns="38100" numCol="1" spcCol="1270" anchor="t" anchorCtr="0">
-          <a:noAutofit/>
-        </a:bodyPr>
-        <a:lstStyle/>
-        <a:p>
-          <a:pPr marL="0" lvl="0" indent="0" algn="l" defTabSz="444500">
-            <a:lnSpc>
-              <a:spcPct val="90000"/>
-            </a:lnSpc>
-            <a:spcBef>
-              <a:spcPct val="0"/>
-            </a:spcBef>
-            <a:spcAft>
-              <a:spcPct val="35000"/>
-            </a:spcAft>
-            <a:buNone/>
-          </a:pPr>
-          <a:r>
-            <a:rPr lang="en-GB" sz="1000" kern="1200"/>
-            <a:t>I was able to create my MySQL database and link it with my Java.</a:t>
-          </a:r>
-          <a:endParaRPr lang="en-US" sz="1000" kern="1200"/>
-        </a:p>
-      </dsp:txBody>
-      <dsp:txXfrm>
-        <a:off x="1395968" y="3835983"/>
-        <a:ext cx="5096906" cy="301949"/>
-      </dsp:txXfrm>
-    </dsp:sp>
-    <dsp:sp modelId="{4BB64DF8-A0E5-4A58-A9E7-0D673D9001FA}">
-      <dsp:nvSpPr>
-        <dsp:cNvPr id="0" name=""/>
-        <dsp:cNvSpPr/>
-      </dsp:nvSpPr>
-      <dsp:spPr>
-        <a:xfrm>
-          <a:off x="1298574" y="4137932"/>
-          <a:ext cx="5194300" cy="0"/>
-        </a:xfrm>
-        <a:prstGeom prst="line">
-          <a:avLst/>
-        </a:prstGeom>
-        <a:solidFill>
-          <a:schemeClr val="accent2">
-            <a:hueOff val="0"/>
-            <a:satOff val="0"/>
-            <a:lumOff val="0"/>
-            <a:alphaOff val="0"/>
-          </a:schemeClr>
-        </a:solidFill>
-        <a:ln w="15875" cap="rnd" cmpd="sng" algn="ctr">
-          <a:solidFill>
-            <a:schemeClr val="accent2">
-              <a:tint val="50000"/>
-              <a:hueOff val="0"/>
-              <a:satOff val="0"/>
-              <a:lumOff val="0"/>
-              <a:alphaOff val="0"/>
-            </a:schemeClr>
-          </a:solidFill>
-          <a:prstDash val="solid"/>
-        </a:ln>
-        <a:effectLst/>
-      </dsp:spPr>
-      <dsp:style>
-        <a:lnRef idx="2">
-          <a:scrgbClr r="0" g="0" b="0"/>
-        </a:lnRef>
-        <a:fillRef idx="1">
-          <a:scrgbClr r="0" g="0" b="0"/>
-        </a:fillRef>
-        <a:effectRef idx="0">
-          <a:scrgbClr r="0" g="0" b="0"/>
-        </a:effectRef>
-        <a:fontRef idx="minor"/>
-      </dsp:style>
-    </dsp:sp>
-    <dsp:sp modelId="{A01CA2B4-6DBF-46D0-868B-87E9F72CDBFA}">
-      <dsp:nvSpPr>
-        <dsp:cNvPr id="0" name=""/>
-        <dsp:cNvSpPr/>
-      </dsp:nvSpPr>
-      <dsp:spPr>
-        <a:xfrm>
-          <a:off x="1395968" y="4153029"/>
-          <a:ext cx="5096906" cy="301949"/>
-        </a:xfrm>
-        <a:prstGeom prst="rect">
-          <a:avLst/>
-        </a:prstGeom>
-        <a:noFill/>
-        <a:ln>
-          <a:noFill/>
-        </a:ln>
-        <a:effectLst/>
-      </dsp:spPr>
-      <dsp:style>
-        <a:lnRef idx="0">
-          <a:scrgbClr r="0" g="0" b="0"/>
-        </a:lnRef>
-        <a:fillRef idx="0">
-          <a:scrgbClr r="0" g="0" b="0"/>
-        </a:fillRef>
-        <a:effectRef idx="0">
-          <a:scrgbClr r="0" g="0" b="0"/>
-        </a:effectRef>
-        <a:fontRef idx="minor"/>
-      </dsp:style>
-      <dsp:txBody>
-        <a:bodyPr spcFirstLastPara="0" vert="horz" wrap="square" lIns="38100" tIns="38100" rIns="38100" bIns="38100" numCol="1" spcCol="1270" anchor="t" anchorCtr="0">
-          <a:noAutofit/>
-        </a:bodyPr>
-        <a:lstStyle/>
-        <a:p>
-          <a:pPr marL="0" lvl="0" indent="0" algn="l" defTabSz="444500">
-            <a:lnSpc>
-              <a:spcPct val="90000"/>
-            </a:lnSpc>
-            <a:spcBef>
-              <a:spcPct val="0"/>
-            </a:spcBef>
-            <a:spcAft>
-              <a:spcPct val="35000"/>
-            </a:spcAft>
-            <a:buNone/>
-          </a:pPr>
-          <a:r>
-            <a:rPr lang="en-GB" sz="1000" kern="1200"/>
-            <a:t>I was able to integrate my version onto GitHub using main dev and multiple branches.</a:t>
-          </a:r>
-          <a:endParaRPr lang="en-US" sz="1000" kern="1200"/>
-        </a:p>
-      </dsp:txBody>
-      <dsp:txXfrm>
-        <a:off x="1395968" y="4153029"/>
-        <a:ext cx="5096906" cy="301949"/>
-      </dsp:txXfrm>
-    </dsp:sp>
-    <dsp:sp modelId="{7653BA37-5B89-4B02-927B-C669BBA9FD46}">
-      <dsp:nvSpPr>
-        <dsp:cNvPr id="0" name=""/>
-        <dsp:cNvSpPr/>
-      </dsp:nvSpPr>
-      <dsp:spPr>
-        <a:xfrm>
-          <a:off x="1298574" y="4454978"/>
-          <a:ext cx="5194300" cy="0"/>
-        </a:xfrm>
-        <a:prstGeom prst="line">
-          <a:avLst/>
-        </a:prstGeom>
-        <a:solidFill>
-          <a:schemeClr val="accent2">
-            <a:hueOff val="0"/>
-            <a:satOff val="0"/>
-            <a:lumOff val="0"/>
-            <a:alphaOff val="0"/>
-          </a:schemeClr>
-        </a:solidFill>
-        <a:ln w="15875" cap="rnd" cmpd="sng" algn="ctr">
-          <a:solidFill>
-            <a:schemeClr val="accent2">
-              <a:tint val="50000"/>
-              <a:hueOff val="0"/>
-              <a:satOff val="0"/>
-              <a:lumOff val="0"/>
-              <a:alphaOff val="0"/>
-            </a:schemeClr>
-          </a:solidFill>
-          <a:prstDash val="solid"/>
-        </a:ln>
-        <a:effectLst/>
-      </dsp:spPr>
-      <dsp:style>
-        <a:lnRef idx="2">
-          <a:scrgbClr r="0" g="0" b="0"/>
-        </a:lnRef>
-        <a:fillRef idx="1">
-          <a:scrgbClr r="0" g="0" b="0"/>
-        </a:fillRef>
-        <a:effectRef idx="0">
-          <a:scrgbClr r="0" g="0" b="0"/>
-        </a:effectRef>
-        <a:fontRef idx="minor"/>
-      </dsp:style>
-    </dsp:sp>
-    <dsp:sp modelId="{3E8BD474-6F2B-4B61-A4F7-4A2B383D4A0D}">
-      <dsp:nvSpPr>
-        <dsp:cNvPr id="0" name=""/>
-        <dsp:cNvSpPr/>
-      </dsp:nvSpPr>
-      <dsp:spPr>
-        <a:xfrm>
-          <a:off x="1395968" y="4470076"/>
-          <a:ext cx="5096906" cy="301949"/>
-        </a:xfrm>
-        <a:prstGeom prst="rect">
-          <a:avLst/>
-        </a:prstGeom>
-        <a:noFill/>
-        <a:ln>
-          <a:noFill/>
-        </a:ln>
-        <a:effectLst/>
-      </dsp:spPr>
-      <dsp:style>
-        <a:lnRef idx="0">
-          <a:scrgbClr r="0" g="0" b="0"/>
-        </a:lnRef>
-        <a:fillRef idx="0">
-          <a:scrgbClr r="0" g="0" b="0"/>
-        </a:fillRef>
-        <a:effectRef idx="0">
-          <a:scrgbClr r="0" g="0" b="0"/>
-        </a:effectRef>
-        <a:fontRef idx="minor"/>
-      </dsp:style>
-      <dsp:txBody>
-        <a:bodyPr spcFirstLastPara="0" vert="horz" wrap="square" lIns="38100" tIns="38100" rIns="38100" bIns="38100" numCol="1" spcCol="1270" anchor="t" anchorCtr="0">
-          <a:noAutofit/>
-        </a:bodyPr>
-        <a:lstStyle/>
-        <a:p>
-          <a:pPr marL="0" lvl="0" indent="0" algn="l" defTabSz="444500">
-            <a:lnSpc>
-              <a:spcPct val="90000"/>
-            </a:lnSpc>
-            <a:spcBef>
-              <a:spcPct val="0"/>
-            </a:spcBef>
-            <a:spcAft>
-              <a:spcPct val="35000"/>
-            </a:spcAft>
-            <a:buNone/>
-          </a:pPr>
-          <a:r>
-            <a:rPr lang="en-GB" sz="1000" kern="1200"/>
-            <a:t>I was able to make a basic Kanban board with user stories </a:t>
-          </a:r>
-          <a:endParaRPr lang="en-US" sz="1000" kern="1200"/>
-        </a:p>
-      </dsp:txBody>
-      <dsp:txXfrm>
-        <a:off x="1395968" y="4470076"/>
-        <a:ext cx="5096906" cy="301949"/>
-      </dsp:txXfrm>
-    </dsp:sp>
-    <dsp:sp modelId="{6163D17B-29CB-44E2-B9AC-308031240ABE}">
-      <dsp:nvSpPr>
-        <dsp:cNvPr id="0" name=""/>
-        <dsp:cNvSpPr/>
-      </dsp:nvSpPr>
-      <dsp:spPr>
-        <a:xfrm>
-          <a:off x="1298574" y="4772025"/>
-          <a:ext cx="5194300" cy="0"/>
-        </a:xfrm>
-        <a:prstGeom prst="line">
-          <a:avLst/>
-        </a:prstGeom>
-        <a:solidFill>
-          <a:schemeClr val="accent2">
-            <a:hueOff val="0"/>
-            <a:satOff val="0"/>
-            <a:lumOff val="0"/>
-            <a:alphaOff val="0"/>
-          </a:schemeClr>
-        </a:solidFill>
-        <a:ln w="15875" cap="rnd" cmpd="sng" algn="ctr">
-          <a:solidFill>
-            <a:schemeClr val="accent2">
-              <a:tint val="50000"/>
-              <a:hueOff val="0"/>
-              <a:satOff val="0"/>
-              <a:lumOff val="0"/>
-              <a:alphaOff val="0"/>
-            </a:schemeClr>
-          </a:solidFill>
-          <a:prstDash val="solid"/>
-        </a:ln>
-        <a:effectLst/>
-      </dsp:spPr>
-      <dsp:style>
-        <a:lnRef idx="2">
-          <a:scrgbClr r="0" g="0" b="0"/>
-        </a:lnRef>
-        <a:fillRef idx="1">
-          <a:scrgbClr r="0" g="0" b="0"/>
-        </a:fillRef>
-        <a:effectRef idx="0">
-          <a:scrgbClr r="0" g="0" b="0"/>
-        </a:effectRef>
-        <a:fontRef idx="minor"/>
-      </dsp:style>
-    </dsp:sp>
-    <dsp:sp modelId="{3F982B5F-98C6-41D8-86E7-C2EE8DD0E501}">
-      <dsp:nvSpPr>
-        <dsp:cNvPr id="0" name=""/>
-        <dsp:cNvSpPr/>
-      </dsp:nvSpPr>
-      <dsp:spPr>
-        <a:xfrm>
-          <a:off x="1395968" y="4787122"/>
-          <a:ext cx="5096906" cy="301949"/>
-        </a:xfrm>
-        <a:prstGeom prst="rect">
-          <a:avLst/>
-        </a:prstGeom>
-        <a:noFill/>
-        <a:ln>
-          <a:noFill/>
-        </a:ln>
-        <a:effectLst/>
-      </dsp:spPr>
-      <dsp:style>
-        <a:lnRef idx="0">
-          <a:scrgbClr r="0" g="0" b="0"/>
-        </a:lnRef>
-        <a:fillRef idx="0">
-          <a:scrgbClr r="0" g="0" b="0"/>
-        </a:fillRef>
-        <a:effectRef idx="0">
-          <a:scrgbClr r="0" g="0" b="0"/>
-        </a:effectRef>
-        <a:fontRef idx="minor"/>
-      </dsp:style>
-      <dsp:txBody>
-        <a:bodyPr spcFirstLastPara="0" vert="horz" wrap="square" lIns="38100" tIns="38100" rIns="38100" bIns="38100" numCol="1" spcCol="1270" anchor="t" anchorCtr="0">
-          <a:noAutofit/>
-        </a:bodyPr>
-        <a:lstStyle/>
-        <a:p>
-          <a:pPr marL="0" lvl="0" indent="0" algn="l" defTabSz="444500">
-            <a:lnSpc>
-              <a:spcPct val="90000"/>
-            </a:lnSpc>
-            <a:spcBef>
-              <a:spcPct val="0"/>
-            </a:spcBef>
-            <a:spcAft>
-              <a:spcPct val="35000"/>
-            </a:spcAft>
-            <a:buNone/>
-          </a:pPr>
-          <a:r>
-            <a:rPr lang="en-GB" sz="1000" kern="1200"/>
-            <a:t>I was able to create a risk assessment.</a:t>
-          </a:r>
-          <a:endParaRPr lang="en-US" sz="1000" kern="1200"/>
-        </a:p>
-      </dsp:txBody>
-      <dsp:txXfrm>
-        <a:off x="1395968" y="4787122"/>
-        <a:ext cx="5096906" cy="301949"/>
-      </dsp:txXfrm>
-    </dsp:sp>
-    <dsp:sp modelId="{2A6BDAE5-E902-49C0-8F8E-924074771BDB}">
-      <dsp:nvSpPr>
-        <dsp:cNvPr id="0" name=""/>
-        <dsp:cNvSpPr/>
-      </dsp:nvSpPr>
-      <dsp:spPr>
-        <a:xfrm>
-          <a:off x="1298574" y="5089071"/>
-          <a:ext cx="5194300" cy="0"/>
-        </a:xfrm>
-        <a:prstGeom prst="line">
-          <a:avLst/>
-        </a:prstGeom>
-        <a:solidFill>
-          <a:schemeClr val="accent2">
-            <a:hueOff val="0"/>
-            <a:satOff val="0"/>
-            <a:lumOff val="0"/>
-            <a:alphaOff val="0"/>
-          </a:schemeClr>
-        </a:solidFill>
-        <a:ln w="15875" cap="rnd" cmpd="sng" algn="ctr">
-          <a:solidFill>
-            <a:schemeClr val="accent2">
-              <a:tint val="50000"/>
-              <a:hueOff val="0"/>
-              <a:satOff val="0"/>
-              <a:lumOff val="0"/>
-              <a:alphaOff val="0"/>
-            </a:schemeClr>
-          </a:solidFill>
-          <a:prstDash val="solid"/>
-        </a:ln>
-        <a:effectLst/>
-      </dsp:spPr>
-      <dsp:style>
-        <a:lnRef idx="2">
-          <a:scrgbClr r="0" g="0" b="0"/>
-        </a:lnRef>
-        <a:fillRef idx="1">
-          <a:scrgbClr r="0" g="0" b="0"/>
-        </a:fillRef>
-        <a:effectRef idx="0">
-          <a:scrgbClr r="0" g="0" b="0"/>
-        </a:effectRef>
-        <a:fontRef idx="minor"/>
-      </dsp:style>
     </dsp:sp>
   </dsp:spTree>
 </dsp:drawing>
@@ -6123,196 +2996,6 @@
 </file>
 
 <file path=ppt/diagrams/layout2.xml><?xml version="1.0" encoding="utf-8"?>
-<dgm:layoutDef xmlns:dgm="http://schemas.openxmlformats.org/drawingml/2006/diagram" xmlns:a="http://schemas.openxmlformats.org/drawingml/2006/main" uniqueId="urn:microsoft.com/office/officeart/2018/2/layout/IconLabelList">
-  <dgm:title val="Icon Label List"/>
-  <dgm:desc val="Use to show non-sequential or grouped chunks of information accompanied by a related visuals. Works best with icons or small pictures with short text captions."/>
-  <dgm:catLst>
-    <dgm:cat type="icon" pri="500"/>
-  </dgm:catLst>
-  <dgm:sampData useDef="1">
-    <dgm:dataModel>
-      <dgm:ptLst/>
-      <dgm:bg/>
-      <dgm:whole/>
-    </dgm:dataModel>
-  </dgm:sampData>
-  <dgm:styleData useDef="1">
-    <dgm:dataModel>
-      <dgm:ptLst/>
-      <dgm:bg/>
-      <dgm:whole/>
-    </dgm:dataModel>
-  </dgm:styleData>
-  <dgm:clrData useDef="1">
-    <dgm:dataModel>
-      <dgm:ptLst/>
-      <dgm:bg/>
-      <dgm:whole/>
-    </dgm:dataModel>
-  </dgm:clrData>
-  <dgm:layoutNode name="root">
-    <dgm:varLst>
-      <dgm:dir/>
-      <dgm:resizeHandles val="exact"/>
-    </dgm:varLst>
-    <dgm:choose name="Name0">
-      <dgm:if name="Name1" axis="self" func="var" arg="dir" op="equ" val="norm">
-        <dgm:alg type="snake">
-          <dgm:param type="grDir" val="tL"/>
-          <dgm:param type="flowDir" val="row"/>
-          <dgm:param type="contDir" val="sameDir"/>
-          <dgm:param type="off" val="ctr"/>
-          <dgm:param type="vertAlign" val="mid"/>
-          <dgm:param type="horzAlign" val="ctr"/>
-        </dgm:alg>
-      </dgm:if>
-      <dgm:else name="Name2">
-        <dgm:alg type="snake">
-          <dgm:param type="grDir" val="tR"/>
-          <dgm:param type="flowDir" val="row"/>
-          <dgm:param type="contDir" val="sameDir"/>
-          <dgm:param type="off" val="ctr"/>
-          <dgm:param type="vertAlign" val="mid"/>
-          <dgm:param type="horzAlign" val="ctr"/>
-        </dgm:alg>
-      </dgm:else>
-    </dgm:choose>
-    <dgm:shape xmlns:r="http://schemas.openxmlformats.org/officeDocument/2006/relationships" r:blip="">
-      <dgm:adjLst/>
-    </dgm:shape>
-    <dgm:presOf/>
-    <dgm:choose name="Name3">
-      <dgm:if name="Name4" axis="ch" ptType="node" func="cnt" op="lte" val="2">
-        <dgm:constrLst>
-          <dgm:constr type="h" for="ch" forName="compNode" refType="h" fact="0.4"/>
-          <dgm:constr type="w" for="ch" forName="compNode" val="120"/>
-          <dgm:constr type="w" for="ch" forName="sibTrans" refType="w" refFor="ch" refForName="compNode" fact="0.175"/>
-          <dgm:constr type="sp" refType="w" refFor="ch" refForName="compNode" op="equ" fact="0.25"/>
-          <dgm:constr type="primFontSz" for="des" ptType="node" op="equ" val="50"/>
-          <dgm:constr type="h" for="des" forName="compNode" op="equ"/>
-          <dgm:constr type="h" for="des" forName="textRect" op="equ"/>
-        </dgm:constrLst>
-      </dgm:if>
-      <dgm:if name="Name5" axis="ch" ptType="node" func="cnt" op="lte" val="4">
-        <dgm:constrLst>
-          <dgm:constr type="h" for="ch" forName="compNode" refType="h" fact="0.4"/>
-          <dgm:constr type="w" for="ch" forName="compNode" refType="w"/>
-          <dgm:constr type="w" for="ch" forName="sibTrans" refType="w" refFor="ch" refForName="compNode" fact="0.175"/>
-          <dgm:constr type="sp" refType="w" refFor="ch" refForName="compNode" op="equ" fact="0.25"/>
-          <dgm:constr type="primFontSz" for="des" ptType="node" op="equ" val="36"/>
-          <dgm:constr type="h" for="des" forName="compNode" op="equ"/>
-          <dgm:constr type="h" for="des" forName="textRect" op="equ"/>
-        </dgm:constrLst>
-      </dgm:if>
-      <dgm:else name="Name6">
-        <dgm:constrLst>
-          <dgm:constr type="h" for="ch" forName="compNode" refType="h" fact="0.4"/>
-          <dgm:constr type="w" for="ch" forName="compNode" refType="w"/>
-          <dgm:constr type="w" for="ch" forName="sibTrans" refType="w" refFor="ch" refForName="compNode" fact="0.175"/>
-          <dgm:constr type="sp" refType="w" refFor="ch" refForName="compNode" op="equ" fact="0.25"/>
-          <dgm:constr type="primFontSz" for="des" ptType="node" op="equ" val="24"/>
-          <dgm:constr type="h" for="des" forName="compNode" op="equ"/>
-          <dgm:constr type="h" for="des" forName="textRect" op="equ"/>
-        </dgm:constrLst>
-      </dgm:else>
-    </dgm:choose>
-    <dgm:ruleLst>
-      <dgm:rule type="w" for="ch" forName="compNode" val="50" fact="NaN" max="NaN"/>
-    </dgm:ruleLst>
-    <dgm:forEach name="Name7" axis="ch" ptType="node">
-      <dgm:layoutNode name="compNode">
-        <dgm:alg type="composite"/>
-        <dgm:shape xmlns:r="http://schemas.openxmlformats.org/officeDocument/2006/relationships" r:blip="">
-          <dgm:adjLst/>
-        </dgm:shape>
-        <dgm:presOf axis="self"/>
-        <dgm:constrLst>
-          <dgm:constr type="w" for="ch" forName="iconRect" refType="w" fact="0.45"/>
-          <dgm:constr type="h" for="ch" forName="iconRect" refType="w" refFor="ch" refForName="iconRect"/>
-          <dgm:constr type="ctrX" for="ch" forName="iconRect" refType="w" fact="0.5"/>
-          <dgm:constr type="t" for="ch" forName="iconRect"/>
-          <dgm:constr type="h" for="ch" forName="spaceRect" refType="h" fact="0.15"/>
-          <dgm:constr type="w" for="ch" forName="spaceRect" refType="w"/>
-          <dgm:constr type="l" for="ch" forName="spaceRect"/>
-          <dgm:constr type="t" for="ch" forName="spaceRect" refType="b" refFor="ch" refForName="iconRect"/>
-          <dgm:constr type="h" for="ch" forName="textRect" val="20"/>
-          <dgm:constr type="w" for="ch" forName="textRect" refType="w"/>
-          <dgm:constr type="l" for="ch" forName="textRect"/>
-          <dgm:constr type="t" for="ch" forName="textRect" refType="b" refFor="ch" refForName="spaceRect"/>
-        </dgm:constrLst>
-        <dgm:ruleLst>
-          <dgm:rule type="h" val="INF" fact="NaN" max="NaN"/>
-        </dgm:ruleLst>
-        <dgm:layoutNode name="iconRect" styleLbl="node1">
-          <dgm:alg type="sp"/>
-          <dgm:shape xmlns:r="http://schemas.openxmlformats.org/officeDocument/2006/relationships" type="rect" r:blip="" blipPhldr="1">
-            <dgm:adjLst/>
-          </dgm:shape>
-          <dgm:presOf/>
-          <dgm:constrLst/>
-          <dgm:ruleLst/>
-        </dgm:layoutNode>
-        <dgm:layoutNode name="spaceRect">
-          <dgm:alg type="sp"/>
-          <dgm:shape xmlns:r="http://schemas.openxmlformats.org/officeDocument/2006/relationships" r:blip="">
-            <dgm:adjLst/>
-          </dgm:shape>
-          <dgm:presOf/>
-          <dgm:constrLst/>
-          <dgm:ruleLst/>
-        </dgm:layoutNode>
-        <dgm:layoutNode name="textRect" styleLbl="revTx">
-          <dgm:varLst>
-            <dgm:chMax val="1"/>
-            <dgm:chPref val="1"/>
-          </dgm:varLst>
-          <dgm:alg type="tx">
-            <dgm:param type="txAnchorVert" val="t"/>
-          </dgm:alg>
-          <dgm:shape xmlns:r="http://schemas.openxmlformats.org/officeDocument/2006/relationships" type="rect" r:blip="">
-            <dgm:adjLst/>
-          </dgm:shape>
-          <dgm:presOf axis="self" ptType="node"/>
-          <dgm:constrLst>
-            <dgm:constr type="lMarg"/>
-            <dgm:constr type="rMarg"/>
-            <dgm:constr type="tMarg"/>
-            <dgm:constr type="bMarg"/>
-          </dgm:constrLst>
-          <dgm:ruleLst>
-            <dgm:rule type="primFontSz" val="11" fact="NaN" max="NaN"/>
-            <dgm:rule type="h" val="INF" fact="NaN" max="NaN"/>
-          </dgm:ruleLst>
-        </dgm:layoutNode>
-      </dgm:layoutNode>
-      <dgm:forEach name="Name8" axis="followSib" ptType="sibTrans" cnt="1">
-        <dgm:layoutNode name="sibTrans">
-          <dgm:alg type="sp"/>
-          <dgm:shape xmlns:r="http://schemas.openxmlformats.org/officeDocument/2006/relationships" r:blip="">
-            <dgm:adjLst/>
-          </dgm:shape>
-          <dgm:presOf axis="self"/>
-          <dgm:constrLst/>
-          <dgm:ruleLst/>
-        </dgm:layoutNode>
-      </dgm:forEach>
-    </dgm:forEach>
-  </dgm:layoutNode>
-  <dgm:extLst>
-    <a:ext uri="{68A01E43-0DF5-4B5B-8FA6-DAF915123BFB}">
-      <dgm1612:lstStyle xmlns:dgm1612="http://schemas.microsoft.com/office/drawing/2016/12/diagram">
-        <a:lvl1pPr>
-          <a:lnSpc>
-            <a:spcPct val="100000"/>
-          </a:lnSpc>
-        </a:lvl1pPr>
-      </dgm1612:lstStyle>
-    </a:ext>
-  </dgm:extLst>
-</dgm:layoutDef>
-</file>
-
-<file path=ppt/diagrams/layout3.xml><?xml version="1.0" encoding="utf-8"?>
 <dgm:layoutDef xmlns:dgm="http://schemas.openxmlformats.org/drawingml/2006/diagram" xmlns:a="http://schemas.openxmlformats.org/drawingml/2006/main" uniqueId="urn:microsoft.com/office/officeart/2008/layout/LinedList">
   <dgm:title val=""/>
   <dgm:desc val=""/>
@@ -8846,1040 +5529,6 @@
 </dgm:styleDef>
 </file>
 
-<file path=ppt/diagrams/quickStyle3.xml><?xml version="1.0" encoding="utf-8"?>
-<dgm:styleDef xmlns:dgm="http://schemas.openxmlformats.org/drawingml/2006/diagram" xmlns:a="http://schemas.openxmlformats.org/drawingml/2006/main" uniqueId="urn:microsoft.com/office/officeart/2005/8/quickstyle/simple1">
-  <dgm:title val=""/>
-  <dgm:desc val=""/>
-  <dgm:catLst>
-    <dgm:cat type="simple" pri="10100"/>
-  </dgm:catLst>
-  <dgm:scene3d>
-    <a:camera prst="orthographicFront"/>
-    <a:lightRig rig="threePt" dir="t"/>
-  </dgm:scene3d>
-  <dgm:styleLbl name="node0">
-    <dgm:scene3d>
-      <a:camera prst="orthographicFront"/>
-      <a:lightRig rig="threePt" dir="t"/>
-    </dgm:scene3d>
-    <dgm:sp3d/>
-    <dgm:txPr/>
-    <dgm:style>
-      <a:lnRef idx="2">
-        <a:scrgbClr r="0" g="0" b="0"/>
-      </a:lnRef>
-      <a:fillRef idx="1">
-        <a:scrgbClr r="0" g="0" b="0"/>
-      </a:fillRef>
-      <a:effectRef idx="0">
-        <a:scrgbClr r="0" g="0" b="0"/>
-      </a:effectRef>
-      <a:fontRef idx="minor">
-        <a:schemeClr val="lt1"/>
-      </a:fontRef>
-    </dgm:style>
-  </dgm:styleLbl>
-  <dgm:styleLbl name="lnNode1">
-    <dgm:scene3d>
-      <a:camera prst="orthographicFront"/>
-      <a:lightRig rig="threePt" dir="t"/>
-    </dgm:scene3d>
-    <dgm:sp3d/>
-    <dgm:txPr/>
-    <dgm:style>
-      <a:lnRef idx="2">
-        <a:scrgbClr r="0" g="0" b="0"/>
-      </a:lnRef>
-      <a:fillRef idx="1">
-        <a:scrgbClr r="0" g="0" b="0"/>
-      </a:fillRef>
-      <a:effectRef idx="0">
-        <a:scrgbClr r="0" g="0" b="0"/>
-      </a:effectRef>
-      <a:fontRef idx="minor">
-        <a:schemeClr val="lt1"/>
-      </a:fontRef>
-    </dgm:style>
-  </dgm:styleLbl>
-  <dgm:styleLbl name="vennNode1">
-    <dgm:scene3d>
-      <a:camera prst="orthographicFront"/>
-      <a:lightRig rig="threePt" dir="t"/>
-    </dgm:scene3d>
-    <dgm:sp3d/>
-    <dgm:txPr/>
-    <dgm:style>
-      <a:lnRef idx="2">
-        <a:scrgbClr r="0" g="0" b="0"/>
-      </a:lnRef>
-      <a:fillRef idx="1">
-        <a:scrgbClr r="0" g="0" b="0"/>
-      </a:fillRef>
-      <a:effectRef idx="0">
-        <a:scrgbClr r="0" g="0" b="0"/>
-      </a:effectRef>
-      <a:fontRef idx="minor">
-        <a:schemeClr val="tx1"/>
-      </a:fontRef>
-    </dgm:style>
-  </dgm:styleLbl>
-  <dgm:styleLbl name="alignNode1">
-    <dgm:scene3d>
-      <a:camera prst="orthographicFront"/>
-      <a:lightRig rig="threePt" dir="t"/>
-    </dgm:scene3d>
-    <dgm:sp3d/>
-    <dgm:txPr/>
-    <dgm:style>
-      <a:lnRef idx="2">
-        <a:scrgbClr r="0" g="0" b="0"/>
-      </a:lnRef>
-      <a:fillRef idx="1">
-        <a:scrgbClr r="0" g="0" b="0"/>
-      </a:fillRef>
-      <a:effectRef idx="0">
-        <a:scrgbClr r="0" g="0" b="0"/>
-      </a:effectRef>
-      <a:fontRef idx="minor">
-        <a:schemeClr val="lt1"/>
-      </a:fontRef>
-    </dgm:style>
-  </dgm:styleLbl>
-  <dgm:styleLbl name="node1">
-    <dgm:scene3d>
-      <a:camera prst="orthographicFront"/>
-      <a:lightRig rig="threePt" dir="t"/>
-    </dgm:scene3d>
-    <dgm:sp3d/>
-    <dgm:txPr/>
-    <dgm:style>
-      <a:lnRef idx="2">
-        <a:scrgbClr r="0" g="0" b="0"/>
-      </a:lnRef>
-      <a:fillRef idx="1">
-        <a:scrgbClr r="0" g="0" b="0"/>
-      </a:fillRef>
-      <a:effectRef idx="0">
-        <a:scrgbClr r="0" g="0" b="0"/>
-      </a:effectRef>
-      <a:fontRef idx="minor">
-        <a:schemeClr val="lt1"/>
-      </a:fontRef>
-    </dgm:style>
-  </dgm:styleLbl>
-  <dgm:styleLbl name="node2">
-    <dgm:scene3d>
-      <a:camera prst="orthographicFront"/>
-      <a:lightRig rig="threePt" dir="t"/>
-    </dgm:scene3d>
-    <dgm:sp3d/>
-    <dgm:txPr/>
-    <dgm:style>
-      <a:lnRef idx="2">
-        <a:scrgbClr r="0" g="0" b="0"/>
-      </a:lnRef>
-      <a:fillRef idx="1">
-        <a:scrgbClr r="0" g="0" b="0"/>
-      </a:fillRef>
-      <a:effectRef idx="0">
-        <a:scrgbClr r="0" g="0" b="0"/>
-      </a:effectRef>
-      <a:fontRef idx="minor">
-        <a:schemeClr val="lt1"/>
-      </a:fontRef>
-    </dgm:style>
-  </dgm:styleLbl>
-  <dgm:styleLbl name="node3">
-    <dgm:scene3d>
-      <a:camera prst="orthographicFront"/>
-      <a:lightRig rig="threePt" dir="t"/>
-    </dgm:scene3d>
-    <dgm:sp3d/>
-    <dgm:txPr/>
-    <dgm:style>
-      <a:lnRef idx="2">
-        <a:scrgbClr r="0" g="0" b="0"/>
-      </a:lnRef>
-      <a:fillRef idx="1">
-        <a:scrgbClr r="0" g="0" b="0"/>
-      </a:fillRef>
-      <a:effectRef idx="0">
-        <a:scrgbClr r="0" g="0" b="0"/>
-      </a:effectRef>
-      <a:fontRef idx="minor">
-        <a:schemeClr val="lt1"/>
-      </a:fontRef>
-    </dgm:style>
-  </dgm:styleLbl>
-  <dgm:styleLbl name="node4">
-    <dgm:scene3d>
-      <a:camera prst="orthographicFront"/>
-      <a:lightRig rig="threePt" dir="t"/>
-    </dgm:scene3d>
-    <dgm:sp3d/>
-    <dgm:txPr/>
-    <dgm:style>
-      <a:lnRef idx="2">
-        <a:scrgbClr r="0" g="0" b="0"/>
-      </a:lnRef>
-      <a:fillRef idx="1">
-        <a:scrgbClr r="0" g="0" b="0"/>
-      </a:fillRef>
-      <a:effectRef idx="0">
-        <a:scrgbClr r="0" g="0" b="0"/>
-      </a:effectRef>
-      <a:fontRef idx="minor">
-        <a:schemeClr val="lt1"/>
-      </a:fontRef>
-    </dgm:style>
-  </dgm:styleLbl>
-  <dgm:styleLbl name="fgImgPlace1">
-    <dgm:scene3d>
-      <a:camera prst="orthographicFront"/>
-      <a:lightRig rig="threePt" dir="t"/>
-    </dgm:scene3d>
-    <dgm:sp3d/>
-    <dgm:txPr/>
-    <dgm:style>
-      <a:lnRef idx="2">
-        <a:scrgbClr r="0" g="0" b="0"/>
-      </a:lnRef>
-      <a:fillRef idx="1">
-        <a:scrgbClr r="0" g="0" b="0"/>
-      </a:fillRef>
-      <a:effectRef idx="0">
-        <a:scrgbClr r="0" g="0" b="0"/>
-      </a:effectRef>
-      <a:fontRef idx="minor"/>
-    </dgm:style>
-  </dgm:styleLbl>
-  <dgm:styleLbl name="alignImgPlace1">
-    <dgm:scene3d>
-      <a:camera prst="orthographicFront"/>
-      <a:lightRig rig="threePt" dir="t"/>
-    </dgm:scene3d>
-    <dgm:sp3d/>
-    <dgm:txPr/>
-    <dgm:style>
-      <a:lnRef idx="2">
-        <a:scrgbClr r="0" g="0" b="0"/>
-      </a:lnRef>
-      <a:fillRef idx="1">
-        <a:scrgbClr r="0" g="0" b="0"/>
-      </a:fillRef>
-      <a:effectRef idx="0">
-        <a:scrgbClr r="0" g="0" b="0"/>
-      </a:effectRef>
-      <a:fontRef idx="minor"/>
-    </dgm:style>
-  </dgm:styleLbl>
-  <dgm:styleLbl name="bgImgPlace1">
-    <dgm:scene3d>
-      <a:camera prst="orthographicFront"/>
-      <a:lightRig rig="threePt" dir="t"/>
-    </dgm:scene3d>
-    <dgm:sp3d/>
-    <dgm:txPr/>
-    <dgm:style>
-      <a:lnRef idx="2">
-        <a:scrgbClr r="0" g="0" b="0"/>
-      </a:lnRef>
-      <a:fillRef idx="1">
-        <a:scrgbClr r="0" g="0" b="0"/>
-      </a:fillRef>
-      <a:effectRef idx="0">
-        <a:scrgbClr r="0" g="0" b="0"/>
-      </a:effectRef>
-      <a:fontRef idx="minor"/>
-    </dgm:style>
-  </dgm:styleLbl>
-  <dgm:styleLbl name="sibTrans2D1">
-    <dgm:scene3d>
-      <a:camera prst="orthographicFront"/>
-      <a:lightRig rig="threePt" dir="t"/>
-    </dgm:scene3d>
-    <dgm:sp3d/>
-    <dgm:txPr/>
-    <dgm:style>
-      <a:lnRef idx="0">
-        <a:scrgbClr r="0" g="0" b="0"/>
-      </a:lnRef>
-      <a:fillRef idx="1">
-        <a:scrgbClr r="0" g="0" b="0"/>
-      </a:fillRef>
-      <a:effectRef idx="0">
-        <a:scrgbClr r="0" g="0" b="0"/>
-      </a:effectRef>
-      <a:fontRef idx="minor">
-        <a:schemeClr val="lt1"/>
-      </a:fontRef>
-    </dgm:style>
-  </dgm:styleLbl>
-  <dgm:styleLbl name="fgSibTrans2D1">
-    <dgm:scene3d>
-      <a:camera prst="orthographicFront"/>
-      <a:lightRig rig="threePt" dir="t"/>
-    </dgm:scene3d>
-    <dgm:sp3d/>
-    <dgm:txPr/>
-    <dgm:style>
-      <a:lnRef idx="0">
-        <a:scrgbClr r="0" g="0" b="0"/>
-      </a:lnRef>
-      <a:fillRef idx="1">
-        <a:scrgbClr r="0" g="0" b="0"/>
-      </a:fillRef>
-      <a:effectRef idx="0">
-        <a:scrgbClr r="0" g="0" b="0"/>
-      </a:effectRef>
-      <a:fontRef idx="minor">
-        <a:schemeClr val="lt1"/>
-      </a:fontRef>
-    </dgm:style>
-  </dgm:styleLbl>
-  <dgm:styleLbl name="bgSibTrans2D1">
-    <dgm:scene3d>
-      <a:camera prst="orthographicFront"/>
-      <a:lightRig rig="threePt" dir="t"/>
-    </dgm:scene3d>
-    <dgm:sp3d/>
-    <dgm:txPr/>
-    <dgm:style>
-      <a:lnRef idx="0">
-        <a:scrgbClr r="0" g="0" b="0"/>
-      </a:lnRef>
-      <a:fillRef idx="1">
-        <a:scrgbClr r="0" g="0" b="0"/>
-      </a:fillRef>
-      <a:effectRef idx="0">
-        <a:scrgbClr r="0" g="0" b="0"/>
-      </a:effectRef>
-      <a:fontRef idx="minor">
-        <a:schemeClr val="lt1"/>
-      </a:fontRef>
-    </dgm:style>
-  </dgm:styleLbl>
-  <dgm:styleLbl name="sibTrans1D1">
-    <dgm:scene3d>
-      <a:camera prst="orthographicFront"/>
-      <a:lightRig rig="threePt" dir="t"/>
-    </dgm:scene3d>
-    <dgm:sp3d/>
-    <dgm:txPr/>
-    <dgm:style>
-      <a:lnRef idx="1">
-        <a:scrgbClr r="0" g="0" b="0"/>
-      </a:lnRef>
-      <a:fillRef idx="0">
-        <a:scrgbClr r="0" g="0" b="0"/>
-      </a:fillRef>
-      <a:effectRef idx="0">
-        <a:scrgbClr r="0" g="0" b="0"/>
-      </a:effectRef>
-      <a:fontRef idx="minor"/>
-    </dgm:style>
-  </dgm:styleLbl>
-  <dgm:styleLbl name="callout">
-    <dgm:scene3d>
-      <a:camera prst="orthographicFront"/>
-      <a:lightRig rig="threePt" dir="t"/>
-    </dgm:scene3d>
-    <dgm:sp3d/>
-    <dgm:txPr/>
-    <dgm:style>
-      <a:lnRef idx="2">
-        <a:scrgbClr r="0" g="0" b="0"/>
-      </a:lnRef>
-      <a:fillRef idx="1">
-        <a:scrgbClr r="0" g="0" b="0"/>
-      </a:fillRef>
-      <a:effectRef idx="0">
-        <a:scrgbClr r="0" g="0" b="0"/>
-      </a:effectRef>
-      <a:fontRef idx="minor"/>
-    </dgm:style>
-  </dgm:styleLbl>
-  <dgm:styleLbl name="asst0">
-    <dgm:scene3d>
-      <a:camera prst="orthographicFront"/>
-      <a:lightRig rig="threePt" dir="t"/>
-    </dgm:scene3d>
-    <dgm:sp3d/>
-    <dgm:txPr/>
-    <dgm:style>
-      <a:lnRef idx="2">
-        <a:scrgbClr r="0" g="0" b="0"/>
-      </a:lnRef>
-      <a:fillRef idx="1">
-        <a:scrgbClr r="0" g="0" b="0"/>
-      </a:fillRef>
-      <a:effectRef idx="0">
-        <a:scrgbClr r="0" g="0" b="0"/>
-      </a:effectRef>
-      <a:fontRef idx="minor">
-        <a:schemeClr val="lt1"/>
-      </a:fontRef>
-    </dgm:style>
-  </dgm:styleLbl>
-  <dgm:styleLbl name="asst1">
-    <dgm:scene3d>
-      <a:camera prst="orthographicFront"/>
-      <a:lightRig rig="threePt" dir="t"/>
-    </dgm:scene3d>
-    <dgm:sp3d/>
-    <dgm:txPr/>
-    <dgm:style>
-      <a:lnRef idx="2">
-        <a:scrgbClr r="0" g="0" b="0"/>
-      </a:lnRef>
-      <a:fillRef idx="1">
-        <a:scrgbClr r="0" g="0" b="0"/>
-      </a:fillRef>
-      <a:effectRef idx="0">
-        <a:scrgbClr r="0" g="0" b="0"/>
-      </a:effectRef>
-      <a:fontRef idx="minor">
-        <a:schemeClr val="lt1"/>
-      </a:fontRef>
-    </dgm:style>
-  </dgm:styleLbl>
-  <dgm:styleLbl name="asst2">
-    <dgm:scene3d>
-      <a:camera prst="orthographicFront"/>
-      <a:lightRig rig="threePt" dir="t"/>
-    </dgm:scene3d>
-    <dgm:sp3d/>
-    <dgm:txPr/>
-    <dgm:style>
-      <a:lnRef idx="2">
-        <a:scrgbClr r="0" g="0" b="0"/>
-      </a:lnRef>
-      <a:fillRef idx="1">
-        <a:scrgbClr r="0" g="0" b="0"/>
-      </a:fillRef>
-      <a:effectRef idx="0">
-        <a:scrgbClr r="0" g="0" b="0"/>
-      </a:effectRef>
-      <a:fontRef idx="minor">
-        <a:schemeClr val="lt1"/>
-      </a:fontRef>
-    </dgm:style>
-  </dgm:styleLbl>
-  <dgm:styleLbl name="asst3">
-    <dgm:scene3d>
-      <a:camera prst="orthographicFront"/>
-      <a:lightRig rig="threePt" dir="t"/>
-    </dgm:scene3d>
-    <dgm:sp3d/>
-    <dgm:txPr/>
-    <dgm:style>
-      <a:lnRef idx="2">
-        <a:scrgbClr r="0" g="0" b="0"/>
-      </a:lnRef>
-      <a:fillRef idx="1">
-        <a:scrgbClr r="0" g="0" b="0"/>
-      </a:fillRef>
-      <a:effectRef idx="0">
-        <a:scrgbClr r="0" g="0" b="0"/>
-      </a:effectRef>
-      <a:fontRef idx="minor">
-        <a:schemeClr val="lt1"/>
-      </a:fontRef>
-    </dgm:style>
-  </dgm:styleLbl>
-  <dgm:styleLbl name="asst4">
-    <dgm:scene3d>
-      <a:camera prst="orthographicFront"/>
-      <a:lightRig rig="threePt" dir="t"/>
-    </dgm:scene3d>
-    <dgm:sp3d/>
-    <dgm:txPr/>
-    <dgm:style>
-      <a:lnRef idx="2">
-        <a:scrgbClr r="0" g="0" b="0"/>
-      </a:lnRef>
-      <a:fillRef idx="1">
-        <a:scrgbClr r="0" g="0" b="0"/>
-      </a:fillRef>
-      <a:effectRef idx="0">
-        <a:scrgbClr r="0" g="0" b="0"/>
-      </a:effectRef>
-      <a:fontRef idx="minor">
-        <a:schemeClr val="lt1"/>
-      </a:fontRef>
-    </dgm:style>
-  </dgm:styleLbl>
-  <dgm:styleLbl name="parChTrans2D1">
-    <dgm:scene3d>
-      <a:camera prst="orthographicFront"/>
-      <a:lightRig rig="threePt" dir="t"/>
-    </dgm:scene3d>
-    <dgm:sp3d/>
-    <dgm:txPr/>
-    <dgm:style>
-      <a:lnRef idx="2">
-        <a:scrgbClr r="0" g="0" b="0"/>
-      </a:lnRef>
-      <a:fillRef idx="1">
-        <a:scrgbClr r="0" g="0" b="0"/>
-      </a:fillRef>
-      <a:effectRef idx="0">
-        <a:scrgbClr r="0" g="0" b="0"/>
-      </a:effectRef>
-      <a:fontRef idx="minor">
-        <a:schemeClr val="lt1"/>
-      </a:fontRef>
-    </dgm:style>
-  </dgm:styleLbl>
-  <dgm:styleLbl name="parChTrans2D2">
-    <dgm:scene3d>
-      <a:camera prst="orthographicFront"/>
-      <a:lightRig rig="threePt" dir="t"/>
-    </dgm:scene3d>
-    <dgm:sp3d/>
-    <dgm:txPr/>
-    <dgm:style>
-      <a:lnRef idx="2">
-        <a:scrgbClr r="0" g="0" b="0"/>
-      </a:lnRef>
-      <a:fillRef idx="1">
-        <a:scrgbClr r="0" g="0" b="0"/>
-      </a:fillRef>
-      <a:effectRef idx="0">
-        <a:scrgbClr r="0" g="0" b="0"/>
-      </a:effectRef>
-      <a:fontRef idx="minor">
-        <a:schemeClr val="lt1"/>
-      </a:fontRef>
-    </dgm:style>
-  </dgm:styleLbl>
-  <dgm:styleLbl name="parChTrans2D3">
-    <dgm:scene3d>
-      <a:camera prst="orthographicFront"/>
-      <a:lightRig rig="threePt" dir="t"/>
-    </dgm:scene3d>
-    <dgm:sp3d/>
-    <dgm:txPr/>
-    <dgm:style>
-      <a:lnRef idx="2">
-        <a:scrgbClr r="0" g="0" b="0"/>
-      </a:lnRef>
-      <a:fillRef idx="1">
-        <a:scrgbClr r="0" g="0" b="0"/>
-      </a:fillRef>
-      <a:effectRef idx="0">
-        <a:scrgbClr r="0" g="0" b="0"/>
-      </a:effectRef>
-      <a:fontRef idx="minor">
-        <a:schemeClr val="lt1"/>
-      </a:fontRef>
-    </dgm:style>
-  </dgm:styleLbl>
-  <dgm:styleLbl name="parChTrans2D4">
-    <dgm:scene3d>
-      <a:camera prst="orthographicFront"/>
-      <a:lightRig rig="threePt" dir="t"/>
-    </dgm:scene3d>
-    <dgm:sp3d/>
-    <dgm:txPr/>
-    <dgm:style>
-      <a:lnRef idx="2">
-        <a:scrgbClr r="0" g="0" b="0"/>
-      </a:lnRef>
-      <a:fillRef idx="1">
-        <a:scrgbClr r="0" g="0" b="0"/>
-      </a:fillRef>
-      <a:effectRef idx="0">
-        <a:scrgbClr r="0" g="0" b="0"/>
-      </a:effectRef>
-      <a:fontRef idx="minor">
-        <a:schemeClr val="lt1"/>
-      </a:fontRef>
-    </dgm:style>
-  </dgm:styleLbl>
-  <dgm:styleLbl name="parChTrans1D1">
-    <dgm:scene3d>
-      <a:camera prst="orthographicFront"/>
-      <a:lightRig rig="threePt" dir="t"/>
-    </dgm:scene3d>
-    <dgm:sp3d/>
-    <dgm:txPr/>
-    <dgm:style>
-      <a:lnRef idx="2">
-        <a:scrgbClr r="0" g="0" b="0"/>
-      </a:lnRef>
-      <a:fillRef idx="0">
-        <a:scrgbClr r="0" g="0" b="0"/>
-      </a:fillRef>
-      <a:effectRef idx="0">
-        <a:scrgbClr r="0" g="0" b="0"/>
-      </a:effectRef>
-      <a:fontRef idx="minor"/>
-    </dgm:style>
-  </dgm:styleLbl>
-  <dgm:styleLbl name="parChTrans1D2">
-    <dgm:scene3d>
-      <a:camera prst="orthographicFront"/>
-      <a:lightRig rig="threePt" dir="t"/>
-    </dgm:scene3d>
-    <dgm:sp3d/>
-    <dgm:txPr/>
-    <dgm:style>
-      <a:lnRef idx="2">
-        <a:scrgbClr r="0" g="0" b="0"/>
-      </a:lnRef>
-      <a:fillRef idx="0">
-        <a:scrgbClr r="0" g="0" b="0"/>
-      </a:fillRef>
-      <a:effectRef idx="0">
-        <a:scrgbClr r="0" g="0" b="0"/>
-      </a:effectRef>
-      <a:fontRef idx="minor"/>
-    </dgm:style>
-  </dgm:styleLbl>
-  <dgm:styleLbl name="parChTrans1D3">
-    <dgm:scene3d>
-      <a:camera prst="orthographicFront"/>
-      <a:lightRig rig="threePt" dir="t"/>
-    </dgm:scene3d>
-    <dgm:sp3d/>
-    <dgm:txPr/>
-    <dgm:style>
-      <a:lnRef idx="2">
-        <a:scrgbClr r="0" g="0" b="0"/>
-      </a:lnRef>
-      <a:fillRef idx="0">
-        <a:scrgbClr r="0" g="0" b="0"/>
-      </a:fillRef>
-      <a:effectRef idx="0">
-        <a:scrgbClr r="0" g="0" b="0"/>
-      </a:effectRef>
-      <a:fontRef idx="minor"/>
-    </dgm:style>
-  </dgm:styleLbl>
-  <dgm:styleLbl name="parChTrans1D4">
-    <dgm:scene3d>
-      <a:camera prst="orthographicFront"/>
-      <a:lightRig rig="threePt" dir="t"/>
-    </dgm:scene3d>
-    <dgm:sp3d/>
-    <dgm:txPr/>
-    <dgm:style>
-      <a:lnRef idx="2">
-        <a:scrgbClr r="0" g="0" b="0"/>
-      </a:lnRef>
-      <a:fillRef idx="0">
-        <a:scrgbClr r="0" g="0" b="0"/>
-      </a:fillRef>
-      <a:effectRef idx="0">
-        <a:scrgbClr r="0" g="0" b="0"/>
-      </a:effectRef>
-      <a:fontRef idx="minor"/>
-    </dgm:style>
-  </dgm:styleLbl>
-  <dgm:styleLbl name="fgAcc1">
-    <dgm:scene3d>
-      <a:camera prst="orthographicFront"/>
-      <a:lightRig rig="threePt" dir="t"/>
-    </dgm:scene3d>
-    <dgm:sp3d/>
-    <dgm:txPr/>
-    <dgm:style>
-      <a:lnRef idx="2">
-        <a:scrgbClr r="0" g="0" b="0"/>
-      </a:lnRef>
-      <a:fillRef idx="1">
-        <a:scrgbClr r="0" g="0" b="0"/>
-      </a:fillRef>
-      <a:effectRef idx="0">
-        <a:scrgbClr r="0" g="0" b="0"/>
-      </a:effectRef>
-      <a:fontRef idx="minor"/>
-    </dgm:style>
-  </dgm:styleLbl>
-  <dgm:styleLbl name="conFgAcc1">
-    <dgm:scene3d>
-      <a:camera prst="orthographicFront"/>
-      <a:lightRig rig="threePt" dir="t"/>
-    </dgm:scene3d>
-    <dgm:sp3d/>
-    <dgm:txPr/>
-    <dgm:style>
-      <a:lnRef idx="2">
-        <a:scrgbClr r="0" g="0" b="0"/>
-      </a:lnRef>
-      <a:fillRef idx="1">
-        <a:scrgbClr r="0" g="0" b="0"/>
-      </a:fillRef>
-      <a:effectRef idx="0">
-        <a:scrgbClr r="0" g="0" b="0"/>
-      </a:effectRef>
-      <a:fontRef idx="minor"/>
-    </dgm:style>
-  </dgm:styleLbl>
-  <dgm:styleLbl name="alignAcc1">
-    <dgm:scene3d>
-      <a:camera prst="orthographicFront"/>
-      <a:lightRig rig="threePt" dir="t"/>
-    </dgm:scene3d>
-    <dgm:sp3d/>
-    <dgm:txPr/>
-    <dgm:style>
-      <a:lnRef idx="2">
-        <a:scrgbClr r="0" g="0" b="0"/>
-      </a:lnRef>
-      <a:fillRef idx="1">
-        <a:scrgbClr r="0" g="0" b="0"/>
-      </a:fillRef>
-      <a:effectRef idx="0">
-        <a:scrgbClr r="0" g="0" b="0"/>
-      </a:effectRef>
-      <a:fontRef idx="minor"/>
-    </dgm:style>
-  </dgm:styleLbl>
-  <dgm:styleLbl name="trAlignAcc1">
-    <dgm:scene3d>
-      <a:camera prst="orthographicFront"/>
-      <a:lightRig rig="threePt" dir="t"/>
-    </dgm:scene3d>
-    <dgm:sp3d/>
-    <dgm:txPr/>
-    <dgm:style>
-      <a:lnRef idx="1">
-        <a:scrgbClr r="0" g="0" b="0"/>
-      </a:lnRef>
-      <a:fillRef idx="1">
-        <a:scrgbClr r="0" g="0" b="0"/>
-      </a:fillRef>
-      <a:effectRef idx="0">
-        <a:scrgbClr r="0" g="0" b="0"/>
-      </a:effectRef>
-      <a:fontRef idx="minor"/>
-    </dgm:style>
-  </dgm:styleLbl>
-  <dgm:styleLbl name="bgAcc1">
-    <dgm:scene3d>
-      <a:camera prst="orthographicFront"/>
-      <a:lightRig rig="threePt" dir="t"/>
-    </dgm:scene3d>
-    <dgm:sp3d/>
-    <dgm:txPr/>
-    <dgm:style>
-      <a:lnRef idx="2">
-        <a:scrgbClr r="0" g="0" b="0"/>
-      </a:lnRef>
-      <a:fillRef idx="1">
-        <a:scrgbClr r="0" g="0" b="0"/>
-      </a:fillRef>
-      <a:effectRef idx="0">
-        <a:scrgbClr r="0" g="0" b="0"/>
-      </a:effectRef>
-      <a:fontRef idx="minor"/>
-    </dgm:style>
-  </dgm:styleLbl>
-  <dgm:styleLbl name="solidFgAcc1">
-    <dgm:scene3d>
-      <a:camera prst="orthographicFront"/>
-      <a:lightRig rig="threePt" dir="t"/>
-    </dgm:scene3d>
-    <dgm:sp3d/>
-    <dgm:txPr/>
-    <dgm:style>
-      <a:lnRef idx="2">
-        <a:scrgbClr r="0" g="0" b="0"/>
-      </a:lnRef>
-      <a:fillRef idx="1">
-        <a:scrgbClr r="0" g="0" b="0"/>
-      </a:fillRef>
-      <a:effectRef idx="0">
-        <a:scrgbClr r="0" g="0" b="0"/>
-      </a:effectRef>
-      <a:fontRef idx="minor"/>
-    </dgm:style>
-  </dgm:styleLbl>
-  <dgm:styleLbl name="solidAlignAcc1">
-    <dgm:scene3d>
-      <a:camera prst="orthographicFront"/>
-      <a:lightRig rig="threePt" dir="t"/>
-    </dgm:scene3d>
-    <dgm:sp3d/>
-    <dgm:txPr/>
-    <dgm:style>
-      <a:lnRef idx="2">
-        <a:scrgbClr r="0" g="0" b="0"/>
-      </a:lnRef>
-      <a:fillRef idx="1">
-        <a:scrgbClr r="0" g="0" b="0"/>
-      </a:fillRef>
-      <a:effectRef idx="0">
-        <a:scrgbClr r="0" g="0" b="0"/>
-      </a:effectRef>
-      <a:fontRef idx="minor"/>
-    </dgm:style>
-  </dgm:styleLbl>
-  <dgm:styleLbl name="solidBgAcc1">
-    <dgm:scene3d>
-      <a:camera prst="orthographicFront"/>
-      <a:lightRig rig="threePt" dir="t"/>
-    </dgm:scene3d>
-    <dgm:sp3d/>
-    <dgm:txPr/>
-    <dgm:style>
-      <a:lnRef idx="2">
-        <a:scrgbClr r="0" g="0" b="0"/>
-      </a:lnRef>
-      <a:fillRef idx="1">
-        <a:scrgbClr r="0" g="0" b="0"/>
-      </a:fillRef>
-      <a:effectRef idx="0">
-        <a:scrgbClr r="0" g="0" b="0"/>
-      </a:effectRef>
-      <a:fontRef idx="minor"/>
-    </dgm:style>
-  </dgm:styleLbl>
-  <dgm:styleLbl name="fgAccFollowNode1">
-    <dgm:scene3d>
-      <a:camera prst="orthographicFront"/>
-      <a:lightRig rig="threePt" dir="t"/>
-    </dgm:scene3d>
-    <dgm:sp3d/>
-    <dgm:txPr/>
-    <dgm:style>
-      <a:lnRef idx="2">
-        <a:scrgbClr r="0" g="0" b="0"/>
-      </a:lnRef>
-      <a:fillRef idx="1">
-        <a:scrgbClr r="0" g="0" b="0"/>
-      </a:fillRef>
-      <a:effectRef idx="0">
-        <a:scrgbClr r="0" g="0" b="0"/>
-      </a:effectRef>
-      <a:fontRef idx="minor"/>
-    </dgm:style>
-  </dgm:styleLbl>
-  <dgm:styleLbl name="alignAccFollowNode1">
-    <dgm:scene3d>
-      <a:camera prst="orthographicFront"/>
-      <a:lightRig rig="threePt" dir="t"/>
-    </dgm:scene3d>
-    <dgm:sp3d/>
-    <dgm:txPr/>
-    <dgm:style>
-      <a:lnRef idx="2">
-        <a:scrgbClr r="0" g="0" b="0"/>
-      </a:lnRef>
-      <a:fillRef idx="1">
-        <a:scrgbClr r="0" g="0" b="0"/>
-      </a:fillRef>
-      <a:effectRef idx="0">
-        <a:scrgbClr r="0" g="0" b="0"/>
-      </a:effectRef>
-      <a:fontRef idx="minor"/>
-    </dgm:style>
-  </dgm:styleLbl>
-  <dgm:styleLbl name="bgAccFollowNode1">
-    <dgm:scene3d>
-      <a:camera prst="orthographicFront"/>
-      <a:lightRig rig="threePt" dir="t"/>
-    </dgm:scene3d>
-    <dgm:sp3d/>
-    <dgm:txPr/>
-    <dgm:style>
-      <a:lnRef idx="2">
-        <a:scrgbClr r="0" g="0" b="0"/>
-      </a:lnRef>
-      <a:fillRef idx="1">
-        <a:scrgbClr r="0" g="0" b="0"/>
-      </a:fillRef>
-      <a:effectRef idx="0">
-        <a:scrgbClr r="0" g="0" b="0"/>
-      </a:effectRef>
-      <a:fontRef idx="minor"/>
-    </dgm:style>
-  </dgm:styleLbl>
-  <dgm:styleLbl name="fgAcc0">
-    <dgm:scene3d>
-      <a:camera prst="orthographicFront"/>
-      <a:lightRig rig="threePt" dir="t"/>
-    </dgm:scene3d>
-    <dgm:sp3d/>
-    <dgm:txPr/>
-    <dgm:style>
-      <a:lnRef idx="2">
-        <a:scrgbClr r="0" g="0" b="0"/>
-      </a:lnRef>
-      <a:fillRef idx="1">
-        <a:scrgbClr r="0" g="0" b="0"/>
-      </a:fillRef>
-      <a:effectRef idx="0">
-        <a:scrgbClr r="0" g="0" b="0"/>
-      </a:effectRef>
-      <a:fontRef idx="minor"/>
-    </dgm:style>
-  </dgm:styleLbl>
-  <dgm:styleLbl name="fgAcc2">
-    <dgm:scene3d>
-      <a:camera prst="orthographicFront"/>
-      <a:lightRig rig="threePt" dir="t"/>
-    </dgm:scene3d>
-    <dgm:sp3d/>
-    <dgm:txPr/>
-    <dgm:style>
-      <a:lnRef idx="2">
-        <a:scrgbClr r="0" g="0" b="0"/>
-      </a:lnRef>
-      <a:fillRef idx="1">
-        <a:scrgbClr r="0" g="0" b="0"/>
-      </a:fillRef>
-      <a:effectRef idx="0">
-        <a:scrgbClr r="0" g="0" b="0"/>
-      </a:effectRef>
-      <a:fontRef idx="minor"/>
-    </dgm:style>
-  </dgm:styleLbl>
-  <dgm:styleLbl name="fgAcc3">
-    <dgm:scene3d>
-      <a:camera prst="orthographicFront"/>
-      <a:lightRig rig="threePt" dir="t"/>
-    </dgm:scene3d>
-    <dgm:sp3d/>
-    <dgm:txPr/>
-    <dgm:style>
-      <a:lnRef idx="2">
-        <a:scrgbClr r="0" g="0" b="0"/>
-      </a:lnRef>
-      <a:fillRef idx="1">
-        <a:scrgbClr r="0" g="0" b="0"/>
-      </a:fillRef>
-      <a:effectRef idx="0">
-        <a:scrgbClr r="0" g="0" b="0"/>
-      </a:effectRef>
-      <a:fontRef idx="minor"/>
-    </dgm:style>
-  </dgm:styleLbl>
-  <dgm:styleLbl name="fgAcc4">
-    <dgm:scene3d>
-      <a:camera prst="orthographicFront"/>
-      <a:lightRig rig="threePt" dir="t"/>
-    </dgm:scene3d>
-    <dgm:sp3d/>
-    <dgm:txPr/>
-    <dgm:style>
-      <a:lnRef idx="2">
-        <a:scrgbClr r="0" g="0" b="0"/>
-      </a:lnRef>
-      <a:fillRef idx="1">
-        <a:scrgbClr r="0" g="0" b="0"/>
-      </a:fillRef>
-      <a:effectRef idx="0">
-        <a:scrgbClr r="0" g="0" b="0"/>
-      </a:effectRef>
-      <a:fontRef idx="minor"/>
-    </dgm:style>
-  </dgm:styleLbl>
-  <dgm:styleLbl name="bgShp">
-    <dgm:scene3d>
-      <a:camera prst="orthographicFront"/>
-      <a:lightRig rig="threePt" dir="t"/>
-    </dgm:scene3d>
-    <dgm:sp3d/>
-    <dgm:txPr/>
-    <dgm:style>
-      <a:lnRef idx="0">
-        <a:scrgbClr r="0" g="0" b="0"/>
-      </a:lnRef>
-      <a:fillRef idx="1">
-        <a:scrgbClr r="0" g="0" b="0"/>
-      </a:fillRef>
-      <a:effectRef idx="0">
-        <a:scrgbClr r="0" g="0" b="0"/>
-      </a:effectRef>
-      <a:fontRef idx="minor"/>
-    </dgm:style>
-  </dgm:styleLbl>
-  <dgm:styleLbl name="dkBgShp">
-    <dgm:scene3d>
-      <a:camera prst="orthographicFront"/>
-      <a:lightRig rig="threePt" dir="t"/>
-    </dgm:scene3d>
-    <dgm:sp3d/>
-    <dgm:txPr/>
-    <dgm:style>
-      <a:lnRef idx="0">
-        <a:scrgbClr r="0" g="0" b="0"/>
-      </a:lnRef>
-      <a:fillRef idx="1">
-        <a:scrgbClr r="0" g="0" b="0"/>
-      </a:fillRef>
-      <a:effectRef idx="0">
-        <a:scrgbClr r="0" g="0" b="0"/>
-      </a:effectRef>
-      <a:fontRef idx="minor"/>
-    </dgm:style>
-  </dgm:styleLbl>
-  <dgm:styleLbl name="trBgShp">
-    <dgm:scene3d>
-      <a:camera prst="orthographicFront"/>
-      <a:lightRig rig="threePt" dir="t"/>
-    </dgm:scene3d>
-    <dgm:sp3d/>
-    <dgm:txPr/>
-    <dgm:style>
-      <a:lnRef idx="0">
-        <a:scrgbClr r="0" g="0" b="0"/>
-      </a:lnRef>
-      <a:fillRef idx="1">
-        <a:scrgbClr r="0" g="0" b="0"/>
-      </a:fillRef>
-      <a:effectRef idx="0">
-        <a:scrgbClr r="0" g="0" b="0"/>
-      </a:effectRef>
-      <a:fontRef idx="minor"/>
-    </dgm:style>
-  </dgm:styleLbl>
-  <dgm:styleLbl name="fgShp">
-    <dgm:scene3d>
-      <a:camera prst="orthographicFront"/>
-      <a:lightRig rig="threePt" dir="t"/>
-    </dgm:scene3d>
-    <dgm:sp3d/>
-    <dgm:txPr/>
-    <dgm:style>
-      <a:lnRef idx="2">
-        <a:scrgbClr r="0" g="0" b="0"/>
-      </a:lnRef>
-      <a:fillRef idx="1">
-        <a:scrgbClr r="0" g="0" b="0"/>
-      </a:fillRef>
-      <a:effectRef idx="0">
-        <a:scrgbClr r="0" g="0" b="0"/>
-      </a:effectRef>
-      <a:fontRef idx="minor"/>
-    </dgm:style>
-  </dgm:styleLbl>
-  <dgm:styleLbl name="revTx">
-    <dgm:scene3d>
-      <a:camera prst="orthographicFront"/>
-      <a:lightRig rig="threePt" dir="t"/>
-    </dgm:scene3d>
-    <dgm:sp3d/>
-    <dgm:txPr/>
-    <dgm:style>
-      <a:lnRef idx="0">
-        <a:scrgbClr r="0" g="0" b="0"/>
-      </a:lnRef>
-      <a:fillRef idx="0">
-        <a:scrgbClr r="0" g="0" b="0"/>
-      </a:fillRef>
-      <a:effectRef idx="0">
-        <a:scrgbClr r="0" g="0" b="0"/>
-      </a:effectRef>
-      <a:fontRef idx="minor"/>
-    </dgm:style>
-  </dgm:styleLbl>
-</dgm:styleDef>
-</file>
-
 <file path=ppt/slideLayouts/slideLayout1.xml><?xml version="1.0" encoding="utf-8"?>
 <p:sldLayout xmlns:a="http://schemas.openxmlformats.org/drawingml/2006/main" xmlns:r="http://schemas.openxmlformats.org/officeDocument/2006/relationships" xmlns:p="http://schemas.openxmlformats.org/presentationml/2006/main" showMasterSp="0" type="title" preserve="1">
   <p:cSld name="Title Slide">
@@ -10382,7 +6031,7 @@
           <a:p>
             <a:fld id="{F37EEB3F-4115-4B28-AB74-6805713E432E}" type="datetimeFigureOut">
               <a:rPr lang="en-GB" smtClean="0"/>
-              <a:t>06/06/2022</a:t>
+              <a:t>07/06/2022</a:t>
             </a:fld>
             <a:endParaRPr lang="en-GB"/>
           </a:p>
@@ -10678,7 +6327,7 @@
           <a:p>
             <a:fld id="{F37EEB3F-4115-4B28-AB74-6805713E432E}" type="datetimeFigureOut">
               <a:rPr lang="en-GB" smtClean="0"/>
-              <a:t>06/06/2022</a:t>
+              <a:t>07/06/2022</a:t>
             </a:fld>
             <a:endParaRPr lang="en-GB"/>
           </a:p>
@@ -10926,7 +6575,7 @@
           <a:p>
             <a:fld id="{F37EEB3F-4115-4B28-AB74-6805713E432E}" type="datetimeFigureOut">
               <a:rPr lang="en-GB" smtClean="0"/>
-              <a:t>06/06/2022</a:t>
+              <a:t>07/06/2022</a:t>
             </a:fld>
             <a:endParaRPr lang="en-GB"/>
           </a:p>
@@ -11466,7 +7115,7 @@
           <a:p>
             <a:fld id="{F37EEB3F-4115-4B28-AB74-6805713E432E}" type="datetimeFigureOut">
               <a:rPr lang="en-GB" smtClean="0"/>
-              <a:t>06/06/2022</a:t>
+              <a:t>07/06/2022</a:t>
             </a:fld>
             <a:endParaRPr lang="en-GB"/>
           </a:p>
@@ -11714,7 +7363,7 @@
           <a:p>
             <a:fld id="{F37EEB3F-4115-4B28-AB74-6805713E432E}" type="datetimeFigureOut">
               <a:rPr lang="en-GB" smtClean="0"/>
-              <a:t>06/06/2022</a:t>
+              <a:t>07/06/2022</a:t>
             </a:fld>
             <a:endParaRPr lang="en-GB"/>
           </a:p>
@@ -12246,7 +7895,7 @@
           <a:p>
             <a:fld id="{F37EEB3F-4115-4B28-AB74-6805713E432E}" type="datetimeFigureOut">
               <a:rPr lang="en-GB" smtClean="0"/>
-              <a:t>06/06/2022</a:t>
+              <a:t>07/06/2022</a:t>
             </a:fld>
             <a:endParaRPr lang="en-GB"/>
           </a:p>
@@ -12543,7 +8192,7 @@
           <a:p>
             <a:fld id="{F37EEB3F-4115-4B28-AB74-6805713E432E}" type="datetimeFigureOut">
               <a:rPr lang="en-GB" smtClean="0"/>
-              <a:t>06/06/2022</a:t>
+              <a:t>07/06/2022</a:t>
             </a:fld>
             <a:endParaRPr lang="en-GB"/>
           </a:p>
@@ -12717,7 +8366,7 @@
           <a:p>
             <a:fld id="{F37EEB3F-4115-4B28-AB74-6805713E432E}" type="datetimeFigureOut">
               <a:rPr lang="en-GB" smtClean="0"/>
-              <a:t>06/06/2022</a:t>
+              <a:t>07/06/2022</a:t>
             </a:fld>
             <a:endParaRPr lang="en-GB"/>
           </a:p>
@@ -12897,7 +8546,7 @@
           <a:p>
             <a:fld id="{F37EEB3F-4115-4B28-AB74-6805713E432E}" type="datetimeFigureOut">
               <a:rPr lang="en-GB" smtClean="0"/>
-              <a:t>06/06/2022</a:t>
+              <a:t>07/06/2022</a:t>
             </a:fld>
             <a:endParaRPr lang="en-GB"/>
           </a:p>
@@ -13067,7 +8716,7 @@
           <a:p>
             <a:fld id="{F37EEB3F-4115-4B28-AB74-6805713E432E}" type="datetimeFigureOut">
               <a:rPr lang="en-GB" smtClean="0"/>
-              <a:t>06/06/2022</a:t>
+              <a:t>07/06/2022</a:t>
             </a:fld>
             <a:endParaRPr lang="en-GB"/>
           </a:p>
@@ -13318,7 +8967,7 @@
           <a:p>
             <a:fld id="{F37EEB3F-4115-4B28-AB74-6805713E432E}" type="datetimeFigureOut">
               <a:rPr lang="en-GB" smtClean="0"/>
-              <a:t>06/06/2022</a:t>
+              <a:t>07/06/2022</a:t>
             </a:fld>
             <a:endParaRPr lang="en-GB"/>
           </a:p>
@@ -13615,7 +9264,7 @@
           <a:p>
             <a:fld id="{F37EEB3F-4115-4B28-AB74-6805713E432E}" type="datetimeFigureOut">
               <a:rPr lang="en-GB" smtClean="0"/>
-              <a:t>06/06/2022</a:t>
+              <a:t>07/06/2022</a:t>
             </a:fld>
             <a:endParaRPr lang="en-GB"/>
           </a:p>
@@ -14057,7 +9706,7 @@
           <a:p>
             <a:fld id="{F37EEB3F-4115-4B28-AB74-6805713E432E}" type="datetimeFigureOut">
               <a:rPr lang="en-GB" smtClean="0"/>
-              <a:t>06/06/2022</a:t>
+              <a:t>07/06/2022</a:t>
             </a:fld>
             <a:endParaRPr lang="en-GB"/>
           </a:p>
@@ -14175,7 +9824,7 @@
           <a:p>
             <a:fld id="{F37EEB3F-4115-4B28-AB74-6805713E432E}" type="datetimeFigureOut">
               <a:rPr lang="en-GB" smtClean="0"/>
-              <a:t>06/06/2022</a:t>
+              <a:t>07/06/2022</a:t>
             </a:fld>
             <a:endParaRPr lang="en-GB"/>
           </a:p>
@@ -14270,7 +9919,7 @@
           <a:p>
             <a:fld id="{F37EEB3F-4115-4B28-AB74-6805713E432E}" type="datetimeFigureOut">
               <a:rPr lang="en-GB" smtClean="0"/>
-              <a:t>06/06/2022</a:t>
+              <a:t>07/06/2022</a:t>
             </a:fld>
             <a:endParaRPr lang="en-GB"/>
           </a:p>
@@ -14553,7 +10202,7 @@
           <a:p>
             <a:fld id="{F37EEB3F-4115-4B28-AB74-6805713E432E}" type="datetimeFigureOut">
               <a:rPr lang="en-GB" smtClean="0"/>
-              <a:t>06/06/2022</a:t>
+              <a:t>07/06/2022</a:t>
             </a:fld>
             <a:endParaRPr lang="en-GB"/>
           </a:p>
@@ -14844,7 +10493,7 @@
           <a:p>
             <a:fld id="{F37EEB3F-4115-4B28-AB74-6805713E432E}" type="datetimeFigureOut">
               <a:rPr lang="en-GB" smtClean="0"/>
-              <a:t>06/06/2022</a:t>
+              <a:t>07/06/2022</a:t>
             </a:fld>
             <a:endParaRPr lang="en-GB"/>
           </a:p>
@@ -15374,7 +11023,7 @@
           <a:p>
             <a:fld id="{F37EEB3F-4115-4B28-AB74-6805713E432E}" type="datetimeFigureOut">
               <a:rPr lang="en-GB" smtClean="0"/>
-              <a:t>06/06/2022</a:t>
+              <a:t>07/06/2022</a:t>
             </a:fld>
             <a:endParaRPr lang="en-GB"/>
           </a:p>
@@ -15982,6 +11631,1189 @@
 <file path=ppt/slides/slide10.xml><?xml version="1.0" encoding="utf-8"?>
 <p:sld xmlns:a="http://schemas.openxmlformats.org/drawingml/2006/main" xmlns:r="http://schemas.openxmlformats.org/officeDocument/2006/relationships" xmlns:p="http://schemas.openxmlformats.org/presentationml/2006/main">
   <p:cSld>
+    <p:spTree>
+      <p:nvGrpSpPr>
+        <p:cNvPr id="1" name=""/>
+        <p:cNvGrpSpPr/>
+        <p:nvPr/>
+      </p:nvGrpSpPr>
+      <p:grpSpPr>
+        <a:xfrm>
+          <a:off x="0" y="0"/>
+          <a:ext cx="0" cy="0"/>
+          <a:chOff x="0" y="0"/>
+          <a:chExt cx="0" cy="0"/>
+        </a:xfrm>
+      </p:grpSpPr>
+      <p:sp>
+        <p:nvSpPr>
+          <p:cNvPr id="2" name="Title 1">
+            <a:extLst>
+              <a:ext uri="{FF2B5EF4-FFF2-40B4-BE49-F238E27FC236}">
+                <a16:creationId xmlns:a16="http://schemas.microsoft.com/office/drawing/2014/main" id="{412B8DDF-C3F6-095D-297F-BEB4324B17AE}"/>
+              </a:ext>
+            </a:extLst>
+          </p:cNvPr>
+          <p:cNvSpPr>
+            <a:spLocks noGrp="1"/>
+          </p:cNvSpPr>
+          <p:nvPr>
+            <p:ph type="title"/>
+          </p:nvPr>
+        </p:nvSpPr>
+        <p:spPr/>
+        <p:txBody>
+          <a:bodyPr/>
+          <a:lstStyle/>
+          <a:p>
+            <a:r>
+              <a:rPr lang="en-GB" b="1" dirty="0">
+                <a:solidFill>
+                  <a:srgbClr val="2E2D2C"/>
+                </a:solidFill>
+                <a:latin typeface="Montserrat" panose="00000500000000000000" pitchFamily="2" charset="0"/>
+                <a:ea typeface="Calibri" panose="020F0502020204030204" pitchFamily="34" charset="0"/>
+                <a:cs typeface="Segoe UI" panose="020B0502040204020203" pitchFamily="34" charset="0"/>
+              </a:rPr>
+              <a:t>Conclusion</a:t>
+            </a:r>
+            <a:endParaRPr lang="en-GB" dirty="0"/>
+          </a:p>
+        </p:txBody>
+      </p:sp>
+      <p:sp>
+        <p:nvSpPr>
+          <p:cNvPr id="3" name="Content Placeholder 2">
+            <a:extLst>
+              <a:ext uri="{FF2B5EF4-FFF2-40B4-BE49-F238E27FC236}">
+                <a16:creationId xmlns:a16="http://schemas.microsoft.com/office/drawing/2014/main" id="{243FB99D-C4B4-ADAF-2E31-CD7CC7981FDA}"/>
+              </a:ext>
+            </a:extLst>
+          </p:cNvPr>
+          <p:cNvSpPr>
+            <a:spLocks noGrp="1"/>
+          </p:cNvSpPr>
+          <p:nvPr>
+            <p:ph idx="1"/>
+          </p:nvPr>
+        </p:nvSpPr>
+        <p:spPr/>
+        <p:txBody>
+          <a:bodyPr>
+            <a:normAutofit fontScale="92500" lnSpcReduction="20000"/>
+          </a:bodyPr>
+          <a:lstStyle/>
+          <a:p>
+            <a:pPr marL="342900" lvl="0" indent="-342900">
+              <a:lnSpc>
+                <a:spcPct val="107000"/>
+              </a:lnSpc>
+              <a:buFont typeface="Symbol" panose="05050102010706020507" pitchFamily="18" charset="2"/>
+              <a:buChar char=""/>
+            </a:pPr>
+            <a:r>
+              <a:rPr lang="en-GB" sz="2400" u="sng" dirty="0">
+                <a:solidFill>
+                  <a:schemeClr val="tx1"/>
+                </a:solidFill>
+                <a:effectLst/>
+                <a:latin typeface="Arial" panose="020B0604020202020204" pitchFamily="34" charset="0"/>
+                <a:ea typeface="Calibri" panose="020F0502020204030204" pitchFamily="34" charset="0"/>
+                <a:cs typeface="Arial" panose="020B0604020202020204" pitchFamily="34" charset="0"/>
+              </a:rPr>
+              <a:t>Reflections on the project, future steps, any other relevant info</a:t>
+            </a:r>
+          </a:p>
+          <a:p>
+            <a:pPr marL="0" lvl="0" indent="0">
+              <a:lnSpc>
+                <a:spcPct val="107000"/>
+              </a:lnSpc>
+              <a:buNone/>
+            </a:pPr>
+            <a:r>
+              <a:rPr lang="en-GB" sz="2400" dirty="0">
+                <a:solidFill>
+                  <a:schemeClr val="tx1"/>
+                </a:solidFill>
+                <a:effectLst/>
+                <a:latin typeface="Arial" panose="020B0604020202020204" pitchFamily="34" charset="0"/>
+                <a:ea typeface="Calibri" panose="020F0502020204030204" pitchFamily="34" charset="0"/>
+                <a:cs typeface="Arial" panose="020B0604020202020204" pitchFamily="34" charset="0"/>
+              </a:rPr>
+              <a:t>In conclusion first and foremost I would like to thank all of my trainers because if it wasn't for them and their continued support I would not have been able to create the application.</a:t>
+            </a:r>
+          </a:p>
+          <a:p>
+            <a:pPr marL="0" lvl="0" indent="0">
+              <a:lnSpc>
+                <a:spcPct val="107000"/>
+              </a:lnSpc>
+              <a:buNone/>
+            </a:pPr>
+            <a:r>
+              <a:rPr lang="en-GB" dirty="0">
+                <a:latin typeface="Arial" panose="020B0604020202020204" pitchFamily="34" charset="0"/>
+                <a:ea typeface="Calibri" panose="020F0502020204030204" pitchFamily="34" charset="0"/>
+                <a:cs typeface="Arial" panose="020B0604020202020204" pitchFamily="34" charset="0"/>
+              </a:rPr>
+              <a:t>I feel this project has enabled me to feel a sense of accomplishment with my working back and front end. I feel that this project has allowed me to put what I learned into practice and explore different avenues and creativity.</a:t>
+            </a:r>
+          </a:p>
+          <a:p>
+            <a:pPr marL="0" lvl="0" indent="0">
+              <a:lnSpc>
+                <a:spcPct val="107000"/>
+              </a:lnSpc>
+              <a:buNone/>
+            </a:pPr>
+            <a:r>
+              <a:rPr lang="en-GB" sz="2400" dirty="0">
+                <a:solidFill>
+                  <a:schemeClr val="tx1"/>
+                </a:solidFill>
+                <a:latin typeface="Arial" panose="020B0604020202020204" pitchFamily="34" charset="0"/>
+                <a:ea typeface="Calibri" panose="020F0502020204030204" pitchFamily="34" charset="0"/>
+                <a:cs typeface="Arial" panose="020B0604020202020204" pitchFamily="34" charset="0"/>
+              </a:rPr>
+              <a:t>Thank you</a:t>
+            </a:r>
+            <a:endParaRPr lang="en-GB" sz="2400" dirty="0">
+              <a:solidFill>
+                <a:schemeClr val="tx1"/>
+              </a:solidFill>
+              <a:effectLst/>
+              <a:latin typeface="Arial" panose="020B0604020202020204" pitchFamily="34" charset="0"/>
+              <a:ea typeface="Calibri" panose="020F0502020204030204" pitchFamily="34" charset="0"/>
+              <a:cs typeface="Arial" panose="020B0604020202020204" pitchFamily="34" charset="0"/>
+            </a:endParaRPr>
+          </a:p>
+          <a:p>
+            <a:endParaRPr lang="en-GB" dirty="0"/>
+          </a:p>
+        </p:txBody>
+      </p:sp>
+    </p:spTree>
+    <p:extLst>
+      <p:ext uri="{BB962C8B-B14F-4D97-AF65-F5344CB8AC3E}">
+        <p14:creationId xmlns:p14="http://schemas.microsoft.com/office/powerpoint/2010/main" val="2825042780"/>
+      </p:ext>
+    </p:extLst>
+  </p:cSld>
+  <p:clrMapOvr>
+    <a:masterClrMapping/>
+  </p:clrMapOvr>
+</p:sld>
+</file>
+
+<file path=ppt/slides/slide11.xml><?xml version="1.0" encoding="utf-8"?>
+<p:sld xmlns:a="http://schemas.openxmlformats.org/drawingml/2006/main" xmlns:r="http://schemas.openxmlformats.org/officeDocument/2006/relationships" xmlns:p="http://schemas.openxmlformats.org/presentationml/2006/main">
+  <p:cSld>
+    <p:spTree>
+      <p:nvGrpSpPr>
+        <p:cNvPr id="1" name=""/>
+        <p:cNvGrpSpPr/>
+        <p:nvPr/>
+      </p:nvGrpSpPr>
+      <p:grpSpPr>
+        <a:xfrm>
+          <a:off x="0" y="0"/>
+          <a:ext cx="0" cy="0"/>
+          <a:chOff x="0" y="0"/>
+          <a:chExt cx="0" cy="0"/>
+        </a:xfrm>
+      </p:grpSpPr>
+      <p:sp>
+        <p:nvSpPr>
+          <p:cNvPr id="2" name="Title 1">
+            <a:extLst>
+              <a:ext uri="{FF2B5EF4-FFF2-40B4-BE49-F238E27FC236}">
+                <a16:creationId xmlns:a16="http://schemas.microsoft.com/office/drawing/2014/main" id="{F436B140-8063-88F6-CEE0-22866C0C4EF8}"/>
+              </a:ext>
+            </a:extLst>
+          </p:cNvPr>
+          <p:cNvSpPr>
+            <a:spLocks noGrp="1"/>
+          </p:cNvSpPr>
+          <p:nvPr>
+            <p:ph type="title"/>
+          </p:nvPr>
+        </p:nvSpPr>
+        <p:spPr>
+          <a:xfrm>
+            <a:off x="1556883" y="146521"/>
+            <a:ext cx="10018713" cy="1752599"/>
+          </a:xfrm>
+        </p:spPr>
+        <p:txBody>
+          <a:bodyPr>
+            <a:normAutofit fontScale="90000"/>
+          </a:bodyPr>
+          <a:lstStyle/>
+          <a:p>
+            <a:r>
+              <a:rPr lang="en-GB" sz="4400" dirty="0">
+                <a:solidFill>
+                  <a:srgbClr val="2E2D2C"/>
+                </a:solidFill>
+                <a:effectLst/>
+                <a:latin typeface="Montserrat Light" panose="00000400000000000000" pitchFamily="2" charset="0"/>
+                <a:ea typeface="Calibri" panose="020F0502020204030204" pitchFamily="34" charset="0"/>
+                <a:cs typeface="Symbol" panose="05050102010706020507" pitchFamily="18" charset="2"/>
+              </a:rPr>
+              <a:t>Diagrams and/or screenshots used where appropriate</a:t>
+            </a:r>
+            <a:br>
+              <a:rPr lang="en-GB" sz="4400" dirty="0">
+                <a:solidFill>
+                  <a:srgbClr val="2E2D2C"/>
+                </a:solidFill>
+                <a:effectLst/>
+                <a:latin typeface="Segoe UI" panose="020B0502040204020203" pitchFamily="34" charset="0"/>
+                <a:ea typeface="Calibri" panose="020F0502020204030204" pitchFamily="34" charset="0"/>
+                <a:cs typeface="Symbol" panose="05050102010706020507" pitchFamily="18" charset="2"/>
+              </a:rPr>
+            </a:br>
+            <a:endParaRPr lang="en-GB" dirty="0"/>
+          </a:p>
+        </p:txBody>
+      </p:sp>
+      <p:pic>
+        <p:nvPicPr>
+          <p:cNvPr id="17" name="Picture 16" descr="Text&#10;&#10;Description automatically generated">
+            <a:extLst>
+              <a:ext uri="{FF2B5EF4-FFF2-40B4-BE49-F238E27FC236}">
+                <a16:creationId xmlns:a16="http://schemas.microsoft.com/office/drawing/2014/main" id="{B1344204-546E-5EE0-8E31-28119DD73C25}"/>
+              </a:ext>
+            </a:extLst>
+          </p:cNvPr>
+          <p:cNvPicPr>
+            <a:picLocks noChangeAspect="1"/>
+          </p:cNvPicPr>
+          <p:nvPr/>
+        </p:nvPicPr>
+        <p:blipFill>
+          <a:blip r:embed="rId2">
+            <a:extLst>
+              <a:ext uri="{28A0092B-C50C-407E-A947-70E740481C1C}">
+                <a14:useLocalDpi xmlns:a14="http://schemas.microsoft.com/office/drawing/2010/main" val="0"/>
+              </a:ext>
+            </a:extLst>
+          </a:blip>
+          <a:stretch>
+            <a:fillRect/>
+          </a:stretch>
+        </p:blipFill>
+        <p:spPr>
+          <a:xfrm>
+            <a:off x="-128256" y="1652813"/>
+            <a:ext cx="5863106" cy="5205187"/>
+          </a:xfrm>
+          <a:prstGeom prst="rect">
+            <a:avLst/>
+          </a:prstGeom>
+        </p:spPr>
+      </p:pic>
+      <p:pic>
+        <p:nvPicPr>
+          <p:cNvPr id="19" name="Picture 18" descr="Graphical user interface, application&#10;&#10;Description automatically generated">
+            <a:extLst>
+              <a:ext uri="{FF2B5EF4-FFF2-40B4-BE49-F238E27FC236}">
+                <a16:creationId xmlns:a16="http://schemas.microsoft.com/office/drawing/2014/main" id="{BA13165E-89EC-1891-55D6-DB66D03EFB77}"/>
+              </a:ext>
+            </a:extLst>
+          </p:cNvPr>
+          <p:cNvPicPr>
+            <a:picLocks noChangeAspect="1"/>
+          </p:cNvPicPr>
+          <p:nvPr/>
+        </p:nvPicPr>
+        <p:blipFill>
+          <a:blip r:embed="rId3">
+            <a:extLst>
+              <a:ext uri="{28A0092B-C50C-407E-A947-70E740481C1C}">
+                <a14:useLocalDpi xmlns:a14="http://schemas.microsoft.com/office/drawing/2010/main" val="0"/>
+              </a:ext>
+            </a:extLst>
+          </a:blip>
+          <a:stretch>
+            <a:fillRect/>
+          </a:stretch>
+        </p:blipFill>
+        <p:spPr>
+          <a:xfrm>
+            <a:off x="5734850" y="1652813"/>
+            <a:ext cx="6457150" cy="5224843"/>
+          </a:xfrm>
+          <a:prstGeom prst="rect">
+            <a:avLst/>
+          </a:prstGeom>
+        </p:spPr>
+      </p:pic>
+    </p:spTree>
+    <p:extLst>
+      <p:ext uri="{BB962C8B-B14F-4D97-AF65-F5344CB8AC3E}">
+        <p14:creationId xmlns:p14="http://schemas.microsoft.com/office/powerpoint/2010/main" val="1495923537"/>
+      </p:ext>
+    </p:extLst>
+  </p:cSld>
+  <p:clrMapOvr>
+    <a:masterClrMapping/>
+  </p:clrMapOvr>
+</p:sld>
+</file>
+
+<file path=ppt/slides/slide2.xml><?xml version="1.0" encoding="utf-8"?>
+<p:sld xmlns:a="http://schemas.openxmlformats.org/drawingml/2006/main" xmlns:r="http://schemas.openxmlformats.org/officeDocument/2006/relationships" xmlns:p="http://schemas.openxmlformats.org/presentationml/2006/main">
+  <p:cSld>
+    <p:bg>
+      <p:bgPr>
+        <a:blipFill rotWithShape="1">
+          <a:blip r:embed="rId2">
+            <a:duotone>
+              <a:schemeClr val="bg2">
+                <a:shade val="76000"/>
+                <a:satMod val="180000"/>
+              </a:schemeClr>
+              <a:schemeClr val="bg2">
+                <a:tint val="80000"/>
+                <a:satMod val="120000"/>
+                <a:lumMod val="180000"/>
+              </a:schemeClr>
+            </a:duotone>
+          </a:blip>
+          <a:stretch/>
+        </a:blipFill>
+        <a:effectLst/>
+      </p:bgPr>
+    </p:bg>
+    <p:spTree>
+      <p:nvGrpSpPr>
+        <p:cNvPr id="1" name=""/>
+        <p:cNvGrpSpPr/>
+        <p:nvPr/>
+      </p:nvGrpSpPr>
+      <p:grpSpPr>
+        <a:xfrm>
+          <a:off x="0" y="0"/>
+          <a:ext cx="0" cy="0"/>
+          <a:chOff x="0" y="0"/>
+          <a:chExt cx="0" cy="0"/>
+        </a:xfrm>
+      </p:grpSpPr>
+      <p:sp useBgFill="1">
+        <p:nvSpPr>
+          <p:cNvPr id="26" name="Rectangle 25">
+            <a:extLst>
+              <a:ext uri="{FF2B5EF4-FFF2-40B4-BE49-F238E27FC236}">
+                <a16:creationId xmlns:a16="http://schemas.microsoft.com/office/drawing/2014/main" id="{E03BF673-8C68-4092-BF1B-53C57EFEC21F}"/>
+              </a:ext>
+              <a:ext uri="{C183D7F6-B498-43B3-948B-1728B52AA6E4}">
+                <adec:decorative xmlns:adec="http://schemas.microsoft.com/office/drawing/2017/decorative" val="1"/>
+              </a:ext>
+            </a:extLst>
+          </p:cNvPr>
+          <p:cNvSpPr>
+            <a:spLocks noGrp="1" noRot="1" noChangeAspect="1" noMove="1" noResize="1" noEditPoints="1" noAdjustHandles="1" noChangeArrowheads="1" noChangeShapeType="1" noTextEdit="1"/>
+          </p:cNvSpPr>
+          <p:nvPr>
+            <p:extLst>
+              <p:ext uri="{386F3935-93C4-4BCD-93E2-E3B085C9AB24}">
+                <p16:designElem xmlns:p16="http://schemas.microsoft.com/office/powerpoint/2015/main" val="1"/>
+              </p:ext>
+            </p:extLst>
+          </p:nvPr>
+        </p:nvSpPr>
+        <p:spPr>
+          <a:xfrm>
+            <a:off x="0" y="0"/>
+            <a:ext cx="12188824" cy="6858000"/>
+          </a:xfrm>
+          <a:prstGeom prst="rect">
+            <a:avLst/>
+          </a:prstGeom>
+          <a:ln>
+            <a:noFill/>
+          </a:ln>
+        </p:spPr>
+        <p:style>
+          <a:lnRef idx="2">
+            <a:schemeClr val="accent1">
+              <a:shade val="50000"/>
+            </a:schemeClr>
+          </a:lnRef>
+          <a:fillRef idx="1">
+            <a:schemeClr val="accent1"/>
+          </a:fillRef>
+          <a:effectRef idx="0">
+            <a:schemeClr val="accent1"/>
+          </a:effectRef>
+          <a:fontRef idx="minor">
+            <a:schemeClr val="lt1"/>
+          </a:fontRef>
+        </p:style>
+        <p:txBody>
+          <a:bodyPr rtlCol="0" anchor="ctr"/>
+          <a:lstStyle/>
+          <a:p>
+            <a:pPr algn="ctr"/>
+            <a:endParaRPr lang="en-US"/>
+          </a:p>
+        </p:txBody>
+      </p:sp>
+      <p:sp>
+        <p:nvSpPr>
+          <p:cNvPr id="28" name="Freeform 47">
+            <a:extLst>
+              <a:ext uri="{FF2B5EF4-FFF2-40B4-BE49-F238E27FC236}">
+                <a16:creationId xmlns:a16="http://schemas.microsoft.com/office/drawing/2014/main" id="{08751D95-C333-4DEB-90B4-1EAC9A91DCA3}"/>
+              </a:ext>
+              <a:ext uri="{C183D7F6-B498-43B3-948B-1728B52AA6E4}">
+                <adec:decorative xmlns:adec="http://schemas.microsoft.com/office/drawing/2017/decorative" val="1"/>
+              </a:ext>
+            </a:extLst>
+          </p:cNvPr>
+          <p:cNvSpPr>
+            <a:spLocks noGrp="1" noRot="1" noChangeAspect="1" noMove="1" noResize="1" noEditPoints="1" noAdjustHandles="1" noChangeArrowheads="1" noChangeShapeType="1" noTextEdit="1"/>
+          </p:cNvSpPr>
+          <p:nvPr>
+            <p:extLst>
+              <p:ext uri="{386F3935-93C4-4BCD-93E2-E3B085C9AB24}">
+                <p16:designElem xmlns:p16="http://schemas.microsoft.com/office/powerpoint/2015/main" val="1"/>
+              </p:ext>
+            </p:extLst>
+          </p:nvPr>
+        </p:nvSpPr>
+        <p:spPr bwMode="white">
+          <a:xfrm flipH="1">
+            <a:off x="4062127" y="-15832"/>
+            <a:ext cx="8129873" cy="6889518"/>
+          </a:xfrm>
+          <a:custGeom>
+            <a:avLst/>
+            <a:gdLst>
+              <a:gd name="connsiteX0" fmla="*/ 0 w 8129873"/>
+              <a:gd name="connsiteY0" fmla="*/ 0 h 6889518"/>
+              <a:gd name="connsiteX1" fmla="*/ 0 w 8129873"/>
+              <a:gd name="connsiteY1" fmla="*/ 6889518 h 6889518"/>
+              <a:gd name="connsiteX2" fmla="*/ 6207942 w 8129873"/>
+              <a:gd name="connsiteY2" fmla="*/ 6882299 h 6889518"/>
+              <a:gd name="connsiteX3" fmla="*/ 8129873 w 8129873"/>
+              <a:gd name="connsiteY3" fmla="*/ 5349831 h 6889518"/>
+              <a:gd name="connsiteX4" fmla="*/ 7291674 w 8129873"/>
+              <a:gd name="connsiteY4" fmla="*/ 7365 h 6889518"/>
+            </a:gdLst>
+            <a:ahLst/>
+            <a:cxnLst>
+              <a:cxn ang="0">
+                <a:pos x="connsiteX0" y="connsiteY0"/>
+              </a:cxn>
+              <a:cxn ang="0">
+                <a:pos x="connsiteX1" y="connsiteY1"/>
+              </a:cxn>
+              <a:cxn ang="0">
+                <a:pos x="connsiteX2" y="connsiteY2"/>
+              </a:cxn>
+              <a:cxn ang="0">
+                <a:pos x="connsiteX3" y="connsiteY3"/>
+              </a:cxn>
+              <a:cxn ang="0">
+                <a:pos x="connsiteX4" y="connsiteY4"/>
+              </a:cxn>
+            </a:cxnLst>
+            <a:rect l="l" t="t" r="r" b="b"/>
+            <a:pathLst>
+              <a:path w="8129873" h="6889518">
+                <a:moveTo>
+                  <a:pt x="0" y="0"/>
+                </a:moveTo>
+                <a:lnTo>
+                  <a:pt x="0" y="6889518"/>
+                </a:lnTo>
+                <a:lnTo>
+                  <a:pt x="6207942" y="6882299"/>
+                </a:lnTo>
+                <a:lnTo>
+                  <a:pt x="8129873" y="5349831"/>
+                </a:lnTo>
+                <a:lnTo>
+                  <a:pt x="7291674" y="7365"/>
+                </a:lnTo>
+                <a:close/>
+              </a:path>
+            </a:pathLst>
+          </a:custGeom>
+          <a:solidFill>
+            <a:schemeClr val="tx1">
+              <a:lumMod val="95000"/>
+              <a:lumOff val="5000"/>
+              <a:alpha val="80000"/>
+            </a:schemeClr>
+          </a:solidFill>
+          <a:ln>
+            <a:noFill/>
+          </a:ln>
+          <a:effectLst/>
+        </p:spPr>
+        <p:style>
+          <a:lnRef idx="1">
+            <a:schemeClr val="accent1"/>
+          </a:lnRef>
+          <a:fillRef idx="3">
+            <a:schemeClr val="accent1"/>
+          </a:fillRef>
+          <a:effectRef idx="2">
+            <a:schemeClr val="accent1"/>
+          </a:effectRef>
+          <a:fontRef idx="minor">
+            <a:schemeClr val="lt1"/>
+          </a:fontRef>
+        </p:style>
+        <p:txBody>
+          <a:bodyPr wrap="square" rtlCol="0" anchor="ctr">
+            <a:noAutofit/>
+          </a:bodyPr>
+          <a:lstStyle/>
+          <a:p>
+            <a:pPr algn="ctr"/>
+            <a:endParaRPr lang="en-US"/>
+          </a:p>
+        </p:txBody>
+      </p:sp>
+      <p:grpSp>
+        <p:nvGrpSpPr>
+          <p:cNvPr id="30" name="Group 29">
+            <a:extLst>
+              <a:ext uri="{FF2B5EF4-FFF2-40B4-BE49-F238E27FC236}">
+                <a16:creationId xmlns:a16="http://schemas.microsoft.com/office/drawing/2014/main" id="{FBBA7535-3851-431E-BDA9-B4F6C1201291}"/>
+              </a:ext>
+              <a:ext uri="{C183D7F6-B498-43B3-948B-1728B52AA6E4}">
+                <adec:decorative xmlns:adec="http://schemas.microsoft.com/office/drawing/2017/decorative" val="1"/>
+              </a:ext>
+            </a:extLst>
+          </p:cNvPr>
+          <p:cNvGrpSpPr>
+            <a:grpSpLocks noGrp="1" noUngrp="1" noRot="1" noChangeAspect="1" noMove="1" noResize="1"/>
+          </p:cNvGrpSpPr>
+          <p:nvPr>
+            <p:extLst>
+              <p:ext uri="{386F3935-93C4-4BCD-93E2-E3B085C9AB24}">
+                <p16:designElem xmlns:p16="http://schemas.microsoft.com/office/powerpoint/2015/main" val="1"/>
+              </p:ext>
+            </p:extLst>
+          </p:nvPr>
+        </p:nvGrpSpPr>
+        <p:grpSpPr>
+          <a:xfrm>
+            <a:off x="3413893" y="0"/>
+            <a:ext cx="2436813" cy="6858001"/>
+            <a:chOff x="1320800" y="0"/>
+            <a:chExt cx="2436813" cy="6858001"/>
+          </a:xfrm>
+        </p:grpSpPr>
+        <p:sp>
+          <p:nvSpPr>
+            <p:cNvPr id="31" name="Freeform 6">
+              <a:extLst>
+                <a:ext uri="{FF2B5EF4-FFF2-40B4-BE49-F238E27FC236}">
+                  <a16:creationId xmlns:a16="http://schemas.microsoft.com/office/drawing/2014/main" id="{2F07680B-461A-4AFC-808F-93216679AA2B}"/>
+                </a:ext>
+                <a:ext uri="{C183D7F6-B498-43B3-948B-1728B52AA6E4}">
+                  <adec:decorative xmlns:adec="http://schemas.microsoft.com/office/drawing/2017/decorative" val="1"/>
+                </a:ext>
+              </a:extLst>
+            </p:cNvPr>
+            <p:cNvSpPr/>
+            <p:nvPr>
+              <p:extLst>
+                <p:ext uri="{386F3935-93C4-4BCD-93E2-E3B085C9AB24}">
+                  <p16:designElem xmlns:p16="http://schemas.microsoft.com/office/powerpoint/2015/main" val="1"/>
+                </p:ext>
+              </p:extLst>
+            </p:nvPr>
+          </p:nvSpPr>
+          <p:spPr bwMode="auto">
+            <a:xfrm>
+              <a:off x="1627188" y="0"/>
+              <a:ext cx="1122363" cy="5329238"/>
+            </a:xfrm>
+            <a:custGeom>
+              <a:avLst/>
+              <a:gdLst/>
+              <a:ahLst/>
+              <a:cxnLst/>
+              <a:rect l="0" t="0" r="r" b="b"/>
+              <a:pathLst>
+                <a:path w="707" h="3357">
+                  <a:moveTo>
+                    <a:pt x="0" y="3330"/>
+                  </a:moveTo>
+                  <a:lnTo>
+                    <a:pt x="156" y="3357"/>
+                  </a:lnTo>
+                  <a:lnTo>
+                    <a:pt x="707" y="0"/>
+                  </a:lnTo>
+                  <a:lnTo>
+                    <a:pt x="547" y="0"/>
+                  </a:lnTo>
+                  <a:lnTo>
+                    <a:pt x="0" y="3330"/>
+                  </a:lnTo>
+                  <a:close/>
+                </a:path>
+              </a:pathLst>
+            </a:custGeom>
+            <a:solidFill>
+              <a:schemeClr val="accent1"/>
+            </a:solidFill>
+            <a:ln>
+              <a:noFill/>
+            </a:ln>
+          </p:spPr>
+        </p:sp>
+        <p:sp>
+          <p:nvSpPr>
+            <p:cNvPr id="32" name="Freeform 7">
+              <a:extLst>
+                <a:ext uri="{FF2B5EF4-FFF2-40B4-BE49-F238E27FC236}">
+                  <a16:creationId xmlns:a16="http://schemas.microsoft.com/office/drawing/2014/main" id="{8C864A04-25C0-4A5F-B6D4-F3859450A43E}"/>
+                </a:ext>
+                <a:ext uri="{C183D7F6-B498-43B3-948B-1728B52AA6E4}">
+                  <adec:decorative xmlns:adec="http://schemas.microsoft.com/office/drawing/2017/decorative" val="1"/>
+                </a:ext>
+              </a:extLst>
+            </p:cNvPr>
+            <p:cNvSpPr/>
+            <p:nvPr>
+              <p:extLst>
+                <p:ext uri="{386F3935-93C4-4BCD-93E2-E3B085C9AB24}">
+                  <p16:designElem xmlns:p16="http://schemas.microsoft.com/office/powerpoint/2015/main" val="1"/>
+                </p:ext>
+              </p:extLst>
+            </p:nvPr>
+          </p:nvSpPr>
+          <p:spPr bwMode="auto">
+            <a:xfrm>
+              <a:off x="1320800" y="0"/>
+              <a:ext cx="1117600" cy="5276850"/>
+            </a:xfrm>
+            <a:custGeom>
+              <a:avLst/>
+              <a:gdLst/>
+              <a:ahLst/>
+              <a:cxnLst/>
+              <a:rect l="0" t="0" r="r" b="b"/>
+              <a:pathLst>
+                <a:path w="704" h="3324">
+                  <a:moveTo>
+                    <a:pt x="704" y="0"/>
+                  </a:moveTo>
+                  <a:lnTo>
+                    <a:pt x="545" y="0"/>
+                  </a:lnTo>
+                  <a:lnTo>
+                    <a:pt x="0" y="3300"/>
+                  </a:lnTo>
+                  <a:lnTo>
+                    <a:pt x="157" y="3324"/>
+                  </a:lnTo>
+                  <a:lnTo>
+                    <a:pt x="704" y="0"/>
+                  </a:lnTo>
+                  <a:close/>
+                </a:path>
+              </a:pathLst>
+            </a:custGeom>
+            <a:solidFill>
+              <a:schemeClr val="tx1">
+                <a:lumMod val="65000"/>
+                <a:lumOff val="35000"/>
+              </a:schemeClr>
+            </a:solidFill>
+            <a:ln>
+              <a:noFill/>
+            </a:ln>
+          </p:spPr>
+        </p:sp>
+        <p:sp>
+          <p:nvSpPr>
+            <p:cNvPr id="33" name="Freeform 8">
+              <a:extLst>
+                <a:ext uri="{FF2B5EF4-FFF2-40B4-BE49-F238E27FC236}">
+                  <a16:creationId xmlns:a16="http://schemas.microsoft.com/office/drawing/2014/main" id="{5F596D75-78C8-47A8-9225-7C64A6674748}"/>
+                </a:ext>
+                <a:ext uri="{C183D7F6-B498-43B3-948B-1728B52AA6E4}">
+                  <adec:decorative xmlns:adec="http://schemas.microsoft.com/office/drawing/2017/decorative" val="1"/>
+                </a:ext>
+              </a:extLst>
+            </p:cNvPr>
+            <p:cNvSpPr/>
+            <p:nvPr>
+              <p:extLst>
+                <p:ext uri="{386F3935-93C4-4BCD-93E2-E3B085C9AB24}">
+                  <p16:designElem xmlns:p16="http://schemas.microsoft.com/office/powerpoint/2015/main" val="1"/>
+                </p:ext>
+              </p:extLst>
+            </p:nvPr>
+          </p:nvSpPr>
+          <p:spPr bwMode="auto">
+            <a:xfrm>
+              <a:off x="1320800" y="5238750"/>
+              <a:ext cx="1228725" cy="1619250"/>
+            </a:xfrm>
+            <a:custGeom>
+              <a:avLst/>
+              <a:gdLst/>
+              <a:ahLst/>
+              <a:cxnLst/>
+              <a:rect l="0" t="0" r="r" b="b"/>
+              <a:pathLst>
+                <a:path w="774" h="1020">
+                  <a:moveTo>
+                    <a:pt x="0" y="0"/>
+                  </a:moveTo>
+                  <a:lnTo>
+                    <a:pt x="740" y="1020"/>
+                  </a:lnTo>
+                  <a:lnTo>
+                    <a:pt x="774" y="1020"/>
+                  </a:lnTo>
+                  <a:lnTo>
+                    <a:pt x="0" y="0"/>
+                  </a:lnTo>
+                  <a:close/>
+                </a:path>
+              </a:pathLst>
+            </a:custGeom>
+            <a:solidFill>
+              <a:schemeClr val="tx1">
+                <a:lumMod val="85000"/>
+                <a:lumOff val="15000"/>
+              </a:schemeClr>
+            </a:solidFill>
+            <a:ln>
+              <a:noFill/>
+            </a:ln>
+          </p:spPr>
+        </p:sp>
+        <p:sp>
+          <p:nvSpPr>
+            <p:cNvPr id="34" name="Freeform 9">
+              <a:extLst>
+                <a:ext uri="{FF2B5EF4-FFF2-40B4-BE49-F238E27FC236}">
+                  <a16:creationId xmlns:a16="http://schemas.microsoft.com/office/drawing/2014/main" id="{128D8641-4FEB-4878-B029-6CC4922EB5DF}"/>
+                </a:ext>
+                <a:ext uri="{C183D7F6-B498-43B3-948B-1728B52AA6E4}">
+                  <adec:decorative xmlns:adec="http://schemas.microsoft.com/office/drawing/2017/decorative" val="1"/>
+                </a:ext>
+              </a:extLst>
+            </p:cNvPr>
+            <p:cNvSpPr/>
+            <p:nvPr>
+              <p:extLst>
+                <p:ext uri="{386F3935-93C4-4BCD-93E2-E3B085C9AB24}">
+                  <p16:designElem xmlns:p16="http://schemas.microsoft.com/office/powerpoint/2015/main" val="1"/>
+                </p:ext>
+              </p:extLst>
+            </p:nvPr>
+          </p:nvSpPr>
+          <p:spPr bwMode="auto">
+            <a:xfrm>
+              <a:off x="1627188" y="5291138"/>
+              <a:ext cx="1495425" cy="1566863"/>
+            </a:xfrm>
+            <a:custGeom>
+              <a:avLst/>
+              <a:gdLst/>
+              <a:ahLst/>
+              <a:cxnLst/>
+              <a:rect l="0" t="0" r="r" b="b"/>
+              <a:pathLst>
+                <a:path w="942" h="987">
+                  <a:moveTo>
+                    <a:pt x="0" y="0"/>
+                  </a:moveTo>
+                  <a:lnTo>
+                    <a:pt x="909" y="987"/>
+                  </a:lnTo>
+                  <a:lnTo>
+                    <a:pt x="942" y="987"/>
+                  </a:lnTo>
+                  <a:lnTo>
+                    <a:pt x="0" y="0"/>
+                  </a:lnTo>
+                  <a:close/>
+                </a:path>
+              </a:pathLst>
+            </a:custGeom>
+            <a:solidFill>
+              <a:schemeClr val="accent1">
+                <a:lumMod val="50000"/>
+              </a:schemeClr>
+            </a:solidFill>
+            <a:ln>
+              <a:noFill/>
+            </a:ln>
+          </p:spPr>
+        </p:sp>
+        <p:sp>
+          <p:nvSpPr>
+            <p:cNvPr id="35" name="Freeform 10">
+              <a:extLst>
+                <a:ext uri="{FF2B5EF4-FFF2-40B4-BE49-F238E27FC236}">
+                  <a16:creationId xmlns:a16="http://schemas.microsoft.com/office/drawing/2014/main" id="{BB339737-0E88-4165-A752-9E204068DE70}"/>
+                </a:ext>
+                <a:ext uri="{C183D7F6-B498-43B3-948B-1728B52AA6E4}">
+                  <adec:decorative xmlns:adec="http://schemas.microsoft.com/office/drawing/2017/decorative" val="1"/>
+                </a:ext>
+              </a:extLst>
+            </p:cNvPr>
+            <p:cNvSpPr/>
+            <p:nvPr>
+              <p:extLst>
+                <p:ext uri="{386F3935-93C4-4BCD-93E2-E3B085C9AB24}">
+                  <p16:designElem xmlns:p16="http://schemas.microsoft.com/office/powerpoint/2015/main" val="1"/>
+                </p:ext>
+              </p:extLst>
+            </p:nvPr>
+          </p:nvSpPr>
+          <p:spPr bwMode="auto">
+            <a:xfrm>
+              <a:off x="1627188" y="5286375"/>
+              <a:ext cx="2130425" cy="1571625"/>
+            </a:xfrm>
+            <a:custGeom>
+              <a:avLst/>
+              <a:gdLst/>
+              <a:ahLst/>
+              <a:cxnLst/>
+              <a:rect l="0" t="0" r="r" b="b"/>
+              <a:pathLst>
+                <a:path w="1342" h="990">
+                  <a:moveTo>
+                    <a:pt x="0" y="3"/>
+                  </a:moveTo>
+                  <a:lnTo>
+                    <a:pt x="942" y="990"/>
+                  </a:lnTo>
+                  <a:lnTo>
+                    <a:pt x="1342" y="990"/>
+                  </a:lnTo>
+                  <a:lnTo>
+                    <a:pt x="156" y="27"/>
+                  </a:lnTo>
+                  <a:lnTo>
+                    <a:pt x="0" y="0"/>
+                  </a:lnTo>
+                  <a:lnTo>
+                    <a:pt x="0" y="3"/>
+                  </a:lnTo>
+                  <a:close/>
+                </a:path>
+              </a:pathLst>
+            </a:custGeom>
+            <a:solidFill>
+              <a:schemeClr val="accent1">
+                <a:lumMod val="75000"/>
+              </a:schemeClr>
+            </a:solidFill>
+            <a:ln>
+              <a:noFill/>
+            </a:ln>
+          </p:spPr>
+        </p:sp>
+        <p:sp>
+          <p:nvSpPr>
+            <p:cNvPr id="36" name="Freeform 11">
+              <a:extLst>
+                <a:ext uri="{FF2B5EF4-FFF2-40B4-BE49-F238E27FC236}">
+                  <a16:creationId xmlns:a16="http://schemas.microsoft.com/office/drawing/2014/main" id="{633AF255-B0DD-4D23-A3F2-DDB221BB1B26}"/>
+                </a:ext>
+                <a:ext uri="{C183D7F6-B498-43B3-948B-1728B52AA6E4}">
+                  <adec:decorative xmlns:adec="http://schemas.microsoft.com/office/drawing/2017/decorative" val="1"/>
+                </a:ext>
+              </a:extLst>
+            </p:cNvPr>
+            <p:cNvSpPr/>
+            <p:nvPr>
+              <p:extLst>
+                <p:ext uri="{386F3935-93C4-4BCD-93E2-E3B085C9AB24}">
+                  <p16:designElem xmlns:p16="http://schemas.microsoft.com/office/powerpoint/2015/main" val="1"/>
+                </p:ext>
+              </p:extLst>
+            </p:nvPr>
+          </p:nvSpPr>
+          <p:spPr bwMode="auto">
+            <a:xfrm>
+              <a:off x="1320800" y="5238750"/>
+              <a:ext cx="1695450" cy="1619250"/>
+            </a:xfrm>
+            <a:custGeom>
+              <a:avLst/>
+              <a:gdLst/>
+              <a:ahLst/>
+              <a:cxnLst/>
+              <a:rect l="0" t="0" r="r" b="b"/>
+              <a:pathLst>
+                <a:path w="1068" h="1020">
+                  <a:moveTo>
+                    <a:pt x="1068" y="1020"/>
+                  </a:moveTo>
+                  <a:lnTo>
+                    <a:pt x="184" y="60"/>
+                  </a:lnTo>
+                  <a:lnTo>
+                    <a:pt x="154" y="27"/>
+                  </a:lnTo>
+                  <a:lnTo>
+                    <a:pt x="157" y="27"/>
+                  </a:lnTo>
+                  <a:lnTo>
+                    <a:pt x="157" y="24"/>
+                  </a:lnTo>
+                  <a:lnTo>
+                    <a:pt x="154" y="24"/>
+                  </a:lnTo>
+                  <a:lnTo>
+                    <a:pt x="0" y="0"/>
+                  </a:lnTo>
+                  <a:lnTo>
+                    <a:pt x="0" y="0"/>
+                  </a:lnTo>
+                  <a:lnTo>
+                    <a:pt x="774" y="1020"/>
+                  </a:lnTo>
+                  <a:lnTo>
+                    <a:pt x="1068" y="1020"/>
+                  </a:lnTo>
+                  <a:close/>
+                </a:path>
+              </a:pathLst>
+            </a:custGeom>
+            <a:solidFill>
+              <a:schemeClr val="tx1">
+                <a:lumMod val="75000"/>
+                <a:lumOff val="25000"/>
+              </a:schemeClr>
+            </a:solidFill>
+            <a:ln>
+              <a:noFill/>
+            </a:ln>
+          </p:spPr>
+        </p:sp>
+      </p:grpSp>
+      <p:sp>
+        <p:nvSpPr>
+          <p:cNvPr id="2" name="Title 1">
+            <a:extLst>
+              <a:ext uri="{FF2B5EF4-FFF2-40B4-BE49-F238E27FC236}">
+                <a16:creationId xmlns:a16="http://schemas.microsoft.com/office/drawing/2014/main" id="{E4A0F0BD-E0C7-8259-8736-AFF2EF2D5560}"/>
+              </a:ext>
+            </a:extLst>
+          </p:cNvPr>
+          <p:cNvSpPr>
+            <a:spLocks noGrp="1"/>
+          </p:cNvSpPr>
+          <p:nvPr>
+            <p:ph type="title"/>
+          </p:nvPr>
+        </p:nvSpPr>
+        <p:spPr>
+          <a:xfrm>
+            <a:off x="412025" y="1072609"/>
+            <a:ext cx="3041557" cy="4522647"/>
+          </a:xfrm>
+          <a:effectLst/>
+        </p:spPr>
+        <p:txBody>
+          <a:bodyPr anchor="ctr">
+            <a:normAutofit/>
+          </a:bodyPr>
+          <a:lstStyle/>
+          <a:p>
+            <a:pPr algn="l"/>
+            <a:r>
+              <a:rPr lang="en-GB" sz="3200">
+                <a:latin typeface="Arial" panose="020B0604020202020204" pitchFamily="34" charset="0"/>
+                <a:cs typeface="Arial" panose="020B0604020202020204" pitchFamily="34" charset="0"/>
+              </a:rPr>
+              <a:t>Introduction</a:t>
+            </a:r>
+          </a:p>
+        </p:txBody>
+      </p:sp>
+      <p:sp>
+        <p:nvSpPr>
+          <p:cNvPr id="3" name="Content Placeholder 2">
+            <a:extLst>
+              <a:ext uri="{FF2B5EF4-FFF2-40B4-BE49-F238E27FC236}">
+                <a16:creationId xmlns:a16="http://schemas.microsoft.com/office/drawing/2014/main" id="{7C9504D1-24EC-73A9-F103-FF5AD6C23F41}"/>
+              </a:ext>
+            </a:extLst>
+          </p:cNvPr>
+          <p:cNvSpPr>
+            <a:spLocks noGrp="1"/>
+          </p:cNvSpPr>
+          <p:nvPr>
+            <p:ph idx="1"/>
+          </p:nvPr>
+        </p:nvSpPr>
+        <p:spPr>
+          <a:xfrm>
+            <a:off x="5149032" y="1072609"/>
+            <a:ext cx="6652441" cy="4522647"/>
+          </a:xfrm>
+        </p:spPr>
+        <p:txBody>
+          <a:bodyPr anchor="ctr">
+            <a:normAutofit/>
+          </a:bodyPr>
+          <a:lstStyle/>
+          <a:p>
+            <a:pPr>
+              <a:lnSpc>
+                <a:spcPct val="90000"/>
+              </a:lnSpc>
+            </a:pPr>
+            <a:r>
+              <a:rPr lang="en-GB" sz="1400" u="sng" dirty="0">
+                <a:solidFill>
+                  <a:schemeClr val="bg1"/>
+                </a:solidFill>
+                <a:latin typeface="Arial" panose="020B0604020202020204" pitchFamily="34" charset="0"/>
+                <a:cs typeface="Arial" panose="020B0604020202020204" pitchFamily="34" charset="0"/>
+              </a:rPr>
+              <a:t>Who am I?</a:t>
+            </a:r>
+          </a:p>
+          <a:p>
+            <a:pPr marL="0" indent="0">
+              <a:lnSpc>
+                <a:spcPct val="90000"/>
+              </a:lnSpc>
+              <a:buNone/>
+            </a:pPr>
+            <a:r>
+              <a:rPr lang="en-GB" sz="1400" dirty="0">
+                <a:solidFill>
+                  <a:schemeClr val="bg1"/>
+                </a:solidFill>
+                <a:latin typeface="Arial" panose="020B0604020202020204" pitchFamily="34" charset="0"/>
+                <a:cs typeface="Arial" panose="020B0604020202020204" pitchFamily="34" charset="0"/>
+              </a:rPr>
+              <a:t>My name is Alex, I have little coding experience due to spending a career in the care industry. I had been working with children both as a youth worker and then later as a carer, working my way up to management level. </a:t>
+            </a:r>
+          </a:p>
+          <a:p>
+            <a:pPr marL="0" indent="0">
+              <a:lnSpc>
+                <a:spcPct val="90000"/>
+              </a:lnSpc>
+              <a:buNone/>
+            </a:pPr>
+            <a:r>
+              <a:rPr lang="en-GB" sz="1400" dirty="0">
+                <a:solidFill>
+                  <a:schemeClr val="bg1"/>
+                </a:solidFill>
+                <a:latin typeface="Arial" panose="020B0604020202020204" pitchFamily="34" charset="0"/>
+                <a:cs typeface="Arial" panose="020B0604020202020204" pitchFamily="34" charset="0"/>
+              </a:rPr>
+              <a:t>I have always had a interest and passion for computers and technology and so here we are today, my first presentation for my first project, building an application and documenting it all.</a:t>
+            </a:r>
+          </a:p>
+          <a:p>
+            <a:pPr>
+              <a:lnSpc>
+                <a:spcPct val="90000"/>
+              </a:lnSpc>
+            </a:pPr>
+            <a:r>
+              <a:rPr lang="en-GB" sz="1400" u="sng" dirty="0">
+                <a:solidFill>
+                  <a:schemeClr val="bg1"/>
+                </a:solidFill>
+                <a:latin typeface="Arial" panose="020B0604020202020204" pitchFamily="34" charset="0"/>
+                <a:cs typeface="Arial" panose="020B0604020202020204" pitchFamily="34" charset="0"/>
+              </a:rPr>
+              <a:t>How I approached the specification.</a:t>
+            </a:r>
+          </a:p>
+          <a:p>
+            <a:pPr marL="0" indent="0">
+              <a:lnSpc>
+                <a:spcPct val="90000"/>
+              </a:lnSpc>
+              <a:buNone/>
+            </a:pPr>
+            <a:r>
+              <a:rPr lang="en-GB" sz="1400" dirty="0">
+                <a:solidFill>
+                  <a:schemeClr val="bg1"/>
+                </a:solidFill>
+                <a:latin typeface="Arial" panose="020B0604020202020204" pitchFamily="34" charset="0"/>
+                <a:cs typeface="Arial" panose="020B0604020202020204" pitchFamily="34" charset="0"/>
+              </a:rPr>
+              <a:t>I was no strangers to specifications, having been to </a:t>
+            </a:r>
+            <a:r>
+              <a:rPr lang="en-GB" sz="1400" dirty="0" err="1">
+                <a:solidFill>
+                  <a:schemeClr val="bg1"/>
+                </a:solidFill>
+                <a:latin typeface="Arial" panose="020B0604020202020204" pitchFamily="34" charset="0"/>
+                <a:cs typeface="Arial" panose="020B0604020202020204" pitchFamily="34" charset="0"/>
+              </a:rPr>
+              <a:t>uni</a:t>
+            </a:r>
+            <a:r>
+              <a:rPr lang="en-GB" sz="1400" dirty="0">
+                <a:solidFill>
+                  <a:schemeClr val="bg1"/>
+                </a:solidFill>
+                <a:latin typeface="Arial" panose="020B0604020202020204" pitchFamily="34" charset="0"/>
+                <a:cs typeface="Arial" panose="020B0604020202020204" pitchFamily="34" charset="0"/>
+              </a:rPr>
+              <a:t> before and completing other qualifications however the shock for me was the level of experience I had compared to the specifications needs. I approached it by going through the specification and first splitting the tasks into coding and documentation. Naturally my instinct was to complete the documentation however I realised that if I was stuck on some code I could take a breather by completing some of the documentation.</a:t>
+            </a:r>
+          </a:p>
+          <a:p>
+            <a:pPr marL="0" indent="0">
+              <a:lnSpc>
+                <a:spcPct val="90000"/>
+              </a:lnSpc>
+              <a:buNone/>
+            </a:pPr>
+            <a:r>
+              <a:rPr lang="en-GB" sz="1400" dirty="0">
+                <a:solidFill>
+                  <a:schemeClr val="bg1"/>
+                </a:solidFill>
+                <a:latin typeface="Arial" panose="020B0604020202020204" pitchFamily="34" charset="0"/>
+                <a:cs typeface="Arial" panose="020B0604020202020204" pitchFamily="34" charset="0"/>
+              </a:rPr>
+              <a:t>I then was able to with the coding systematically go down and try to complete each point.</a:t>
+            </a:r>
+          </a:p>
+        </p:txBody>
+      </p:sp>
+    </p:spTree>
+    <p:extLst>
+      <p:ext uri="{BB962C8B-B14F-4D97-AF65-F5344CB8AC3E}">
+        <p14:creationId xmlns:p14="http://schemas.microsoft.com/office/powerpoint/2010/main" val="3586943926"/>
+      </p:ext>
+    </p:extLst>
+  </p:cSld>
+  <p:clrMapOvr>
+    <a:masterClrMapping/>
+  </p:clrMapOvr>
+</p:sld>
+</file>
+
+<file path=ppt/slides/slide3.xml><?xml version="1.0" encoding="utf-8"?>
+<p:sld xmlns:a="http://schemas.openxmlformats.org/drawingml/2006/main" xmlns:r="http://schemas.openxmlformats.org/officeDocument/2006/relationships" xmlns:p="http://schemas.openxmlformats.org/presentationml/2006/main">
+  <p:cSld>
     <p:bg>
       <p:bgPr>
         <a:gradFill rotWithShape="1">
@@ -16238,7 +13070,7 @@
           <p:cNvPr id="2" name="Title 1">
             <a:extLst>
               <a:ext uri="{FF2B5EF4-FFF2-40B4-BE49-F238E27FC236}">
-                <a16:creationId xmlns:a16="http://schemas.microsoft.com/office/drawing/2014/main" id="{E1A6F0A6-FA8E-4EBB-69AD-647E6380423E}"/>
+                <a16:creationId xmlns:a16="http://schemas.microsoft.com/office/drawing/2014/main" id="{6F6A2D77-421D-F793-DC0F-60BA3C7C44F3}"/>
               </a:ext>
             </a:extLst>
           </p:cNvPr>
@@ -16266,9 +13098,40 @@
                 <a:solidFill>
                   <a:srgbClr val="FFFFFF"/>
                 </a:solidFill>
+                <a:effectLst/>
+                <a:latin typeface="Arial" panose="020B0604020202020204" pitchFamily="34" charset="0"/>
+                <a:ea typeface="Calibri" panose="020F0502020204030204" pitchFamily="34" charset="0"/>
+                <a:cs typeface="Arial" panose="020B0604020202020204" pitchFamily="34" charset="0"/>
               </a:rPr>
-              <a:t>Sprint review</a:t>
+              <a:t>Consultant Journey</a:t>
             </a:r>
+            <a:br>
+              <a:rPr lang="en-GB">
+                <a:solidFill>
+                  <a:srgbClr val="FFFFFF"/>
+                </a:solidFill>
+                <a:effectLst/>
+                <a:latin typeface="Arial" panose="020B0604020202020204" pitchFamily="34" charset="0"/>
+                <a:ea typeface="Calibri" panose="020F0502020204030204" pitchFamily="34" charset="0"/>
+                <a:cs typeface="Arial" panose="020B0604020202020204" pitchFamily="34" charset="0"/>
+              </a:rPr>
+            </a:br>
+            <a:br>
+              <a:rPr lang="en-GB">
+                <a:solidFill>
+                  <a:srgbClr val="FFFFFF"/>
+                </a:solidFill>
+                <a:effectLst/>
+                <a:latin typeface="Segoe UI" panose="020B0502040204020203" pitchFamily="34" charset="0"/>
+                <a:ea typeface="Calibri" panose="020F0502020204030204" pitchFamily="34" charset="0"/>
+                <a:cs typeface="Symbol" panose="05050102010706020507" pitchFamily="18" charset="2"/>
+              </a:rPr>
+            </a:br>
+            <a:endParaRPr lang="en-GB">
+              <a:solidFill>
+                <a:srgbClr val="FFFFFF"/>
+              </a:solidFill>
+            </a:endParaRPr>
           </a:p>
         </p:txBody>
       </p:sp>
@@ -16700,7 +13563,7 @@
           <p:cNvPr id="5" name="Content Placeholder 2">
             <a:extLst>
               <a:ext uri="{FF2B5EF4-FFF2-40B4-BE49-F238E27FC236}">
-                <a16:creationId xmlns:a16="http://schemas.microsoft.com/office/drawing/2014/main" id="{45CCE9B8-8322-4633-4285-4B74CDA2576F}"/>
+                <a16:creationId xmlns:a16="http://schemas.microsoft.com/office/drawing/2014/main" id="{251251E7-C793-EBC3-4CCE-A6B41FDC61C8}"/>
               </a:ext>
             </a:extLst>
           </p:cNvPr>
@@ -16711,7 +13574,7 @@
             <p:ph idx="1"/>
             <p:extLst>
               <p:ext uri="{D42A27DB-BD31-4B8C-83A1-F6EECF244321}">
-                <p14:modId xmlns:p14="http://schemas.microsoft.com/office/powerpoint/2010/main" val="3403523251"/>
+                <p14:modId xmlns:p14="http://schemas.microsoft.com/office/powerpoint/2010/main" val="2845874154"/>
               </p:ext>
             </p:extLst>
           </p:nvPr>
@@ -16729,7 +13592,7 @@
     </p:spTree>
     <p:extLst>
       <p:ext uri="{BB962C8B-B14F-4D97-AF65-F5344CB8AC3E}">
-        <p14:creationId xmlns:p14="http://schemas.microsoft.com/office/powerpoint/2010/main" val="3570275240"/>
+        <p14:creationId xmlns:p14="http://schemas.microsoft.com/office/powerpoint/2010/main" val="2119794806"/>
       </p:ext>
     </p:extLst>
   </p:cSld>
@@ -16739,7 +13602,7 @@
 </p:sld>
 </file>
 
-<file path=ppt/slides/slide11.xml><?xml version="1.0" encoding="utf-8"?>
+<file path=ppt/slides/slide4.xml><?xml version="1.0" encoding="utf-8"?>
 <p:sld xmlns:a="http://schemas.openxmlformats.org/drawingml/2006/main" xmlns:r="http://schemas.openxmlformats.org/officeDocument/2006/relationships" xmlns:p="http://schemas.openxmlformats.org/presentationml/2006/main">
   <p:cSld>
     <p:bg>
@@ -17384,7 +14247,7 @@
           <p:cNvPr id="2" name="Title 1">
             <a:extLst>
               <a:ext uri="{FF2B5EF4-FFF2-40B4-BE49-F238E27FC236}">
-                <a16:creationId xmlns:a16="http://schemas.microsoft.com/office/drawing/2014/main" id="{DF467CA8-775F-012B-DFB6-9A460E820E94}"/>
+                <a16:creationId xmlns:a16="http://schemas.microsoft.com/office/drawing/2014/main" id="{AD21E2C4-AEE3-AEBD-65DE-0FF8C91E88F7}"/>
               </a:ext>
             </a:extLst>
           </p:cNvPr>
@@ -17410,9 +14273,18 @@
           <a:p>
             <a:pPr algn="l"/>
             <a:r>
-              <a:rPr lang="en-GB" sz="3200"/>
-              <a:t>Sprint review continued</a:t>
+              <a:rPr lang="en-GB" sz="3200" b="1">
+                <a:effectLst/>
+                <a:latin typeface="Arial" panose="020B0604020202020204" pitchFamily="34" charset="0"/>
+                <a:ea typeface="Calibri" panose="020F0502020204030204" pitchFamily="34" charset="0"/>
+                <a:cs typeface="Arial" panose="020B0604020202020204" pitchFamily="34" charset="0"/>
+              </a:rPr>
+              <a:t>CI</a:t>
             </a:r>
+            <a:endParaRPr lang="en-GB" sz="3200">
+              <a:latin typeface="Arial" panose="020B0604020202020204" pitchFamily="34" charset="0"/>
+              <a:cs typeface="Arial" panose="020B0604020202020204" pitchFamily="34" charset="0"/>
+            </a:endParaRPr>
           </a:p>
         </p:txBody>
       </p:sp>
@@ -17421,7 +14293,7 @@
           <p:cNvPr id="3" name="Content Placeholder 2">
             <a:extLst>
               <a:ext uri="{FF2B5EF4-FFF2-40B4-BE49-F238E27FC236}">
-                <a16:creationId xmlns:a16="http://schemas.microsoft.com/office/drawing/2014/main" id="{E87B4BA4-8195-1EC9-E582-43DC22C9B399}"/>
+                <a16:creationId xmlns:a16="http://schemas.microsoft.com/office/drawing/2014/main" id="{BBA6BAEB-33D9-993A-65E9-F2DF8613A4F9}"/>
               </a:ext>
             </a:extLst>
           </p:cNvPr>
@@ -17444,8 +14316,14 @@
           </a:bodyPr>
           <a:lstStyle/>
           <a:p>
+            <a:pPr marL="0" indent="0">
+              <a:lnSpc>
+                <a:spcPct val="90000"/>
+              </a:lnSpc>
+              <a:buNone/>
+            </a:pPr>
             <a:r>
-              <a:rPr lang="en-GB" sz="2000" u="sng">
+              <a:rPr lang="en-GB" sz="1700" b="1" dirty="0">
                 <a:solidFill>
                   <a:schemeClr val="bg1"/>
                 </a:solidFill>
@@ -17454,85 +14332,86 @@
                 <a:ea typeface="Calibri" panose="020F0502020204030204" pitchFamily="34" charset="0"/>
                 <a:cs typeface="Arial" panose="020B0604020202020204" pitchFamily="34" charset="0"/>
               </a:rPr>
-              <a:t> What got left behind? </a:t>
+              <a:t> </a:t>
             </a:r>
+            <a:r>
+              <a:rPr lang="en-GB" sz="2800" u="sng" dirty="0">
+                <a:solidFill>
+                  <a:schemeClr val="bg1"/>
+                </a:solidFill>
+                <a:effectLst/>
+                <a:latin typeface="Arial" panose="020B0604020202020204" pitchFamily="34" charset="0"/>
+                <a:ea typeface="Calibri" panose="020F0502020204030204" pitchFamily="34" charset="0"/>
+                <a:cs typeface="Arial" panose="020B0604020202020204" pitchFamily="34" charset="0"/>
+              </a:rPr>
+              <a:t>How did you approach version control?</a:t>
+            </a:r>
+            <a:r>
+              <a:rPr lang="en-GB" sz="2800" dirty="0">
+                <a:solidFill>
+                  <a:schemeClr val="bg1"/>
+                </a:solidFill>
+                <a:effectLst/>
+                <a:latin typeface="Arial" panose="020B0604020202020204" pitchFamily="34" charset="0"/>
+                <a:ea typeface="Calibri" panose="020F0502020204030204" pitchFamily="34" charset="0"/>
+                <a:cs typeface="Arial" panose="020B0604020202020204" pitchFamily="34" charset="0"/>
+              </a:rPr>
+              <a:t> </a:t>
+            </a:r>
+            <a:endParaRPr lang="en-GB" sz="2800" dirty="0">
+              <a:solidFill>
+                <a:schemeClr val="bg1"/>
+              </a:solidFill>
+              <a:highlight>
+                <a:srgbClr val="FF0000"/>
+              </a:highlight>
+              <a:latin typeface="Arial" panose="020B0604020202020204" pitchFamily="34" charset="0"/>
+              <a:ea typeface="Calibri" panose="020F0502020204030204" pitchFamily="34" charset="0"/>
+              <a:cs typeface="Arial" panose="020B0604020202020204" pitchFamily="34" charset="0"/>
+            </a:endParaRPr>
           </a:p>
           <a:p>
             <a:pPr marL="0" indent="0">
+              <a:lnSpc>
+                <a:spcPct val="90000"/>
+              </a:lnSpc>
               <a:buNone/>
             </a:pPr>
             <a:r>
-              <a:rPr lang="en-GB" sz="2000">
+              <a:rPr lang="en-GB" sz="1700" dirty="0">
                 <a:solidFill>
                   <a:schemeClr val="bg1"/>
                 </a:solidFill>
                 <a:latin typeface="Arial" panose="020B0604020202020204" pitchFamily="34" charset="0"/>
                 <a:cs typeface="Arial" panose="020B0604020202020204" pitchFamily="34" charset="0"/>
               </a:rPr>
-              <a:t>Unfortunately there were a few things that I didn't quite get completed or I didn't finish Simply because of timing :</a:t>
+              <a:t>My initial feeling about Git was more optimism than pessimism as I feel like I had a better understanding of how to use Git. </a:t>
             </a:r>
           </a:p>
           <a:p>
-            <a:pPr marL="514350" indent="-514350">
-              <a:buFont typeface="+mj-lt"/>
-              <a:buAutoNum type="arabicPeriod"/>
+            <a:pPr marL="0" indent="0">
+              <a:lnSpc>
+                <a:spcPct val="90000"/>
+              </a:lnSpc>
+              <a:buNone/>
             </a:pPr>
             <a:r>
-              <a:rPr lang="en-GB" sz="2000">
+              <a:rPr lang="en-GB" sz="1700" dirty="0">
                 <a:solidFill>
                   <a:schemeClr val="bg1"/>
                 </a:solidFill>
                 <a:latin typeface="Arial" panose="020B0604020202020204" pitchFamily="34" charset="0"/>
                 <a:cs typeface="Arial" panose="020B0604020202020204" pitchFamily="34" charset="0"/>
               </a:rPr>
-              <a:t>unfortunately I couldn't get my testing to 80% and only managed to get 70.2% </a:t>
+              <a:t>I was able to keep up with my commits and push's but I did run into a few problems, mainly that I would push to one branch and when I would checkout into another all my work on the local machine would be gone, so I had to go onto GitHub and do a pull and merge to make sure I have the correct code on my local device.</a:t>
             </a:r>
-          </a:p>
-          <a:p>
-            <a:pPr marL="514350" indent="-514350">
-              <a:buFont typeface="+mj-lt"/>
-              <a:buAutoNum type="arabicPeriod"/>
-            </a:pPr>
-            <a:r>
-              <a:rPr lang="en-GB" sz="2000">
-                <a:solidFill>
-                  <a:schemeClr val="bg1"/>
-                </a:solidFill>
-                <a:latin typeface="Arial" panose="020B0604020202020204" pitchFamily="34" charset="0"/>
-                <a:cs typeface="Arial" panose="020B0604020202020204" pitchFamily="34" charset="0"/>
-              </a:rPr>
-              <a:t>I started a read.me file but unfortunately I haven't finished that yet either.</a:t>
-            </a:r>
-          </a:p>
-          <a:p>
-            <a:pPr marL="514350" indent="-514350">
-              <a:buFont typeface="+mj-lt"/>
-              <a:buAutoNum type="arabicPeriod"/>
-            </a:pPr>
-            <a:r>
-              <a:rPr lang="en-GB" sz="2000">
-                <a:solidFill>
-                  <a:schemeClr val="bg1"/>
-                </a:solidFill>
-                <a:latin typeface="Arial" panose="020B0604020202020204" pitchFamily="34" charset="0"/>
-                <a:cs typeface="Arial" panose="020B0604020202020204" pitchFamily="34" charset="0"/>
-              </a:rPr>
-              <a:t>I was unable to mvn package my file due to an unknown error in my customer.test file.</a:t>
-            </a:r>
-          </a:p>
-          <a:p>
-            <a:endParaRPr lang="en-GB" sz="2000">
-              <a:solidFill>
-                <a:schemeClr val="bg1"/>
-              </a:solidFill>
-            </a:endParaRPr>
           </a:p>
         </p:txBody>
       </p:sp>
     </p:spTree>
     <p:extLst>
       <p:ext uri="{BB962C8B-B14F-4D97-AF65-F5344CB8AC3E}">
-        <p14:creationId xmlns:p14="http://schemas.microsoft.com/office/powerpoint/2010/main" val="4095347744"/>
+        <p14:creationId xmlns:p14="http://schemas.microsoft.com/office/powerpoint/2010/main" val="3516542511"/>
       </p:ext>
     </p:extLst>
   </p:cSld>
@@ -17542,1914 +14421,7 @@
 </p:sld>
 </file>
 
-<file path=ppt/slides/slide12.xml><?xml version="1.0" encoding="utf-8"?>
-<p:sld xmlns:a="http://schemas.openxmlformats.org/drawingml/2006/main" xmlns:r="http://schemas.openxmlformats.org/officeDocument/2006/relationships" xmlns:p="http://schemas.openxmlformats.org/presentationml/2006/main">
-  <p:cSld>
-    <p:bg>
-      <p:bgPr>
-        <a:blipFill rotWithShape="1">
-          <a:blip r:embed="rId2">
-            <a:duotone>
-              <a:schemeClr val="bg2">
-                <a:shade val="76000"/>
-                <a:satMod val="180000"/>
-              </a:schemeClr>
-              <a:schemeClr val="bg2">
-                <a:tint val="80000"/>
-                <a:satMod val="120000"/>
-                <a:lumMod val="180000"/>
-              </a:schemeClr>
-            </a:duotone>
-          </a:blip>
-          <a:stretch/>
-        </a:blipFill>
-        <a:effectLst/>
-      </p:bgPr>
-    </p:bg>
-    <p:spTree>
-      <p:nvGrpSpPr>
-        <p:cNvPr id="1" name=""/>
-        <p:cNvGrpSpPr/>
-        <p:nvPr/>
-      </p:nvGrpSpPr>
-      <p:grpSpPr>
-        <a:xfrm>
-          <a:off x="0" y="0"/>
-          <a:ext cx="0" cy="0"/>
-          <a:chOff x="0" y="0"/>
-          <a:chExt cx="0" cy="0"/>
-        </a:xfrm>
-      </p:grpSpPr>
-      <p:sp useBgFill="1">
-        <p:nvSpPr>
-          <p:cNvPr id="8" name="Rectangle 7">
-            <a:extLst>
-              <a:ext uri="{FF2B5EF4-FFF2-40B4-BE49-F238E27FC236}">
-                <a16:creationId xmlns:a16="http://schemas.microsoft.com/office/drawing/2014/main" id="{E03BF673-8C68-4092-BF1B-53C57EFEC21F}"/>
-              </a:ext>
-              <a:ext uri="{C183D7F6-B498-43B3-948B-1728B52AA6E4}">
-                <adec:decorative xmlns:adec="http://schemas.microsoft.com/office/drawing/2017/decorative" val="1"/>
-              </a:ext>
-            </a:extLst>
-          </p:cNvPr>
-          <p:cNvSpPr>
-            <a:spLocks noGrp="1" noRot="1" noChangeAspect="1" noMove="1" noResize="1" noEditPoints="1" noAdjustHandles="1" noChangeArrowheads="1" noChangeShapeType="1" noTextEdit="1"/>
-          </p:cNvSpPr>
-          <p:nvPr>
-            <p:extLst>
-              <p:ext uri="{386F3935-93C4-4BCD-93E2-E3B085C9AB24}">
-                <p16:designElem xmlns:p16="http://schemas.microsoft.com/office/powerpoint/2015/main" val="1"/>
-              </p:ext>
-            </p:extLst>
-          </p:nvPr>
-        </p:nvSpPr>
-        <p:spPr>
-          <a:xfrm>
-            <a:off x="0" y="0"/>
-            <a:ext cx="12188824" cy="6858000"/>
-          </a:xfrm>
-          <a:prstGeom prst="rect">
-            <a:avLst/>
-          </a:prstGeom>
-          <a:ln>
-            <a:noFill/>
-          </a:ln>
-        </p:spPr>
-        <p:style>
-          <a:lnRef idx="2">
-            <a:schemeClr val="accent1">
-              <a:shade val="50000"/>
-            </a:schemeClr>
-          </a:lnRef>
-          <a:fillRef idx="1">
-            <a:schemeClr val="accent1"/>
-          </a:fillRef>
-          <a:effectRef idx="0">
-            <a:schemeClr val="accent1"/>
-          </a:effectRef>
-          <a:fontRef idx="minor">
-            <a:schemeClr val="lt1"/>
-          </a:fontRef>
-        </p:style>
-        <p:txBody>
-          <a:bodyPr rtlCol="0" anchor="ctr"/>
-          <a:lstStyle/>
-          <a:p>
-            <a:pPr algn="ctr"/>
-            <a:endParaRPr lang="en-US"/>
-          </a:p>
-        </p:txBody>
-      </p:sp>
-      <p:sp>
-        <p:nvSpPr>
-          <p:cNvPr id="10" name="Freeform 47">
-            <a:extLst>
-              <a:ext uri="{FF2B5EF4-FFF2-40B4-BE49-F238E27FC236}">
-                <a16:creationId xmlns:a16="http://schemas.microsoft.com/office/drawing/2014/main" id="{08751D95-C333-4DEB-90B4-1EAC9A91DCA3}"/>
-              </a:ext>
-              <a:ext uri="{C183D7F6-B498-43B3-948B-1728B52AA6E4}">
-                <adec:decorative xmlns:adec="http://schemas.microsoft.com/office/drawing/2017/decorative" val="1"/>
-              </a:ext>
-            </a:extLst>
-          </p:cNvPr>
-          <p:cNvSpPr>
-            <a:spLocks noGrp="1" noRot="1" noChangeAspect="1" noMove="1" noResize="1" noEditPoints="1" noAdjustHandles="1" noChangeArrowheads="1" noChangeShapeType="1" noTextEdit="1"/>
-          </p:cNvSpPr>
-          <p:nvPr>
-            <p:extLst>
-              <p:ext uri="{386F3935-93C4-4BCD-93E2-E3B085C9AB24}">
-                <p16:designElem xmlns:p16="http://schemas.microsoft.com/office/powerpoint/2015/main" val="1"/>
-              </p:ext>
-            </p:extLst>
-          </p:nvPr>
-        </p:nvSpPr>
-        <p:spPr bwMode="white">
-          <a:xfrm flipH="1">
-            <a:off x="4062127" y="-15832"/>
-            <a:ext cx="8129873" cy="6889518"/>
-          </a:xfrm>
-          <a:custGeom>
-            <a:avLst/>
-            <a:gdLst>
-              <a:gd name="connsiteX0" fmla="*/ 0 w 8129873"/>
-              <a:gd name="connsiteY0" fmla="*/ 0 h 6889518"/>
-              <a:gd name="connsiteX1" fmla="*/ 0 w 8129873"/>
-              <a:gd name="connsiteY1" fmla="*/ 6889518 h 6889518"/>
-              <a:gd name="connsiteX2" fmla="*/ 6207942 w 8129873"/>
-              <a:gd name="connsiteY2" fmla="*/ 6882299 h 6889518"/>
-              <a:gd name="connsiteX3" fmla="*/ 8129873 w 8129873"/>
-              <a:gd name="connsiteY3" fmla="*/ 5349831 h 6889518"/>
-              <a:gd name="connsiteX4" fmla="*/ 7291674 w 8129873"/>
-              <a:gd name="connsiteY4" fmla="*/ 7365 h 6889518"/>
-            </a:gdLst>
-            <a:ahLst/>
-            <a:cxnLst>
-              <a:cxn ang="0">
-                <a:pos x="connsiteX0" y="connsiteY0"/>
-              </a:cxn>
-              <a:cxn ang="0">
-                <a:pos x="connsiteX1" y="connsiteY1"/>
-              </a:cxn>
-              <a:cxn ang="0">
-                <a:pos x="connsiteX2" y="connsiteY2"/>
-              </a:cxn>
-              <a:cxn ang="0">
-                <a:pos x="connsiteX3" y="connsiteY3"/>
-              </a:cxn>
-              <a:cxn ang="0">
-                <a:pos x="connsiteX4" y="connsiteY4"/>
-              </a:cxn>
-            </a:cxnLst>
-            <a:rect l="l" t="t" r="r" b="b"/>
-            <a:pathLst>
-              <a:path w="8129873" h="6889518">
-                <a:moveTo>
-                  <a:pt x="0" y="0"/>
-                </a:moveTo>
-                <a:lnTo>
-                  <a:pt x="0" y="6889518"/>
-                </a:lnTo>
-                <a:lnTo>
-                  <a:pt x="6207942" y="6882299"/>
-                </a:lnTo>
-                <a:lnTo>
-                  <a:pt x="8129873" y="5349831"/>
-                </a:lnTo>
-                <a:lnTo>
-                  <a:pt x="7291674" y="7365"/>
-                </a:lnTo>
-                <a:close/>
-              </a:path>
-            </a:pathLst>
-          </a:custGeom>
-          <a:solidFill>
-            <a:schemeClr val="tx1">
-              <a:lumMod val="95000"/>
-              <a:lumOff val="5000"/>
-              <a:alpha val="80000"/>
-            </a:schemeClr>
-          </a:solidFill>
-          <a:ln>
-            <a:noFill/>
-          </a:ln>
-          <a:effectLst/>
-        </p:spPr>
-        <p:style>
-          <a:lnRef idx="1">
-            <a:schemeClr val="accent1"/>
-          </a:lnRef>
-          <a:fillRef idx="3">
-            <a:schemeClr val="accent1"/>
-          </a:fillRef>
-          <a:effectRef idx="2">
-            <a:schemeClr val="accent1"/>
-          </a:effectRef>
-          <a:fontRef idx="minor">
-            <a:schemeClr val="lt1"/>
-          </a:fontRef>
-        </p:style>
-        <p:txBody>
-          <a:bodyPr wrap="square" rtlCol="0" anchor="ctr">
-            <a:noAutofit/>
-          </a:bodyPr>
-          <a:lstStyle/>
-          <a:p>
-            <a:pPr algn="ctr"/>
-            <a:endParaRPr lang="en-US"/>
-          </a:p>
-        </p:txBody>
-      </p:sp>
-      <p:grpSp>
-        <p:nvGrpSpPr>
-          <p:cNvPr id="12" name="Group 11">
-            <a:extLst>
-              <a:ext uri="{FF2B5EF4-FFF2-40B4-BE49-F238E27FC236}">
-                <a16:creationId xmlns:a16="http://schemas.microsoft.com/office/drawing/2014/main" id="{FBBA7535-3851-431E-BDA9-B4F6C1201291}"/>
-              </a:ext>
-              <a:ext uri="{C183D7F6-B498-43B3-948B-1728B52AA6E4}">
-                <adec:decorative xmlns:adec="http://schemas.microsoft.com/office/drawing/2017/decorative" val="1"/>
-              </a:ext>
-            </a:extLst>
-          </p:cNvPr>
-          <p:cNvGrpSpPr>
-            <a:grpSpLocks noGrp="1" noUngrp="1" noRot="1" noChangeAspect="1" noMove="1" noResize="1"/>
-          </p:cNvGrpSpPr>
-          <p:nvPr>
-            <p:extLst>
-              <p:ext uri="{386F3935-93C4-4BCD-93E2-E3B085C9AB24}">
-                <p16:designElem xmlns:p16="http://schemas.microsoft.com/office/powerpoint/2015/main" val="1"/>
-              </p:ext>
-            </p:extLst>
-          </p:nvPr>
-        </p:nvGrpSpPr>
-        <p:grpSpPr>
-          <a:xfrm>
-            <a:off x="3413893" y="0"/>
-            <a:ext cx="2436813" cy="6858001"/>
-            <a:chOff x="1320800" y="0"/>
-            <a:chExt cx="2436813" cy="6858001"/>
-          </a:xfrm>
-        </p:grpSpPr>
-        <p:sp>
-          <p:nvSpPr>
-            <p:cNvPr id="13" name="Freeform 6">
-              <a:extLst>
-                <a:ext uri="{FF2B5EF4-FFF2-40B4-BE49-F238E27FC236}">
-                  <a16:creationId xmlns:a16="http://schemas.microsoft.com/office/drawing/2014/main" id="{2F07680B-461A-4AFC-808F-93216679AA2B}"/>
-                </a:ext>
-                <a:ext uri="{C183D7F6-B498-43B3-948B-1728B52AA6E4}">
-                  <adec:decorative xmlns:adec="http://schemas.microsoft.com/office/drawing/2017/decorative" val="1"/>
-                </a:ext>
-              </a:extLst>
-            </p:cNvPr>
-            <p:cNvSpPr/>
-            <p:nvPr>
-              <p:extLst>
-                <p:ext uri="{386F3935-93C4-4BCD-93E2-E3B085C9AB24}">
-                  <p16:designElem xmlns:p16="http://schemas.microsoft.com/office/powerpoint/2015/main" val="1"/>
-                </p:ext>
-              </p:extLst>
-            </p:nvPr>
-          </p:nvSpPr>
-          <p:spPr bwMode="auto">
-            <a:xfrm>
-              <a:off x="1627188" y="0"/>
-              <a:ext cx="1122363" cy="5329238"/>
-            </a:xfrm>
-            <a:custGeom>
-              <a:avLst/>
-              <a:gdLst/>
-              <a:ahLst/>
-              <a:cxnLst/>
-              <a:rect l="0" t="0" r="r" b="b"/>
-              <a:pathLst>
-                <a:path w="707" h="3357">
-                  <a:moveTo>
-                    <a:pt x="0" y="3330"/>
-                  </a:moveTo>
-                  <a:lnTo>
-                    <a:pt x="156" y="3357"/>
-                  </a:lnTo>
-                  <a:lnTo>
-                    <a:pt x="707" y="0"/>
-                  </a:lnTo>
-                  <a:lnTo>
-                    <a:pt x="547" y="0"/>
-                  </a:lnTo>
-                  <a:lnTo>
-                    <a:pt x="0" y="3330"/>
-                  </a:lnTo>
-                  <a:close/>
-                </a:path>
-              </a:pathLst>
-            </a:custGeom>
-            <a:solidFill>
-              <a:schemeClr val="accent1"/>
-            </a:solidFill>
-            <a:ln>
-              <a:noFill/>
-            </a:ln>
-          </p:spPr>
-        </p:sp>
-        <p:sp>
-          <p:nvSpPr>
-            <p:cNvPr id="14" name="Freeform 7">
-              <a:extLst>
-                <a:ext uri="{FF2B5EF4-FFF2-40B4-BE49-F238E27FC236}">
-                  <a16:creationId xmlns:a16="http://schemas.microsoft.com/office/drawing/2014/main" id="{8C864A04-25C0-4A5F-B6D4-F3859450A43E}"/>
-                </a:ext>
-                <a:ext uri="{C183D7F6-B498-43B3-948B-1728B52AA6E4}">
-                  <adec:decorative xmlns:adec="http://schemas.microsoft.com/office/drawing/2017/decorative" val="1"/>
-                </a:ext>
-              </a:extLst>
-            </p:cNvPr>
-            <p:cNvSpPr/>
-            <p:nvPr>
-              <p:extLst>
-                <p:ext uri="{386F3935-93C4-4BCD-93E2-E3B085C9AB24}">
-                  <p16:designElem xmlns:p16="http://schemas.microsoft.com/office/powerpoint/2015/main" val="1"/>
-                </p:ext>
-              </p:extLst>
-            </p:nvPr>
-          </p:nvSpPr>
-          <p:spPr bwMode="auto">
-            <a:xfrm>
-              <a:off x="1320800" y="0"/>
-              <a:ext cx="1117600" cy="5276850"/>
-            </a:xfrm>
-            <a:custGeom>
-              <a:avLst/>
-              <a:gdLst/>
-              <a:ahLst/>
-              <a:cxnLst/>
-              <a:rect l="0" t="0" r="r" b="b"/>
-              <a:pathLst>
-                <a:path w="704" h="3324">
-                  <a:moveTo>
-                    <a:pt x="704" y="0"/>
-                  </a:moveTo>
-                  <a:lnTo>
-                    <a:pt x="545" y="0"/>
-                  </a:lnTo>
-                  <a:lnTo>
-                    <a:pt x="0" y="3300"/>
-                  </a:lnTo>
-                  <a:lnTo>
-                    <a:pt x="157" y="3324"/>
-                  </a:lnTo>
-                  <a:lnTo>
-                    <a:pt x="704" y="0"/>
-                  </a:lnTo>
-                  <a:close/>
-                </a:path>
-              </a:pathLst>
-            </a:custGeom>
-            <a:solidFill>
-              <a:schemeClr val="tx1">
-                <a:lumMod val="65000"/>
-                <a:lumOff val="35000"/>
-              </a:schemeClr>
-            </a:solidFill>
-            <a:ln>
-              <a:noFill/>
-            </a:ln>
-          </p:spPr>
-        </p:sp>
-        <p:sp>
-          <p:nvSpPr>
-            <p:cNvPr id="15" name="Freeform 8">
-              <a:extLst>
-                <a:ext uri="{FF2B5EF4-FFF2-40B4-BE49-F238E27FC236}">
-                  <a16:creationId xmlns:a16="http://schemas.microsoft.com/office/drawing/2014/main" id="{5F596D75-78C8-47A8-9225-7C64A6674748}"/>
-                </a:ext>
-                <a:ext uri="{C183D7F6-B498-43B3-948B-1728B52AA6E4}">
-                  <adec:decorative xmlns:adec="http://schemas.microsoft.com/office/drawing/2017/decorative" val="1"/>
-                </a:ext>
-              </a:extLst>
-            </p:cNvPr>
-            <p:cNvSpPr/>
-            <p:nvPr>
-              <p:extLst>
-                <p:ext uri="{386F3935-93C4-4BCD-93E2-E3B085C9AB24}">
-                  <p16:designElem xmlns:p16="http://schemas.microsoft.com/office/powerpoint/2015/main" val="1"/>
-                </p:ext>
-              </p:extLst>
-            </p:nvPr>
-          </p:nvSpPr>
-          <p:spPr bwMode="auto">
-            <a:xfrm>
-              <a:off x="1320800" y="5238750"/>
-              <a:ext cx="1228725" cy="1619250"/>
-            </a:xfrm>
-            <a:custGeom>
-              <a:avLst/>
-              <a:gdLst/>
-              <a:ahLst/>
-              <a:cxnLst/>
-              <a:rect l="0" t="0" r="r" b="b"/>
-              <a:pathLst>
-                <a:path w="774" h="1020">
-                  <a:moveTo>
-                    <a:pt x="0" y="0"/>
-                  </a:moveTo>
-                  <a:lnTo>
-                    <a:pt x="740" y="1020"/>
-                  </a:lnTo>
-                  <a:lnTo>
-                    <a:pt x="774" y="1020"/>
-                  </a:lnTo>
-                  <a:lnTo>
-                    <a:pt x="0" y="0"/>
-                  </a:lnTo>
-                  <a:close/>
-                </a:path>
-              </a:pathLst>
-            </a:custGeom>
-            <a:solidFill>
-              <a:schemeClr val="tx1">
-                <a:lumMod val="85000"/>
-                <a:lumOff val="15000"/>
-              </a:schemeClr>
-            </a:solidFill>
-            <a:ln>
-              <a:noFill/>
-            </a:ln>
-          </p:spPr>
-        </p:sp>
-        <p:sp>
-          <p:nvSpPr>
-            <p:cNvPr id="16" name="Freeform 9">
-              <a:extLst>
-                <a:ext uri="{FF2B5EF4-FFF2-40B4-BE49-F238E27FC236}">
-                  <a16:creationId xmlns:a16="http://schemas.microsoft.com/office/drawing/2014/main" id="{128D8641-4FEB-4878-B029-6CC4922EB5DF}"/>
-                </a:ext>
-                <a:ext uri="{C183D7F6-B498-43B3-948B-1728B52AA6E4}">
-                  <adec:decorative xmlns:adec="http://schemas.microsoft.com/office/drawing/2017/decorative" val="1"/>
-                </a:ext>
-              </a:extLst>
-            </p:cNvPr>
-            <p:cNvSpPr/>
-            <p:nvPr>
-              <p:extLst>
-                <p:ext uri="{386F3935-93C4-4BCD-93E2-E3B085C9AB24}">
-                  <p16:designElem xmlns:p16="http://schemas.microsoft.com/office/powerpoint/2015/main" val="1"/>
-                </p:ext>
-              </p:extLst>
-            </p:nvPr>
-          </p:nvSpPr>
-          <p:spPr bwMode="auto">
-            <a:xfrm>
-              <a:off x="1627188" y="5291138"/>
-              <a:ext cx="1495425" cy="1566863"/>
-            </a:xfrm>
-            <a:custGeom>
-              <a:avLst/>
-              <a:gdLst/>
-              <a:ahLst/>
-              <a:cxnLst/>
-              <a:rect l="0" t="0" r="r" b="b"/>
-              <a:pathLst>
-                <a:path w="942" h="987">
-                  <a:moveTo>
-                    <a:pt x="0" y="0"/>
-                  </a:moveTo>
-                  <a:lnTo>
-                    <a:pt x="909" y="987"/>
-                  </a:lnTo>
-                  <a:lnTo>
-                    <a:pt x="942" y="987"/>
-                  </a:lnTo>
-                  <a:lnTo>
-                    <a:pt x="0" y="0"/>
-                  </a:lnTo>
-                  <a:close/>
-                </a:path>
-              </a:pathLst>
-            </a:custGeom>
-            <a:solidFill>
-              <a:schemeClr val="accent1">
-                <a:lumMod val="50000"/>
-              </a:schemeClr>
-            </a:solidFill>
-            <a:ln>
-              <a:noFill/>
-            </a:ln>
-          </p:spPr>
-        </p:sp>
-        <p:sp>
-          <p:nvSpPr>
-            <p:cNvPr id="17" name="Freeform 10">
-              <a:extLst>
-                <a:ext uri="{FF2B5EF4-FFF2-40B4-BE49-F238E27FC236}">
-                  <a16:creationId xmlns:a16="http://schemas.microsoft.com/office/drawing/2014/main" id="{BB339737-0E88-4165-A752-9E204068DE70}"/>
-                </a:ext>
-                <a:ext uri="{C183D7F6-B498-43B3-948B-1728B52AA6E4}">
-                  <adec:decorative xmlns:adec="http://schemas.microsoft.com/office/drawing/2017/decorative" val="1"/>
-                </a:ext>
-              </a:extLst>
-            </p:cNvPr>
-            <p:cNvSpPr/>
-            <p:nvPr>
-              <p:extLst>
-                <p:ext uri="{386F3935-93C4-4BCD-93E2-E3B085C9AB24}">
-                  <p16:designElem xmlns:p16="http://schemas.microsoft.com/office/powerpoint/2015/main" val="1"/>
-                </p:ext>
-              </p:extLst>
-            </p:nvPr>
-          </p:nvSpPr>
-          <p:spPr bwMode="auto">
-            <a:xfrm>
-              <a:off x="1627188" y="5286375"/>
-              <a:ext cx="2130425" cy="1571625"/>
-            </a:xfrm>
-            <a:custGeom>
-              <a:avLst/>
-              <a:gdLst/>
-              <a:ahLst/>
-              <a:cxnLst/>
-              <a:rect l="0" t="0" r="r" b="b"/>
-              <a:pathLst>
-                <a:path w="1342" h="990">
-                  <a:moveTo>
-                    <a:pt x="0" y="3"/>
-                  </a:moveTo>
-                  <a:lnTo>
-                    <a:pt x="942" y="990"/>
-                  </a:lnTo>
-                  <a:lnTo>
-                    <a:pt x="1342" y="990"/>
-                  </a:lnTo>
-                  <a:lnTo>
-                    <a:pt x="156" y="27"/>
-                  </a:lnTo>
-                  <a:lnTo>
-                    <a:pt x="0" y="0"/>
-                  </a:lnTo>
-                  <a:lnTo>
-                    <a:pt x="0" y="3"/>
-                  </a:lnTo>
-                  <a:close/>
-                </a:path>
-              </a:pathLst>
-            </a:custGeom>
-            <a:solidFill>
-              <a:schemeClr val="accent1">
-                <a:lumMod val="75000"/>
-              </a:schemeClr>
-            </a:solidFill>
-            <a:ln>
-              <a:noFill/>
-            </a:ln>
-          </p:spPr>
-        </p:sp>
-        <p:sp>
-          <p:nvSpPr>
-            <p:cNvPr id="18" name="Freeform 11">
-              <a:extLst>
-                <a:ext uri="{FF2B5EF4-FFF2-40B4-BE49-F238E27FC236}">
-                  <a16:creationId xmlns:a16="http://schemas.microsoft.com/office/drawing/2014/main" id="{633AF255-B0DD-4D23-A3F2-DDB221BB1B26}"/>
-                </a:ext>
-                <a:ext uri="{C183D7F6-B498-43B3-948B-1728B52AA6E4}">
-                  <adec:decorative xmlns:adec="http://schemas.microsoft.com/office/drawing/2017/decorative" val="1"/>
-                </a:ext>
-              </a:extLst>
-            </p:cNvPr>
-            <p:cNvSpPr/>
-            <p:nvPr>
-              <p:extLst>
-                <p:ext uri="{386F3935-93C4-4BCD-93E2-E3B085C9AB24}">
-                  <p16:designElem xmlns:p16="http://schemas.microsoft.com/office/powerpoint/2015/main" val="1"/>
-                </p:ext>
-              </p:extLst>
-            </p:nvPr>
-          </p:nvSpPr>
-          <p:spPr bwMode="auto">
-            <a:xfrm>
-              <a:off x="1320800" y="5238750"/>
-              <a:ext cx="1695450" cy="1619250"/>
-            </a:xfrm>
-            <a:custGeom>
-              <a:avLst/>
-              <a:gdLst/>
-              <a:ahLst/>
-              <a:cxnLst/>
-              <a:rect l="0" t="0" r="r" b="b"/>
-              <a:pathLst>
-                <a:path w="1068" h="1020">
-                  <a:moveTo>
-                    <a:pt x="1068" y="1020"/>
-                  </a:moveTo>
-                  <a:lnTo>
-                    <a:pt x="184" y="60"/>
-                  </a:lnTo>
-                  <a:lnTo>
-                    <a:pt x="154" y="27"/>
-                  </a:lnTo>
-                  <a:lnTo>
-                    <a:pt x="157" y="27"/>
-                  </a:lnTo>
-                  <a:lnTo>
-                    <a:pt x="157" y="24"/>
-                  </a:lnTo>
-                  <a:lnTo>
-                    <a:pt x="154" y="24"/>
-                  </a:lnTo>
-                  <a:lnTo>
-                    <a:pt x="0" y="0"/>
-                  </a:lnTo>
-                  <a:lnTo>
-                    <a:pt x="0" y="0"/>
-                  </a:lnTo>
-                  <a:lnTo>
-                    <a:pt x="774" y="1020"/>
-                  </a:lnTo>
-                  <a:lnTo>
-                    <a:pt x="1068" y="1020"/>
-                  </a:lnTo>
-                  <a:close/>
-                </a:path>
-              </a:pathLst>
-            </a:custGeom>
-            <a:solidFill>
-              <a:schemeClr val="tx1">
-                <a:lumMod val="75000"/>
-                <a:lumOff val="25000"/>
-              </a:schemeClr>
-            </a:solidFill>
-            <a:ln>
-              <a:noFill/>
-            </a:ln>
-          </p:spPr>
-        </p:sp>
-      </p:grpSp>
-      <p:sp>
-        <p:nvSpPr>
-          <p:cNvPr id="2" name="Title 1">
-            <a:extLst>
-              <a:ext uri="{FF2B5EF4-FFF2-40B4-BE49-F238E27FC236}">
-                <a16:creationId xmlns:a16="http://schemas.microsoft.com/office/drawing/2014/main" id="{5F244F63-20F3-E9EF-2066-EA7242C79684}"/>
-              </a:ext>
-            </a:extLst>
-          </p:cNvPr>
-          <p:cNvSpPr>
-            <a:spLocks noGrp="1"/>
-          </p:cNvSpPr>
-          <p:nvPr>
-            <p:ph type="title"/>
-          </p:nvPr>
-        </p:nvSpPr>
-        <p:spPr>
-          <a:xfrm>
-            <a:off x="412025" y="1072609"/>
-            <a:ext cx="3041557" cy="4522647"/>
-          </a:xfrm>
-          <a:effectLst/>
-        </p:spPr>
-        <p:txBody>
-          <a:bodyPr anchor="ctr">
-            <a:normAutofit/>
-          </a:bodyPr>
-          <a:lstStyle/>
-          <a:p>
-            <a:pPr algn="l"/>
-            <a:r>
-              <a:rPr lang="en-GB" sz="3200" b="1">
-                <a:effectLst/>
-                <a:latin typeface="Arial" panose="020B0604020202020204" pitchFamily="34" charset="0"/>
-                <a:ea typeface="Calibri" panose="020F0502020204030204" pitchFamily="34" charset="0"/>
-                <a:cs typeface="Arial" panose="020B0604020202020204" pitchFamily="34" charset="0"/>
-              </a:rPr>
-              <a:t>Sprint retrospective</a:t>
-            </a:r>
-            <a:br>
-              <a:rPr lang="en-GB" sz="3200">
-                <a:effectLst/>
-                <a:latin typeface="Segoe UI" panose="020B0502040204020203" pitchFamily="34" charset="0"/>
-                <a:ea typeface="Calibri" panose="020F0502020204030204" pitchFamily="34" charset="0"/>
-                <a:cs typeface="Symbol" panose="05050102010706020507" pitchFamily="18" charset="2"/>
-              </a:rPr>
-            </a:br>
-            <a:endParaRPr lang="en-GB" sz="3200"/>
-          </a:p>
-        </p:txBody>
-      </p:sp>
-      <p:sp>
-        <p:nvSpPr>
-          <p:cNvPr id="3" name="Content Placeholder 2">
-            <a:extLst>
-              <a:ext uri="{FF2B5EF4-FFF2-40B4-BE49-F238E27FC236}">
-                <a16:creationId xmlns:a16="http://schemas.microsoft.com/office/drawing/2014/main" id="{B0D5E4C2-5190-C5CA-3830-868E4AE14841}"/>
-              </a:ext>
-            </a:extLst>
-          </p:cNvPr>
-          <p:cNvSpPr>
-            <a:spLocks noGrp="1"/>
-          </p:cNvSpPr>
-          <p:nvPr>
-            <p:ph idx="1"/>
-          </p:nvPr>
-        </p:nvSpPr>
-        <p:spPr>
-          <a:xfrm>
-            <a:off x="5149032" y="1072609"/>
-            <a:ext cx="6652441" cy="4522647"/>
-          </a:xfrm>
-        </p:spPr>
-        <p:txBody>
-          <a:bodyPr anchor="ctr">
-            <a:normAutofit/>
-          </a:bodyPr>
-          <a:lstStyle/>
-          <a:p>
-            <a:pPr>
-              <a:lnSpc>
-                <a:spcPct val="90000"/>
-              </a:lnSpc>
-            </a:pPr>
-            <a:r>
-              <a:rPr lang="en-GB" sz="1700" u="sng">
-                <a:solidFill>
-                  <a:schemeClr val="bg1"/>
-                </a:solidFill>
-                <a:latin typeface="Arial" panose="020B0604020202020204" pitchFamily="34" charset="0"/>
-                <a:ea typeface="Calibri" panose="020F0502020204030204" pitchFamily="34" charset="0"/>
-                <a:cs typeface="Arial" panose="020B0604020202020204" pitchFamily="34" charset="0"/>
-              </a:rPr>
-              <a:t>What went well? </a:t>
-            </a:r>
-          </a:p>
-          <a:p>
-            <a:pPr marL="0" indent="0">
-              <a:lnSpc>
-                <a:spcPct val="90000"/>
-              </a:lnSpc>
-              <a:buNone/>
-            </a:pPr>
-            <a:r>
-              <a:rPr lang="en-GB" sz="1700">
-                <a:solidFill>
-                  <a:schemeClr val="bg1"/>
-                </a:solidFill>
-                <a:latin typeface="Arial" panose="020B0604020202020204" pitchFamily="34" charset="0"/>
-                <a:ea typeface="Calibri" panose="020F0502020204030204" pitchFamily="34" charset="0"/>
-                <a:cs typeface="Arial" panose="020B0604020202020204" pitchFamily="34" charset="0"/>
-              </a:rPr>
-              <a:t>I feel that overall the project went well I feel that I was able to develop my skills and knowledge over the week and I was able to create something which works. it's not perfect yet but it works. I was able to utilise my past experience and knowledge of paperwork and documentation to create a decent trail of screenshots and a risk assessment.</a:t>
-            </a:r>
-          </a:p>
-          <a:p>
-            <a:pPr>
-              <a:lnSpc>
-                <a:spcPct val="90000"/>
-              </a:lnSpc>
-            </a:pPr>
-            <a:r>
-              <a:rPr lang="en-GB" sz="1700" u="sng">
-                <a:solidFill>
-                  <a:schemeClr val="bg1"/>
-                </a:solidFill>
-                <a:latin typeface="Arial" panose="020B0604020202020204" pitchFamily="34" charset="0"/>
-                <a:ea typeface="Calibri" panose="020F0502020204030204" pitchFamily="34" charset="0"/>
-                <a:cs typeface="Arial" panose="020B0604020202020204" pitchFamily="34" charset="0"/>
-              </a:rPr>
-              <a:t>What could be improved</a:t>
-            </a:r>
-          </a:p>
-          <a:p>
-            <a:pPr marL="0" indent="0">
-              <a:lnSpc>
-                <a:spcPct val="90000"/>
-              </a:lnSpc>
-              <a:buNone/>
-            </a:pPr>
-            <a:r>
-              <a:rPr lang="en-GB" sz="1700">
-                <a:solidFill>
-                  <a:schemeClr val="bg1"/>
-                </a:solidFill>
-                <a:latin typeface="Arial" panose="020B0604020202020204" pitchFamily="34" charset="0"/>
-                <a:cs typeface="Arial" panose="020B0604020202020204" pitchFamily="34" charset="0"/>
-              </a:rPr>
-              <a:t>for me what could have been improved is more knowledge on testing and on Jira. I only learn about Jira on Monday and testing was a very small segment which in hindsight needed to be longer as testing was a struggle. I can improve the application a bit further I would like to change a few little things with regards to how things are worded or adding in a few things to make it a bit more user friendly. but I feel for the time and I had given that I'm five weeks in and we've had a quite a few bank holidays to have missed some training days I've done a reasonably good job </a:t>
-            </a:r>
-          </a:p>
-        </p:txBody>
-      </p:sp>
-    </p:spTree>
-    <p:extLst>
-      <p:ext uri="{BB962C8B-B14F-4D97-AF65-F5344CB8AC3E}">
-        <p14:creationId xmlns:p14="http://schemas.microsoft.com/office/powerpoint/2010/main" val="1052100732"/>
-      </p:ext>
-    </p:extLst>
-  </p:cSld>
-  <p:clrMapOvr>
-    <a:masterClrMapping/>
-  </p:clrMapOvr>
-</p:sld>
-</file>
-
-<file path=ppt/slides/slide13.xml><?xml version="1.0" encoding="utf-8"?>
-<p:sld xmlns:a="http://schemas.openxmlformats.org/drawingml/2006/main" xmlns:r="http://schemas.openxmlformats.org/officeDocument/2006/relationships" xmlns:p="http://schemas.openxmlformats.org/presentationml/2006/main">
-  <p:cSld>
-    <p:spTree>
-      <p:nvGrpSpPr>
-        <p:cNvPr id="1" name=""/>
-        <p:cNvGrpSpPr/>
-        <p:nvPr/>
-      </p:nvGrpSpPr>
-      <p:grpSpPr>
-        <a:xfrm>
-          <a:off x="0" y="0"/>
-          <a:ext cx="0" cy="0"/>
-          <a:chOff x="0" y="0"/>
-          <a:chExt cx="0" cy="0"/>
-        </a:xfrm>
-      </p:grpSpPr>
-      <p:sp>
-        <p:nvSpPr>
-          <p:cNvPr id="2" name="Title 1">
-            <a:extLst>
-              <a:ext uri="{FF2B5EF4-FFF2-40B4-BE49-F238E27FC236}">
-                <a16:creationId xmlns:a16="http://schemas.microsoft.com/office/drawing/2014/main" id="{412B8DDF-C3F6-095D-297F-BEB4324B17AE}"/>
-              </a:ext>
-            </a:extLst>
-          </p:cNvPr>
-          <p:cNvSpPr>
-            <a:spLocks noGrp="1"/>
-          </p:cNvSpPr>
-          <p:nvPr>
-            <p:ph type="title"/>
-          </p:nvPr>
-        </p:nvSpPr>
-        <p:spPr/>
-        <p:txBody>
-          <a:bodyPr/>
-          <a:lstStyle/>
-          <a:p>
-            <a:r>
-              <a:rPr lang="en-GB" b="1" dirty="0">
-                <a:solidFill>
-                  <a:srgbClr val="2E2D2C"/>
-                </a:solidFill>
-                <a:latin typeface="Montserrat" panose="00000500000000000000" pitchFamily="2" charset="0"/>
-                <a:ea typeface="Calibri" panose="020F0502020204030204" pitchFamily="34" charset="0"/>
-                <a:cs typeface="Segoe UI" panose="020B0502040204020203" pitchFamily="34" charset="0"/>
-              </a:rPr>
-              <a:t>Conclusion</a:t>
-            </a:r>
-            <a:endParaRPr lang="en-GB" dirty="0"/>
-          </a:p>
-        </p:txBody>
-      </p:sp>
-      <p:sp>
-        <p:nvSpPr>
-          <p:cNvPr id="3" name="Content Placeholder 2">
-            <a:extLst>
-              <a:ext uri="{FF2B5EF4-FFF2-40B4-BE49-F238E27FC236}">
-                <a16:creationId xmlns:a16="http://schemas.microsoft.com/office/drawing/2014/main" id="{243FB99D-C4B4-ADAF-2E31-CD7CC7981FDA}"/>
-              </a:ext>
-            </a:extLst>
-          </p:cNvPr>
-          <p:cNvSpPr>
-            <a:spLocks noGrp="1"/>
-          </p:cNvSpPr>
-          <p:nvPr>
-            <p:ph idx="1"/>
-          </p:nvPr>
-        </p:nvSpPr>
-        <p:spPr/>
-        <p:txBody>
-          <a:bodyPr>
-            <a:normAutofit fontScale="85000" lnSpcReduction="20000"/>
-          </a:bodyPr>
-          <a:lstStyle/>
-          <a:p>
-            <a:pPr marL="342900" lvl="0" indent="-342900">
-              <a:lnSpc>
-                <a:spcPct val="107000"/>
-              </a:lnSpc>
-              <a:buFont typeface="Symbol" panose="05050102010706020507" pitchFamily="18" charset="2"/>
-              <a:buChar char=""/>
-            </a:pPr>
-            <a:r>
-              <a:rPr lang="en-GB" sz="2400" u="sng" dirty="0">
-                <a:solidFill>
-                  <a:schemeClr val="tx1"/>
-                </a:solidFill>
-                <a:effectLst/>
-                <a:latin typeface="Arial" panose="020B0604020202020204" pitchFamily="34" charset="0"/>
-                <a:ea typeface="Calibri" panose="020F0502020204030204" pitchFamily="34" charset="0"/>
-                <a:cs typeface="Arial" panose="020B0604020202020204" pitchFamily="34" charset="0"/>
-              </a:rPr>
-              <a:t>Reflections on the project, future steps, any other relevant info</a:t>
-            </a:r>
-          </a:p>
-          <a:p>
-            <a:pPr marL="0" lvl="0" indent="0">
-              <a:lnSpc>
-                <a:spcPct val="107000"/>
-              </a:lnSpc>
-              <a:buNone/>
-            </a:pPr>
-            <a:r>
-              <a:rPr lang="en-GB" sz="2400" dirty="0">
-                <a:solidFill>
-                  <a:schemeClr val="tx1"/>
-                </a:solidFill>
-                <a:effectLst/>
-                <a:latin typeface="Arial" panose="020B0604020202020204" pitchFamily="34" charset="0"/>
-                <a:ea typeface="Calibri" panose="020F0502020204030204" pitchFamily="34" charset="0"/>
-                <a:cs typeface="Arial" panose="020B0604020202020204" pitchFamily="34" charset="0"/>
-              </a:rPr>
-              <a:t>In conclusion first and foremost I would like to thank all of my trainers over the past five weeks because if it wasn't for them and their continued support I would not have been able to create the application. I feel it is given me a understanding of what's to come with regards to the workspace which I'm also thankful for. I’m also glad that it's over is there have been very many late nights working on the project but I can sit here and tell you with confidence that I'm happy with my performance over the week. I would like to thank you for your time, I would like to take questions After I've shown you some of my screenshots from the project. </a:t>
-            </a:r>
-          </a:p>
-          <a:p>
-            <a:pPr marL="0" lvl="0" indent="0">
-              <a:lnSpc>
-                <a:spcPct val="107000"/>
-              </a:lnSpc>
-              <a:buNone/>
-            </a:pPr>
-            <a:r>
-              <a:rPr lang="en-GB" sz="2400" dirty="0">
-                <a:solidFill>
-                  <a:schemeClr val="tx1"/>
-                </a:solidFill>
-                <a:latin typeface="Arial" panose="020B0604020202020204" pitchFamily="34" charset="0"/>
-                <a:ea typeface="Calibri" panose="020F0502020204030204" pitchFamily="34" charset="0"/>
-                <a:cs typeface="Arial" panose="020B0604020202020204" pitchFamily="34" charset="0"/>
-              </a:rPr>
-              <a:t>Thank you</a:t>
-            </a:r>
-            <a:endParaRPr lang="en-GB" sz="2400" dirty="0">
-              <a:solidFill>
-                <a:schemeClr val="tx1"/>
-              </a:solidFill>
-              <a:effectLst/>
-              <a:latin typeface="Arial" panose="020B0604020202020204" pitchFamily="34" charset="0"/>
-              <a:ea typeface="Calibri" panose="020F0502020204030204" pitchFamily="34" charset="0"/>
-              <a:cs typeface="Arial" panose="020B0604020202020204" pitchFamily="34" charset="0"/>
-            </a:endParaRPr>
-          </a:p>
-          <a:p>
-            <a:endParaRPr lang="en-GB" dirty="0"/>
-          </a:p>
-        </p:txBody>
-      </p:sp>
-    </p:spTree>
-    <p:extLst>
-      <p:ext uri="{BB962C8B-B14F-4D97-AF65-F5344CB8AC3E}">
-        <p14:creationId xmlns:p14="http://schemas.microsoft.com/office/powerpoint/2010/main" val="2825042780"/>
-      </p:ext>
-    </p:extLst>
-  </p:cSld>
-  <p:clrMapOvr>
-    <a:masterClrMapping/>
-  </p:clrMapOvr>
-</p:sld>
-</file>
-
-<file path=ppt/slides/slide14.xml><?xml version="1.0" encoding="utf-8"?>
-<p:sld xmlns:a="http://schemas.openxmlformats.org/drawingml/2006/main" xmlns:r="http://schemas.openxmlformats.org/officeDocument/2006/relationships" xmlns:p="http://schemas.openxmlformats.org/presentationml/2006/main">
-  <p:cSld>
-    <p:spTree>
-      <p:nvGrpSpPr>
-        <p:cNvPr id="1" name=""/>
-        <p:cNvGrpSpPr/>
-        <p:nvPr/>
-      </p:nvGrpSpPr>
-      <p:grpSpPr>
-        <a:xfrm>
-          <a:off x="0" y="0"/>
-          <a:ext cx="0" cy="0"/>
-          <a:chOff x="0" y="0"/>
-          <a:chExt cx="0" cy="0"/>
-        </a:xfrm>
-      </p:grpSpPr>
-      <p:sp>
-        <p:nvSpPr>
-          <p:cNvPr id="2" name="Title 1">
-            <a:extLst>
-              <a:ext uri="{FF2B5EF4-FFF2-40B4-BE49-F238E27FC236}">
-                <a16:creationId xmlns:a16="http://schemas.microsoft.com/office/drawing/2014/main" id="{F436B140-8063-88F6-CEE0-22866C0C4EF8}"/>
-              </a:ext>
-            </a:extLst>
-          </p:cNvPr>
-          <p:cNvSpPr>
-            <a:spLocks noGrp="1"/>
-          </p:cNvSpPr>
-          <p:nvPr>
-            <p:ph type="title"/>
-          </p:nvPr>
-        </p:nvSpPr>
-        <p:spPr/>
-        <p:txBody>
-          <a:bodyPr>
-            <a:normAutofit fontScale="90000"/>
-          </a:bodyPr>
-          <a:lstStyle/>
-          <a:p>
-            <a:r>
-              <a:rPr lang="en-GB" sz="4400" dirty="0">
-                <a:solidFill>
-                  <a:srgbClr val="2E2D2C"/>
-                </a:solidFill>
-                <a:effectLst/>
-                <a:latin typeface="Montserrat Light" panose="00000400000000000000" pitchFamily="2" charset="0"/>
-                <a:ea typeface="Calibri" panose="020F0502020204030204" pitchFamily="34" charset="0"/>
-                <a:cs typeface="Symbol" panose="05050102010706020507" pitchFamily="18" charset="2"/>
-              </a:rPr>
-              <a:t>Diagrams and/or screenshots used where appropriate</a:t>
-            </a:r>
-            <a:br>
-              <a:rPr lang="en-GB" sz="4400" dirty="0">
-                <a:solidFill>
-                  <a:srgbClr val="2E2D2C"/>
-                </a:solidFill>
-                <a:effectLst/>
-                <a:latin typeface="Segoe UI" panose="020B0502040204020203" pitchFamily="34" charset="0"/>
-                <a:ea typeface="Calibri" panose="020F0502020204030204" pitchFamily="34" charset="0"/>
-                <a:cs typeface="Symbol" panose="05050102010706020507" pitchFamily="18" charset="2"/>
-              </a:rPr>
-            </a:br>
-            <a:endParaRPr lang="en-GB" dirty="0"/>
-          </a:p>
-        </p:txBody>
-      </p:sp>
-      <p:sp>
-        <p:nvSpPr>
-          <p:cNvPr id="3" name="Content Placeholder 2">
-            <a:extLst>
-              <a:ext uri="{FF2B5EF4-FFF2-40B4-BE49-F238E27FC236}">
-                <a16:creationId xmlns:a16="http://schemas.microsoft.com/office/drawing/2014/main" id="{8201C0F4-A230-ECBB-C1C4-FC300133558B}"/>
-              </a:ext>
-            </a:extLst>
-          </p:cNvPr>
-          <p:cNvSpPr>
-            <a:spLocks noGrp="1"/>
-          </p:cNvSpPr>
-          <p:nvPr>
-            <p:ph idx="1"/>
-          </p:nvPr>
-        </p:nvSpPr>
-        <p:spPr/>
-        <p:txBody>
-          <a:bodyPr/>
-          <a:lstStyle/>
-          <a:p>
-            <a:r>
-              <a:rPr lang="en-GB" dirty="0">
-                <a:hlinkClick r:id="rId2" action="ppaction://hlinkfile"/>
-              </a:rPr>
-              <a:t>C:\Users\ajpch\PROJECT 1\Documentation\Screen shots.docx</a:t>
-            </a:r>
-            <a:endParaRPr lang="en-GB" dirty="0"/>
-          </a:p>
-        </p:txBody>
-      </p:sp>
-    </p:spTree>
-    <p:extLst>
-      <p:ext uri="{BB962C8B-B14F-4D97-AF65-F5344CB8AC3E}">
-        <p14:creationId xmlns:p14="http://schemas.microsoft.com/office/powerpoint/2010/main" val="1495923537"/>
-      </p:ext>
-    </p:extLst>
-  </p:cSld>
-  <p:clrMapOvr>
-    <a:masterClrMapping/>
-  </p:clrMapOvr>
-</p:sld>
-</file>
-
-<file path=ppt/slides/slide2.xml><?xml version="1.0" encoding="utf-8"?>
-<p:sld xmlns:a="http://schemas.openxmlformats.org/drawingml/2006/main" xmlns:r="http://schemas.openxmlformats.org/officeDocument/2006/relationships" xmlns:p="http://schemas.openxmlformats.org/presentationml/2006/main">
-  <p:cSld>
-    <p:bg>
-      <p:bgPr>
-        <a:blipFill rotWithShape="1">
-          <a:blip r:embed="rId2">
-            <a:duotone>
-              <a:schemeClr val="bg2">
-                <a:shade val="76000"/>
-                <a:satMod val="180000"/>
-              </a:schemeClr>
-              <a:schemeClr val="bg2">
-                <a:tint val="80000"/>
-                <a:satMod val="120000"/>
-                <a:lumMod val="180000"/>
-              </a:schemeClr>
-            </a:duotone>
-          </a:blip>
-          <a:stretch/>
-        </a:blipFill>
-        <a:effectLst/>
-      </p:bgPr>
-    </p:bg>
-    <p:spTree>
-      <p:nvGrpSpPr>
-        <p:cNvPr id="1" name=""/>
-        <p:cNvGrpSpPr/>
-        <p:nvPr/>
-      </p:nvGrpSpPr>
-      <p:grpSpPr>
-        <a:xfrm>
-          <a:off x="0" y="0"/>
-          <a:ext cx="0" cy="0"/>
-          <a:chOff x="0" y="0"/>
-          <a:chExt cx="0" cy="0"/>
-        </a:xfrm>
-      </p:grpSpPr>
-      <p:sp useBgFill="1">
-        <p:nvSpPr>
-          <p:cNvPr id="26" name="Rectangle 25">
-            <a:extLst>
-              <a:ext uri="{FF2B5EF4-FFF2-40B4-BE49-F238E27FC236}">
-                <a16:creationId xmlns:a16="http://schemas.microsoft.com/office/drawing/2014/main" id="{E03BF673-8C68-4092-BF1B-53C57EFEC21F}"/>
-              </a:ext>
-              <a:ext uri="{C183D7F6-B498-43B3-948B-1728B52AA6E4}">
-                <adec:decorative xmlns:adec="http://schemas.microsoft.com/office/drawing/2017/decorative" val="1"/>
-              </a:ext>
-            </a:extLst>
-          </p:cNvPr>
-          <p:cNvSpPr>
-            <a:spLocks noGrp="1" noRot="1" noChangeAspect="1" noMove="1" noResize="1" noEditPoints="1" noAdjustHandles="1" noChangeArrowheads="1" noChangeShapeType="1" noTextEdit="1"/>
-          </p:cNvSpPr>
-          <p:nvPr>
-            <p:extLst>
-              <p:ext uri="{386F3935-93C4-4BCD-93E2-E3B085C9AB24}">
-                <p16:designElem xmlns:p16="http://schemas.microsoft.com/office/powerpoint/2015/main" val="1"/>
-              </p:ext>
-            </p:extLst>
-          </p:nvPr>
-        </p:nvSpPr>
-        <p:spPr>
-          <a:xfrm>
-            <a:off x="0" y="0"/>
-            <a:ext cx="12188824" cy="6858000"/>
-          </a:xfrm>
-          <a:prstGeom prst="rect">
-            <a:avLst/>
-          </a:prstGeom>
-          <a:ln>
-            <a:noFill/>
-          </a:ln>
-        </p:spPr>
-        <p:style>
-          <a:lnRef idx="2">
-            <a:schemeClr val="accent1">
-              <a:shade val="50000"/>
-            </a:schemeClr>
-          </a:lnRef>
-          <a:fillRef idx="1">
-            <a:schemeClr val="accent1"/>
-          </a:fillRef>
-          <a:effectRef idx="0">
-            <a:schemeClr val="accent1"/>
-          </a:effectRef>
-          <a:fontRef idx="minor">
-            <a:schemeClr val="lt1"/>
-          </a:fontRef>
-        </p:style>
-        <p:txBody>
-          <a:bodyPr rtlCol="0" anchor="ctr"/>
-          <a:lstStyle/>
-          <a:p>
-            <a:pPr algn="ctr"/>
-            <a:endParaRPr lang="en-US"/>
-          </a:p>
-        </p:txBody>
-      </p:sp>
-      <p:sp>
-        <p:nvSpPr>
-          <p:cNvPr id="28" name="Freeform 47">
-            <a:extLst>
-              <a:ext uri="{FF2B5EF4-FFF2-40B4-BE49-F238E27FC236}">
-                <a16:creationId xmlns:a16="http://schemas.microsoft.com/office/drawing/2014/main" id="{08751D95-C333-4DEB-90B4-1EAC9A91DCA3}"/>
-              </a:ext>
-              <a:ext uri="{C183D7F6-B498-43B3-948B-1728B52AA6E4}">
-                <adec:decorative xmlns:adec="http://schemas.microsoft.com/office/drawing/2017/decorative" val="1"/>
-              </a:ext>
-            </a:extLst>
-          </p:cNvPr>
-          <p:cNvSpPr>
-            <a:spLocks noGrp="1" noRot="1" noChangeAspect="1" noMove="1" noResize="1" noEditPoints="1" noAdjustHandles="1" noChangeArrowheads="1" noChangeShapeType="1" noTextEdit="1"/>
-          </p:cNvSpPr>
-          <p:nvPr>
-            <p:extLst>
-              <p:ext uri="{386F3935-93C4-4BCD-93E2-E3B085C9AB24}">
-                <p16:designElem xmlns:p16="http://schemas.microsoft.com/office/powerpoint/2015/main" val="1"/>
-              </p:ext>
-            </p:extLst>
-          </p:nvPr>
-        </p:nvSpPr>
-        <p:spPr bwMode="white">
-          <a:xfrm flipH="1">
-            <a:off x="4062127" y="-15832"/>
-            <a:ext cx="8129873" cy="6889518"/>
-          </a:xfrm>
-          <a:custGeom>
-            <a:avLst/>
-            <a:gdLst>
-              <a:gd name="connsiteX0" fmla="*/ 0 w 8129873"/>
-              <a:gd name="connsiteY0" fmla="*/ 0 h 6889518"/>
-              <a:gd name="connsiteX1" fmla="*/ 0 w 8129873"/>
-              <a:gd name="connsiteY1" fmla="*/ 6889518 h 6889518"/>
-              <a:gd name="connsiteX2" fmla="*/ 6207942 w 8129873"/>
-              <a:gd name="connsiteY2" fmla="*/ 6882299 h 6889518"/>
-              <a:gd name="connsiteX3" fmla="*/ 8129873 w 8129873"/>
-              <a:gd name="connsiteY3" fmla="*/ 5349831 h 6889518"/>
-              <a:gd name="connsiteX4" fmla="*/ 7291674 w 8129873"/>
-              <a:gd name="connsiteY4" fmla="*/ 7365 h 6889518"/>
-            </a:gdLst>
-            <a:ahLst/>
-            <a:cxnLst>
-              <a:cxn ang="0">
-                <a:pos x="connsiteX0" y="connsiteY0"/>
-              </a:cxn>
-              <a:cxn ang="0">
-                <a:pos x="connsiteX1" y="connsiteY1"/>
-              </a:cxn>
-              <a:cxn ang="0">
-                <a:pos x="connsiteX2" y="connsiteY2"/>
-              </a:cxn>
-              <a:cxn ang="0">
-                <a:pos x="connsiteX3" y="connsiteY3"/>
-              </a:cxn>
-              <a:cxn ang="0">
-                <a:pos x="connsiteX4" y="connsiteY4"/>
-              </a:cxn>
-            </a:cxnLst>
-            <a:rect l="l" t="t" r="r" b="b"/>
-            <a:pathLst>
-              <a:path w="8129873" h="6889518">
-                <a:moveTo>
-                  <a:pt x="0" y="0"/>
-                </a:moveTo>
-                <a:lnTo>
-                  <a:pt x="0" y="6889518"/>
-                </a:lnTo>
-                <a:lnTo>
-                  <a:pt x="6207942" y="6882299"/>
-                </a:lnTo>
-                <a:lnTo>
-                  <a:pt x="8129873" y="5349831"/>
-                </a:lnTo>
-                <a:lnTo>
-                  <a:pt x="7291674" y="7365"/>
-                </a:lnTo>
-                <a:close/>
-              </a:path>
-            </a:pathLst>
-          </a:custGeom>
-          <a:solidFill>
-            <a:schemeClr val="tx1">
-              <a:lumMod val="95000"/>
-              <a:lumOff val="5000"/>
-              <a:alpha val="80000"/>
-            </a:schemeClr>
-          </a:solidFill>
-          <a:ln>
-            <a:noFill/>
-          </a:ln>
-          <a:effectLst/>
-        </p:spPr>
-        <p:style>
-          <a:lnRef idx="1">
-            <a:schemeClr val="accent1"/>
-          </a:lnRef>
-          <a:fillRef idx="3">
-            <a:schemeClr val="accent1"/>
-          </a:fillRef>
-          <a:effectRef idx="2">
-            <a:schemeClr val="accent1"/>
-          </a:effectRef>
-          <a:fontRef idx="minor">
-            <a:schemeClr val="lt1"/>
-          </a:fontRef>
-        </p:style>
-        <p:txBody>
-          <a:bodyPr wrap="square" rtlCol="0" anchor="ctr">
-            <a:noAutofit/>
-          </a:bodyPr>
-          <a:lstStyle/>
-          <a:p>
-            <a:pPr algn="ctr"/>
-            <a:endParaRPr lang="en-US"/>
-          </a:p>
-        </p:txBody>
-      </p:sp>
-      <p:grpSp>
-        <p:nvGrpSpPr>
-          <p:cNvPr id="30" name="Group 29">
-            <a:extLst>
-              <a:ext uri="{FF2B5EF4-FFF2-40B4-BE49-F238E27FC236}">
-                <a16:creationId xmlns:a16="http://schemas.microsoft.com/office/drawing/2014/main" id="{FBBA7535-3851-431E-BDA9-B4F6C1201291}"/>
-              </a:ext>
-              <a:ext uri="{C183D7F6-B498-43B3-948B-1728B52AA6E4}">
-                <adec:decorative xmlns:adec="http://schemas.microsoft.com/office/drawing/2017/decorative" val="1"/>
-              </a:ext>
-            </a:extLst>
-          </p:cNvPr>
-          <p:cNvGrpSpPr>
-            <a:grpSpLocks noGrp="1" noUngrp="1" noRot="1" noChangeAspect="1" noMove="1" noResize="1"/>
-          </p:cNvGrpSpPr>
-          <p:nvPr>
-            <p:extLst>
-              <p:ext uri="{386F3935-93C4-4BCD-93E2-E3B085C9AB24}">
-                <p16:designElem xmlns:p16="http://schemas.microsoft.com/office/powerpoint/2015/main" val="1"/>
-              </p:ext>
-            </p:extLst>
-          </p:nvPr>
-        </p:nvGrpSpPr>
-        <p:grpSpPr>
-          <a:xfrm>
-            <a:off x="3413893" y="0"/>
-            <a:ext cx="2436813" cy="6858001"/>
-            <a:chOff x="1320800" y="0"/>
-            <a:chExt cx="2436813" cy="6858001"/>
-          </a:xfrm>
-        </p:grpSpPr>
-        <p:sp>
-          <p:nvSpPr>
-            <p:cNvPr id="31" name="Freeform 6">
-              <a:extLst>
-                <a:ext uri="{FF2B5EF4-FFF2-40B4-BE49-F238E27FC236}">
-                  <a16:creationId xmlns:a16="http://schemas.microsoft.com/office/drawing/2014/main" id="{2F07680B-461A-4AFC-808F-93216679AA2B}"/>
-                </a:ext>
-                <a:ext uri="{C183D7F6-B498-43B3-948B-1728B52AA6E4}">
-                  <adec:decorative xmlns:adec="http://schemas.microsoft.com/office/drawing/2017/decorative" val="1"/>
-                </a:ext>
-              </a:extLst>
-            </p:cNvPr>
-            <p:cNvSpPr/>
-            <p:nvPr>
-              <p:extLst>
-                <p:ext uri="{386F3935-93C4-4BCD-93E2-E3B085C9AB24}">
-                  <p16:designElem xmlns:p16="http://schemas.microsoft.com/office/powerpoint/2015/main" val="1"/>
-                </p:ext>
-              </p:extLst>
-            </p:nvPr>
-          </p:nvSpPr>
-          <p:spPr bwMode="auto">
-            <a:xfrm>
-              <a:off x="1627188" y="0"/>
-              <a:ext cx="1122363" cy="5329238"/>
-            </a:xfrm>
-            <a:custGeom>
-              <a:avLst/>
-              <a:gdLst/>
-              <a:ahLst/>
-              <a:cxnLst/>
-              <a:rect l="0" t="0" r="r" b="b"/>
-              <a:pathLst>
-                <a:path w="707" h="3357">
-                  <a:moveTo>
-                    <a:pt x="0" y="3330"/>
-                  </a:moveTo>
-                  <a:lnTo>
-                    <a:pt x="156" y="3357"/>
-                  </a:lnTo>
-                  <a:lnTo>
-                    <a:pt x="707" y="0"/>
-                  </a:lnTo>
-                  <a:lnTo>
-                    <a:pt x="547" y="0"/>
-                  </a:lnTo>
-                  <a:lnTo>
-                    <a:pt x="0" y="3330"/>
-                  </a:lnTo>
-                  <a:close/>
-                </a:path>
-              </a:pathLst>
-            </a:custGeom>
-            <a:solidFill>
-              <a:schemeClr val="accent1"/>
-            </a:solidFill>
-            <a:ln>
-              <a:noFill/>
-            </a:ln>
-          </p:spPr>
-        </p:sp>
-        <p:sp>
-          <p:nvSpPr>
-            <p:cNvPr id="32" name="Freeform 7">
-              <a:extLst>
-                <a:ext uri="{FF2B5EF4-FFF2-40B4-BE49-F238E27FC236}">
-                  <a16:creationId xmlns:a16="http://schemas.microsoft.com/office/drawing/2014/main" id="{8C864A04-25C0-4A5F-B6D4-F3859450A43E}"/>
-                </a:ext>
-                <a:ext uri="{C183D7F6-B498-43B3-948B-1728B52AA6E4}">
-                  <adec:decorative xmlns:adec="http://schemas.microsoft.com/office/drawing/2017/decorative" val="1"/>
-                </a:ext>
-              </a:extLst>
-            </p:cNvPr>
-            <p:cNvSpPr/>
-            <p:nvPr>
-              <p:extLst>
-                <p:ext uri="{386F3935-93C4-4BCD-93E2-E3B085C9AB24}">
-                  <p16:designElem xmlns:p16="http://schemas.microsoft.com/office/powerpoint/2015/main" val="1"/>
-                </p:ext>
-              </p:extLst>
-            </p:nvPr>
-          </p:nvSpPr>
-          <p:spPr bwMode="auto">
-            <a:xfrm>
-              <a:off x="1320800" y="0"/>
-              <a:ext cx="1117600" cy="5276850"/>
-            </a:xfrm>
-            <a:custGeom>
-              <a:avLst/>
-              <a:gdLst/>
-              <a:ahLst/>
-              <a:cxnLst/>
-              <a:rect l="0" t="0" r="r" b="b"/>
-              <a:pathLst>
-                <a:path w="704" h="3324">
-                  <a:moveTo>
-                    <a:pt x="704" y="0"/>
-                  </a:moveTo>
-                  <a:lnTo>
-                    <a:pt x="545" y="0"/>
-                  </a:lnTo>
-                  <a:lnTo>
-                    <a:pt x="0" y="3300"/>
-                  </a:lnTo>
-                  <a:lnTo>
-                    <a:pt x="157" y="3324"/>
-                  </a:lnTo>
-                  <a:lnTo>
-                    <a:pt x="704" y="0"/>
-                  </a:lnTo>
-                  <a:close/>
-                </a:path>
-              </a:pathLst>
-            </a:custGeom>
-            <a:solidFill>
-              <a:schemeClr val="tx1">
-                <a:lumMod val="65000"/>
-                <a:lumOff val="35000"/>
-              </a:schemeClr>
-            </a:solidFill>
-            <a:ln>
-              <a:noFill/>
-            </a:ln>
-          </p:spPr>
-        </p:sp>
-        <p:sp>
-          <p:nvSpPr>
-            <p:cNvPr id="33" name="Freeform 8">
-              <a:extLst>
-                <a:ext uri="{FF2B5EF4-FFF2-40B4-BE49-F238E27FC236}">
-                  <a16:creationId xmlns:a16="http://schemas.microsoft.com/office/drawing/2014/main" id="{5F596D75-78C8-47A8-9225-7C64A6674748}"/>
-                </a:ext>
-                <a:ext uri="{C183D7F6-B498-43B3-948B-1728B52AA6E4}">
-                  <adec:decorative xmlns:adec="http://schemas.microsoft.com/office/drawing/2017/decorative" val="1"/>
-                </a:ext>
-              </a:extLst>
-            </p:cNvPr>
-            <p:cNvSpPr/>
-            <p:nvPr>
-              <p:extLst>
-                <p:ext uri="{386F3935-93C4-4BCD-93E2-E3B085C9AB24}">
-                  <p16:designElem xmlns:p16="http://schemas.microsoft.com/office/powerpoint/2015/main" val="1"/>
-                </p:ext>
-              </p:extLst>
-            </p:nvPr>
-          </p:nvSpPr>
-          <p:spPr bwMode="auto">
-            <a:xfrm>
-              <a:off x="1320800" y="5238750"/>
-              <a:ext cx="1228725" cy="1619250"/>
-            </a:xfrm>
-            <a:custGeom>
-              <a:avLst/>
-              <a:gdLst/>
-              <a:ahLst/>
-              <a:cxnLst/>
-              <a:rect l="0" t="0" r="r" b="b"/>
-              <a:pathLst>
-                <a:path w="774" h="1020">
-                  <a:moveTo>
-                    <a:pt x="0" y="0"/>
-                  </a:moveTo>
-                  <a:lnTo>
-                    <a:pt x="740" y="1020"/>
-                  </a:lnTo>
-                  <a:lnTo>
-                    <a:pt x="774" y="1020"/>
-                  </a:lnTo>
-                  <a:lnTo>
-                    <a:pt x="0" y="0"/>
-                  </a:lnTo>
-                  <a:close/>
-                </a:path>
-              </a:pathLst>
-            </a:custGeom>
-            <a:solidFill>
-              <a:schemeClr val="tx1">
-                <a:lumMod val="85000"/>
-                <a:lumOff val="15000"/>
-              </a:schemeClr>
-            </a:solidFill>
-            <a:ln>
-              <a:noFill/>
-            </a:ln>
-          </p:spPr>
-        </p:sp>
-        <p:sp>
-          <p:nvSpPr>
-            <p:cNvPr id="34" name="Freeform 9">
-              <a:extLst>
-                <a:ext uri="{FF2B5EF4-FFF2-40B4-BE49-F238E27FC236}">
-                  <a16:creationId xmlns:a16="http://schemas.microsoft.com/office/drawing/2014/main" id="{128D8641-4FEB-4878-B029-6CC4922EB5DF}"/>
-                </a:ext>
-                <a:ext uri="{C183D7F6-B498-43B3-948B-1728B52AA6E4}">
-                  <adec:decorative xmlns:adec="http://schemas.microsoft.com/office/drawing/2017/decorative" val="1"/>
-                </a:ext>
-              </a:extLst>
-            </p:cNvPr>
-            <p:cNvSpPr/>
-            <p:nvPr>
-              <p:extLst>
-                <p:ext uri="{386F3935-93C4-4BCD-93E2-E3B085C9AB24}">
-                  <p16:designElem xmlns:p16="http://schemas.microsoft.com/office/powerpoint/2015/main" val="1"/>
-                </p:ext>
-              </p:extLst>
-            </p:nvPr>
-          </p:nvSpPr>
-          <p:spPr bwMode="auto">
-            <a:xfrm>
-              <a:off x="1627188" y="5291138"/>
-              <a:ext cx="1495425" cy="1566863"/>
-            </a:xfrm>
-            <a:custGeom>
-              <a:avLst/>
-              <a:gdLst/>
-              <a:ahLst/>
-              <a:cxnLst/>
-              <a:rect l="0" t="0" r="r" b="b"/>
-              <a:pathLst>
-                <a:path w="942" h="987">
-                  <a:moveTo>
-                    <a:pt x="0" y="0"/>
-                  </a:moveTo>
-                  <a:lnTo>
-                    <a:pt x="909" y="987"/>
-                  </a:lnTo>
-                  <a:lnTo>
-                    <a:pt x="942" y="987"/>
-                  </a:lnTo>
-                  <a:lnTo>
-                    <a:pt x="0" y="0"/>
-                  </a:lnTo>
-                  <a:close/>
-                </a:path>
-              </a:pathLst>
-            </a:custGeom>
-            <a:solidFill>
-              <a:schemeClr val="accent1">
-                <a:lumMod val="50000"/>
-              </a:schemeClr>
-            </a:solidFill>
-            <a:ln>
-              <a:noFill/>
-            </a:ln>
-          </p:spPr>
-        </p:sp>
-        <p:sp>
-          <p:nvSpPr>
-            <p:cNvPr id="35" name="Freeform 10">
-              <a:extLst>
-                <a:ext uri="{FF2B5EF4-FFF2-40B4-BE49-F238E27FC236}">
-                  <a16:creationId xmlns:a16="http://schemas.microsoft.com/office/drawing/2014/main" id="{BB339737-0E88-4165-A752-9E204068DE70}"/>
-                </a:ext>
-                <a:ext uri="{C183D7F6-B498-43B3-948B-1728B52AA6E4}">
-                  <adec:decorative xmlns:adec="http://schemas.microsoft.com/office/drawing/2017/decorative" val="1"/>
-                </a:ext>
-              </a:extLst>
-            </p:cNvPr>
-            <p:cNvSpPr/>
-            <p:nvPr>
-              <p:extLst>
-                <p:ext uri="{386F3935-93C4-4BCD-93E2-E3B085C9AB24}">
-                  <p16:designElem xmlns:p16="http://schemas.microsoft.com/office/powerpoint/2015/main" val="1"/>
-                </p:ext>
-              </p:extLst>
-            </p:nvPr>
-          </p:nvSpPr>
-          <p:spPr bwMode="auto">
-            <a:xfrm>
-              <a:off x="1627188" y="5286375"/>
-              <a:ext cx="2130425" cy="1571625"/>
-            </a:xfrm>
-            <a:custGeom>
-              <a:avLst/>
-              <a:gdLst/>
-              <a:ahLst/>
-              <a:cxnLst/>
-              <a:rect l="0" t="0" r="r" b="b"/>
-              <a:pathLst>
-                <a:path w="1342" h="990">
-                  <a:moveTo>
-                    <a:pt x="0" y="3"/>
-                  </a:moveTo>
-                  <a:lnTo>
-                    <a:pt x="942" y="990"/>
-                  </a:lnTo>
-                  <a:lnTo>
-                    <a:pt x="1342" y="990"/>
-                  </a:lnTo>
-                  <a:lnTo>
-                    <a:pt x="156" y="27"/>
-                  </a:lnTo>
-                  <a:lnTo>
-                    <a:pt x="0" y="0"/>
-                  </a:lnTo>
-                  <a:lnTo>
-                    <a:pt x="0" y="3"/>
-                  </a:lnTo>
-                  <a:close/>
-                </a:path>
-              </a:pathLst>
-            </a:custGeom>
-            <a:solidFill>
-              <a:schemeClr val="accent1">
-                <a:lumMod val="75000"/>
-              </a:schemeClr>
-            </a:solidFill>
-            <a:ln>
-              <a:noFill/>
-            </a:ln>
-          </p:spPr>
-        </p:sp>
-        <p:sp>
-          <p:nvSpPr>
-            <p:cNvPr id="36" name="Freeform 11">
-              <a:extLst>
-                <a:ext uri="{FF2B5EF4-FFF2-40B4-BE49-F238E27FC236}">
-                  <a16:creationId xmlns:a16="http://schemas.microsoft.com/office/drawing/2014/main" id="{633AF255-B0DD-4D23-A3F2-DDB221BB1B26}"/>
-                </a:ext>
-                <a:ext uri="{C183D7F6-B498-43B3-948B-1728B52AA6E4}">
-                  <adec:decorative xmlns:adec="http://schemas.microsoft.com/office/drawing/2017/decorative" val="1"/>
-                </a:ext>
-              </a:extLst>
-            </p:cNvPr>
-            <p:cNvSpPr/>
-            <p:nvPr>
-              <p:extLst>
-                <p:ext uri="{386F3935-93C4-4BCD-93E2-E3B085C9AB24}">
-                  <p16:designElem xmlns:p16="http://schemas.microsoft.com/office/powerpoint/2015/main" val="1"/>
-                </p:ext>
-              </p:extLst>
-            </p:nvPr>
-          </p:nvSpPr>
-          <p:spPr bwMode="auto">
-            <a:xfrm>
-              <a:off x="1320800" y="5238750"/>
-              <a:ext cx="1695450" cy="1619250"/>
-            </a:xfrm>
-            <a:custGeom>
-              <a:avLst/>
-              <a:gdLst/>
-              <a:ahLst/>
-              <a:cxnLst/>
-              <a:rect l="0" t="0" r="r" b="b"/>
-              <a:pathLst>
-                <a:path w="1068" h="1020">
-                  <a:moveTo>
-                    <a:pt x="1068" y="1020"/>
-                  </a:moveTo>
-                  <a:lnTo>
-                    <a:pt x="184" y="60"/>
-                  </a:lnTo>
-                  <a:lnTo>
-                    <a:pt x="154" y="27"/>
-                  </a:lnTo>
-                  <a:lnTo>
-                    <a:pt x="157" y="27"/>
-                  </a:lnTo>
-                  <a:lnTo>
-                    <a:pt x="157" y="24"/>
-                  </a:lnTo>
-                  <a:lnTo>
-                    <a:pt x="154" y="24"/>
-                  </a:lnTo>
-                  <a:lnTo>
-                    <a:pt x="0" y="0"/>
-                  </a:lnTo>
-                  <a:lnTo>
-                    <a:pt x="0" y="0"/>
-                  </a:lnTo>
-                  <a:lnTo>
-                    <a:pt x="774" y="1020"/>
-                  </a:lnTo>
-                  <a:lnTo>
-                    <a:pt x="1068" y="1020"/>
-                  </a:lnTo>
-                  <a:close/>
-                </a:path>
-              </a:pathLst>
-            </a:custGeom>
-            <a:solidFill>
-              <a:schemeClr val="tx1">
-                <a:lumMod val="75000"/>
-                <a:lumOff val="25000"/>
-              </a:schemeClr>
-            </a:solidFill>
-            <a:ln>
-              <a:noFill/>
-            </a:ln>
-          </p:spPr>
-        </p:sp>
-      </p:grpSp>
-      <p:sp>
-        <p:nvSpPr>
-          <p:cNvPr id="2" name="Title 1">
-            <a:extLst>
-              <a:ext uri="{FF2B5EF4-FFF2-40B4-BE49-F238E27FC236}">
-                <a16:creationId xmlns:a16="http://schemas.microsoft.com/office/drawing/2014/main" id="{E4A0F0BD-E0C7-8259-8736-AFF2EF2D5560}"/>
-              </a:ext>
-            </a:extLst>
-          </p:cNvPr>
-          <p:cNvSpPr>
-            <a:spLocks noGrp="1"/>
-          </p:cNvSpPr>
-          <p:nvPr>
-            <p:ph type="title"/>
-          </p:nvPr>
-        </p:nvSpPr>
-        <p:spPr>
-          <a:xfrm>
-            <a:off x="412025" y="1072609"/>
-            <a:ext cx="3041557" cy="4522647"/>
-          </a:xfrm>
-          <a:effectLst/>
-        </p:spPr>
-        <p:txBody>
-          <a:bodyPr anchor="ctr">
-            <a:normAutofit/>
-          </a:bodyPr>
-          <a:lstStyle/>
-          <a:p>
-            <a:pPr algn="l"/>
-            <a:r>
-              <a:rPr lang="en-GB" sz="3200">
-                <a:latin typeface="Arial" panose="020B0604020202020204" pitchFamily="34" charset="0"/>
-                <a:cs typeface="Arial" panose="020B0604020202020204" pitchFamily="34" charset="0"/>
-              </a:rPr>
-              <a:t>Introduction</a:t>
-            </a:r>
-          </a:p>
-        </p:txBody>
-      </p:sp>
-      <p:sp>
-        <p:nvSpPr>
-          <p:cNvPr id="3" name="Content Placeholder 2">
-            <a:extLst>
-              <a:ext uri="{FF2B5EF4-FFF2-40B4-BE49-F238E27FC236}">
-                <a16:creationId xmlns:a16="http://schemas.microsoft.com/office/drawing/2014/main" id="{7C9504D1-24EC-73A9-F103-FF5AD6C23F41}"/>
-              </a:ext>
-            </a:extLst>
-          </p:cNvPr>
-          <p:cNvSpPr>
-            <a:spLocks noGrp="1"/>
-          </p:cNvSpPr>
-          <p:nvPr>
-            <p:ph idx="1"/>
-          </p:nvPr>
-        </p:nvSpPr>
-        <p:spPr>
-          <a:xfrm>
-            <a:off x="5149032" y="1072609"/>
-            <a:ext cx="6652441" cy="4522647"/>
-          </a:xfrm>
-        </p:spPr>
-        <p:txBody>
-          <a:bodyPr anchor="ctr">
-            <a:normAutofit/>
-          </a:bodyPr>
-          <a:lstStyle/>
-          <a:p>
-            <a:pPr>
-              <a:lnSpc>
-                <a:spcPct val="90000"/>
-              </a:lnSpc>
-            </a:pPr>
-            <a:r>
-              <a:rPr lang="en-GB" sz="1400" u="sng">
-                <a:solidFill>
-                  <a:schemeClr val="bg1"/>
-                </a:solidFill>
-                <a:latin typeface="Arial" panose="020B0604020202020204" pitchFamily="34" charset="0"/>
-                <a:cs typeface="Arial" panose="020B0604020202020204" pitchFamily="34" charset="0"/>
-              </a:rPr>
-              <a:t>Who am I?</a:t>
-            </a:r>
-          </a:p>
-          <a:p>
-            <a:pPr marL="0" indent="0">
-              <a:lnSpc>
-                <a:spcPct val="90000"/>
-              </a:lnSpc>
-              <a:buNone/>
-            </a:pPr>
-            <a:r>
-              <a:rPr lang="en-GB" sz="1400">
-                <a:solidFill>
-                  <a:schemeClr val="bg1"/>
-                </a:solidFill>
-                <a:latin typeface="Arial" panose="020B0604020202020204" pitchFamily="34" charset="0"/>
-                <a:cs typeface="Arial" panose="020B0604020202020204" pitchFamily="34" charset="0"/>
-              </a:rPr>
-              <a:t>My name is Alex, I have little coding experience due to spending a career in the care industry. I had been working with children both as a youth worker and then later as a carer, working my way up to management level. </a:t>
-            </a:r>
-          </a:p>
-          <a:p>
-            <a:pPr marL="0" indent="0">
-              <a:lnSpc>
-                <a:spcPct val="90000"/>
-              </a:lnSpc>
-              <a:buNone/>
-            </a:pPr>
-            <a:r>
-              <a:rPr lang="en-GB" sz="1400">
-                <a:solidFill>
-                  <a:schemeClr val="bg1"/>
-                </a:solidFill>
-                <a:latin typeface="Arial" panose="020B0604020202020204" pitchFamily="34" charset="0"/>
-                <a:cs typeface="Arial" panose="020B0604020202020204" pitchFamily="34" charset="0"/>
-              </a:rPr>
-              <a:t>I have always had a interest and passion for computers and technology and so here we are today, my first presentation for my first project, building an application and documenting it all.</a:t>
-            </a:r>
-          </a:p>
-          <a:p>
-            <a:pPr>
-              <a:lnSpc>
-                <a:spcPct val="90000"/>
-              </a:lnSpc>
-            </a:pPr>
-            <a:r>
-              <a:rPr lang="en-GB" sz="1400" u="sng">
-                <a:solidFill>
-                  <a:schemeClr val="bg1"/>
-                </a:solidFill>
-                <a:latin typeface="Arial" panose="020B0604020202020204" pitchFamily="34" charset="0"/>
-                <a:cs typeface="Arial" panose="020B0604020202020204" pitchFamily="34" charset="0"/>
-              </a:rPr>
-              <a:t>How I approached the specification.</a:t>
-            </a:r>
-          </a:p>
-          <a:p>
-            <a:pPr marL="0" indent="0">
-              <a:lnSpc>
-                <a:spcPct val="90000"/>
-              </a:lnSpc>
-              <a:buNone/>
-            </a:pPr>
-            <a:r>
-              <a:rPr lang="en-GB" sz="1400">
-                <a:solidFill>
-                  <a:schemeClr val="bg1"/>
-                </a:solidFill>
-                <a:latin typeface="Arial" panose="020B0604020202020204" pitchFamily="34" charset="0"/>
-                <a:cs typeface="Arial" panose="020B0604020202020204" pitchFamily="34" charset="0"/>
-              </a:rPr>
-              <a:t>I was no strangers to specifications, having been to uni before and completing other qualifications however the shock for me was the level of experience I had compared to the specification. I approached it by going through the specification and first splitting the tasks into coding and documentation. Naturally my instinct was to complete the documentation however I realised that if I was stuck on some code I could take a breather by completing some of the documentation.</a:t>
-            </a:r>
-          </a:p>
-          <a:p>
-            <a:pPr marL="0" indent="0">
-              <a:lnSpc>
-                <a:spcPct val="90000"/>
-              </a:lnSpc>
-              <a:buNone/>
-            </a:pPr>
-            <a:r>
-              <a:rPr lang="en-GB" sz="1400">
-                <a:solidFill>
-                  <a:schemeClr val="bg1"/>
-                </a:solidFill>
-                <a:latin typeface="Arial" panose="020B0604020202020204" pitchFamily="34" charset="0"/>
-                <a:cs typeface="Arial" panose="020B0604020202020204" pitchFamily="34" charset="0"/>
-              </a:rPr>
-              <a:t>I then was able to with the coding systematically go down and try to complete each point.</a:t>
-            </a:r>
-          </a:p>
-        </p:txBody>
-      </p:sp>
-    </p:spTree>
-    <p:extLst>
-      <p:ext uri="{BB962C8B-B14F-4D97-AF65-F5344CB8AC3E}">
-        <p14:creationId xmlns:p14="http://schemas.microsoft.com/office/powerpoint/2010/main" val="3586943926"/>
-      </p:ext>
-    </p:extLst>
-  </p:cSld>
-  <p:clrMapOvr>
-    <a:masterClrMapping/>
-  </p:clrMapOvr>
-</p:sld>
-</file>
-
-<file path=ppt/slides/slide3.xml><?xml version="1.0" encoding="utf-8"?>
+<file path=ppt/slides/slide5.xml><?xml version="1.0" encoding="utf-8"?>
 <p:sld xmlns:a="http://schemas.openxmlformats.org/drawingml/2006/main" xmlns:r="http://schemas.openxmlformats.org/officeDocument/2006/relationships" xmlns:p="http://schemas.openxmlformats.org/presentationml/2006/main">
   <p:cSld>
     <p:bg>
@@ -19708,7 +14680,7 @@
           <p:cNvPr id="2" name="Title 1">
             <a:extLst>
               <a:ext uri="{FF2B5EF4-FFF2-40B4-BE49-F238E27FC236}">
-                <a16:creationId xmlns:a16="http://schemas.microsoft.com/office/drawing/2014/main" id="{6F6A2D77-421D-F793-DC0F-60BA3C7C44F3}"/>
+                <a16:creationId xmlns:a16="http://schemas.microsoft.com/office/drawing/2014/main" id="{FCC80DF5-F50C-2983-E66C-FF0E58245F61}"/>
               </a:ext>
             </a:extLst>
           </p:cNvPr>
@@ -19732,7 +14704,7 @@
           <a:lstStyle/>
           <a:p>
             <a:r>
-              <a:rPr lang="en-GB">
+              <a:rPr lang="en-GB" b="1">
                 <a:solidFill>
                   <a:srgbClr val="FFFFFF"/>
                 </a:solidFill>
@@ -19741,34 +14713,14 @@
                 <a:ea typeface="Calibri" panose="020F0502020204030204" pitchFamily="34" charset="0"/>
                 <a:cs typeface="Arial" panose="020B0604020202020204" pitchFamily="34" charset="0"/>
               </a:rPr>
-              <a:t>Consultant Journey</a:t>
+              <a:t>Testing</a:t>
             </a:r>
-            <a:br>
-              <a:rPr lang="en-GB">
-                <a:solidFill>
-                  <a:srgbClr val="FFFFFF"/>
-                </a:solidFill>
-                <a:effectLst/>
-                <a:latin typeface="Arial" panose="020B0604020202020204" pitchFamily="34" charset="0"/>
-                <a:ea typeface="Calibri" panose="020F0502020204030204" pitchFamily="34" charset="0"/>
-                <a:cs typeface="Arial" panose="020B0604020202020204" pitchFamily="34" charset="0"/>
-              </a:rPr>
-            </a:br>
-            <a:br>
-              <a:rPr lang="en-GB">
-                <a:solidFill>
-                  <a:srgbClr val="FFFFFF"/>
-                </a:solidFill>
-                <a:effectLst/>
-                <a:latin typeface="Segoe UI" panose="020B0502040204020203" pitchFamily="34" charset="0"/>
-                <a:ea typeface="Calibri" panose="020F0502020204030204" pitchFamily="34" charset="0"/>
-                <a:cs typeface="Symbol" panose="05050102010706020507" pitchFamily="18" charset="2"/>
-              </a:rPr>
-            </a:br>
             <a:endParaRPr lang="en-GB">
               <a:solidFill>
                 <a:srgbClr val="FFFFFF"/>
               </a:solidFill>
+              <a:latin typeface="Arial" panose="020B0604020202020204" pitchFamily="34" charset="0"/>
+              <a:cs typeface="Arial" panose="020B0604020202020204" pitchFamily="34" charset="0"/>
             </a:endParaRPr>
           </a:p>
         </p:txBody>
@@ -20196,41 +15148,114 @@
           </p:spPr>
         </p:sp>
       </p:grpSp>
-      <p:graphicFrame>
-        <p:nvGraphicFramePr>
-          <p:cNvPr id="5" name="Content Placeholder 2">
+      <p:sp>
+        <p:nvSpPr>
+          <p:cNvPr id="6" name="TextBox 5">
             <a:extLst>
               <a:ext uri="{FF2B5EF4-FFF2-40B4-BE49-F238E27FC236}">
-                <a16:creationId xmlns:a16="http://schemas.microsoft.com/office/drawing/2014/main" id="{251251E7-C793-EBC3-4CCE-A6B41FDC61C8}"/>
+                <a16:creationId xmlns:a16="http://schemas.microsoft.com/office/drawing/2014/main" id="{4A0BDC0C-B2D4-FD90-454B-AD37E1512904}"/>
               </a:ext>
             </a:extLst>
           </p:cNvPr>
-          <p:cNvGraphicFramePr>
-            <a:graphicFrameLocks noGrp="1"/>
-          </p:cNvGraphicFramePr>
-          <p:nvPr>
-            <p:ph idx="1"/>
-            <p:extLst>
-              <p:ext uri="{D42A27DB-BD31-4B8C-83A1-F6EECF244321}">
-                <p14:modId xmlns:p14="http://schemas.microsoft.com/office/powerpoint/2010/main" val="3152857572"/>
-              </p:ext>
-            </p:extLst>
-          </p:nvPr>
-        </p:nvGraphicFramePr>
-        <p:xfrm>
-          <a:off x="5010150" y="685800"/>
-          <a:ext cx="6492875" cy="5105400"/>
-        </p:xfrm>
-        <a:graphic>
-          <a:graphicData uri="http://schemas.openxmlformats.org/drawingml/2006/diagram">
-            <dgm:relIds xmlns:dgm="http://schemas.openxmlformats.org/drawingml/2006/diagram" xmlns:r="http://schemas.openxmlformats.org/officeDocument/2006/relationships" r:dm="rId2" r:lo="rId3" r:qs="rId4" r:cs="rId5"/>
-          </a:graphicData>
-        </a:graphic>
-      </p:graphicFrame>
+          <p:cNvSpPr txBox="1"/>
+          <p:nvPr/>
+        </p:nvSpPr>
+        <p:spPr>
+          <a:xfrm>
+            <a:off x="4476620" y="1753969"/>
+            <a:ext cx="7870955" cy="2893100"/>
+          </a:xfrm>
+          <a:prstGeom prst="rect">
+            <a:avLst/>
+          </a:prstGeom>
+          <a:noFill/>
+        </p:spPr>
+        <p:txBody>
+          <a:bodyPr wrap="square" rtlCol="0">
+            <a:spAutoFit/>
+          </a:bodyPr>
+          <a:lstStyle/>
+          <a:p>
+            <a:pPr algn="ctr"/>
+            <a:r>
+              <a:rPr lang="en-GB" sz="2800" u="sng" dirty="0">
+                <a:solidFill>
+                  <a:srgbClr val="2E2D2C"/>
+                </a:solidFill>
+                <a:effectLst/>
+                <a:latin typeface="Arial" panose="020B0604020202020204" pitchFamily="34" charset="0"/>
+                <a:ea typeface="Calibri" panose="020F0502020204030204" pitchFamily="34" charset="0"/>
+                <a:cs typeface="Arial" panose="020B0604020202020204" pitchFamily="34" charset="0"/>
+              </a:rPr>
+              <a:t>What was tested? </a:t>
+            </a:r>
+          </a:p>
+          <a:p>
+            <a:endParaRPr lang="en-GB" sz="2800" u="sng" dirty="0">
+              <a:solidFill>
+                <a:srgbClr val="2E2D2C"/>
+              </a:solidFill>
+              <a:effectLst/>
+              <a:latin typeface="Arial" panose="020B0604020202020204" pitchFamily="34" charset="0"/>
+              <a:ea typeface="Calibri" panose="020F0502020204030204" pitchFamily="34" charset="0"/>
+              <a:cs typeface="Arial" panose="020B0604020202020204" pitchFamily="34" charset="0"/>
+            </a:endParaRPr>
+          </a:p>
+          <a:p>
+            <a:pPr marL="285750" indent="-285750">
+              <a:buFont typeface="Arial" panose="020B0604020202020204" pitchFamily="34" charset="0"/>
+              <a:buChar char="•"/>
+            </a:pPr>
+            <a:r>
+              <a:rPr lang="en-GB" sz="1800" dirty="0">
+                <a:solidFill>
+                  <a:srgbClr val="2E2D2C"/>
+                </a:solidFill>
+                <a:latin typeface="Arial" panose="020B0604020202020204" pitchFamily="34" charset="0"/>
+                <a:ea typeface="Calibri" panose="020F0502020204030204" pitchFamily="34" charset="0"/>
+                <a:cs typeface="Arial" panose="020B0604020202020204" pitchFamily="34" charset="0"/>
+              </a:rPr>
+              <a:t>The testing process for me was a challenge and I strived to reach the industry standard of 80% and I was managed to get a coverage of 94%.</a:t>
+            </a:r>
+          </a:p>
+          <a:p>
+            <a:pPr marL="285750" indent="-285750">
+              <a:buFont typeface="Arial" panose="020B0604020202020204" pitchFamily="34" charset="0"/>
+              <a:buChar char="•"/>
+            </a:pPr>
+            <a:endParaRPr lang="en-GB" sz="1800" dirty="0">
+              <a:solidFill>
+                <a:srgbClr val="2E2D2C"/>
+              </a:solidFill>
+              <a:latin typeface="Arial" panose="020B0604020202020204" pitchFamily="34" charset="0"/>
+              <a:ea typeface="Calibri" panose="020F0502020204030204" pitchFamily="34" charset="0"/>
+              <a:cs typeface="Arial" panose="020B0604020202020204" pitchFamily="34" charset="0"/>
+            </a:endParaRPr>
+          </a:p>
+          <a:p>
+            <a:pPr marL="285750" indent="-285750">
+              <a:buFont typeface="Arial" panose="020B0604020202020204" pitchFamily="34" charset="0"/>
+              <a:buChar char="•"/>
+            </a:pPr>
+            <a:r>
+              <a:rPr lang="en-GB" dirty="0"/>
+              <a:t>My last project I struggled and it was very challenging to complete testing. This time round I had more knowledge of testing and took what I learned in class and implemented it into practice. </a:t>
+            </a:r>
+            <a:r>
+              <a:rPr lang="en-GB" dirty="0" err="1"/>
+              <a:t>Im</a:t>
+            </a:r>
+            <a:r>
+              <a:rPr lang="en-GB" dirty="0"/>
+              <a:t> very happy with my testing this time around.</a:t>
+            </a:r>
+          </a:p>
+        </p:txBody>
+      </p:sp>
     </p:spTree>
     <p:extLst>
       <p:ext uri="{BB962C8B-B14F-4D97-AF65-F5344CB8AC3E}">
-        <p14:creationId xmlns:p14="http://schemas.microsoft.com/office/powerpoint/2010/main" val="2119794806"/>
+        <p14:creationId xmlns:p14="http://schemas.microsoft.com/office/powerpoint/2010/main" val="153086361"/>
       </p:ext>
     </p:extLst>
   </p:cSld>
@@ -20240,7 +15265,198 @@
 </p:sld>
 </file>
 
-<file path=ppt/slides/slide4.xml><?xml version="1.0" encoding="utf-8"?>
+<file path=ppt/slides/slide6.xml><?xml version="1.0" encoding="utf-8"?>
+<p:sld xmlns:a="http://schemas.openxmlformats.org/drawingml/2006/main" xmlns:r="http://schemas.openxmlformats.org/officeDocument/2006/relationships" xmlns:p="http://schemas.openxmlformats.org/presentationml/2006/main">
+  <p:cSld>
+    <p:spTree>
+      <p:nvGrpSpPr>
+        <p:cNvPr id="1" name=""/>
+        <p:cNvGrpSpPr/>
+        <p:nvPr/>
+      </p:nvGrpSpPr>
+      <p:grpSpPr>
+        <a:xfrm>
+          <a:off x="0" y="0"/>
+          <a:ext cx="0" cy="0"/>
+          <a:chOff x="0" y="0"/>
+          <a:chExt cx="0" cy="0"/>
+        </a:xfrm>
+      </p:grpSpPr>
+      <p:pic>
+        <p:nvPicPr>
+          <p:cNvPr id="3" name="Picture 2" descr="A screenshot of a computer&#10;&#10;Description automatically generated">
+            <a:extLst>
+              <a:ext uri="{FF2B5EF4-FFF2-40B4-BE49-F238E27FC236}">
+                <a16:creationId xmlns:a16="http://schemas.microsoft.com/office/drawing/2014/main" id="{2576337B-DE3B-636B-0469-A24180F8D557}"/>
+              </a:ext>
+            </a:extLst>
+          </p:cNvPr>
+          <p:cNvPicPr>
+            <a:picLocks noChangeAspect="1"/>
+          </p:cNvPicPr>
+          <p:nvPr/>
+        </p:nvPicPr>
+        <p:blipFill>
+          <a:blip r:embed="rId2">
+            <a:extLst>
+              <a:ext uri="{28A0092B-C50C-407E-A947-70E740481C1C}">
+                <a14:useLocalDpi xmlns:a14="http://schemas.microsoft.com/office/drawing/2010/main" val="0"/>
+              </a:ext>
+            </a:extLst>
+          </a:blip>
+          <a:stretch>
+            <a:fillRect/>
+          </a:stretch>
+        </p:blipFill>
+        <p:spPr>
+          <a:xfrm>
+            <a:off x="63253" y="0"/>
+            <a:ext cx="12128747" cy="6858000"/>
+          </a:xfrm>
+          <a:prstGeom prst="rect">
+            <a:avLst/>
+          </a:prstGeom>
+        </p:spPr>
+      </p:pic>
+    </p:spTree>
+    <p:extLst>
+      <p:ext uri="{BB962C8B-B14F-4D97-AF65-F5344CB8AC3E}">
+        <p14:creationId xmlns:p14="http://schemas.microsoft.com/office/powerpoint/2010/main" val="3014322276"/>
+      </p:ext>
+    </p:extLst>
+  </p:cSld>
+  <p:clrMapOvr>
+    <a:masterClrMapping/>
+  </p:clrMapOvr>
+</p:sld>
+</file>
+
+<file path=ppt/slides/slide7.xml><?xml version="1.0" encoding="utf-8"?>
+<p:sld xmlns:a="http://schemas.openxmlformats.org/drawingml/2006/main" xmlns:r="http://schemas.openxmlformats.org/officeDocument/2006/relationships" xmlns:p="http://schemas.openxmlformats.org/presentationml/2006/main">
+  <p:cSld>
+    <p:spTree>
+      <p:nvGrpSpPr>
+        <p:cNvPr id="1" name=""/>
+        <p:cNvGrpSpPr/>
+        <p:nvPr/>
+      </p:nvGrpSpPr>
+      <p:grpSpPr>
+        <a:xfrm>
+          <a:off x="0" y="0"/>
+          <a:ext cx="0" cy="0"/>
+          <a:chOff x="0" y="0"/>
+          <a:chExt cx="0" cy="0"/>
+        </a:xfrm>
+      </p:grpSpPr>
+      <p:sp>
+        <p:nvSpPr>
+          <p:cNvPr id="3" name="Content Placeholder 2">
+            <a:extLst>
+              <a:ext uri="{FF2B5EF4-FFF2-40B4-BE49-F238E27FC236}">
+                <a16:creationId xmlns:a16="http://schemas.microsoft.com/office/drawing/2014/main" id="{5BF63A50-E392-62F6-69C4-92CE2F13B794}"/>
+              </a:ext>
+            </a:extLst>
+          </p:cNvPr>
+          <p:cNvSpPr>
+            <a:spLocks noGrp="1"/>
+          </p:cNvSpPr>
+          <p:nvPr>
+            <p:ph idx="1"/>
+          </p:nvPr>
+        </p:nvSpPr>
+        <p:spPr>
+          <a:xfrm>
+            <a:off x="7892119" y="1018638"/>
+            <a:ext cx="4186051" cy="3759200"/>
+          </a:xfrm>
+        </p:spPr>
+        <p:txBody>
+          <a:bodyPr>
+            <a:normAutofit lnSpcReduction="10000"/>
+          </a:bodyPr>
+          <a:lstStyle/>
+          <a:p>
+            <a:pPr marL="0" indent="0">
+              <a:buNone/>
+            </a:pPr>
+            <a:r>
+              <a:rPr lang="en-GB" dirty="0">
+                <a:hlinkClick r:id="rId2"/>
+              </a:rPr>
+              <a:t>Jira</a:t>
+            </a:r>
+            <a:r>
+              <a:rPr lang="en-GB" dirty="0"/>
+              <a:t>.</a:t>
+            </a:r>
+          </a:p>
+          <a:p>
+            <a:pPr marL="0" indent="0">
+              <a:buNone/>
+            </a:pPr>
+            <a:r>
+              <a:rPr lang="en-GB" dirty="0"/>
+              <a:t>This time around I was able to plan more effectively and was able to break down the points in my board and I was able to check them off with more efficiency this time around. I have learned this time that the sprint was so valuable to keep referring too </a:t>
+            </a:r>
+          </a:p>
+          <a:p>
+            <a:pPr marL="0" indent="0">
+              <a:buNone/>
+            </a:pPr>
+            <a:endParaRPr lang="en-GB" dirty="0"/>
+          </a:p>
+        </p:txBody>
+      </p:sp>
+      <p:pic>
+        <p:nvPicPr>
+          <p:cNvPr id="4" name="Picture 3" descr="Graphical user interface, application, Teams&#10;&#10;Description automatically generated">
+            <a:extLst>
+              <a:ext uri="{FF2B5EF4-FFF2-40B4-BE49-F238E27FC236}">
+                <a16:creationId xmlns:a16="http://schemas.microsoft.com/office/drawing/2014/main" id="{0D9B5926-D41F-D1BA-BAB0-65728A0F765F}"/>
+              </a:ext>
+            </a:extLst>
+          </p:cNvPr>
+          <p:cNvPicPr>
+            <a:picLocks noChangeAspect="1"/>
+          </p:cNvPicPr>
+          <p:nvPr/>
+        </p:nvPicPr>
+        <p:blipFill>
+          <a:blip r:embed="rId3">
+            <a:extLst>
+              <a:ext uri="{28A0092B-C50C-407E-A947-70E740481C1C}">
+                <a14:useLocalDpi xmlns:a14="http://schemas.microsoft.com/office/drawing/2010/main" val="0"/>
+              </a:ext>
+            </a:extLst>
+          </a:blip>
+          <a:stretch>
+            <a:fillRect/>
+          </a:stretch>
+        </p:blipFill>
+        <p:spPr>
+          <a:xfrm>
+            <a:off x="113830" y="653931"/>
+            <a:ext cx="7558291" cy="5925659"/>
+          </a:xfrm>
+          <a:prstGeom prst="rect">
+            <a:avLst/>
+          </a:prstGeom>
+        </p:spPr>
+      </p:pic>
+    </p:spTree>
+    <p:extLst>
+      <p:ext uri="{BB962C8B-B14F-4D97-AF65-F5344CB8AC3E}">
+        <p14:creationId xmlns:p14="http://schemas.microsoft.com/office/powerpoint/2010/main" val="3757754275"/>
+      </p:ext>
+    </p:extLst>
+  </p:cSld>
+  <p:clrMapOvr>
+    <a:masterClrMapping/>
+  </p:clrMapOvr>
+</p:sld>
+</file>
+
+<file path=ppt/slides/slide8.xml><?xml version="1.0" encoding="utf-8"?>
 <p:sld xmlns:a="http://schemas.openxmlformats.org/drawingml/2006/main" xmlns:r="http://schemas.openxmlformats.org/officeDocument/2006/relationships" xmlns:p="http://schemas.openxmlformats.org/presentationml/2006/main">
   <p:cSld>
     <p:bg>
@@ -20885,7 +16101,7 @@
           <p:cNvPr id="2" name="Title 1">
             <a:extLst>
               <a:ext uri="{FF2B5EF4-FFF2-40B4-BE49-F238E27FC236}">
-                <a16:creationId xmlns:a16="http://schemas.microsoft.com/office/drawing/2014/main" id="{AD21E2C4-AEE3-AEBD-65DE-0FF8C91E88F7}"/>
+                <a16:creationId xmlns:a16="http://schemas.microsoft.com/office/drawing/2014/main" id="{DF467CA8-775F-012B-DFB6-9A460E820E94}"/>
               </a:ext>
             </a:extLst>
           </p:cNvPr>
@@ -20898,7 +16114,7 @@
         </p:nvSpPr>
         <p:spPr>
           <a:xfrm>
-            <a:off x="412025" y="1072609"/>
+            <a:off x="753384" y="1072609"/>
             <a:ext cx="3041557" cy="4522647"/>
           </a:xfrm>
           <a:effectLst/>
@@ -20911,18 +16127,9 @@
           <a:p>
             <a:pPr algn="l"/>
             <a:r>
-              <a:rPr lang="en-GB" sz="3200" b="1">
-                <a:effectLst/>
-                <a:latin typeface="Arial" panose="020B0604020202020204" pitchFamily="34" charset="0"/>
-                <a:ea typeface="Calibri" panose="020F0502020204030204" pitchFamily="34" charset="0"/>
-                <a:cs typeface="Arial" panose="020B0604020202020204" pitchFamily="34" charset="0"/>
-              </a:rPr>
-              <a:t>CI</a:t>
+              <a:rPr lang="en-GB" sz="3200" dirty="0"/>
+              <a:t>Sprint review</a:t>
             </a:r>
-            <a:endParaRPr lang="en-GB" sz="3200">
-              <a:latin typeface="Arial" panose="020B0604020202020204" pitchFamily="34" charset="0"/>
-              <a:cs typeface="Arial" panose="020B0604020202020204" pitchFamily="34" charset="0"/>
-            </a:endParaRPr>
           </a:p>
         </p:txBody>
       </p:sp>
@@ -20931,7 +16138,7 @@
           <p:cNvPr id="3" name="Content Placeholder 2">
             <a:extLst>
               <a:ext uri="{FF2B5EF4-FFF2-40B4-BE49-F238E27FC236}">
-                <a16:creationId xmlns:a16="http://schemas.microsoft.com/office/drawing/2014/main" id="{BBA6BAEB-33D9-993A-65E9-F2DF8613A4F9}"/>
+                <a16:creationId xmlns:a16="http://schemas.microsoft.com/office/drawing/2014/main" id="{E87B4BA4-8195-1EC9-E582-43DC22C9B399}"/>
               </a:ext>
             </a:extLst>
           </p:cNvPr>
@@ -20954,14 +16161,8 @@
           </a:bodyPr>
           <a:lstStyle/>
           <a:p>
-            <a:pPr marL="0" indent="0">
-              <a:lnSpc>
-                <a:spcPct val="90000"/>
-              </a:lnSpc>
-              <a:buNone/>
-            </a:pPr>
             <a:r>
-              <a:rPr lang="en-GB" sz="1700" b="1">
+              <a:rPr lang="en-GB" sz="2000" u="sng" dirty="0">
                 <a:solidFill>
                   <a:schemeClr val="bg1"/>
                 </a:solidFill>
@@ -20970,86 +16171,87 @@
                 <a:ea typeface="Calibri" panose="020F0502020204030204" pitchFamily="34" charset="0"/>
                 <a:cs typeface="Arial" panose="020B0604020202020204" pitchFamily="34" charset="0"/>
               </a:rPr>
-              <a:t> </a:t>
+              <a:t> What got left behind? </a:t>
             </a:r>
-            <a:r>
-              <a:rPr lang="en-GB" sz="1700" u="sng">
-                <a:solidFill>
-                  <a:schemeClr val="bg1"/>
-                </a:solidFill>
-                <a:effectLst/>
-                <a:latin typeface="Arial" panose="020B0604020202020204" pitchFamily="34" charset="0"/>
-                <a:ea typeface="Calibri" panose="020F0502020204030204" pitchFamily="34" charset="0"/>
-                <a:cs typeface="Arial" panose="020B0604020202020204" pitchFamily="34" charset="0"/>
-              </a:rPr>
-              <a:t>How did you approach version control?</a:t>
-            </a:r>
-            <a:r>
-              <a:rPr lang="en-GB" sz="1700">
-                <a:solidFill>
-                  <a:schemeClr val="bg1"/>
-                </a:solidFill>
-                <a:effectLst/>
-                <a:latin typeface="Arial" panose="020B0604020202020204" pitchFamily="34" charset="0"/>
-                <a:ea typeface="Calibri" panose="020F0502020204030204" pitchFamily="34" charset="0"/>
-                <a:cs typeface="Arial" panose="020B0604020202020204" pitchFamily="34" charset="0"/>
-              </a:rPr>
-              <a:t> </a:t>
-            </a:r>
-            <a:endParaRPr lang="en-GB" sz="1700">
-              <a:solidFill>
-                <a:schemeClr val="bg1"/>
-              </a:solidFill>
-              <a:highlight>
-                <a:srgbClr val="FF0000"/>
-              </a:highlight>
-              <a:latin typeface="Arial" panose="020B0604020202020204" pitchFamily="34" charset="0"/>
-              <a:ea typeface="Calibri" panose="020F0502020204030204" pitchFamily="34" charset="0"/>
-              <a:cs typeface="Arial" panose="020B0604020202020204" pitchFamily="34" charset="0"/>
-            </a:endParaRPr>
           </a:p>
           <a:p>
             <a:pPr marL="0" indent="0">
-              <a:lnSpc>
-                <a:spcPct val="90000"/>
-              </a:lnSpc>
               <a:buNone/>
             </a:pPr>
             <a:r>
-              <a:rPr lang="en-GB" sz="1700">
+              <a:rPr lang="en-GB" sz="2000" dirty="0">
                 <a:solidFill>
                   <a:schemeClr val="bg1"/>
                 </a:solidFill>
                 <a:latin typeface="Arial" panose="020B0604020202020204" pitchFamily="34" charset="0"/>
                 <a:cs typeface="Arial" panose="020B0604020202020204" pitchFamily="34" charset="0"/>
               </a:rPr>
-              <a:t>My initial feeling about Git was more optimism than pessimism as I feel like I had a better understanding of how to use Git however I felt the start although I use the main dev feature branches I may have created too many branches . it also became very clear at the end of the day because I was working on so many different codes that I would end up pushing code to a feature which didn't necessarily correlate to the name. however when I got into github I could use the features there to pull and merge to the correct branches. Again only having two weeks knowledge slash experience of it I'm sure overtime with experience I'll learn to work on something and only push it too the branch it correlates to.</a:t>
+              <a:t>Unfortunately there were a few things that I didn't quite get completed or I didn't finish Simply because of timing :</a:t>
             </a:r>
           </a:p>
           <a:p>
-            <a:pPr marL="0" indent="0">
-              <a:lnSpc>
-                <a:spcPct val="90000"/>
-              </a:lnSpc>
-              <a:buNone/>
+            <a:pPr marL="514350" indent="-514350">
+              <a:buFont typeface="+mj-lt"/>
+              <a:buAutoNum type="arabicPeriod"/>
             </a:pPr>
             <a:r>
-              <a:rPr lang="en-GB" sz="1700">
+              <a:rPr lang="en-GB" sz="2000" dirty="0">
                 <a:solidFill>
                   <a:schemeClr val="bg1"/>
                 </a:solidFill>
                 <a:latin typeface="Arial" panose="020B0604020202020204" pitchFamily="34" charset="0"/>
                 <a:cs typeface="Arial" panose="020B0604020202020204" pitchFamily="34" charset="0"/>
               </a:rPr>
-              <a:t>I feel a big bonus for me is that it didn't go wrong on the side (touchwood). </a:t>
+              <a:t>I'm not fully aware with how to complete the UML</a:t>
             </a:r>
+          </a:p>
+          <a:p>
+            <a:pPr marL="514350" indent="-514350">
+              <a:buFont typeface="+mj-lt"/>
+              <a:buAutoNum type="arabicPeriod"/>
+            </a:pPr>
+            <a:r>
+              <a:rPr lang="en-GB" sz="2000" dirty="0">
+                <a:solidFill>
+                  <a:schemeClr val="bg1"/>
+                </a:solidFill>
+                <a:latin typeface="Arial" panose="020B0604020202020204" pitchFamily="34" charset="0"/>
+                <a:cs typeface="Arial" panose="020B0604020202020204" pitchFamily="34" charset="0"/>
+              </a:rPr>
+              <a:t>I need to develop knowledge with .</a:t>
+            </a:r>
+            <a:r>
+              <a:rPr lang="en-GB" sz="2000" dirty="0" err="1">
+                <a:solidFill>
+                  <a:schemeClr val="bg1"/>
+                </a:solidFill>
+                <a:latin typeface="Arial" panose="020B0604020202020204" pitchFamily="34" charset="0"/>
+                <a:cs typeface="Arial" panose="020B0604020202020204" pitchFamily="34" charset="0"/>
+              </a:rPr>
+              <a:t>gitignore</a:t>
+            </a:r>
+            <a:r>
+              <a:rPr lang="en-GB" sz="2000" dirty="0">
+                <a:solidFill>
+                  <a:schemeClr val="bg1"/>
+                </a:solidFill>
+                <a:latin typeface="Arial" panose="020B0604020202020204" pitchFamily="34" charset="0"/>
+                <a:cs typeface="Arial" panose="020B0604020202020204" pitchFamily="34" charset="0"/>
+              </a:rPr>
+              <a:t> files.</a:t>
+            </a:r>
+            <a:endParaRPr lang="en-GB" sz="2000" dirty="0">
+              <a:solidFill>
+                <a:schemeClr val="bg1"/>
+              </a:solidFill>
+            </a:endParaRPr>
           </a:p>
         </p:txBody>
       </p:sp>
     </p:spTree>
     <p:extLst>
       <p:ext uri="{BB962C8B-B14F-4D97-AF65-F5344CB8AC3E}">
-        <p14:creationId xmlns:p14="http://schemas.microsoft.com/office/powerpoint/2010/main" val="3516542511"/>
+        <p14:creationId xmlns:p14="http://schemas.microsoft.com/office/powerpoint/2010/main" val="4095347744"/>
       </p:ext>
     </p:extLst>
   </p:cSld>
@@ -21059,7 +16261,7 @@
 </p:sld>
 </file>
 
-<file path=ppt/slides/slide5.xml><?xml version="1.0" encoding="utf-8"?>
+<file path=ppt/slides/slide9.xml><?xml version="1.0" encoding="utf-8"?>
 <p:sld xmlns:a="http://schemas.openxmlformats.org/drawingml/2006/main" xmlns:r="http://schemas.openxmlformats.org/officeDocument/2006/relationships" xmlns:p="http://schemas.openxmlformats.org/presentationml/2006/main">
   <p:cSld>
     <p:bg>
@@ -21100,7 +16302,7 @@
       </p:grpSpPr>
       <p:sp useBgFill="1">
         <p:nvSpPr>
-          <p:cNvPr id="9" name="Rectangle 8">
+          <p:cNvPr id="24" name="Rectangle 23">
             <a:extLst>
               <a:ext uri="{FF2B5EF4-FFF2-40B4-BE49-F238E27FC236}">
                 <a16:creationId xmlns:a16="http://schemas.microsoft.com/office/drawing/2014/main" id="{94C52C56-BEF2-4E22-8C8E-A7AC96B03A72}"/>
@@ -21160,7 +16362,7 @@
       </p:sp>
       <p:sp>
         <p:nvSpPr>
-          <p:cNvPr id="11" name="Freeform: Shape 10">
+          <p:cNvPr id="26" name="Freeform: Shape 25">
             <a:extLst>
               <a:ext uri="{FF2B5EF4-FFF2-40B4-BE49-F238E27FC236}">
                 <a16:creationId xmlns:a16="http://schemas.microsoft.com/office/drawing/2014/main" id="{42285737-90EE-47DC-AC80-8AE156B11969}"/>
@@ -21318,7 +16520,7 @@
           <p:cNvPr id="2" name="Title 1">
             <a:extLst>
               <a:ext uri="{FF2B5EF4-FFF2-40B4-BE49-F238E27FC236}">
-                <a16:creationId xmlns:a16="http://schemas.microsoft.com/office/drawing/2014/main" id="{FCC80DF5-F50C-2983-E66C-FF0E58245F61}"/>
+                <a16:creationId xmlns:a16="http://schemas.microsoft.com/office/drawing/2014/main" id="{5F244F63-20F3-E9EF-2066-EA7242C79684}"/>
               </a:ext>
             </a:extLst>
           </p:cNvPr>
@@ -21342,7 +16544,7 @@
           <a:lstStyle/>
           <a:p>
             <a:r>
-              <a:rPr lang="en-GB" b="1">
+              <a:rPr lang="en-GB" sz="2800" b="1">
                 <a:solidFill>
                   <a:srgbClr val="FFFFFF"/>
                 </a:solidFill>
@@ -21351,21 +16553,30 @@
                 <a:ea typeface="Calibri" panose="020F0502020204030204" pitchFamily="34" charset="0"/>
                 <a:cs typeface="Arial" panose="020B0604020202020204" pitchFamily="34" charset="0"/>
               </a:rPr>
-              <a:t>Testing</a:t>
+              <a:t>Sprint retrospective</a:t>
             </a:r>
-            <a:endParaRPr lang="en-GB">
+            <a:br>
+              <a:rPr lang="en-GB" sz="2800">
+                <a:solidFill>
+                  <a:srgbClr val="FFFFFF"/>
+                </a:solidFill>
+                <a:effectLst/>
+                <a:latin typeface="Segoe UI" panose="020B0502040204020203" pitchFamily="34" charset="0"/>
+                <a:ea typeface="Calibri" panose="020F0502020204030204" pitchFamily="34" charset="0"/>
+                <a:cs typeface="Symbol" panose="05050102010706020507" pitchFamily="18" charset="2"/>
+              </a:rPr>
+            </a:br>
+            <a:endParaRPr lang="en-GB" sz="2800">
               <a:solidFill>
                 <a:srgbClr val="FFFFFF"/>
               </a:solidFill>
-              <a:latin typeface="Arial" panose="020B0604020202020204" pitchFamily="34" charset="0"/>
-              <a:cs typeface="Arial" panose="020B0604020202020204" pitchFamily="34" charset="0"/>
             </a:endParaRPr>
           </a:p>
         </p:txBody>
       </p:sp>
       <p:grpSp>
         <p:nvGrpSpPr>
-          <p:cNvPr id="13" name="Group 12">
+          <p:cNvPr id="28" name="Group 27">
             <a:extLst>
               <a:ext uri="{FF2B5EF4-FFF2-40B4-BE49-F238E27FC236}">
                 <a16:creationId xmlns:a16="http://schemas.microsoft.com/office/drawing/2014/main" id="{B57BDC17-F1B3-455F-BBF1-680AA1F25C06}"/>
@@ -21396,7 +16607,7 @@
         </p:grpSpPr>
         <p:sp>
           <p:nvSpPr>
-            <p:cNvPr id="14" name="Freeform 6">
+            <p:cNvPr id="29" name="Freeform 6">
               <a:extLst>
                 <a:ext uri="{FF2B5EF4-FFF2-40B4-BE49-F238E27FC236}">
                   <a16:creationId xmlns:a16="http://schemas.microsoft.com/office/drawing/2014/main" id="{64E2FA9A-FEF7-4501-B0EB-5E45EDD2177A}"/>
@@ -21457,7 +16668,7 @@
         </p:sp>
         <p:sp>
           <p:nvSpPr>
-            <p:cNvPr id="15" name="Freeform 7">
+            <p:cNvPr id="30" name="Freeform 7">
               <a:extLst>
                 <a:ext uri="{FF2B5EF4-FFF2-40B4-BE49-F238E27FC236}">
                   <a16:creationId xmlns:a16="http://schemas.microsoft.com/office/drawing/2014/main" id="{BC38192B-B4CB-47D4-A3B1-10010247F158}"/>
@@ -21521,7 +16732,7 @@
         </p:sp>
         <p:sp>
           <p:nvSpPr>
-            <p:cNvPr id="16" name="Freeform 8">
+            <p:cNvPr id="31" name="Freeform 8">
               <a:extLst>
                 <a:ext uri="{FF2B5EF4-FFF2-40B4-BE49-F238E27FC236}">
                   <a16:creationId xmlns:a16="http://schemas.microsoft.com/office/drawing/2014/main" id="{96330E33-E171-4B0F-82B5-AF7230399B5C}"/>
@@ -21582,7 +16793,7 @@
         </p:sp>
         <p:sp>
           <p:nvSpPr>
-            <p:cNvPr id="17" name="Freeform 9">
+            <p:cNvPr id="32" name="Freeform 9">
               <a:extLst>
                 <a:ext uri="{FF2B5EF4-FFF2-40B4-BE49-F238E27FC236}">
                   <a16:creationId xmlns:a16="http://schemas.microsoft.com/office/drawing/2014/main" id="{332B1723-69BF-42D7-B757-0FA059E15256}"/>
@@ -21642,7 +16853,7 @@
         </p:sp>
         <p:sp>
           <p:nvSpPr>
-            <p:cNvPr id="18" name="Freeform 10">
+            <p:cNvPr id="33" name="Freeform 10">
               <a:extLst>
                 <a:ext uri="{FF2B5EF4-FFF2-40B4-BE49-F238E27FC236}">
                   <a16:creationId xmlns:a16="http://schemas.microsoft.com/office/drawing/2014/main" id="{F115D62D-1E96-48D1-A78D-D370A0BFB9B5}"/>
@@ -21708,7 +16919,7 @@
         </p:sp>
         <p:sp>
           <p:nvSpPr>
-            <p:cNvPr id="19" name="Freeform 11">
+            <p:cNvPr id="34" name="Freeform 11">
               <a:extLst>
                 <a:ext uri="{FF2B5EF4-FFF2-40B4-BE49-F238E27FC236}">
                   <a16:creationId xmlns:a16="http://schemas.microsoft.com/office/drawing/2014/main" id="{91C2876A-169D-4822-A766-C00578C88B4B}"/>
@@ -21788,10 +16999,10 @@
       </p:grpSp>
       <p:graphicFrame>
         <p:nvGraphicFramePr>
-          <p:cNvPr id="5" name="Content Placeholder 2">
+          <p:cNvPr id="20" name="Content Placeholder 2">
             <a:extLst>
               <a:ext uri="{FF2B5EF4-FFF2-40B4-BE49-F238E27FC236}">
-                <a16:creationId xmlns:a16="http://schemas.microsoft.com/office/drawing/2014/main" id="{44925366-807E-C2CD-27D8-BD1B7B91BFFE}"/>
+                <a16:creationId xmlns:a16="http://schemas.microsoft.com/office/drawing/2014/main" id="{D7DE9699-266D-CA95-8922-723E962B1E97}"/>
               </a:ext>
             </a:extLst>
           </p:cNvPr>
@@ -21802,13 +17013,13 @@
             <p:ph idx="1"/>
             <p:extLst>
               <p:ext uri="{D42A27DB-BD31-4B8C-83A1-F6EECF244321}">
-                <p14:modId xmlns:p14="http://schemas.microsoft.com/office/powerpoint/2010/main" val="2623310543"/>
+                <p14:modId xmlns:p14="http://schemas.microsoft.com/office/powerpoint/2010/main" val="744798503"/>
               </p:ext>
             </p:extLst>
           </p:nvPr>
         </p:nvGraphicFramePr>
         <p:xfrm>
-          <a:off x="5010150" y="685800"/>
+          <a:off x="5079596" y="1517072"/>
           <a:ext cx="6492875" cy="5105400"/>
         </p:xfrm>
         <a:graphic>
@@ -21817,327 +17028,156 @@
           </a:graphicData>
         </a:graphic>
       </p:graphicFrame>
+      <p:grpSp>
+        <p:nvGrpSpPr>
+          <p:cNvPr id="23" name="Group 22">
+            <a:extLst>
+              <a:ext uri="{FF2B5EF4-FFF2-40B4-BE49-F238E27FC236}">
+                <a16:creationId xmlns:a16="http://schemas.microsoft.com/office/drawing/2014/main" id="{756C2BF0-A8B4-AA1D-FECF-3BA0057557C1}"/>
+              </a:ext>
+            </a:extLst>
+          </p:cNvPr>
+          <p:cNvGrpSpPr/>
+          <p:nvPr/>
+        </p:nvGrpSpPr>
+        <p:grpSpPr>
+          <a:xfrm>
+            <a:off x="5199731" y="163937"/>
+            <a:ext cx="6992269" cy="1544070"/>
+            <a:chOff x="0" y="27715"/>
+            <a:chExt cx="5096906" cy="1544070"/>
+          </a:xfrm>
+        </p:grpSpPr>
+        <p:sp>
+          <p:nvSpPr>
+            <p:cNvPr id="25" name="Rectangle 24">
+              <a:extLst>
+                <a:ext uri="{FF2B5EF4-FFF2-40B4-BE49-F238E27FC236}">
+                  <a16:creationId xmlns:a16="http://schemas.microsoft.com/office/drawing/2014/main" id="{BAEBC5B5-76CD-83C5-CD0B-9AFDF26B1523}"/>
+                </a:ext>
+              </a:extLst>
+            </p:cNvPr>
+            <p:cNvSpPr/>
+            <p:nvPr/>
+          </p:nvSpPr>
+          <p:spPr>
+            <a:xfrm>
+              <a:off x="0" y="27715"/>
+              <a:ext cx="5096906" cy="1544070"/>
+            </a:xfrm>
+            <a:prstGeom prst="rect">
+              <a:avLst/>
+            </a:prstGeom>
+          </p:spPr>
+          <p:style>
+            <a:lnRef idx="0">
+              <a:schemeClr val="dk1">
+                <a:alpha val="0"/>
+                <a:hueOff val="0"/>
+                <a:satOff val="0"/>
+                <a:lumOff val="0"/>
+                <a:alphaOff val="0"/>
+              </a:schemeClr>
+            </a:lnRef>
+            <a:fillRef idx="0">
+              <a:schemeClr val="lt1">
+                <a:alpha val="0"/>
+                <a:hueOff val="0"/>
+                <a:satOff val="0"/>
+                <a:lumOff val="0"/>
+                <a:alphaOff val="0"/>
+              </a:schemeClr>
+            </a:fillRef>
+            <a:effectRef idx="0">
+              <a:schemeClr val="lt1">
+                <a:alpha val="0"/>
+                <a:hueOff val="0"/>
+                <a:satOff val="0"/>
+                <a:lumOff val="0"/>
+                <a:alphaOff val="0"/>
+              </a:schemeClr>
+            </a:effectRef>
+            <a:fontRef idx="minor">
+              <a:schemeClr val="tx1">
+                <a:hueOff val="0"/>
+                <a:satOff val="0"/>
+                <a:lumOff val="0"/>
+                <a:alphaOff val="0"/>
+              </a:schemeClr>
+            </a:fontRef>
+          </p:style>
+        </p:sp>
+        <p:sp>
+          <p:nvSpPr>
+            <p:cNvPr id="27" name="TextBox 26">
+              <a:extLst>
+                <a:ext uri="{FF2B5EF4-FFF2-40B4-BE49-F238E27FC236}">
+                  <a16:creationId xmlns:a16="http://schemas.microsoft.com/office/drawing/2014/main" id="{94359966-FBE4-0F51-8ABD-0BECA5D21234}"/>
+                </a:ext>
+              </a:extLst>
+            </p:cNvPr>
+            <p:cNvSpPr txBox="1"/>
+            <p:nvPr/>
+          </p:nvSpPr>
+          <p:spPr>
+            <a:xfrm>
+              <a:off x="0" y="27715"/>
+              <a:ext cx="5096906" cy="1544070"/>
+            </a:xfrm>
+            <a:prstGeom prst="rect">
+              <a:avLst/>
+            </a:prstGeom>
+          </p:spPr>
+          <p:style>
+            <a:lnRef idx="0">
+              <a:scrgbClr r="0" g="0" b="0"/>
+            </a:lnRef>
+            <a:fillRef idx="0">
+              <a:scrgbClr r="0" g="0" b="0"/>
+            </a:fillRef>
+            <a:effectRef idx="0">
+              <a:scrgbClr r="0" g="0" b="0"/>
+            </a:effectRef>
+            <a:fontRef idx="minor">
+              <a:schemeClr val="tx1">
+                <a:hueOff val="0"/>
+                <a:satOff val="0"/>
+                <a:lumOff val="0"/>
+                <a:alphaOff val="0"/>
+              </a:schemeClr>
+            </a:fontRef>
+          </p:style>
+          <p:txBody>
+            <a:bodyPr spcFirstLastPara="0" vert="horz" wrap="square" lIns="163830" tIns="163830" rIns="163830" bIns="163830" numCol="1" spcCol="1270" anchor="t" anchorCtr="0">
+              <a:noAutofit/>
+            </a:bodyPr>
+            <a:lstStyle/>
+            <a:p>
+              <a:pPr marL="0" lvl="0" indent="0" algn="l" defTabSz="1911350">
+                <a:lnSpc>
+                  <a:spcPct val="90000"/>
+                </a:lnSpc>
+                <a:spcBef>
+                  <a:spcPct val="0"/>
+                </a:spcBef>
+                <a:spcAft>
+                  <a:spcPct val="35000"/>
+                </a:spcAft>
+                <a:buNone/>
+              </a:pPr>
+              <a:r>
+                <a:rPr lang="en-GB" sz="4300" u="sng" kern="1200" dirty="0"/>
+                <a:t>What could be improved?</a:t>
+              </a:r>
+              <a:endParaRPr lang="en-US" sz="4300" kern="1200" dirty="0"/>
+            </a:p>
+          </p:txBody>
+        </p:sp>
+      </p:grpSp>
     </p:spTree>
     <p:extLst>
       <p:ext uri="{BB962C8B-B14F-4D97-AF65-F5344CB8AC3E}">
-        <p14:creationId xmlns:p14="http://schemas.microsoft.com/office/powerpoint/2010/main" val="153086361"/>
-      </p:ext>
-    </p:extLst>
-  </p:cSld>
-  <p:clrMapOvr>
-    <a:masterClrMapping/>
-  </p:clrMapOvr>
-</p:sld>
-</file>
-
-<file path=ppt/slides/slide6.xml><?xml version="1.0" encoding="utf-8"?>
-<p:sld xmlns:a="http://schemas.openxmlformats.org/drawingml/2006/main" xmlns:r="http://schemas.openxmlformats.org/officeDocument/2006/relationships" xmlns:p="http://schemas.openxmlformats.org/presentationml/2006/main">
-  <p:cSld>
-    <p:spTree>
-      <p:nvGrpSpPr>
-        <p:cNvPr id="1" name=""/>
-        <p:cNvGrpSpPr/>
-        <p:nvPr/>
-      </p:nvGrpSpPr>
-      <p:grpSpPr>
-        <a:xfrm>
-          <a:off x="0" y="0"/>
-          <a:ext cx="0" cy="0"/>
-          <a:chOff x="0" y="0"/>
-          <a:chExt cx="0" cy="0"/>
-        </a:xfrm>
-      </p:grpSpPr>
-    </p:spTree>
-    <p:extLst>
-      <p:ext uri="{BB962C8B-B14F-4D97-AF65-F5344CB8AC3E}">
-        <p14:creationId xmlns:p14="http://schemas.microsoft.com/office/powerpoint/2010/main" val="3014322276"/>
-      </p:ext>
-    </p:extLst>
-  </p:cSld>
-  <p:clrMapOvr>
-    <a:masterClrMapping/>
-  </p:clrMapOvr>
-</p:sld>
-</file>
-
-<file path=ppt/slides/slide7.xml><?xml version="1.0" encoding="utf-8"?>
-<p:sld xmlns:a="http://schemas.openxmlformats.org/drawingml/2006/main" xmlns:r="http://schemas.openxmlformats.org/officeDocument/2006/relationships" xmlns:p="http://schemas.openxmlformats.org/presentationml/2006/main">
-  <p:cSld>
-    <p:spTree>
-      <p:nvGrpSpPr>
-        <p:cNvPr id="1" name=""/>
-        <p:cNvGrpSpPr/>
-        <p:nvPr/>
-      </p:nvGrpSpPr>
-      <p:grpSpPr>
-        <a:xfrm>
-          <a:off x="0" y="0"/>
-          <a:ext cx="0" cy="0"/>
-          <a:chOff x="0" y="0"/>
-          <a:chExt cx="0" cy="0"/>
-        </a:xfrm>
-      </p:grpSpPr>
-      <p:sp>
-        <p:nvSpPr>
-          <p:cNvPr id="2" name="Title 1">
-            <a:extLst>
-              <a:ext uri="{FF2B5EF4-FFF2-40B4-BE49-F238E27FC236}">
-                <a16:creationId xmlns:a16="http://schemas.microsoft.com/office/drawing/2014/main" id="{5602F0F0-DEA0-5F1A-8B4C-821C3BE6105B}"/>
-              </a:ext>
-            </a:extLst>
-          </p:cNvPr>
-          <p:cNvSpPr>
-            <a:spLocks noGrp="1"/>
-          </p:cNvSpPr>
-          <p:nvPr>
-            <p:ph type="title"/>
-          </p:nvPr>
-        </p:nvSpPr>
-        <p:spPr/>
-        <p:txBody>
-          <a:bodyPr/>
-          <a:lstStyle/>
-          <a:p>
-            <a:r>
-              <a:rPr lang="en-GB" sz="1800" b="1" dirty="0">
-                <a:solidFill>
-                  <a:srgbClr val="2E2D2C"/>
-                </a:solidFill>
-                <a:effectLst/>
-                <a:latin typeface="Montserrat" panose="00000500000000000000" pitchFamily="2" charset="0"/>
-                <a:ea typeface="Calibri" panose="020F0502020204030204" pitchFamily="34" charset="0"/>
-                <a:cs typeface="Symbol" panose="05050102010706020507" pitchFamily="18" charset="2"/>
-              </a:rPr>
-              <a:t>Demonstration</a:t>
-            </a:r>
-            <a:r>
-              <a:rPr lang="en-GB" sz="1800" b="1" dirty="0">
-                <a:solidFill>
-                  <a:srgbClr val="2E2D2C"/>
-                </a:solidFill>
-                <a:effectLst/>
-                <a:latin typeface="Montserrat Light" panose="00000400000000000000" pitchFamily="2" charset="0"/>
-                <a:ea typeface="Calibri" panose="020F0502020204030204" pitchFamily="34" charset="0"/>
-                <a:cs typeface="Symbol" panose="05050102010706020507" pitchFamily="18" charset="2"/>
-              </a:rPr>
-              <a:t>:</a:t>
-            </a:r>
-            <a:br>
-              <a:rPr lang="en-GB" sz="1800" dirty="0">
-                <a:solidFill>
-                  <a:srgbClr val="2E2D2C"/>
-                </a:solidFill>
-                <a:effectLst/>
-                <a:latin typeface="Segoe UI" panose="020B0502040204020203" pitchFamily="34" charset="0"/>
-                <a:ea typeface="Calibri" panose="020F0502020204030204" pitchFamily="34" charset="0"/>
-                <a:cs typeface="Symbol" panose="05050102010706020507" pitchFamily="18" charset="2"/>
-              </a:rPr>
-            </a:br>
-            <a:endParaRPr lang="en-GB" dirty="0"/>
-          </a:p>
-        </p:txBody>
-      </p:sp>
-      <p:sp>
-        <p:nvSpPr>
-          <p:cNvPr id="3" name="Content Placeholder 2">
-            <a:extLst>
-              <a:ext uri="{FF2B5EF4-FFF2-40B4-BE49-F238E27FC236}">
-                <a16:creationId xmlns:a16="http://schemas.microsoft.com/office/drawing/2014/main" id="{5BF63A50-E392-62F6-69C4-92CE2F13B794}"/>
-              </a:ext>
-            </a:extLst>
-          </p:cNvPr>
-          <p:cNvSpPr>
-            <a:spLocks noGrp="1"/>
-          </p:cNvSpPr>
-          <p:nvPr>
-            <p:ph idx="1"/>
-          </p:nvPr>
-        </p:nvSpPr>
-        <p:spPr>
-          <a:xfrm>
-            <a:off x="838200" y="1393825"/>
-            <a:ext cx="10515600" cy="4351338"/>
-          </a:xfrm>
-        </p:spPr>
-        <p:txBody>
-          <a:bodyPr/>
-          <a:lstStyle/>
-          <a:p>
-            <a:pPr marL="0" indent="0">
-              <a:buNone/>
-            </a:pPr>
-            <a:r>
-              <a:rPr lang="en-GB" dirty="0"/>
-              <a:t>So this is the part where we run through some of the user stories from </a:t>
-            </a:r>
-            <a:r>
-              <a:rPr lang="en-GB" dirty="0">
-                <a:hlinkClick r:id="rId2"/>
-              </a:rPr>
-              <a:t>Jira</a:t>
-            </a:r>
-            <a:r>
-              <a:rPr lang="en-GB" dirty="0"/>
-              <a:t>.</a:t>
-            </a:r>
-          </a:p>
-          <a:p>
-            <a:pPr marL="0" indent="0">
-              <a:buNone/>
-            </a:pPr>
-            <a:endParaRPr lang="en-GB" dirty="0"/>
-          </a:p>
-        </p:txBody>
-      </p:sp>
-    </p:spTree>
-    <p:extLst>
-      <p:ext uri="{BB962C8B-B14F-4D97-AF65-F5344CB8AC3E}">
-        <p14:creationId xmlns:p14="http://schemas.microsoft.com/office/powerpoint/2010/main" val="3757754275"/>
-      </p:ext>
-    </p:extLst>
-  </p:cSld>
-  <p:clrMapOvr>
-    <a:masterClrMapping/>
-  </p:clrMapOvr>
-</p:sld>
-</file>
-
-<file path=ppt/slides/slide8.xml><?xml version="1.0" encoding="utf-8"?>
-<p:sld xmlns:a="http://schemas.openxmlformats.org/drawingml/2006/main" xmlns:r="http://schemas.openxmlformats.org/officeDocument/2006/relationships" xmlns:p="http://schemas.openxmlformats.org/presentationml/2006/main">
-  <p:cSld>
-    <p:spTree>
-      <p:nvGrpSpPr>
-        <p:cNvPr id="1" name=""/>
-        <p:cNvGrpSpPr/>
-        <p:nvPr/>
-      </p:nvGrpSpPr>
-      <p:grpSpPr>
-        <a:xfrm>
-          <a:off x="0" y="0"/>
-          <a:ext cx="0" cy="0"/>
-          <a:chOff x="0" y="0"/>
-          <a:chExt cx="0" cy="0"/>
-        </a:xfrm>
-      </p:grpSpPr>
-      <p:sp>
-        <p:nvSpPr>
-          <p:cNvPr id="2" name="Title 1">
-            <a:extLst>
-              <a:ext uri="{FF2B5EF4-FFF2-40B4-BE49-F238E27FC236}">
-                <a16:creationId xmlns:a16="http://schemas.microsoft.com/office/drawing/2014/main" id="{02A7968B-6283-3B76-F876-1B23DE00A5FB}"/>
-              </a:ext>
-            </a:extLst>
-          </p:cNvPr>
-          <p:cNvSpPr>
-            <a:spLocks noGrp="1"/>
-          </p:cNvSpPr>
-          <p:nvPr>
-            <p:ph type="title"/>
-          </p:nvPr>
-        </p:nvSpPr>
-        <p:spPr/>
-        <p:txBody>
-          <a:bodyPr/>
-          <a:lstStyle/>
-          <a:p>
-            <a:r>
-              <a:rPr lang="en-GB" dirty="0"/>
-              <a:t>Demonstration continued</a:t>
-            </a:r>
-          </a:p>
-        </p:txBody>
-      </p:sp>
-    </p:spTree>
-    <p:extLst>
-      <p:ext uri="{BB962C8B-B14F-4D97-AF65-F5344CB8AC3E}">
-        <p14:creationId xmlns:p14="http://schemas.microsoft.com/office/powerpoint/2010/main" val="2350915257"/>
-      </p:ext>
-    </p:extLst>
-  </p:cSld>
-  <p:clrMapOvr>
-    <a:masterClrMapping/>
-  </p:clrMapOvr>
-</p:sld>
-</file>
-
-<file path=ppt/slides/slide9.xml><?xml version="1.0" encoding="utf-8"?>
-<p:sld xmlns:a="http://schemas.openxmlformats.org/drawingml/2006/main" xmlns:r="http://schemas.openxmlformats.org/officeDocument/2006/relationships" xmlns:p="http://schemas.openxmlformats.org/presentationml/2006/main">
-  <p:cSld>
-    <p:spTree>
-      <p:nvGrpSpPr>
-        <p:cNvPr id="1" name=""/>
-        <p:cNvGrpSpPr/>
-        <p:nvPr/>
-      </p:nvGrpSpPr>
-      <p:grpSpPr>
-        <a:xfrm>
-          <a:off x="0" y="0"/>
-          <a:ext cx="0" cy="0"/>
-          <a:chOff x="0" y="0"/>
-          <a:chExt cx="0" cy="0"/>
-        </a:xfrm>
-      </p:grpSpPr>
-      <p:sp>
-        <p:nvSpPr>
-          <p:cNvPr id="2" name="Title 1">
-            <a:extLst>
-              <a:ext uri="{FF2B5EF4-FFF2-40B4-BE49-F238E27FC236}">
-                <a16:creationId xmlns:a16="http://schemas.microsoft.com/office/drawing/2014/main" id="{6FECC681-0A15-36B3-2A7B-E1521E15FF21}"/>
-              </a:ext>
-            </a:extLst>
-          </p:cNvPr>
-          <p:cNvSpPr>
-            <a:spLocks noGrp="1"/>
-          </p:cNvSpPr>
-          <p:nvPr>
-            <p:ph type="title"/>
-          </p:nvPr>
-        </p:nvSpPr>
-        <p:spPr/>
-        <p:txBody>
-          <a:bodyPr/>
-          <a:lstStyle/>
-          <a:p>
-            <a:r>
-              <a:rPr lang="en-GB" dirty="0"/>
-              <a:t>Demonstration continued</a:t>
-            </a:r>
-          </a:p>
-        </p:txBody>
-      </p:sp>
-      <p:pic>
-        <p:nvPicPr>
-          <p:cNvPr id="5" name="Picture 4">
-            <a:extLst>
-              <a:ext uri="{FF2B5EF4-FFF2-40B4-BE49-F238E27FC236}">
-                <a16:creationId xmlns:a16="http://schemas.microsoft.com/office/drawing/2014/main" id="{42C6BB2C-DCA6-58F1-89E1-932E1DE69503}"/>
-              </a:ext>
-            </a:extLst>
-          </p:cNvPr>
-          <p:cNvPicPr>
-            <a:picLocks noChangeAspect="1"/>
-          </p:cNvPicPr>
-          <p:nvPr/>
-        </p:nvPicPr>
-        <p:blipFill rotWithShape="1">
-          <a:blip r:embed="rId2"/>
-          <a:srcRect l="4385" t="15778" r="4923" b="7056"/>
-          <a:stretch/>
-        </p:blipFill>
-        <p:spPr>
-          <a:xfrm>
-            <a:off x="703385" y="1568547"/>
-            <a:ext cx="11057206" cy="5289453"/>
-          </a:xfrm>
-          <a:prstGeom prst="rect">
-            <a:avLst/>
-          </a:prstGeom>
-        </p:spPr>
-      </p:pic>
-    </p:spTree>
-    <p:extLst>
-      <p:ext uri="{BB962C8B-B14F-4D97-AF65-F5344CB8AC3E}">
-        <p14:creationId xmlns:p14="http://schemas.microsoft.com/office/powerpoint/2010/main" val="1449276574"/>
+        <p14:creationId xmlns:p14="http://schemas.microsoft.com/office/powerpoint/2010/main" val="1052100732"/>
       </p:ext>
     </p:extLst>
   </p:cSld>
